--- a/slides/fr/Jour 1_Introduction_Fondamentaux.pptx
+++ b/slides/fr/Jour 1_Introduction_Fondamentaux.pptx
@@ -4076,14 +4076,14 @@
         </p:nvSpPr>
         <p:spPr/>
         <p:txBody>
-          <a:bodyPr>
+          <a:bodyPr anchor="ctr">
             <a:noAutofit/>
           </a:bodyPr>
           <a:lstStyle/>
           <a:p>
             <a:r>
-              <a:rPr lang="fr-FR" sz="4800" b="1"/>
-              <a:t>Analyse économétrique de données spatiales pour évaluer l'impact de politiques et de projets</a:t>
+              <a:rPr lang="fr-FR" sz="4800" b="1" dirty="0"/>
+              <a:t>Formation aux méthodes d’évaluation d’impact scientifiques</a:t>
             </a:r>
           </a:p>
         </p:txBody>

--- a/slides/fr/Jour 1_Introduction_Fondamentaux.pptx
+++ b/slides/fr/Jour 1_Introduction_Fondamentaux.pptx
@@ -5,7 +5,7 @@
     <p:sldMasterId id="2147483648" r:id="rId1"/>
   </p:sldMasterIdLst>
   <p:notesMasterIdLst>
-    <p:notesMasterId r:id="rId28"/>
+    <p:notesMasterId r:id="rId29"/>
   </p:notesMasterIdLst>
   <p:sldIdLst>
     <p:sldId id="256" r:id="rId2"/>
@@ -15,25 +15,26 @@
     <p:sldId id="308" r:id="rId6"/>
     <p:sldId id="262" r:id="rId7"/>
     <p:sldId id="260" r:id="rId8"/>
-    <p:sldId id="263" r:id="rId9"/>
-    <p:sldId id="257" r:id="rId10"/>
-    <p:sldId id="261" r:id="rId11"/>
-    <p:sldId id="267" r:id="rId12"/>
-    <p:sldId id="264" r:id="rId13"/>
-    <p:sldId id="265" r:id="rId14"/>
-    <p:sldId id="268" r:id="rId15"/>
-    <p:sldId id="269" r:id="rId16"/>
-    <p:sldId id="270" r:id="rId17"/>
-    <p:sldId id="271" r:id="rId18"/>
-    <p:sldId id="273" r:id="rId19"/>
-    <p:sldId id="274" r:id="rId20"/>
-    <p:sldId id="275" r:id="rId21"/>
-    <p:sldId id="301" r:id="rId22"/>
-    <p:sldId id="272" r:id="rId23"/>
-    <p:sldId id="283" r:id="rId24"/>
-    <p:sldId id="278" r:id="rId25"/>
-    <p:sldId id="279" r:id="rId26"/>
-    <p:sldId id="284" r:id="rId27"/>
+    <p:sldId id="309" r:id="rId9"/>
+    <p:sldId id="263" r:id="rId10"/>
+    <p:sldId id="257" r:id="rId11"/>
+    <p:sldId id="261" r:id="rId12"/>
+    <p:sldId id="267" r:id="rId13"/>
+    <p:sldId id="264" r:id="rId14"/>
+    <p:sldId id="265" r:id="rId15"/>
+    <p:sldId id="268" r:id="rId16"/>
+    <p:sldId id="269" r:id="rId17"/>
+    <p:sldId id="270" r:id="rId18"/>
+    <p:sldId id="271" r:id="rId19"/>
+    <p:sldId id="273" r:id="rId20"/>
+    <p:sldId id="274" r:id="rId21"/>
+    <p:sldId id="275" r:id="rId22"/>
+    <p:sldId id="301" r:id="rId23"/>
+    <p:sldId id="272" r:id="rId24"/>
+    <p:sldId id="283" r:id="rId25"/>
+    <p:sldId id="278" r:id="rId26"/>
+    <p:sldId id="279" r:id="rId27"/>
+    <p:sldId id="284" r:id="rId28"/>
   </p:sldIdLst>
   <p:sldSz cx="12192000" cy="6858000"/>
   <p:notesSz cx="6858000" cy="9144000"/>
@@ -222,7 +223,7 @@
           <a:p>
             <a:fld id="{382B4D05-7B27-4ACA-B390-629921E58724}" type="datetimeFigureOut">
               <a:rPr lang="fr-FR" smtClean="0"/>
-              <a:t>30/06/2025</a:t>
+              <a:t>01/07/2025</a:t>
             </a:fld>
             <a:endParaRPr lang="fr-FR"/>
           </a:p>
@@ -644,7 +645,7 @@
           <a:p>
             <a:fld id="{378096CA-EF1E-4B8D-B873-3207C4F2DF8F}" type="slidenum">
               <a:rPr lang="fr-FR" smtClean="0"/>
-              <a:t>8</a:t>
+              <a:t>9</a:t>
             </a:fld>
             <a:endParaRPr lang="fr-FR"/>
           </a:p>
@@ -731,7 +732,7 @@
           <a:p>
             <a:fld id="{378096CA-EF1E-4B8D-B873-3207C4F2DF8F}" type="slidenum">
               <a:rPr lang="fr-FR" smtClean="0"/>
-              <a:t>16</a:t>
+              <a:t>17</a:t>
             </a:fld>
             <a:endParaRPr lang="fr-FR"/>
           </a:p>
@@ -818,7 +819,7 @@
           <a:p>
             <a:fld id="{378096CA-EF1E-4B8D-B873-3207C4F2DF8F}" type="slidenum">
               <a:rPr lang="fr-FR" smtClean="0"/>
-              <a:t>22</a:t>
+              <a:t>23</a:t>
             </a:fld>
             <a:endParaRPr lang="fr-FR"/>
           </a:p>
@@ -984,7 +985,7 @@
           <a:p>
             <a:fld id="{858D3960-AD67-4093-BD43-25B40AABDC13}" type="datetimeFigureOut">
               <a:rPr lang="fr-FR" smtClean="0"/>
-              <a:t>30/06/2025</a:t>
+              <a:t>01/07/2025</a:t>
             </a:fld>
             <a:endParaRPr lang="fr-FR"/>
           </a:p>
@@ -1182,7 +1183,7 @@
           <a:p>
             <a:fld id="{858D3960-AD67-4093-BD43-25B40AABDC13}" type="datetimeFigureOut">
               <a:rPr lang="fr-FR" smtClean="0"/>
-              <a:t>30/06/2025</a:t>
+              <a:t>01/07/2025</a:t>
             </a:fld>
             <a:endParaRPr lang="fr-FR"/>
           </a:p>
@@ -1390,7 +1391,7 @@
           <a:p>
             <a:fld id="{858D3960-AD67-4093-BD43-25B40AABDC13}" type="datetimeFigureOut">
               <a:rPr lang="fr-FR" smtClean="0"/>
-              <a:t>30/06/2025</a:t>
+              <a:t>01/07/2025</a:t>
             </a:fld>
             <a:endParaRPr lang="fr-FR"/>
           </a:p>
@@ -1588,7 +1589,7 @@
           <a:p>
             <a:fld id="{858D3960-AD67-4093-BD43-25B40AABDC13}" type="datetimeFigureOut">
               <a:rPr lang="fr-FR" smtClean="0"/>
-              <a:t>30/06/2025</a:t>
+              <a:t>01/07/2025</a:t>
             </a:fld>
             <a:endParaRPr lang="fr-FR"/>
           </a:p>
@@ -1867,7 +1868,7 @@
           <a:p>
             <a:fld id="{858D3960-AD67-4093-BD43-25B40AABDC13}" type="datetimeFigureOut">
               <a:rPr lang="fr-FR" smtClean="0"/>
-              <a:t>30/06/2025</a:t>
+              <a:t>01/07/2025</a:t>
             </a:fld>
             <a:endParaRPr lang="fr-FR"/>
           </a:p>
@@ -2132,7 +2133,7 @@
           <a:p>
             <a:fld id="{858D3960-AD67-4093-BD43-25B40AABDC13}" type="datetimeFigureOut">
               <a:rPr lang="fr-FR" smtClean="0"/>
-              <a:t>30/06/2025</a:t>
+              <a:t>01/07/2025</a:t>
             </a:fld>
             <a:endParaRPr lang="fr-FR"/>
           </a:p>
@@ -2544,7 +2545,7 @@
           <a:p>
             <a:fld id="{858D3960-AD67-4093-BD43-25B40AABDC13}" type="datetimeFigureOut">
               <a:rPr lang="fr-FR" smtClean="0"/>
-              <a:t>30/06/2025</a:t>
+              <a:t>01/07/2025</a:t>
             </a:fld>
             <a:endParaRPr lang="fr-FR"/>
           </a:p>
@@ -2685,7 +2686,7 @@
           <a:p>
             <a:fld id="{858D3960-AD67-4093-BD43-25B40AABDC13}" type="datetimeFigureOut">
               <a:rPr lang="fr-FR" smtClean="0"/>
-              <a:t>30/06/2025</a:t>
+              <a:t>01/07/2025</a:t>
             </a:fld>
             <a:endParaRPr lang="fr-FR"/>
           </a:p>
@@ -2798,7 +2799,7 @@
           <a:p>
             <a:fld id="{858D3960-AD67-4093-BD43-25B40AABDC13}" type="datetimeFigureOut">
               <a:rPr lang="fr-FR" smtClean="0"/>
-              <a:t>30/06/2025</a:t>
+              <a:t>01/07/2025</a:t>
             </a:fld>
             <a:endParaRPr lang="fr-FR"/>
           </a:p>
@@ -3109,7 +3110,7 @@
           <a:p>
             <a:fld id="{858D3960-AD67-4093-BD43-25B40AABDC13}" type="datetimeFigureOut">
               <a:rPr lang="fr-FR" smtClean="0"/>
-              <a:t>30/06/2025</a:t>
+              <a:t>01/07/2025</a:t>
             </a:fld>
             <a:endParaRPr lang="fr-FR"/>
           </a:p>
@@ -3397,7 +3398,7 @@
           <a:p>
             <a:fld id="{858D3960-AD67-4093-BD43-25B40AABDC13}" type="datetimeFigureOut">
               <a:rPr lang="fr-FR" smtClean="0"/>
-              <a:t>30/06/2025</a:t>
+              <a:t>01/07/2025</a:t>
             </a:fld>
             <a:endParaRPr lang="fr-FR"/>
           </a:p>
@@ -3638,7 +3639,7 @@
           <a:p>
             <a:fld id="{858D3960-AD67-4093-BD43-25B40AABDC13}" type="datetimeFigureOut">
               <a:rPr lang="fr-FR" smtClean="0"/>
-              <a:t>30/06/2025</a:t>
+              <a:t>01/07/2025</a:t>
             </a:fld>
             <a:endParaRPr lang="fr-FR"/>
           </a:p>
@@ -4305,10 +4306,10 @@
       </p:grpSpPr>
       <p:sp>
         <p:nvSpPr>
-          <p:cNvPr id="4" name="Titre 3">
-            <a:extLst>
-              <a:ext uri="{FF2B5EF4-FFF2-40B4-BE49-F238E27FC236}">
-                <a16:creationId xmlns:a16="http://schemas.microsoft.com/office/drawing/2014/main" id="{5B922C7D-6B1B-BF9B-33ED-7AFE1F661739}"/>
+          <p:cNvPr id="2" name="Titre 1">
+            <a:extLst>
+              <a:ext uri="{FF2B5EF4-FFF2-40B4-BE49-F238E27FC236}">
+                <a16:creationId xmlns:a16="http://schemas.microsoft.com/office/drawing/2014/main" id="{B6AB6C78-2C2A-B682-BA50-025D58CE21AD}"/>
               </a:ext>
             </a:extLst>
           </p:cNvPr>
@@ -4328,18 +4329,18 @@
           <a:lstStyle/>
           <a:p>
             <a:r>
-              <a:rPr lang="fr-FR" dirty="0"/>
-              <a:t>Spécificités de l’évaluation d’impact scientifique</a:t>
-            </a:r>
-          </a:p>
-        </p:txBody>
-      </p:sp>
-      <p:sp>
-        <p:nvSpPr>
-          <p:cNvPr id="5" name="Espace réservé du texte 4">
-            <a:extLst>
-              <a:ext uri="{FF2B5EF4-FFF2-40B4-BE49-F238E27FC236}">
-                <a16:creationId xmlns:a16="http://schemas.microsoft.com/office/drawing/2014/main" id="{C497FE61-0F03-5032-7C2E-0226D3C68734}"/>
+              <a:rPr lang="fr-FR"/>
+              <a:t>Objectifs de cette session</a:t>
+            </a:r>
+          </a:p>
+        </p:txBody>
+      </p:sp>
+      <p:sp>
+        <p:nvSpPr>
+          <p:cNvPr id="3" name="Espace réservé du contenu 2">
+            <a:extLst>
+              <a:ext uri="{FF2B5EF4-FFF2-40B4-BE49-F238E27FC236}">
+                <a16:creationId xmlns:a16="http://schemas.microsoft.com/office/drawing/2014/main" id="{CE7FACAB-468A-6B2C-3515-E9FBE64AA8DA}"/>
               </a:ext>
             </a:extLst>
           </p:cNvPr>
@@ -4347,7 +4348,7 @@
             <a:spLocks noGrp="1"/>
           </p:cNvSpPr>
           <p:nvPr>
-            <p:ph type="body" idx="1"/>
+            <p:ph idx="1"/>
             <p:custDataLst>
               <p:tags r:id="rId2"/>
             </p:custDataLst>
@@ -4358,14 +4359,41 @@
           <a:bodyPr/>
           <a:lstStyle/>
           <a:p>
-            <a:endParaRPr lang="fr-FR"/>
+            <a:r>
+              <a:rPr lang="fr-FR"/>
+              <a:t>Spécificité des évaluations d’impact dans la « boite à outils » évaluative</a:t>
+            </a:r>
+          </a:p>
+          <a:p>
+            <a:r>
+              <a:rPr lang="fr-FR"/>
+              <a:t>Enjeux de l’évaluation d’impact</a:t>
+            </a:r>
+          </a:p>
+          <a:p>
+            <a:r>
+              <a:rPr lang="fr-FR"/>
+              <a:t>Cadre d’analyse économétrique de la causalité : le cadre des résultats potentiels de Rubin</a:t>
+            </a:r>
+          </a:p>
+          <a:p>
+            <a:r>
+              <a:rPr lang="fr-FR"/>
+              <a:t>Affiner sa compréhension des mécanismes de causalité : diagrammes acycliques orientés et combinaisons quanti-quali</a:t>
+            </a:r>
+          </a:p>
+          <a:p>
+            <a:r>
+              <a:rPr lang="fr-FR"/>
+              <a:t>Tour d’horizon des principales méthodes d’évaluation d’impact </a:t>
+            </a:r>
           </a:p>
         </p:txBody>
       </p:sp>
     </p:spTree>
     <p:extLst>
       <p:ext uri="{BB962C8B-B14F-4D97-AF65-F5344CB8AC3E}">
-        <p14:creationId xmlns:p14="http://schemas.microsoft.com/office/powerpoint/2010/main" val="623807200"/>
+        <p14:creationId xmlns:p14="http://schemas.microsoft.com/office/powerpoint/2010/main" val="2053272106"/>
       </p:ext>
     </p:extLst>
   </p:cSld>
@@ -4397,6 +4425,95 @@
           <p:cNvPr id="4" name="Titre 3">
             <a:extLst>
               <a:ext uri="{FF2B5EF4-FFF2-40B4-BE49-F238E27FC236}">
+                <a16:creationId xmlns:a16="http://schemas.microsoft.com/office/drawing/2014/main" id="{5B922C7D-6B1B-BF9B-33ED-7AFE1F661739}"/>
+              </a:ext>
+            </a:extLst>
+          </p:cNvPr>
+          <p:cNvSpPr>
+            <a:spLocks noGrp="1"/>
+          </p:cNvSpPr>
+          <p:nvPr>
+            <p:ph type="title"/>
+            <p:custDataLst>
+              <p:tags r:id="rId1"/>
+            </p:custDataLst>
+          </p:nvPr>
+        </p:nvSpPr>
+        <p:spPr/>
+        <p:txBody>
+          <a:bodyPr/>
+          <a:lstStyle/>
+          <a:p>
+            <a:r>
+              <a:rPr lang="fr-FR" dirty="0"/>
+              <a:t>Spécificités de l’évaluation d’impact scientifique</a:t>
+            </a:r>
+          </a:p>
+        </p:txBody>
+      </p:sp>
+      <p:sp>
+        <p:nvSpPr>
+          <p:cNvPr id="5" name="Espace réservé du texte 4">
+            <a:extLst>
+              <a:ext uri="{FF2B5EF4-FFF2-40B4-BE49-F238E27FC236}">
+                <a16:creationId xmlns:a16="http://schemas.microsoft.com/office/drawing/2014/main" id="{C497FE61-0F03-5032-7C2E-0226D3C68734}"/>
+              </a:ext>
+            </a:extLst>
+          </p:cNvPr>
+          <p:cNvSpPr>
+            <a:spLocks noGrp="1"/>
+          </p:cNvSpPr>
+          <p:nvPr>
+            <p:ph type="body" idx="1"/>
+            <p:custDataLst>
+              <p:tags r:id="rId2"/>
+            </p:custDataLst>
+          </p:nvPr>
+        </p:nvSpPr>
+        <p:spPr/>
+        <p:txBody>
+          <a:bodyPr/>
+          <a:lstStyle/>
+          <a:p>
+            <a:endParaRPr lang="fr-FR"/>
+          </a:p>
+        </p:txBody>
+      </p:sp>
+    </p:spTree>
+    <p:extLst>
+      <p:ext uri="{BB962C8B-B14F-4D97-AF65-F5344CB8AC3E}">
+        <p14:creationId xmlns:p14="http://schemas.microsoft.com/office/powerpoint/2010/main" val="623807200"/>
+      </p:ext>
+    </p:extLst>
+  </p:cSld>
+  <p:clrMapOvr>
+    <a:masterClrMapping/>
+  </p:clrMapOvr>
+</p:sld>
+</file>
+
+<file path=ppt/slides/slide12.xml><?xml version="1.0" encoding="utf-8"?>
+<p:sld xmlns:a="http://schemas.openxmlformats.org/drawingml/2006/main" xmlns:r="http://schemas.openxmlformats.org/officeDocument/2006/relationships" xmlns:p="http://schemas.openxmlformats.org/presentationml/2006/main">
+  <p:cSld>
+    <p:spTree>
+      <p:nvGrpSpPr>
+        <p:cNvPr id="1" name=""/>
+        <p:cNvGrpSpPr/>
+        <p:nvPr/>
+      </p:nvGrpSpPr>
+      <p:grpSpPr>
+        <a:xfrm>
+          <a:off x="0" y="0"/>
+          <a:ext cx="0" cy="0"/>
+          <a:chOff x="0" y="0"/>
+          <a:chExt cx="0" cy="0"/>
+        </a:xfrm>
+      </p:grpSpPr>
+      <p:sp>
+        <p:nvSpPr>
+          <p:cNvPr id="4" name="Titre 3">
+            <a:extLst>
+              <a:ext uri="{FF2B5EF4-FFF2-40B4-BE49-F238E27FC236}">
                 <a16:creationId xmlns:a16="http://schemas.microsoft.com/office/drawing/2014/main" id="{1D0C68DA-286D-E6F5-C06F-066616F2B7CD}"/>
               </a:ext>
             </a:extLst>
@@ -4501,7 +4618,7 @@
 </p:sld>
 </file>
 
-<file path=ppt/slides/slide12.xml><?xml version="1.0" encoding="utf-8"?>
+<file path=ppt/slides/slide13.xml><?xml version="1.0" encoding="utf-8"?>
 <p:sld xmlns:a="http://schemas.openxmlformats.org/drawingml/2006/main" xmlns:r="http://schemas.openxmlformats.org/officeDocument/2006/relationships" xmlns:p="http://schemas.openxmlformats.org/presentationml/2006/main">
   <p:cSld>
     <p:spTree>
@@ -5780,7 +5897,7 @@
 </p:sld>
 </file>
 
-<file path=ppt/slides/slide13.xml><?xml version="1.0" encoding="utf-8"?>
+<file path=ppt/slides/slide14.xml><?xml version="1.0" encoding="utf-8"?>
 <p:sld xmlns:a="http://schemas.openxmlformats.org/drawingml/2006/main" xmlns:r="http://schemas.openxmlformats.org/officeDocument/2006/relationships" xmlns:p="http://schemas.openxmlformats.org/presentationml/2006/main">
   <p:cSld>
     <p:spTree>
@@ -8092,7 +8209,7 @@
             </a:pPr>
             <a:fld id="{F9B19538-8328-489B-B6DE-FCE852F32308}" type="datetime1">
               <a:rPr lang="fr-FR" smtClean="0"/>
-              <a:t>30/06/2025</a:t>
+              <a:t>01/07/2025</a:t>
             </a:fld>
             <a:endParaRPr lang="fr-FR"/>
           </a:p>
@@ -9909,354 +10026,6 @@
 </p:sld>
 </file>
 
-<file path=ppt/slides/slide14.xml><?xml version="1.0" encoding="utf-8"?>
-<p:sld xmlns:a="http://schemas.openxmlformats.org/drawingml/2006/main" xmlns:r="http://schemas.openxmlformats.org/officeDocument/2006/relationships" xmlns:p="http://schemas.openxmlformats.org/presentationml/2006/main">
-  <p:cSld>
-    <p:spTree>
-      <p:nvGrpSpPr>
-        <p:cNvPr id="1" name=""/>
-        <p:cNvGrpSpPr/>
-        <p:nvPr/>
-      </p:nvGrpSpPr>
-      <p:grpSpPr>
-        <a:xfrm>
-          <a:off x="0" y="0"/>
-          <a:ext cx="0" cy="0"/>
-          <a:chOff x="0" y="0"/>
-          <a:chExt cx="0" cy="0"/>
-        </a:xfrm>
-      </p:grpSpPr>
-      <p:sp>
-        <p:nvSpPr>
-          <p:cNvPr id="10" name="Titre 9">
-            <a:extLst>
-              <a:ext uri="{FF2B5EF4-FFF2-40B4-BE49-F238E27FC236}">
-                <a16:creationId xmlns:a16="http://schemas.microsoft.com/office/drawing/2014/main" id="{058BE735-A0D1-03BD-D1EC-41A61B9E662B}"/>
-              </a:ext>
-            </a:extLst>
-          </p:cNvPr>
-          <p:cNvSpPr>
-            <a:spLocks noGrp="1"/>
-          </p:cNvSpPr>
-          <p:nvPr>
-            <p:ph type="title"/>
-            <p:custDataLst>
-              <p:tags r:id="rId1"/>
-            </p:custDataLst>
-          </p:nvPr>
-        </p:nvSpPr>
-        <p:spPr/>
-        <p:txBody>
-          <a:bodyPr/>
-          <a:lstStyle/>
-          <a:p>
-            <a:r>
-              <a:rPr lang="fr-FR"/>
-              <a:t>Différentes acceptions de l’impact</a:t>
-            </a:r>
-          </a:p>
-        </p:txBody>
-      </p:sp>
-      <p:sp>
-        <p:nvSpPr>
-          <p:cNvPr id="11" name="Espace réservé du texte 10">
-            <a:extLst>
-              <a:ext uri="{FF2B5EF4-FFF2-40B4-BE49-F238E27FC236}">
-                <a16:creationId xmlns:a16="http://schemas.microsoft.com/office/drawing/2014/main" id="{592E88BE-32E0-B2EB-7FA6-B49F5DD6FE66}"/>
-              </a:ext>
-            </a:extLst>
-          </p:cNvPr>
-          <p:cNvSpPr>
-            <a:spLocks noGrp="1"/>
-          </p:cNvSpPr>
-          <p:nvPr>
-            <p:ph type="body" idx="1"/>
-            <p:custDataLst>
-              <p:tags r:id="rId2"/>
-            </p:custDataLst>
-          </p:nvPr>
-        </p:nvSpPr>
-        <p:spPr/>
-        <p:txBody>
-          <a:bodyPr>
-            <a:normAutofit/>
-          </a:bodyPr>
-          <a:lstStyle/>
-          <a:p>
-            <a:r>
-              <a:rPr lang="fr-FR"/>
-              <a:t>Approche classique de l’évaluation du développement</a:t>
-            </a:r>
-          </a:p>
-        </p:txBody>
-      </p:sp>
-      <p:sp>
-        <p:nvSpPr>
-          <p:cNvPr id="12" name="Espace réservé du contenu 11">
-            <a:extLst>
-              <a:ext uri="{FF2B5EF4-FFF2-40B4-BE49-F238E27FC236}">
-                <a16:creationId xmlns:a16="http://schemas.microsoft.com/office/drawing/2014/main" id="{0DF30545-3412-CCEA-8702-D6ABD92879B2}"/>
-              </a:ext>
-            </a:extLst>
-          </p:cNvPr>
-          <p:cNvSpPr>
-            <a:spLocks noGrp="1"/>
-          </p:cNvSpPr>
-          <p:nvPr>
-            <p:ph sz="half" idx="2"/>
-            <p:custDataLst>
-              <p:tags r:id="rId3"/>
-            </p:custDataLst>
-          </p:nvPr>
-        </p:nvSpPr>
-        <p:spPr/>
-        <p:txBody>
-          <a:bodyPr>
-            <a:normAutofit fontScale="70000" lnSpcReduction="20000"/>
-          </a:bodyPr>
-          <a:lstStyle/>
-          <a:p>
-            <a:pPr>
-              <a:buFont typeface="Arial" panose="020B0604020202020204" pitchFamily="34" charset="0"/>
-              <a:buChar char="•"/>
-            </a:pPr>
-            <a:r>
-              <a:rPr lang="fr-FR" b="1"/>
-              <a:t>Définition</a:t>
-            </a:r>
-            <a:r>
-              <a:rPr lang="fr-FR"/>
-              <a:t> : « Mesure dans laquelle l’intervention a produit, ou devrait produire, des effets importants et de vaste portée, positifs ou négatifs, intentionnels ou non. » (CAD-OCDE, 2019) </a:t>
-            </a:r>
-          </a:p>
-          <a:p>
-            <a:pPr>
-              <a:buFont typeface="Arial" panose="020B0604020202020204" pitchFamily="34" charset="0"/>
-              <a:buChar char="•"/>
-            </a:pPr>
-            <a:r>
-              <a:rPr lang="fr-FR" b="1"/>
-              <a:t>Spécificités</a:t>
-            </a:r>
-            <a:r>
-              <a:rPr lang="fr-FR"/>
-              <a:t> :</a:t>
-            </a:r>
-          </a:p>
-          <a:p>
-            <a:pPr marL="742950" lvl="1" indent="-285750">
-              <a:buFont typeface="Arial" panose="020B0604020202020204" pitchFamily="34" charset="0"/>
-              <a:buChar char="•"/>
-            </a:pPr>
-            <a:r>
-              <a:rPr lang="fr-FR" sz="2900"/>
-              <a:t>Adopte une perspective </a:t>
-            </a:r>
-            <a:r>
-              <a:rPr lang="fr-FR" sz="2900" b="1"/>
-              <a:t>holistique</a:t>
-            </a:r>
-            <a:r>
-              <a:rPr lang="fr-FR" sz="2900"/>
-              <a:t>, englobant une gamme variée d'effets.</a:t>
-            </a:r>
-          </a:p>
-          <a:p>
-            <a:pPr marL="742950" lvl="1" indent="-285750">
-              <a:buFont typeface="Arial" panose="020B0604020202020204" pitchFamily="34" charset="0"/>
-              <a:buChar char="•"/>
-            </a:pPr>
-            <a:r>
-              <a:rPr lang="fr-FR" sz="2900"/>
-              <a:t>Est orientée vers des effets </a:t>
-            </a:r>
-            <a:r>
-              <a:rPr lang="fr-FR" sz="2900" b="1"/>
-              <a:t>durables</a:t>
-            </a:r>
-            <a:r>
-              <a:rPr lang="fr-FR" sz="2900"/>
-              <a:t> et de </a:t>
-            </a:r>
-            <a:r>
-              <a:rPr lang="fr-FR" sz="2900" b="1"/>
-              <a:t>long terme</a:t>
-            </a:r>
-            <a:r>
-              <a:rPr lang="fr-FR" sz="2900"/>
-              <a:t>.</a:t>
-            </a:r>
-          </a:p>
-          <a:p>
-            <a:pPr marL="742950" lvl="1" indent="-285750">
-              <a:buFont typeface="Arial" panose="020B0604020202020204" pitchFamily="34" charset="0"/>
-              <a:buChar char="•"/>
-            </a:pPr>
-            <a:r>
-              <a:rPr lang="fr-FR" sz="2900"/>
-              <a:t>Reconnaît l'existence d'effets </a:t>
-            </a:r>
-            <a:r>
-              <a:rPr lang="fr-FR" sz="2900" b="1"/>
-              <a:t>non intentionnels</a:t>
-            </a:r>
-            <a:r>
-              <a:rPr lang="fr-FR" sz="2900"/>
-              <a:t>, qu'ils soient positifs ou négatifs.</a:t>
-            </a:r>
-          </a:p>
-        </p:txBody>
-      </p:sp>
-      <p:sp>
-        <p:nvSpPr>
-          <p:cNvPr id="13" name="Espace réservé du texte 12">
-            <a:extLst>
-              <a:ext uri="{FF2B5EF4-FFF2-40B4-BE49-F238E27FC236}">
-                <a16:creationId xmlns:a16="http://schemas.microsoft.com/office/drawing/2014/main" id="{396CA74F-36E3-EE32-E082-709E06FD8859}"/>
-              </a:ext>
-            </a:extLst>
-          </p:cNvPr>
-          <p:cNvSpPr>
-            <a:spLocks noGrp="1"/>
-          </p:cNvSpPr>
-          <p:nvPr>
-            <p:ph type="body" sz="quarter" idx="3"/>
-            <p:custDataLst>
-              <p:tags r:id="rId4"/>
-            </p:custDataLst>
-          </p:nvPr>
-        </p:nvSpPr>
-        <p:spPr/>
-        <p:txBody>
-          <a:bodyPr>
-            <a:normAutofit/>
-          </a:bodyPr>
-          <a:lstStyle/>
-          <a:p>
-            <a:r>
-              <a:rPr lang="fr-FR"/>
-              <a:t>Approches scientifiques (en particulier économétriques)</a:t>
-            </a:r>
-          </a:p>
-        </p:txBody>
-      </p:sp>
-      <p:sp>
-        <p:nvSpPr>
-          <p:cNvPr id="14" name="Espace réservé du contenu 13">
-            <a:extLst>
-              <a:ext uri="{FF2B5EF4-FFF2-40B4-BE49-F238E27FC236}">
-                <a16:creationId xmlns:a16="http://schemas.microsoft.com/office/drawing/2014/main" id="{441B42C4-1058-8CEC-19CC-8A9698A54A66}"/>
-              </a:ext>
-            </a:extLst>
-          </p:cNvPr>
-          <p:cNvSpPr>
-            <a:spLocks noGrp="1"/>
-          </p:cNvSpPr>
-          <p:nvPr>
-            <p:ph sz="quarter" idx="4"/>
-            <p:custDataLst>
-              <p:tags r:id="rId5"/>
-            </p:custDataLst>
-          </p:nvPr>
-        </p:nvSpPr>
-        <p:spPr/>
-        <p:txBody>
-          <a:bodyPr>
-            <a:normAutofit fontScale="70000" lnSpcReduction="20000"/>
-          </a:bodyPr>
-          <a:lstStyle/>
-          <a:p>
-            <a:pPr>
-              <a:buFont typeface="Arial" panose="020B0604020202020204" pitchFamily="34" charset="0"/>
-              <a:buChar char="•"/>
-            </a:pPr>
-            <a:r>
-              <a:rPr lang="fr-FR" b="1"/>
-              <a:t>Définition</a:t>
-            </a:r>
-            <a:r>
-              <a:rPr lang="fr-FR"/>
-              <a:t> : « La différence entre le résultat observé avec l'intervention et le résultat qui aurait été observé sans elle. » (Angrist et Pischke, 2009)</a:t>
-            </a:r>
-          </a:p>
-          <a:p>
-            <a:pPr>
-              <a:buFont typeface="Arial" panose="020B0604020202020204" pitchFamily="34" charset="0"/>
-              <a:buChar char="•"/>
-            </a:pPr>
-            <a:r>
-              <a:rPr lang="fr-FR" b="1"/>
-              <a:t>Spécificités</a:t>
-            </a:r>
-            <a:r>
-              <a:rPr lang="fr-FR"/>
-              <a:t> :</a:t>
-            </a:r>
-          </a:p>
-          <a:p>
-            <a:pPr marL="742950" lvl="1" indent="-285750">
-              <a:buFont typeface="Arial" panose="020B0604020202020204" pitchFamily="34" charset="0"/>
-              <a:buChar char="•"/>
-            </a:pPr>
-            <a:r>
-              <a:rPr lang="fr-FR" sz="2900"/>
-              <a:t>Se focalise sur des effets </a:t>
-            </a:r>
-            <a:r>
-              <a:rPr lang="fr-FR" sz="2900" b="1"/>
-              <a:t>à court terme</a:t>
-            </a:r>
-            <a:r>
-              <a:rPr lang="fr-FR" sz="2900"/>
-              <a:t> : relèvent souvent de l'éfficacit.</a:t>
-            </a:r>
-          </a:p>
-          <a:p>
-            <a:pPr marL="742950" lvl="1" indent="-285750">
-              <a:buFont typeface="Arial" panose="020B0604020202020204" pitchFamily="34" charset="0"/>
-              <a:buChar char="•"/>
-            </a:pPr>
-            <a:r>
-              <a:rPr lang="fr-FR" sz="2900"/>
-              <a:t>Adopte une rigueur méthodologique pour isoler l'effet de l'intervention des autres facteurs.</a:t>
-            </a:r>
-          </a:p>
-          <a:p>
-            <a:pPr marL="742950" lvl="1" indent="-285750">
-              <a:buFont typeface="Arial" panose="020B0604020202020204" pitchFamily="34" charset="0"/>
-              <a:buChar char="•"/>
-            </a:pPr>
-            <a:r>
-              <a:rPr lang="fr-FR" sz="2900"/>
-              <a:t>Priorise la </a:t>
-            </a:r>
-            <a:r>
-              <a:rPr lang="fr-FR" sz="2900" b="1"/>
-              <a:t>causalité</a:t>
-            </a:r>
-            <a:r>
-              <a:rPr lang="fr-FR" sz="2900"/>
-              <a:t>, cherchant à déterminer les effets directs et mesurables d'une action.</a:t>
-            </a:r>
-          </a:p>
-          <a:p>
-            <a:endParaRPr lang="fr-FR"/>
-          </a:p>
-        </p:txBody>
-      </p:sp>
-    </p:spTree>
-    <p:extLst>
-      <p:ext uri="{BB962C8B-B14F-4D97-AF65-F5344CB8AC3E}">
-        <p14:creationId xmlns:p14="http://schemas.microsoft.com/office/powerpoint/2010/main" val="1150898721"/>
-      </p:ext>
-    </p:extLst>
-  </p:cSld>
-  <p:clrMapOvr>
-    <a:masterClrMapping/>
-  </p:clrMapOvr>
-</p:sld>
-</file>
-
 <file path=ppt/slides/slide15.xml><?xml version="1.0" encoding="utf-8"?>
 <p:sld xmlns:a="http://schemas.openxmlformats.org/drawingml/2006/main" xmlns:r="http://schemas.openxmlformats.org/officeDocument/2006/relationships" xmlns:p="http://schemas.openxmlformats.org/presentationml/2006/main">
   <p:cSld>
@@ -10276,10 +10045,10 @@
       </p:grpSpPr>
       <p:sp>
         <p:nvSpPr>
-          <p:cNvPr id="7" name="Titre 6">
-            <a:extLst>
-              <a:ext uri="{FF2B5EF4-FFF2-40B4-BE49-F238E27FC236}">
-                <a16:creationId xmlns:a16="http://schemas.microsoft.com/office/drawing/2014/main" id="{E400F466-A91D-D2CA-B1E2-E0C18A1B3FDF}"/>
+          <p:cNvPr id="10" name="Titre 9">
+            <a:extLst>
+              <a:ext uri="{FF2B5EF4-FFF2-40B4-BE49-F238E27FC236}">
+                <a16:creationId xmlns:a16="http://schemas.microsoft.com/office/drawing/2014/main" id="{058BE735-A0D1-03BD-D1EC-41A61B9E662B}"/>
               </a:ext>
             </a:extLst>
           </p:cNvPr>
@@ -10293,32 +10062,57 @@
             </p:custDataLst>
           </p:nvPr>
         </p:nvSpPr>
-        <p:spPr>
-          <a:xfrm>
-            <a:off x="831850" y="1709739"/>
-            <a:ext cx="10515600" cy="2232342"/>
-          </a:xfrm>
-        </p:spPr>
+        <p:spPr/>
+        <p:txBody>
+          <a:bodyPr/>
+          <a:lstStyle/>
+          <a:p>
+            <a:r>
+              <a:rPr lang="fr-FR"/>
+              <a:t>Différentes acceptions de l’impact</a:t>
+            </a:r>
+          </a:p>
+        </p:txBody>
+      </p:sp>
+      <p:sp>
+        <p:nvSpPr>
+          <p:cNvPr id="11" name="Espace réservé du texte 10">
+            <a:extLst>
+              <a:ext uri="{FF2B5EF4-FFF2-40B4-BE49-F238E27FC236}">
+                <a16:creationId xmlns:a16="http://schemas.microsoft.com/office/drawing/2014/main" id="{592E88BE-32E0-B2EB-7FA6-B49F5DD6FE66}"/>
+              </a:ext>
+            </a:extLst>
+          </p:cNvPr>
+          <p:cNvSpPr>
+            <a:spLocks noGrp="1"/>
+          </p:cNvSpPr>
+          <p:nvPr>
+            <p:ph type="body" idx="1"/>
+            <p:custDataLst>
+              <p:tags r:id="rId2"/>
+            </p:custDataLst>
+          </p:nvPr>
+        </p:nvSpPr>
+        <p:spPr/>
         <p:txBody>
           <a:bodyPr>
             <a:normAutofit/>
           </a:bodyPr>
           <a:lstStyle/>
           <a:p>
-            <a:pPr algn="ctr"/>
-            <a:r>
-              <a:rPr lang="fr-FR" sz="4800"/>
-              <a:t>Discussion</a:t>
-            </a:r>
-          </a:p>
-        </p:txBody>
-      </p:sp>
-      <p:sp>
-        <p:nvSpPr>
-          <p:cNvPr id="8" name="Espace réservé du texte 7">
-            <a:extLst>
-              <a:ext uri="{FF2B5EF4-FFF2-40B4-BE49-F238E27FC236}">
-                <a16:creationId xmlns:a16="http://schemas.microsoft.com/office/drawing/2014/main" id="{8BA47168-526C-482B-4A6D-E14A0C0A3BF9}"/>
+            <a:r>
+              <a:rPr lang="fr-FR"/>
+              <a:t>Approche classique de l’évaluation du développement</a:t>
+            </a:r>
+          </a:p>
+        </p:txBody>
+      </p:sp>
+      <p:sp>
+        <p:nvSpPr>
+          <p:cNvPr id="12" name="Espace réservé du contenu 11">
+            <a:extLst>
+              <a:ext uri="{FF2B5EF4-FFF2-40B4-BE49-F238E27FC236}">
+                <a16:creationId xmlns:a16="http://schemas.microsoft.com/office/drawing/2014/main" id="{0DF30545-3412-CCEA-8702-D6ABD92879B2}"/>
               </a:ext>
             </a:extLst>
           </p:cNvPr>
@@ -10326,18 +10120,130 @@
             <a:spLocks noGrp="1"/>
           </p:cNvSpPr>
           <p:nvPr>
-            <p:ph type="body" idx="1"/>
+            <p:ph sz="half" idx="2"/>
             <p:custDataLst>
-              <p:tags r:id="rId2"/>
+              <p:tags r:id="rId3"/>
             </p:custDataLst>
           </p:nvPr>
         </p:nvSpPr>
-        <p:spPr>
-          <a:xfrm>
-            <a:off x="831850" y="4589463"/>
-            <a:ext cx="10515600" cy="1500187"/>
-          </a:xfrm>
-        </p:spPr>
+        <p:spPr/>
+        <p:txBody>
+          <a:bodyPr>
+            <a:normAutofit fontScale="70000" lnSpcReduction="20000"/>
+          </a:bodyPr>
+          <a:lstStyle/>
+          <a:p>
+            <a:pPr>
+              <a:buFont typeface="Arial" panose="020B0604020202020204" pitchFamily="34" charset="0"/>
+              <a:buChar char="•"/>
+            </a:pPr>
+            <a:r>
+              <a:rPr lang="fr-FR" b="1"/>
+              <a:t>Définition</a:t>
+            </a:r>
+            <a:r>
+              <a:rPr lang="fr-FR"/>
+              <a:t> : « Mesure dans laquelle l’intervention a produit, ou devrait produire, des effets importants et de vaste portée, positifs ou négatifs, intentionnels ou non. » (CAD-OCDE, 2019) </a:t>
+            </a:r>
+          </a:p>
+          <a:p>
+            <a:pPr>
+              <a:buFont typeface="Arial" panose="020B0604020202020204" pitchFamily="34" charset="0"/>
+              <a:buChar char="•"/>
+            </a:pPr>
+            <a:r>
+              <a:rPr lang="fr-FR" b="1"/>
+              <a:t>Spécificités</a:t>
+            </a:r>
+            <a:r>
+              <a:rPr lang="fr-FR"/>
+              <a:t> :</a:t>
+            </a:r>
+          </a:p>
+          <a:p>
+            <a:pPr marL="742950" lvl="1" indent="-285750">
+              <a:buFont typeface="Arial" panose="020B0604020202020204" pitchFamily="34" charset="0"/>
+              <a:buChar char="•"/>
+            </a:pPr>
+            <a:r>
+              <a:rPr lang="fr-FR" sz="2900"/>
+              <a:t>Adopte une perspective </a:t>
+            </a:r>
+            <a:r>
+              <a:rPr lang="fr-FR" sz="2900" b="1"/>
+              <a:t>holistique</a:t>
+            </a:r>
+            <a:r>
+              <a:rPr lang="fr-FR" sz="2900"/>
+              <a:t>, englobant une gamme variée d'effets.</a:t>
+            </a:r>
+          </a:p>
+          <a:p>
+            <a:pPr marL="742950" lvl="1" indent="-285750">
+              <a:buFont typeface="Arial" panose="020B0604020202020204" pitchFamily="34" charset="0"/>
+              <a:buChar char="•"/>
+            </a:pPr>
+            <a:r>
+              <a:rPr lang="fr-FR" sz="2900"/>
+              <a:t>Est orientée vers des effets </a:t>
+            </a:r>
+            <a:r>
+              <a:rPr lang="fr-FR" sz="2900" b="1"/>
+              <a:t>durables</a:t>
+            </a:r>
+            <a:r>
+              <a:rPr lang="fr-FR" sz="2900"/>
+              <a:t> et de </a:t>
+            </a:r>
+            <a:r>
+              <a:rPr lang="fr-FR" sz="2900" b="1"/>
+              <a:t>long terme</a:t>
+            </a:r>
+            <a:r>
+              <a:rPr lang="fr-FR" sz="2900"/>
+              <a:t>.</a:t>
+            </a:r>
+          </a:p>
+          <a:p>
+            <a:pPr marL="742950" lvl="1" indent="-285750">
+              <a:buFont typeface="Arial" panose="020B0604020202020204" pitchFamily="34" charset="0"/>
+              <a:buChar char="•"/>
+            </a:pPr>
+            <a:r>
+              <a:rPr lang="fr-FR" sz="2900"/>
+              <a:t>Reconnaît l'existence d'effets </a:t>
+            </a:r>
+            <a:r>
+              <a:rPr lang="fr-FR" sz="2900" b="1"/>
+              <a:t>non intentionnels</a:t>
+            </a:r>
+            <a:r>
+              <a:rPr lang="fr-FR" sz="2900"/>
+              <a:t>, qu'ils soient positifs ou négatifs.</a:t>
+            </a:r>
+          </a:p>
+        </p:txBody>
+      </p:sp>
+      <p:sp>
+        <p:nvSpPr>
+          <p:cNvPr id="13" name="Espace réservé du texte 12">
+            <a:extLst>
+              <a:ext uri="{FF2B5EF4-FFF2-40B4-BE49-F238E27FC236}">
+                <a16:creationId xmlns:a16="http://schemas.microsoft.com/office/drawing/2014/main" id="{396CA74F-36E3-EE32-E082-709E06FD8859}"/>
+              </a:ext>
+            </a:extLst>
+          </p:cNvPr>
+          <p:cNvSpPr>
+            <a:spLocks noGrp="1"/>
+          </p:cNvSpPr>
+          <p:nvPr>
+            <p:ph type="body" sz="quarter" idx="3"/>
+            <p:custDataLst>
+              <p:tags r:id="rId4"/>
+            </p:custDataLst>
+          </p:nvPr>
+        </p:nvSpPr>
+        <p:spPr/>
         <p:txBody>
           <a:bodyPr>
             <a:normAutofit/>
@@ -10345,23 +10251,120 @@
           <a:lstStyle/>
           <a:p>
             <a:r>
-              <a:rPr lang="fr-FR" sz="3200" i="1"/>
-              <a:t>Que pensez-vous de ces définitions de l’impact ? </a:t>
-            </a:r>
-          </a:p>
-          <a:p>
-            <a:r>
-              <a:rPr lang="fr-FR" sz="3200" i="1"/>
-              <a:t>Qu’est-ce qui manque selon vous ?</a:t>
-            </a:r>
-            <a:endParaRPr lang="fr-FR" sz="3200"/>
+              <a:rPr lang="fr-FR"/>
+              <a:t>Approches scientifiques (en particulier économétriques)</a:t>
+            </a:r>
+          </a:p>
+        </p:txBody>
+      </p:sp>
+      <p:sp>
+        <p:nvSpPr>
+          <p:cNvPr id="14" name="Espace réservé du contenu 13">
+            <a:extLst>
+              <a:ext uri="{FF2B5EF4-FFF2-40B4-BE49-F238E27FC236}">
+                <a16:creationId xmlns:a16="http://schemas.microsoft.com/office/drawing/2014/main" id="{441B42C4-1058-8CEC-19CC-8A9698A54A66}"/>
+              </a:ext>
+            </a:extLst>
+          </p:cNvPr>
+          <p:cNvSpPr>
+            <a:spLocks noGrp="1"/>
+          </p:cNvSpPr>
+          <p:nvPr>
+            <p:ph sz="quarter" idx="4"/>
+            <p:custDataLst>
+              <p:tags r:id="rId5"/>
+            </p:custDataLst>
+          </p:nvPr>
+        </p:nvSpPr>
+        <p:spPr/>
+        <p:txBody>
+          <a:bodyPr>
+            <a:normAutofit fontScale="70000" lnSpcReduction="20000"/>
+          </a:bodyPr>
+          <a:lstStyle/>
+          <a:p>
+            <a:pPr>
+              <a:buFont typeface="Arial" panose="020B0604020202020204" pitchFamily="34" charset="0"/>
+              <a:buChar char="•"/>
+            </a:pPr>
+            <a:r>
+              <a:rPr lang="fr-FR" b="1"/>
+              <a:t>Définition</a:t>
+            </a:r>
+            <a:r>
+              <a:rPr lang="fr-FR"/>
+              <a:t> : « La différence entre le résultat observé avec l'intervention et le résultat qui aurait été observé sans elle. » (Angrist et Pischke, 2009)</a:t>
+            </a:r>
+          </a:p>
+          <a:p>
+            <a:pPr>
+              <a:buFont typeface="Arial" panose="020B0604020202020204" pitchFamily="34" charset="0"/>
+              <a:buChar char="•"/>
+            </a:pPr>
+            <a:r>
+              <a:rPr lang="fr-FR" b="1"/>
+              <a:t>Spécificités</a:t>
+            </a:r>
+            <a:r>
+              <a:rPr lang="fr-FR"/>
+              <a:t> :</a:t>
+            </a:r>
+          </a:p>
+          <a:p>
+            <a:pPr marL="742950" lvl="1" indent="-285750">
+              <a:buFont typeface="Arial" panose="020B0604020202020204" pitchFamily="34" charset="0"/>
+              <a:buChar char="•"/>
+            </a:pPr>
+            <a:r>
+              <a:rPr lang="fr-FR" sz="2900"/>
+              <a:t>Se focalise sur des effets </a:t>
+            </a:r>
+            <a:r>
+              <a:rPr lang="fr-FR" sz="2900" b="1"/>
+              <a:t>à court terme</a:t>
+            </a:r>
+            <a:r>
+              <a:rPr lang="fr-FR" sz="2900"/>
+              <a:t> : relèvent souvent de l'éfficacit.</a:t>
+            </a:r>
+          </a:p>
+          <a:p>
+            <a:pPr marL="742950" lvl="1" indent="-285750">
+              <a:buFont typeface="Arial" panose="020B0604020202020204" pitchFamily="34" charset="0"/>
+              <a:buChar char="•"/>
+            </a:pPr>
+            <a:r>
+              <a:rPr lang="fr-FR" sz="2900"/>
+              <a:t>Adopte une rigueur méthodologique pour isoler l'effet de l'intervention des autres facteurs.</a:t>
+            </a:r>
+          </a:p>
+          <a:p>
+            <a:pPr marL="742950" lvl="1" indent="-285750">
+              <a:buFont typeface="Arial" panose="020B0604020202020204" pitchFamily="34" charset="0"/>
+              <a:buChar char="•"/>
+            </a:pPr>
+            <a:r>
+              <a:rPr lang="fr-FR" sz="2900"/>
+              <a:t>Priorise la </a:t>
+            </a:r>
+            <a:r>
+              <a:rPr lang="fr-FR" sz="2900" b="1"/>
+              <a:t>causalité</a:t>
+            </a:r>
+            <a:r>
+              <a:rPr lang="fr-FR" sz="2900"/>
+              <a:t>, cherchant à déterminer les effets directs et mesurables d'une action.</a:t>
+            </a:r>
+          </a:p>
+          <a:p>
+            <a:endParaRPr lang="fr-FR"/>
           </a:p>
         </p:txBody>
       </p:sp>
     </p:spTree>
     <p:extLst>
       <p:ext uri="{BB962C8B-B14F-4D97-AF65-F5344CB8AC3E}">
-        <p14:creationId xmlns:p14="http://schemas.microsoft.com/office/powerpoint/2010/main" val="3929253494"/>
+        <p14:creationId xmlns:p14="http://schemas.microsoft.com/office/powerpoint/2010/main" val="1150898721"/>
       </p:ext>
     </p:extLst>
   </p:cSld>
@@ -10390,6 +10393,120 @@
       </p:grpSpPr>
       <p:sp>
         <p:nvSpPr>
+          <p:cNvPr id="7" name="Titre 6">
+            <a:extLst>
+              <a:ext uri="{FF2B5EF4-FFF2-40B4-BE49-F238E27FC236}">
+                <a16:creationId xmlns:a16="http://schemas.microsoft.com/office/drawing/2014/main" id="{E400F466-A91D-D2CA-B1E2-E0C18A1B3FDF}"/>
+              </a:ext>
+            </a:extLst>
+          </p:cNvPr>
+          <p:cNvSpPr>
+            <a:spLocks noGrp="1"/>
+          </p:cNvSpPr>
+          <p:nvPr>
+            <p:ph type="title"/>
+            <p:custDataLst>
+              <p:tags r:id="rId1"/>
+            </p:custDataLst>
+          </p:nvPr>
+        </p:nvSpPr>
+        <p:spPr>
+          <a:xfrm>
+            <a:off x="831850" y="1709739"/>
+            <a:ext cx="10515600" cy="2232342"/>
+          </a:xfrm>
+        </p:spPr>
+        <p:txBody>
+          <a:bodyPr>
+            <a:normAutofit/>
+          </a:bodyPr>
+          <a:lstStyle/>
+          <a:p>
+            <a:pPr algn="ctr"/>
+            <a:r>
+              <a:rPr lang="fr-FR" sz="4800"/>
+              <a:t>Discussion</a:t>
+            </a:r>
+          </a:p>
+        </p:txBody>
+      </p:sp>
+      <p:sp>
+        <p:nvSpPr>
+          <p:cNvPr id="8" name="Espace réservé du texte 7">
+            <a:extLst>
+              <a:ext uri="{FF2B5EF4-FFF2-40B4-BE49-F238E27FC236}">
+                <a16:creationId xmlns:a16="http://schemas.microsoft.com/office/drawing/2014/main" id="{8BA47168-526C-482B-4A6D-E14A0C0A3BF9}"/>
+              </a:ext>
+            </a:extLst>
+          </p:cNvPr>
+          <p:cNvSpPr>
+            <a:spLocks noGrp="1"/>
+          </p:cNvSpPr>
+          <p:nvPr>
+            <p:ph type="body" idx="1"/>
+            <p:custDataLst>
+              <p:tags r:id="rId2"/>
+            </p:custDataLst>
+          </p:nvPr>
+        </p:nvSpPr>
+        <p:spPr>
+          <a:xfrm>
+            <a:off x="831850" y="4589463"/>
+            <a:ext cx="10515600" cy="1500187"/>
+          </a:xfrm>
+        </p:spPr>
+        <p:txBody>
+          <a:bodyPr>
+            <a:normAutofit/>
+          </a:bodyPr>
+          <a:lstStyle/>
+          <a:p>
+            <a:r>
+              <a:rPr lang="fr-FR" sz="3200" i="1"/>
+              <a:t>Que pensez-vous de ces définitions de l’impact ? </a:t>
+            </a:r>
+          </a:p>
+          <a:p>
+            <a:r>
+              <a:rPr lang="fr-FR" sz="3200" i="1"/>
+              <a:t>Qu’est-ce qui manque selon vous ?</a:t>
+            </a:r>
+            <a:endParaRPr lang="fr-FR" sz="3200"/>
+          </a:p>
+        </p:txBody>
+      </p:sp>
+    </p:spTree>
+    <p:extLst>
+      <p:ext uri="{BB962C8B-B14F-4D97-AF65-F5344CB8AC3E}">
+        <p14:creationId xmlns:p14="http://schemas.microsoft.com/office/powerpoint/2010/main" val="3929253494"/>
+      </p:ext>
+    </p:extLst>
+  </p:cSld>
+  <p:clrMapOvr>
+    <a:masterClrMapping/>
+  </p:clrMapOvr>
+</p:sld>
+</file>
+
+<file path=ppt/slides/slide17.xml><?xml version="1.0" encoding="utf-8"?>
+<p:sld xmlns:a="http://schemas.openxmlformats.org/drawingml/2006/main" xmlns:r="http://schemas.openxmlformats.org/officeDocument/2006/relationships" xmlns:p="http://schemas.openxmlformats.org/presentationml/2006/main">
+  <p:cSld>
+    <p:spTree>
+      <p:nvGrpSpPr>
+        <p:cNvPr id="1" name=""/>
+        <p:cNvGrpSpPr/>
+        <p:nvPr/>
+      </p:nvGrpSpPr>
+      <p:grpSpPr>
+        <a:xfrm>
+          <a:off x="0" y="0"/>
+          <a:ext cx="0" cy="0"/>
+          <a:chOff x="0" y="0"/>
+          <a:chExt cx="0" cy="0"/>
+        </a:xfrm>
+      </p:grpSpPr>
+      <p:sp>
+        <p:nvSpPr>
           <p:cNvPr id="2" name="Titre 1">
             <a:extLst>
               <a:ext uri="{FF2B5EF4-FFF2-40B4-BE49-F238E27FC236}">
@@ -10463,7 +10580,7 @@
 </p:sld>
 </file>
 
-<file path=ppt/slides/slide17.xml><?xml version="1.0" encoding="utf-8"?>
+<file path=ppt/slides/slide18.xml><?xml version="1.0" encoding="utf-8"?>
 <p:sld xmlns:a="http://schemas.openxmlformats.org/drawingml/2006/main" xmlns:r="http://schemas.openxmlformats.org/officeDocument/2006/relationships" xmlns:p="http://schemas.openxmlformats.org/presentationml/2006/main">
   <p:cSld>
     <p:spTree>
@@ -11294,125 +11411,6 @@
 </p:sld>
 </file>
 
-<file path=ppt/slides/slide18.xml><?xml version="1.0" encoding="utf-8"?>
-<p:sld xmlns:a="http://schemas.openxmlformats.org/drawingml/2006/main" xmlns:r="http://schemas.openxmlformats.org/officeDocument/2006/relationships" xmlns:p="http://schemas.openxmlformats.org/presentationml/2006/main">
-  <p:cSld>
-    <p:spTree>
-      <p:nvGrpSpPr>
-        <p:cNvPr id="1" name=""/>
-        <p:cNvGrpSpPr/>
-        <p:nvPr/>
-      </p:nvGrpSpPr>
-      <p:grpSpPr>
-        <a:xfrm>
-          <a:off x="0" y="0"/>
-          <a:ext cx="0" cy="0"/>
-          <a:chOff x="0" y="0"/>
-          <a:chExt cx="0" cy="0"/>
-        </a:xfrm>
-      </p:grpSpPr>
-      <p:sp>
-        <p:nvSpPr>
-          <p:cNvPr id="2" name="Titre 1">
-            <a:extLst>
-              <a:ext uri="{FF2B5EF4-FFF2-40B4-BE49-F238E27FC236}">
-                <a16:creationId xmlns:a16="http://schemas.microsoft.com/office/drawing/2014/main" id="{C8837810-A2B9-026C-C20D-BDC7A11F0055}"/>
-              </a:ext>
-            </a:extLst>
-          </p:cNvPr>
-          <p:cNvSpPr>
-            <a:spLocks noGrp="1"/>
-          </p:cNvSpPr>
-          <p:nvPr>
-            <p:ph type="title"/>
-            <p:custDataLst>
-              <p:tags r:id="rId1"/>
-            </p:custDataLst>
-          </p:nvPr>
-        </p:nvSpPr>
-        <p:spPr/>
-        <p:txBody>
-          <a:bodyPr/>
-          <a:lstStyle/>
-          <a:p>
-            <a:r>
-              <a:rPr lang="fr-FR"/>
-              <a:t>Le problème d’identification (exemple 2)</a:t>
-            </a:r>
-          </a:p>
-        </p:txBody>
-      </p:sp>
-      <p:sp>
-        <p:nvSpPr>
-          <p:cNvPr id="3" name="Espace réservé du contenu 2">
-            <a:extLst>
-              <a:ext uri="{FF2B5EF4-FFF2-40B4-BE49-F238E27FC236}">
-                <a16:creationId xmlns:a16="http://schemas.microsoft.com/office/drawing/2014/main" id="{A7056653-CC0A-D5EF-15E5-3BA6A3BD7C2D}"/>
-              </a:ext>
-            </a:extLst>
-          </p:cNvPr>
-          <p:cNvSpPr>
-            <a:spLocks noGrp="1"/>
-          </p:cNvSpPr>
-          <p:nvPr>
-            <p:ph idx="1"/>
-            <p:custDataLst>
-              <p:tags r:id="rId2"/>
-            </p:custDataLst>
-          </p:nvPr>
-        </p:nvSpPr>
-        <p:spPr/>
-        <p:txBody>
-          <a:bodyPr/>
-          <a:lstStyle/>
-          <a:p>
-            <a:r>
-              <a:rPr lang="fr-FR"/>
-              <a:t>A New York et à Chicago, on observe une étroite correspondance entre : </a:t>
-            </a:r>
-          </a:p>
-          <a:p>
-            <a:pPr lvl="1"/>
-            <a:r>
-              <a:rPr lang="fr-FR"/>
-              <a:t>Le niveau de ventes de glaces (crèmes glacées)</a:t>
-            </a:r>
-          </a:p>
-          <a:p>
-            <a:pPr lvl="1"/>
-            <a:r>
-              <a:rPr lang="fr-FR"/>
-              <a:t>Le nombre de meurtres</a:t>
-            </a:r>
-          </a:p>
-          <a:p>
-            <a:pPr lvl="1"/>
-            <a:endParaRPr lang="fr-FR"/>
-          </a:p>
-          <a:p>
-            <a:pPr marL="0" indent="0" algn="ctr">
-              <a:buNone/>
-            </a:pPr>
-            <a:r>
-              <a:rPr lang="fr-FR"/>
-              <a:t>Y a-t-il un impact de la consommation de glaces sur les meurtres ?</a:t>
-            </a:r>
-          </a:p>
-        </p:txBody>
-      </p:sp>
-    </p:spTree>
-    <p:extLst>
-      <p:ext uri="{BB962C8B-B14F-4D97-AF65-F5344CB8AC3E}">
-        <p14:creationId xmlns:p14="http://schemas.microsoft.com/office/powerpoint/2010/main" val="2334934987"/>
-      </p:ext>
-    </p:extLst>
-  </p:cSld>
-  <p:clrMapOvr>
-    <a:masterClrMapping/>
-  </p:clrMapOvr>
-</p:sld>
-</file>
-
 <file path=ppt/slides/slide19.xml><?xml version="1.0" encoding="utf-8"?>
 <p:sld xmlns:a="http://schemas.openxmlformats.org/drawingml/2006/main" xmlns:r="http://schemas.openxmlformats.org/officeDocument/2006/relationships" xmlns:p="http://schemas.openxmlformats.org/presentationml/2006/main">
   <p:cSld>
@@ -11430,46 +11428,43 @@
           <a:chExt cx="0" cy="0"/>
         </a:xfrm>
       </p:grpSpPr>
-      <p:pic>
-        <p:nvPicPr>
-          <p:cNvPr id="15" name="Image 14">
-            <a:extLst>
-              <a:ext uri="{FF2B5EF4-FFF2-40B4-BE49-F238E27FC236}">
-                <a16:creationId xmlns:a16="http://schemas.microsoft.com/office/drawing/2014/main" id="{1983A8AC-F069-399B-F2F6-9D00DC0CD578}"/>
-              </a:ext>
-            </a:extLst>
-          </p:cNvPr>
-          <p:cNvPicPr>
-            <a:picLocks noChangeAspect="1"/>
-          </p:cNvPicPr>
-          <p:nvPr>
+      <p:sp>
+        <p:nvSpPr>
+          <p:cNvPr id="2" name="Titre 1">
+            <a:extLst>
+              <a:ext uri="{FF2B5EF4-FFF2-40B4-BE49-F238E27FC236}">
+                <a16:creationId xmlns:a16="http://schemas.microsoft.com/office/drawing/2014/main" id="{C8837810-A2B9-026C-C20D-BDC7A11F0055}"/>
+              </a:ext>
+            </a:extLst>
+          </p:cNvPr>
+          <p:cNvSpPr>
+            <a:spLocks noGrp="1"/>
+          </p:cNvSpPr>
+          <p:nvPr>
+            <p:ph type="title"/>
             <p:custDataLst>
               <p:tags r:id="rId1"/>
             </p:custDataLst>
           </p:nvPr>
-        </p:nvPicPr>
-        <p:blipFill>
-          <a:blip r:embed="rId5"/>
-          <a:stretch>
-            <a:fillRect/>
-          </a:stretch>
-        </p:blipFill>
-        <p:spPr>
-          <a:xfrm>
-            <a:off x="1287397" y="1404433"/>
-            <a:ext cx="8824725" cy="4313294"/>
-          </a:xfrm>
-          <a:prstGeom prst="rect">
-            <a:avLst/>
-          </a:prstGeom>
-        </p:spPr>
-      </p:pic>
-      <p:sp>
-        <p:nvSpPr>
-          <p:cNvPr id="2" name="Titre 1">
-            <a:extLst>
-              <a:ext uri="{FF2B5EF4-FFF2-40B4-BE49-F238E27FC236}">
-                <a16:creationId xmlns:a16="http://schemas.microsoft.com/office/drawing/2014/main" id="{D7524D6E-3471-8218-0DBE-B0689BF71B2B}"/>
+        </p:nvSpPr>
+        <p:spPr/>
+        <p:txBody>
+          <a:bodyPr/>
+          <a:lstStyle/>
+          <a:p>
+            <a:r>
+              <a:rPr lang="fr-FR"/>
+              <a:t>Le problème d’identification (exemple 2)</a:t>
+            </a:r>
+          </a:p>
+        </p:txBody>
+      </p:sp>
+      <p:sp>
+        <p:nvSpPr>
+          <p:cNvPr id="3" name="Espace réservé du contenu 2">
+            <a:extLst>
+              <a:ext uri="{FF2B5EF4-FFF2-40B4-BE49-F238E27FC236}">
+                <a16:creationId xmlns:a16="http://schemas.microsoft.com/office/drawing/2014/main" id="{A7056653-CC0A-D5EF-15E5-3BA6A3BD7C2D}"/>
               </a:ext>
             </a:extLst>
           </p:cNvPr>
@@ -11477,7 +11472,7 @@
             <a:spLocks noGrp="1"/>
           </p:cNvSpPr>
           <p:nvPr>
-            <p:ph type="title"/>
+            <p:ph idx="1"/>
             <p:custDataLst>
               <p:tags r:id="rId2"/>
             </p:custDataLst>
@@ -11490,79 +11485,34 @@
           <a:p>
             <a:r>
               <a:rPr lang="fr-FR"/>
-              <a:t>Le problème d’identification (exemple 3)</a:t>
-            </a:r>
-          </a:p>
-        </p:txBody>
-      </p:sp>
-      <p:sp>
-        <p:nvSpPr>
-          <p:cNvPr id="13" name="Espace réservé du contenu 12">
-            <a:extLst>
-              <a:ext uri="{FF2B5EF4-FFF2-40B4-BE49-F238E27FC236}">
-                <a16:creationId xmlns:a16="http://schemas.microsoft.com/office/drawing/2014/main" id="{249094C9-245B-9BA5-29AD-78633594AC9D}"/>
-              </a:ext>
-            </a:extLst>
-          </p:cNvPr>
-          <p:cNvSpPr>
-            <a:spLocks noGrp="1"/>
-          </p:cNvSpPr>
-          <p:nvPr>
-            <p:ph idx="1"/>
-            <p:custDataLst>
-              <p:tags r:id="rId3"/>
-            </p:custDataLst>
-          </p:nvPr>
-        </p:nvSpPr>
-        <p:spPr/>
-        <p:txBody>
-          <a:bodyPr>
-            <a:normAutofit fontScale="77500" lnSpcReduction="20000"/>
-          </a:bodyPr>
-          <a:lstStyle/>
-          <a:p>
+              <a:t>A New York et à Chicago, on observe une étroite correspondance entre : </a:t>
+            </a:r>
+          </a:p>
+          <a:p>
+            <a:pPr lvl="1"/>
+            <a:r>
+              <a:rPr lang="fr-FR"/>
+              <a:t>Le niveau de ventes de glaces (crèmes glacées)</a:t>
+            </a:r>
+          </a:p>
+          <a:p>
+            <a:pPr lvl="1"/>
+            <a:r>
+              <a:rPr lang="fr-FR"/>
+              <a:t>Le nombre de meurtres</a:t>
+            </a:r>
+          </a:p>
+          <a:p>
+            <a:pPr lvl="1"/>
             <a:endParaRPr lang="fr-FR"/>
           </a:p>
           <a:p>
-            <a:endParaRPr lang="fr-FR"/>
-          </a:p>
-          <a:p>
-            <a:endParaRPr lang="fr-FR"/>
-          </a:p>
-          <a:p>
-            <a:endParaRPr lang="fr-FR"/>
-          </a:p>
-          <a:p>
-            <a:endParaRPr lang="fr-FR"/>
-          </a:p>
-          <a:p>
-            <a:endParaRPr lang="fr-FR"/>
-          </a:p>
-          <a:p>
-            <a:endParaRPr lang="fr-FR"/>
-          </a:p>
-          <a:p>
-            <a:endParaRPr lang="fr-FR"/>
-          </a:p>
-          <a:p>
-            <a:endParaRPr lang="fr-FR"/>
-          </a:p>
-          <a:p>
-            <a:endParaRPr lang="fr-FR"/>
-          </a:p>
-          <a:p>
-            <a:pPr marL="0" indent="0">
+            <a:pPr marL="0" indent="0" algn="ctr">
               <a:buNone/>
             </a:pPr>
-            <a:endParaRPr lang="fr-FR"/>
-          </a:p>
-          <a:p>
-            <a:pPr marL="0" indent="0">
-              <a:buNone/>
-            </a:pPr>
             <a:r>
               <a:rPr lang="fr-FR"/>
-              <a:t>Source: https://tylervigen.com/spurious-correlations</a:t>
+              <a:t>Y a-t-il un impact de la consommation de glaces sur les meurtres ?</a:t>
             </a:r>
           </a:p>
         </p:txBody>
@@ -11570,7 +11520,7 @@
     </p:spTree>
     <p:extLst>
       <p:ext uri="{BB962C8B-B14F-4D97-AF65-F5344CB8AC3E}">
-        <p14:creationId xmlns:p14="http://schemas.microsoft.com/office/powerpoint/2010/main" val="2104579397"/>
+        <p14:creationId xmlns:p14="http://schemas.microsoft.com/office/powerpoint/2010/main" val="2334934987"/>
       </p:ext>
     </p:extLst>
   </p:cSld>
@@ -11703,6 +11653,173 @@
           <a:chExt cx="0" cy="0"/>
         </a:xfrm>
       </p:grpSpPr>
+      <p:pic>
+        <p:nvPicPr>
+          <p:cNvPr id="15" name="Image 14">
+            <a:extLst>
+              <a:ext uri="{FF2B5EF4-FFF2-40B4-BE49-F238E27FC236}">
+                <a16:creationId xmlns:a16="http://schemas.microsoft.com/office/drawing/2014/main" id="{1983A8AC-F069-399B-F2F6-9D00DC0CD578}"/>
+              </a:ext>
+            </a:extLst>
+          </p:cNvPr>
+          <p:cNvPicPr>
+            <a:picLocks noChangeAspect="1"/>
+          </p:cNvPicPr>
+          <p:nvPr>
+            <p:custDataLst>
+              <p:tags r:id="rId1"/>
+            </p:custDataLst>
+          </p:nvPr>
+        </p:nvPicPr>
+        <p:blipFill>
+          <a:blip r:embed="rId5"/>
+          <a:stretch>
+            <a:fillRect/>
+          </a:stretch>
+        </p:blipFill>
+        <p:spPr>
+          <a:xfrm>
+            <a:off x="1287397" y="1404433"/>
+            <a:ext cx="8824725" cy="4313294"/>
+          </a:xfrm>
+          <a:prstGeom prst="rect">
+            <a:avLst/>
+          </a:prstGeom>
+        </p:spPr>
+      </p:pic>
+      <p:sp>
+        <p:nvSpPr>
+          <p:cNvPr id="2" name="Titre 1">
+            <a:extLst>
+              <a:ext uri="{FF2B5EF4-FFF2-40B4-BE49-F238E27FC236}">
+                <a16:creationId xmlns:a16="http://schemas.microsoft.com/office/drawing/2014/main" id="{D7524D6E-3471-8218-0DBE-B0689BF71B2B}"/>
+              </a:ext>
+            </a:extLst>
+          </p:cNvPr>
+          <p:cNvSpPr>
+            <a:spLocks noGrp="1"/>
+          </p:cNvSpPr>
+          <p:nvPr>
+            <p:ph type="title"/>
+            <p:custDataLst>
+              <p:tags r:id="rId2"/>
+            </p:custDataLst>
+          </p:nvPr>
+        </p:nvSpPr>
+        <p:spPr/>
+        <p:txBody>
+          <a:bodyPr/>
+          <a:lstStyle/>
+          <a:p>
+            <a:r>
+              <a:rPr lang="fr-FR"/>
+              <a:t>Le problème d’identification (exemple 3)</a:t>
+            </a:r>
+          </a:p>
+        </p:txBody>
+      </p:sp>
+      <p:sp>
+        <p:nvSpPr>
+          <p:cNvPr id="13" name="Espace réservé du contenu 12">
+            <a:extLst>
+              <a:ext uri="{FF2B5EF4-FFF2-40B4-BE49-F238E27FC236}">
+                <a16:creationId xmlns:a16="http://schemas.microsoft.com/office/drawing/2014/main" id="{249094C9-245B-9BA5-29AD-78633594AC9D}"/>
+              </a:ext>
+            </a:extLst>
+          </p:cNvPr>
+          <p:cNvSpPr>
+            <a:spLocks noGrp="1"/>
+          </p:cNvSpPr>
+          <p:nvPr>
+            <p:ph idx="1"/>
+            <p:custDataLst>
+              <p:tags r:id="rId3"/>
+            </p:custDataLst>
+          </p:nvPr>
+        </p:nvSpPr>
+        <p:spPr/>
+        <p:txBody>
+          <a:bodyPr>
+            <a:normAutofit fontScale="77500" lnSpcReduction="20000"/>
+          </a:bodyPr>
+          <a:lstStyle/>
+          <a:p>
+            <a:endParaRPr lang="fr-FR"/>
+          </a:p>
+          <a:p>
+            <a:endParaRPr lang="fr-FR"/>
+          </a:p>
+          <a:p>
+            <a:endParaRPr lang="fr-FR"/>
+          </a:p>
+          <a:p>
+            <a:endParaRPr lang="fr-FR"/>
+          </a:p>
+          <a:p>
+            <a:endParaRPr lang="fr-FR"/>
+          </a:p>
+          <a:p>
+            <a:endParaRPr lang="fr-FR"/>
+          </a:p>
+          <a:p>
+            <a:endParaRPr lang="fr-FR"/>
+          </a:p>
+          <a:p>
+            <a:endParaRPr lang="fr-FR"/>
+          </a:p>
+          <a:p>
+            <a:endParaRPr lang="fr-FR"/>
+          </a:p>
+          <a:p>
+            <a:endParaRPr lang="fr-FR"/>
+          </a:p>
+          <a:p>
+            <a:pPr marL="0" indent="0">
+              <a:buNone/>
+            </a:pPr>
+            <a:endParaRPr lang="fr-FR"/>
+          </a:p>
+          <a:p>
+            <a:pPr marL="0" indent="0">
+              <a:buNone/>
+            </a:pPr>
+            <a:r>
+              <a:rPr lang="fr-FR"/>
+              <a:t>Source: https://tylervigen.com/spurious-correlations</a:t>
+            </a:r>
+          </a:p>
+        </p:txBody>
+      </p:sp>
+    </p:spTree>
+    <p:extLst>
+      <p:ext uri="{BB962C8B-B14F-4D97-AF65-F5344CB8AC3E}">
+        <p14:creationId xmlns:p14="http://schemas.microsoft.com/office/powerpoint/2010/main" val="2104579397"/>
+      </p:ext>
+    </p:extLst>
+  </p:cSld>
+  <p:clrMapOvr>
+    <a:masterClrMapping/>
+  </p:clrMapOvr>
+</p:sld>
+</file>
+
+<file path=ppt/slides/slide21.xml><?xml version="1.0" encoding="utf-8"?>
+<p:sld xmlns:a="http://schemas.openxmlformats.org/drawingml/2006/main" xmlns:r="http://schemas.openxmlformats.org/officeDocument/2006/relationships" xmlns:p="http://schemas.openxmlformats.org/presentationml/2006/main">
+  <p:cSld>
+    <p:spTree>
+      <p:nvGrpSpPr>
+        <p:cNvPr id="1" name=""/>
+        <p:cNvGrpSpPr/>
+        <p:nvPr/>
+      </p:nvGrpSpPr>
+      <p:grpSpPr>
+        <a:xfrm>
+          <a:off x="0" y="0"/>
+          <a:ext cx="0" cy="0"/>
+          <a:chOff x="0" y="0"/>
+          <a:chExt cx="0" cy="0"/>
+        </a:xfrm>
+      </p:grpSpPr>
       <p:sp>
         <p:nvSpPr>
           <p:cNvPr id="2" name="Titre 1">
@@ -11841,7 +11958,7 @@
 </p:sld>
 </file>
 
-<file path=ppt/slides/slide21.xml><?xml version="1.0" encoding="utf-8"?>
+<file path=ppt/slides/slide22.xml><?xml version="1.0" encoding="utf-8"?>
 <p:sld xmlns:a="http://schemas.openxmlformats.org/drawingml/2006/main" xmlns:r="http://schemas.openxmlformats.org/officeDocument/2006/relationships" xmlns:p="http://schemas.openxmlformats.org/presentationml/2006/main">
   <p:cSld>
     <p:spTree>
@@ -11941,7 +12058,7 @@
 </p:sld>
 </file>
 
-<file path=ppt/slides/slide22.xml><?xml version="1.0" encoding="utf-8"?>
+<file path=ppt/slides/slide23.xml><?xml version="1.0" encoding="utf-8"?>
 <p:sld xmlns:a="http://schemas.openxmlformats.org/drawingml/2006/main" xmlns:r="http://schemas.openxmlformats.org/officeDocument/2006/relationships" xmlns:p="http://schemas.openxmlformats.org/presentationml/2006/main">
   <p:cSld>
     <p:spTree>
@@ -12578,7 +12695,7 @@
 </p:sld>
 </file>
 
-<file path=ppt/slides/slide23.xml><?xml version="1.0" encoding="utf-8"?>
+<file path=ppt/slides/slide24.xml><?xml version="1.0" encoding="utf-8"?>
 <p:sld xmlns:a="http://schemas.openxmlformats.org/drawingml/2006/main" xmlns:r="http://schemas.openxmlformats.org/officeDocument/2006/relationships" xmlns:p="http://schemas.openxmlformats.org/presentationml/2006/main">
   <p:cSld>
     <p:spTree>
@@ -12866,7 +12983,7 @@
 </p:sld>
 </file>
 
-<file path=ppt/slides/slide24.xml><?xml version="1.0" encoding="utf-8"?>
+<file path=ppt/slides/slide25.xml><?xml version="1.0" encoding="utf-8"?>
 <p:sld xmlns:a="http://schemas.openxmlformats.org/drawingml/2006/main" xmlns:r="http://schemas.openxmlformats.org/officeDocument/2006/relationships" xmlns:p="http://schemas.openxmlformats.org/presentationml/2006/main">
   <p:cSld>
     <p:spTree>
@@ -13274,7 +13391,7 @@
 </p:sld>
 </file>
 
-<file path=ppt/slides/slide25.xml><?xml version="1.0" encoding="utf-8"?>
+<file path=ppt/slides/slide26.xml><?xml version="1.0" encoding="utf-8"?>
 <p:sld xmlns:a="http://schemas.openxmlformats.org/drawingml/2006/main" xmlns:r="http://schemas.openxmlformats.org/officeDocument/2006/relationships" xmlns:p="http://schemas.openxmlformats.org/presentationml/2006/main">
   <p:cSld>
     <p:spTree>
@@ -13444,7 +13561,7 @@
 </p:sld>
 </file>
 
-<file path=ppt/slides/slide26.xml><?xml version="1.0" encoding="utf-8"?>
+<file path=ppt/slides/slide27.xml><?xml version="1.0" encoding="utf-8"?>
 <p:sld xmlns:a="http://schemas.openxmlformats.org/drawingml/2006/main" xmlns:r="http://schemas.openxmlformats.org/officeDocument/2006/relationships" xmlns:p="http://schemas.openxmlformats.org/presentationml/2006/main">
   <p:cSld>
     <p:spTree>
@@ -14598,10 +14715,10 @@
       </p:grpSpPr>
       <p:sp>
         <p:nvSpPr>
-          <p:cNvPr id="4" name="Titre 3">
-            <a:extLst>
-              <a:ext uri="{FF2B5EF4-FFF2-40B4-BE49-F238E27FC236}">
-                <a16:creationId xmlns:a16="http://schemas.microsoft.com/office/drawing/2014/main" id="{783B5AB8-00B2-00C1-44A7-96E2271C8CB1}"/>
+          <p:cNvPr id="2" name="Titre 1">
+            <a:extLst>
+              <a:ext uri="{FF2B5EF4-FFF2-40B4-BE49-F238E27FC236}">
+                <a16:creationId xmlns:a16="http://schemas.microsoft.com/office/drawing/2014/main" id="{8B2AAC02-ABBE-446A-35B7-F46D2AC485F8}"/>
               </a:ext>
             </a:extLst>
           </p:cNvPr>
@@ -14610,9 +14727,6 @@
           </p:cNvSpPr>
           <p:nvPr>
             <p:ph type="title"/>
-            <p:custDataLst>
-              <p:tags r:id="rId1"/>
-            </p:custDataLst>
           </p:nvPr>
         </p:nvSpPr>
         <p:spPr/>
@@ -14622,17 +14736,17 @@
           <a:p>
             <a:r>
               <a:rPr lang="fr-FR"/>
-              <a:t>Jour 1 : Fondements théoriques</a:t>
-            </a:r>
-          </a:p>
-        </p:txBody>
-      </p:sp>
-      <p:sp>
-        <p:nvSpPr>
-          <p:cNvPr id="3" name="Espace réservé du texte 2">
-            <a:extLst>
-              <a:ext uri="{FF2B5EF4-FFF2-40B4-BE49-F238E27FC236}">
-                <a16:creationId xmlns:a16="http://schemas.microsoft.com/office/drawing/2014/main" id="{BBB481A2-F525-8D0B-048B-EE53607194F1}"/>
+              <a:t>Modalités technique</a:t>
+            </a:r>
+          </a:p>
+        </p:txBody>
+      </p:sp>
+      <p:sp>
+        <p:nvSpPr>
+          <p:cNvPr id="3" name="Espace réservé du contenu 2">
+            <a:extLst>
+              <a:ext uri="{FF2B5EF4-FFF2-40B4-BE49-F238E27FC236}">
+                <a16:creationId xmlns:a16="http://schemas.microsoft.com/office/drawing/2014/main" id="{68925107-2EC4-6D50-E12D-70262671ED46}"/>
               </a:ext>
             </a:extLst>
           </p:cNvPr>
@@ -14640,25 +14754,157 @@
             <a:spLocks noGrp="1"/>
           </p:cNvSpPr>
           <p:nvPr>
-            <p:ph type="body" idx="1"/>
-            <p:custDataLst>
-              <p:tags r:id="rId2"/>
-            </p:custDataLst>
+            <p:ph idx="1"/>
           </p:nvPr>
         </p:nvSpPr>
         <p:spPr/>
         <p:txBody>
-          <a:bodyPr/>
+          <a:bodyPr>
+            <a:normAutofit fontScale="92500" lnSpcReduction="10000"/>
+          </a:bodyPr>
           <a:lstStyle/>
           <a:p>
-            <a:endParaRPr lang="fr-FR"/>
-          </a:p>
-        </p:txBody>
-      </p:sp>
+            <a:r>
+              <a:rPr lang="fr-FR"/>
+              <a:t>Utilisation d'environnements "cloud":</a:t>
+            </a:r>
+          </a:p>
+          <a:p>
+            <a:pPr lvl="1"/>
+            <a:r>
+              <a:rPr lang="fr-FR"/>
+              <a:t>SSP Cloud</a:t>
+            </a:r>
+          </a:p>
+          <a:p>
+            <a:pPr lvl="1"/>
+            <a:r>
+              <a:rPr lang="fr-FR"/>
+              <a:t>Liens et mot de passe disponible chaque jour</a:t>
+            </a:r>
+          </a:p>
+          <a:p>
+            <a:r>
+              <a:rPr lang="fr-FR"/>
+              <a:t>Supports disponibles en ligne</a:t>
+            </a:r>
+          </a:p>
+          <a:p>
+            <a:pPr lvl="1"/>
+            <a:r>
+              <a:rPr lang="fr-FR"/>
+              <a:t>Version technique : </a:t>
+            </a:r>
+          </a:p>
+          <a:p>
+            <a:pPr marL="0" indent="0">
+              <a:buNone/>
+            </a:pPr>
+            <a:r>
+              <a:rPr lang="fr-FR" sz="2400">
+                <a:hlinkClick r:id="rId2"/>
+              </a:rPr>
+              <a:t>https://github.com/BETSAKA/statcap_impact_training</a:t>
+            </a:r>
+            <a:r>
+              <a:rPr lang="fr-FR" sz="2400"/>
+              <a:t> </a:t>
+            </a:r>
+          </a:p>
+          <a:p>
+            <a:pPr lvl="1"/>
+            <a:r>
+              <a:rPr lang="fr-FR"/>
+              <a:t>Rendu visuel :</a:t>
+            </a:r>
+          </a:p>
+          <a:p>
+            <a:pPr marL="0" indent="0">
+              <a:buNone/>
+            </a:pPr>
+            <a:r>
+              <a:rPr lang="fr-FR" sz="2400">
+                <a:hlinkClick r:id="rId3"/>
+              </a:rPr>
+              <a:t>https://betsaka.github.io/statcap_impact_training</a:t>
+            </a:r>
+            <a:r>
+              <a:rPr lang="fr-FR" sz="2400"/>
+              <a:t> </a:t>
+            </a:r>
+          </a:p>
+          <a:p>
+            <a:pPr marL="0" indent="0" algn="ctr">
+              <a:buNone/>
+            </a:pPr>
+            <a:endParaRPr lang="fr-FR">
+              <a:solidFill>
+                <a:srgbClr val="FF0000"/>
+              </a:solidFill>
+            </a:endParaRPr>
+          </a:p>
+          <a:p>
+            <a:pPr marL="0" indent="0" algn="ctr">
+              <a:buNone/>
+            </a:pPr>
+            <a:r>
+              <a:rPr lang="fr-FR">
+                <a:solidFill>
+                  <a:srgbClr val="FF0000"/>
+                </a:solidFill>
+              </a:rPr>
+              <a:t>Attention à bien réserver l'usage des connexions wifi aux besoins du cours SVP</a:t>
+            </a:r>
+            <a:r>
+              <a:rPr lang="fr-FR" sz="2400"/>
+              <a:t> </a:t>
+            </a:r>
+          </a:p>
+        </p:txBody>
+      </p:sp>
+      <p:pic>
+        <p:nvPicPr>
+          <p:cNvPr id="5" name="Graphique 4">
+            <a:extLst>
+              <a:ext uri="{FF2B5EF4-FFF2-40B4-BE49-F238E27FC236}">
+                <a16:creationId xmlns:a16="http://schemas.microsoft.com/office/drawing/2014/main" id="{6CA8D600-84E8-A205-073C-22879B1BEBF5}"/>
+              </a:ext>
+            </a:extLst>
+          </p:cNvPr>
+          <p:cNvPicPr>
+            <a:picLocks noChangeAspect="1"/>
+          </p:cNvPicPr>
+          <p:nvPr/>
+        </p:nvPicPr>
+        <p:blipFill>
+          <a:blip r:embed="rId4">
+            <a:extLst>
+              <a:ext uri="{28A0092B-C50C-407E-A947-70E740481C1C}">
+                <a14:useLocalDpi xmlns:a14="http://schemas.microsoft.com/office/drawing/2010/main" val="0"/>
+              </a:ext>
+              <a:ext uri="{96DAC541-7B7A-43D3-8B79-37D633B846F1}">
+                <asvg:svgBlip xmlns:asvg="http://schemas.microsoft.com/office/drawing/2016/SVG/main" r:embed="rId5"/>
+              </a:ext>
+            </a:extLst>
+          </a:blip>
+          <a:stretch>
+            <a:fillRect/>
+          </a:stretch>
+        </p:blipFill>
+        <p:spPr>
+          <a:xfrm>
+            <a:off x="7841374" y="1364876"/>
+            <a:ext cx="3856640" cy="3856640"/>
+          </a:xfrm>
+          <a:prstGeom prst="rect">
+            <a:avLst/>
+          </a:prstGeom>
+        </p:spPr>
+      </p:pic>
     </p:spTree>
     <p:extLst>
       <p:ext uri="{BB962C8B-B14F-4D97-AF65-F5344CB8AC3E}">
-        <p14:creationId xmlns:p14="http://schemas.microsoft.com/office/powerpoint/2010/main" val="3329902575"/>
+        <p14:creationId xmlns:p14="http://schemas.microsoft.com/office/powerpoint/2010/main" val="2964033601"/>
       </p:ext>
     </p:extLst>
   </p:cSld>
@@ -14687,10 +14933,10 @@
       </p:grpSpPr>
       <p:sp>
         <p:nvSpPr>
-          <p:cNvPr id="2" name="Titre 1">
-            <a:extLst>
-              <a:ext uri="{FF2B5EF4-FFF2-40B4-BE49-F238E27FC236}">
-                <a16:creationId xmlns:a16="http://schemas.microsoft.com/office/drawing/2014/main" id="{B6AB6C78-2C2A-B682-BA50-025D58CE21AD}"/>
+          <p:cNvPr id="4" name="Titre 3">
+            <a:extLst>
+              <a:ext uri="{FF2B5EF4-FFF2-40B4-BE49-F238E27FC236}">
+                <a16:creationId xmlns:a16="http://schemas.microsoft.com/office/drawing/2014/main" id="{783B5AB8-00B2-00C1-44A7-96E2271C8CB1}"/>
               </a:ext>
             </a:extLst>
           </p:cNvPr>
@@ -14711,17 +14957,17 @@
           <a:p>
             <a:r>
               <a:rPr lang="fr-FR"/>
-              <a:t>Objectifs de cette session</a:t>
-            </a:r>
-          </a:p>
-        </p:txBody>
-      </p:sp>
-      <p:sp>
-        <p:nvSpPr>
-          <p:cNvPr id="3" name="Espace réservé du contenu 2">
-            <a:extLst>
-              <a:ext uri="{FF2B5EF4-FFF2-40B4-BE49-F238E27FC236}">
-                <a16:creationId xmlns:a16="http://schemas.microsoft.com/office/drawing/2014/main" id="{CE7FACAB-468A-6B2C-3515-E9FBE64AA8DA}"/>
+              <a:t>Jour 1 : Fondements théoriques</a:t>
+            </a:r>
+          </a:p>
+        </p:txBody>
+      </p:sp>
+      <p:sp>
+        <p:nvSpPr>
+          <p:cNvPr id="3" name="Espace réservé du texte 2">
+            <a:extLst>
+              <a:ext uri="{FF2B5EF4-FFF2-40B4-BE49-F238E27FC236}">
+                <a16:creationId xmlns:a16="http://schemas.microsoft.com/office/drawing/2014/main" id="{BBB481A2-F525-8D0B-048B-EE53607194F1}"/>
               </a:ext>
             </a:extLst>
           </p:cNvPr>
@@ -14729,7 +14975,7 @@
             <a:spLocks noGrp="1"/>
           </p:cNvSpPr>
           <p:nvPr>
-            <p:ph idx="1"/>
+            <p:ph type="body" idx="1"/>
             <p:custDataLst>
               <p:tags r:id="rId2"/>
             </p:custDataLst>
@@ -14740,41 +14986,14 @@
           <a:bodyPr/>
           <a:lstStyle/>
           <a:p>
-            <a:r>
-              <a:rPr lang="fr-FR"/>
-              <a:t>Spécificité des évaluations d’impact dans la « boite à outils » évaluative</a:t>
-            </a:r>
-          </a:p>
-          <a:p>
-            <a:r>
-              <a:rPr lang="fr-FR"/>
-              <a:t>Enjeux de l’évaluation d’impact</a:t>
-            </a:r>
-          </a:p>
-          <a:p>
-            <a:r>
-              <a:rPr lang="fr-FR"/>
-              <a:t>Cadre d’analyse économétrique de la causalité : le cadre des résultats potentiels de Rubin</a:t>
-            </a:r>
-          </a:p>
-          <a:p>
-            <a:r>
-              <a:rPr lang="fr-FR"/>
-              <a:t>Affiner sa compréhension des mécanismes de causalité : diagrammes acycliques orientés et combinaisons quanti-quali</a:t>
-            </a:r>
-          </a:p>
-          <a:p>
-            <a:r>
-              <a:rPr lang="fr-FR"/>
-              <a:t>Tour d’horizon des principales méthodes d’évaluation d’impact </a:t>
-            </a:r>
+            <a:endParaRPr lang="fr-FR"/>
           </a:p>
         </p:txBody>
       </p:sp>
     </p:spTree>
     <p:extLst>
       <p:ext uri="{BB962C8B-B14F-4D97-AF65-F5344CB8AC3E}">
-        <p14:creationId xmlns:p14="http://schemas.microsoft.com/office/powerpoint/2010/main" val="2053272106"/>
+        <p14:creationId xmlns:p14="http://schemas.microsoft.com/office/powerpoint/2010/main" val="3329902575"/>
       </p:ext>
     </p:extLst>
   </p:cSld>

--- a/slides/fr/Jour 1_Introduction_Fondamentaux.pptx
+++ b/slides/fr/Jour 1_Introduction_Fondamentaux.pptx
@@ -5,7 +5,7 @@
     <p:sldMasterId id="2147483648" r:id="rId1"/>
   </p:sldMasterIdLst>
   <p:notesMasterIdLst>
-    <p:notesMasterId r:id="rId29"/>
+    <p:notesMasterId r:id="rId46"/>
   </p:notesMasterIdLst>
   <p:sldIdLst>
     <p:sldId id="256" r:id="rId2"/>
@@ -35,6 +35,23 @@
     <p:sldId id="278" r:id="rId26"/>
     <p:sldId id="279" r:id="rId27"/>
     <p:sldId id="284" r:id="rId28"/>
+    <p:sldId id="281" r:id="rId29"/>
+    <p:sldId id="282" r:id="rId30"/>
+    <p:sldId id="276" r:id="rId31"/>
+    <p:sldId id="286" r:id="rId32"/>
+    <p:sldId id="285" r:id="rId33"/>
+    <p:sldId id="287" r:id="rId34"/>
+    <p:sldId id="288" r:id="rId35"/>
+    <p:sldId id="289" r:id="rId36"/>
+    <p:sldId id="290" r:id="rId37"/>
+    <p:sldId id="293" r:id="rId38"/>
+    <p:sldId id="291" r:id="rId39"/>
+    <p:sldId id="292" r:id="rId40"/>
+    <p:sldId id="294" r:id="rId41"/>
+    <p:sldId id="295" r:id="rId42"/>
+    <p:sldId id="297" r:id="rId43"/>
+    <p:sldId id="298" r:id="rId44"/>
+    <p:sldId id="302" r:id="rId45"/>
   </p:sldIdLst>
   <p:sldSz cx="12192000" cy="6858000"/>
   <p:notesSz cx="6858000" cy="9144000"/>
@@ -13653,6 +13670,812 @@
 </p:sld>
 </file>
 
+<file path=ppt/slides/slide28.xml><?xml version="1.0" encoding="utf-8"?>
+<p:sld xmlns:a="http://schemas.openxmlformats.org/drawingml/2006/main" xmlns:r="http://schemas.openxmlformats.org/officeDocument/2006/relationships" xmlns:p="http://schemas.openxmlformats.org/presentationml/2006/main">
+  <p:cSld>
+    <p:spTree>
+      <p:nvGrpSpPr>
+        <p:cNvPr id="1" name=""/>
+        <p:cNvGrpSpPr/>
+        <p:nvPr/>
+      </p:nvGrpSpPr>
+      <p:grpSpPr>
+        <a:xfrm>
+          <a:off x="0" y="0"/>
+          <a:ext cx="0" cy="0"/>
+          <a:chOff x="0" y="0"/>
+          <a:chExt cx="0" cy="0"/>
+        </a:xfrm>
+      </p:grpSpPr>
+      <p:sp>
+        <p:nvSpPr>
+          <p:cNvPr id="4" name="Titre 3">
+            <a:extLst>
+              <a:ext uri="{FF2B5EF4-FFF2-40B4-BE49-F238E27FC236}">
+                <a16:creationId xmlns:a16="http://schemas.microsoft.com/office/drawing/2014/main" id="{26B141B5-4783-8B88-C83C-402EF38E22E3}"/>
+              </a:ext>
+            </a:extLst>
+          </p:cNvPr>
+          <p:cNvSpPr>
+            <a:spLocks noGrp="1"/>
+          </p:cNvSpPr>
+          <p:nvPr>
+            <p:ph type="title"/>
+            <p:custDataLst>
+              <p:tags r:id="rId1"/>
+            </p:custDataLst>
+          </p:nvPr>
+        </p:nvSpPr>
+        <p:spPr/>
+        <p:txBody>
+          <a:bodyPr/>
+          <a:lstStyle/>
+          <a:p>
+            <a:r>
+              <a:rPr lang="fr-FR"/>
+              <a:t>Le cadre d’analyse des résultats potentiels</a:t>
+            </a:r>
+          </a:p>
+        </p:txBody>
+      </p:sp>
+      <p:sp>
+        <p:nvSpPr>
+          <p:cNvPr id="5" name="Espace réservé du texte 4">
+            <a:extLst>
+              <a:ext uri="{FF2B5EF4-FFF2-40B4-BE49-F238E27FC236}">
+                <a16:creationId xmlns:a16="http://schemas.microsoft.com/office/drawing/2014/main" id="{07691E59-A86F-3587-129D-6ADE58A3196A}"/>
+              </a:ext>
+            </a:extLst>
+          </p:cNvPr>
+          <p:cNvSpPr>
+            <a:spLocks noGrp="1"/>
+          </p:cNvSpPr>
+          <p:nvPr>
+            <p:ph type="body" idx="1"/>
+            <p:custDataLst>
+              <p:tags r:id="rId2"/>
+            </p:custDataLst>
+          </p:nvPr>
+        </p:nvSpPr>
+        <p:spPr/>
+        <p:txBody>
+          <a:bodyPr/>
+          <a:lstStyle/>
+          <a:p>
+            <a:r>
+              <a:rPr lang="fr-FR"/>
+              <a:t>Le fondement de l’étude de la causalité en économie</a:t>
+            </a:r>
+          </a:p>
+        </p:txBody>
+      </p:sp>
+    </p:spTree>
+    <p:extLst>
+      <p:ext uri="{BB962C8B-B14F-4D97-AF65-F5344CB8AC3E}">
+        <p14:creationId xmlns:p14="http://schemas.microsoft.com/office/powerpoint/2010/main" val="1710464143"/>
+      </p:ext>
+    </p:extLst>
+  </p:cSld>
+  <p:clrMapOvr>
+    <a:masterClrMapping/>
+  </p:clrMapOvr>
+</p:sld>
+</file>
+
+<file path=ppt/slides/slide29.xml><?xml version="1.0" encoding="utf-8"?>
+<p:sld xmlns:a="http://schemas.openxmlformats.org/drawingml/2006/main" xmlns:r="http://schemas.openxmlformats.org/officeDocument/2006/relationships" xmlns:p="http://schemas.openxmlformats.org/presentationml/2006/main">
+  <p:cSld>
+    <p:spTree>
+      <p:nvGrpSpPr>
+        <p:cNvPr id="1" name=""/>
+        <p:cNvGrpSpPr/>
+        <p:nvPr/>
+      </p:nvGrpSpPr>
+      <p:grpSpPr>
+        <a:xfrm>
+          <a:off x="0" y="0"/>
+          <a:ext cx="0" cy="0"/>
+          <a:chOff x="0" y="0"/>
+          <a:chExt cx="0" cy="0"/>
+        </a:xfrm>
+      </p:grpSpPr>
+      <p:sp>
+        <p:nvSpPr>
+          <p:cNvPr id="2" name="Titre 1">
+            <a:extLst>
+              <a:ext uri="{FF2B5EF4-FFF2-40B4-BE49-F238E27FC236}">
+                <a16:creationId xmlns:a16="http://schemas.microsoft.com/office/drawing/2014/main" id="{F5905BD7-E070-3794-3F7F-A7FFECBB567C}"/>
+              </a:ext>
+            </a:extLst>
+          </p:cNvPr>
+          <p:cNvSpPr>
+            <a:spLocks noGrp="1"/>
+          </p:cNvSpPr>
+          <p:nvPr>
+            <p:ph type="title"/>
+            <p:custDataLst>
+              <p:tags r:id="rId1"/>
+            </p:custDataLst>
+          </p:nvPr>
+        </p:nvSpPr>
+        <p:spPr/>
+        <p:txBody>
+          <a:bodyPr/>
+          <a:lstStyle/>
+          <a:p>
+            <a:r>
+              <a:rPr lang="fr-FR"/>
+              <a:t>Le modèle causal de Rubin</a:t>
+            </a:r>
+          </a:p>
+        </p:txBody>
+      </p:sp>
+      <mc:AlternateContent xmlns:mc="http://schemas.openxmlformats.org/markup-compatibility/2006" xmlns:a14="http://schemas.microsoft.com/office/drawing/2010/main">
+        <mc:Choice Requires="a14">
+          <p:sp>
+            <p:nvSpPr>
+              <p:cNvPr id="3" name="Espace réservé du contenu 2">
+                <a:extLst>
+                  <a:ext uri="{FF2B5EF4-FFF2-40B4-BE49-F238E27FC236}">
+                    <a16:creationId xmlns:a16="http://schemas.microsoft.com/office/drawing/2014/main" id="{A5A01889-495E-3272-1613-B03B49A3464B}"/>
+                  </a:ext>
+                </a:extLst>
+              </p:cNvPr>
+              <p:cNvSpPr>
+                <a:spLocks noGrp="1"/>
+              </p:cNvSpPr>
+              <p:nvPr>
+                <p:ph idx="1"/>
+                <p:custDataLst>
+                  <p:tags r:id="rId2"/>
+                </p:custDataLst>
+              </p:nvPr>
+            </p:nvSpPr>
+            <p:spPr/>
+            <p:txBody>
+              <a:bodyPr>
+                <a:normAutofit/>
+              </a:bodyPr>
+              <a:lstStyle/>
+              <a:p>
+                <a:r>
+                  <a:rPr lang="fr-FR"/>
+                  <a:t>Nous voulons mesurer l’impact d’un "traitement" (intervention, programme) </a:t>
+                </a:r>
+                <a14:m>
+                  <m:oMath xmlns:m="http://schemas.openxmlformats.org/officeDocument/2006/math">
+                    <m:r>
+                      <a:rPr lang="fr-FR" i="1" smtClean="0">
+                        <a:latin typeface="Cambria Math" panose="02040503050406030204" pitchFamily="18" charset="0"/>
+                      </a:rPr>
+                      <m:t>𝑇</m:t>
+                    </m:r>
+                  </m:oMath>
+                </a14:m>
+                <a:r>
+                  <a:rPr lang="fr-FR"/>
+                  <a:t> sur une variable de résultat </a:t>
+                </a:r>
+                <a14:m>
+                  <m:oMath xmlns:m="http://schemas.openxmlformats.org/officeDocument/2006/math">
+                    <m:r>
+                      <a:rPr lang="fr-FR" i="1" smtClean="0">
+                        <a:latin typeface="Cambria Math" panose="02040503050406030204" pitchFamily="18" charset="0"/>
+                      </a:rPr>
+                      <m:t>𝑌</m:t>
+                    </m:r>
+                  </m:oMath>
+                </a14:m>
+                <a:r>
+                  <a:rPr lang="fr-FR"/>
+                  <a:t> pour une unité </a:t>
+                </a:r>
+                <a14:m>
+                  <m:oMath xmlns:m="http://schemas.openxmlformats.org/officeDocument/2006/math">
+                    <m:r>
+                      <a:rPr lang="fr-FR" i="1" smtClean="0">
+                        <a:latin typeface="Cambria Math" panose="02040503050406030204" pitchFamily="18" charset="0"/>
+                      </a:rPr>
+                      <m:t>𝑖</m:t>
+                    </m:r>
+                  </m:oMath>
+                </a14:m>
+                <a:endParaRPr lang="fr-FR"/>
+              </a:p>
+              <a:p>
+                <a:r>
+                  <a:rPr lang="fr-FR"/>
+                  <a:t>Statut de traitement (</a:t>
+                </a:r>
+                <a14:m>
+                  <m:oMath xmlns:m="http://schemas.openxmlformats.org/officeDocument/2006/math">
+                    <m:sSub>
+                      <m:sSubPr>
+                        <m:ctrlPr>
+                          <a:rPr lang="fr-FR" i="1" smtClean="0">
+                            <a:latin typeface="Cambria Math" panose="02040503050406030204" pitchFamily="18" charset="0"/>
+                          </a:rPr>
+                        </m:ctrlPr>
+                      </m:sSubPr>
+                      <m:e>
+                        <m:r>
+                          <a:rPr lang="fr-FR" b="0" i="1" smtClean="0">
+                            <a:latin typeface="Cambria Math" panose="02040503050406030204" pitchFamily="18" charset="0"/>
+                          </a:rPr>
+                          <m:t>𝑇</m:t>
+                        </m:r>
+                      </m:e>
+                      <m:sub>
+                        <m:r>
+                          <a:rPr lang="fr-FR" b="0" i="1" smtClean="0">
+                            <a:latin typeface="Cambria Math" panose="02040503050406030204" pitchFamily="18" charset="0"/>
+                          </a:rPr>
+                          <m:t>𝑖</m:t>
+                        </m:r>
+                      </m:sub>
+                    </m:sSub>
+                  </m:oMath>
+                </a14:m>
+                <a:r>
+                  <a:rPr lang="fr-FR"/>
+                  <a:t>) et de résultat (</a:t>
+                </a:r>
+                <a14:m>
+                  <m:oMath xmlns:m="http://schemas.openxmlformats.org/officeDocument/2006/math">
+                    <m:sSub>
+                      <m:sSubPr>
+                        <m:ctrlPr>
+                          <a:rPr lang="fr-FR" i="1" smtClean="0">
+                            <a:latin typeface="Cambria Math" panose="02040503050406030204" pitchFamily="18" charset="0"/>
+                          </a:rPr>
+                        </m:ctrlPr>
+                      </m:sSubPr>
+                      <m:e>
+                        <m:r>
+                          <a:rPr lang="fr-FR" b="0" i="1" smtClean="0">
+                            <a:latin typeface="Cambria Math" panose="02040503050406030204" pitchFamily="18" charset="0"/>
+                          </a:rPr>
+                          <m:t>𝑌</m:t>
+                        </m:r>
+                      </m:e>
+                      <m:sub>
+                        <m:r>
+                          <a:rPr lang="fr-FR" b="0" i="1" smtClean="0">
+                            <a:latin typeface="Cambria Math" panose="02040503050406030204" pitchFamily="18" charset="0"/>
+                          </a:rPr>
+                          <m:t>𝑖</m:t>
+                        </m:r>
+                      </m:sub>
+                    </m:sSub>
+                  </m:oMath>
+                </a14:m>
+                <a:r>
+                  <a:rPr lang="fr-FR"/>
+                  <a:t>) de l'unité </a:t>
+                </a:r>
+                <a14:m>
+                  <m:oMath xmlns:m="http://schemas.openxmlformats.org/officeDocument/2006/math">
+                    <m:r>
+                      <a:rPr lang="fr-FR" i="1" smtClean="0">
+                        <a:latin typeface="Cambria Math" panose="02040503050406030204" pitchFamily="18" charset="0"/>
+                      </a:rPr>
+                      <m:t>𝑖</m:t>
+                    </m:r>
+                  </m:oMath>
+                </a14:m>
+                <a:endParaRPr lang="fr-FR"/>
+              </a:p>
+              <a:p>
+                <a:pPr lvl="1"/>
+                <a:r>
+                  <a:rPr lang="fr-FR"/>
+                  <a:t>Si une unité reçoit le traitement : </a:t>
+                </a:r>
+                <a14:m>
+                  <m:oMath xmlns:m="http://schemas.openxmlformats.org/officeDocument/2006/math">
+                    <m:sSub>
+                      <m:sSubPr>
+                        <m:ctrlPr>
+                          <a:rPr lang="fr-FR" i="1" smtClean="0">
+                            <a:latin typeface="Cambria Math" panose="02040503050406030204" pitchFamily="18" charset="0"/>
+                          </a:rPr>
+                        </m:ctrlPr>
+                      </m:sSubPr>
+                      <m:e>
+                        <m:r>
+                          <a:rPr lang="fr-FR" b="0" i="1" smtClean="0">
+                            <a:latin typeface="Cambria Math" panose="02040503050406030204" pitchFamily="18" charset="0"/>
+                          </a:rPr>
+                          <m:t>𝑇</m:t>
+                        </m:r>
+                      </m:e>
+                      <m:sub>
+                        <m:r>
+                          <a:rPr lang="fr-FR" b="0" i="1" smtClean="0">
+                            <a:latin typeface="Cambria Math" panose="02040503050406030204" pitchFamily="18" charset="0"/>
+                          </a:rPr>
+                          <m:t>𝑖</m:t>
+                        </m:r>
+                      </m:sub>
+                    </m:sSub>
+                    <m:r>
+                      <a:rPr lang="fr-FR" b="0" i="1" smtClean="0">
+                        <a:latin typeface="Cambria Math" panose="02040503050406030204" pitchFamily="18" charset="0"/>
+                      </a:rPr>
+                      <m:t>=1</m:t>
+                    </m:r>
+                  </m:oMath>
+                </a14:m>
+                <a:r>
+                  <a:rPr lang="fr-FR"/>
+                  <a:t> et </a:t>
+                </a:r>
+                <a14:m>
+                  <m:oMath xmlns:m="http://schemas.openxmlformats.org/officeDocument/2006/math">
+                    <m:sSub>
+                      <m:sSubPr>
+                        <m:ctrlPr>
+                          <a:rPr lang="fr-FR" i="1" smtClean="0">
+                            <a:latin typeface="Cambria Math" panose="02040503050406030204" pitchFamily="18" charset="0"/>
+                          </a:rPr>
+                        </m:ctrlPr>
+                      </m:sSubPr>
+                      <m:e>
+                        <m:r>
+                          <a:rPr lang="fr-FR" b="0" i="1" smtClean="0">
+                            <a:latin typeface="Cambria Math" panose="02040503050406030204" pitchFamily="18" charset="0"/>
+                          </a:rPr>
+                          <m:t>𝑌</m:t>
+                        </m:r>
+                        <m:r>
+                          <a:rPr lang="fr-FR" b="0" i="1" smtClean="0">
+                            <a:latin typeface="Cambria Math" panose="02040503050406030204" pitchFamily="18" charset="0"/>
+                          </a:rPr>
+                          <m:t>1</m:t>
+                        </m:r>
+                      </m:e>
+                      <m:sub>
+                        <m:r>
+                          <a:rPr lang="fr-FR" b="0" i="1" smtClean="0">
+                            <a:latin typeface="Cambria Math" panose="02040503050406030204" pitchFamily="18" charset="0"/>
+                          </a:rPr>
+                          <m:t>𝑖</m:t>
+                        </m:r>
+                      </m:sub>
+                    </m:sSub>
+                  </m:oMath>
+                </a14:m>
+                <a:endParaRPr lang="fr-FR"/>
+              </a:p>
+              <a:p>
+                <a:pPr lvl="1"/>
+                <a:r>
+                  <a:rPr lang="fr-FR"/>
+                  <a:t>Si une unité ne reçoit pas le traitement: </a:t>
+                </a:r>
+                <a14:m>
+                  <m:oMath xmlns:m="http://schemas.openxmlformats.org/officeDocument/2006/math">
+                    <m:sSub>
+                      <m:sSubPr>
+                        <m:ctrlPr>
+                          <a:rPr lang="fr-FR" i="1" smtClean="0">
+                            <a:latin typeface="Cambria Math" panose="02040503050406030204" pitchFamily="18" charset="0"/>
+                          </a:rPr>
+                        </m:ctrlPr>
+                      </m:sSubPr>
+                      <m:e>
+                        <m:r>
+                          <a:rPr lang="fr-FR" b="0" i="1" smtClean="0">
+                            <a:latin typeface="Cambria Math" panose="02040503050406030204" pitchFamily="18" charset="0"/>
+                          </a:rPr>
+                          <m:t>𝑇</m:t>
+                        </m:r>
+                      </m:e>
+                      <m:sub>
+                        <m:r>
+                          <a:rPr lang="fr-FR" b="0" i="1" smtClean="0">
+                            <a:latin typeface="Cambria Math" panose="02040503050406030204" pitchFamily="18" charset="0"/>
+                          </a:rPr>
+                          <m:t>𝑖</m:t>
+                        </m:r>
+                      </m:sub>
+                    </m:sSub>
+                    <m:r>
+                      <a:rPr lang="fr-FR" b="0" i="1" smtClean="0">
+                        <a:latin typeface="Cambria Math" panose="02040503050406030204" pitchFamily="18" charset="0"/>
+                      </a:rPr>
+                      <m:t>=0</m:t>
+                    </m:r>
+                  </m:oMath>
+                </a14:m>
+                <a:r>
+                  <a:rPr lang="fr-FR"/>
+                  <a:t> et </a:t>
+                </a:r>
+                <a14:m>
+                  <m:oMath xmlns:m="http://schemas.openxmlformats.org/officeDocument/2006/math">
+                    <m:sSub>
+                      <m:sSubPr>
+                        <m:ctrlPr>
+                          <a:rPr lang="fr-FR" i="1" smtClean="0">
+                            <a:latin typeface="Cambria Math" panose="02040503050406030204" pitchFamily="18" charset="0"/>
+                          </a:rPr>
+                        </m:ctrlPr>
+                      </m:sSubPr>
+                      <m:e>
+                        <m:r>
+                          <a:rPr lang="fr-FR" b="0" i="1" smtClean="0">
+                            <a:latin typeface="Cambria Math" panose="02040503050406030204" pitchFamily="18" charset="0"/>
+                          </a:rPr>
+                          <m:t>𝑌</m:t>
+                        </m:r>
+                        <m:r>
+                          <a:rPr lang="fr-FR" b="0" i="1" smtClean="0">
+                            <a:latin typeface="Cambria Math" panose="02040503050406030204" pitchFamily="18" charset="0"/>
+                          </a:rPr>
+                          <m:t>0</m:t>
+                        </m:r>
+                      </m:e>
+                      <m:sub>
+                        <m:r>
+                          <a:rPr lang="fr-FR" b="0" i="1" smtClean="0">
+                            <a:latin typeface="Cambria Math" panose="02040503050406030204" pitchFamily="18" charset="0"/>
+                          </a:rPr>
+                          <m:t>𝑖</m:t>
+                        </m:r>
+                      </m:sub>
+                    </m:sSub>
+                    <m:r>
+                      <a:rPr lang="fr-FR" b="0" i="1" smtClean="0">
+                        <a:latin typeface="Cambria Math" panose="02040503050406030204" pitchFamily="18" charset="0"/>
+                      </a:rPr>
+                      <m:t> </m:t>
+                    </m:r>
+                  </m:oMath>
+                </a14:m>
+                <a:endParaRPr lang="fr-FR"/>
+              </a:p>
+              <a:p>
+                <a:r>
+                  <a:rPr lang="fr-FR"/>
+                  <a:t>Effet du traitement pour l'unité </a:t>
+                </a:r>
+                <a14:m>
+                  <m:oMath xmlns:m="http://schemas.openxmlformats.org/officeDocument/2006/math">
+                    <m:r>
+                      <a:rPr lang="fr-FR" i="1" smtClean="0">
+                        <a:latin typeface="Cambria Math" panose="02040503050406030204" pitchFamily="18" charset="0"/>
+                      </a:rPr>
+                      <m:t>𝑖</m:t>
+                    </m:r>
+                  </m:oMath>
+                </a14:m>
+                <a:r>
+                  <a:rPr lang="fr-FR"/>
+                  <a:t>: </a:t>
+                </a:r>
+                <a14:m>
+                  <m:oMath xmlns:m="http://schemas.openxmlformats.org/officeDocument/2006/math">
+                    <m:r>
+                      <a:rPr lang="fr-FR" i="1" smtClean="0">
+                        <a:latin typeface="Cambria Math" panose="02040503050406030204" pitchFamily="18" charset="0"/>
+                        <a:ea typeface="Cambria Math" panose="02040503050406030204" pitchFamily="18" charset="0"/>
+                      </a:rPr>
+                      <m:t>∆</m:t>
+                    </m:r>
+                    <m:sSub>
+                      <m:sSubPr>
+                        <m:ctrlPr>
+                          <a:rPr lang="fr-FR" i="1" smtClean="0">
+                            <a:latin typeface="Cambria Math" panose="02040503050406030204" pitchFamily="18" charset="0"/>
+                            <a:ea typeface="Cambria Math" panose="02040503050406030204" pitchFamily="18" charset="0"/>
+                          </a:rPr>
+                        </m:ctrlPr>
+                      </m:sSubPr>
+                      <m:e>
+                        <m:r>
+                          <a:rPr lang="fr-FR" b="0" i="1" smtClean="0">
+                            <a:latin typeface="Cambria Math" panose="02040503050406030204" pitchFamily="18" charset="0"/>
+                            <a:ea typeface="Cambria Math" panose="02040503050406030204" pitchFamily="18" charset="0"/>
+                          </a:rPr>
+                          <m:t>𝑌</m:t>
+                        </m:r>
+                      </m:e>
+                      <m:sub>
+                        <m:r>
+                          <a:rPr lang="fr-FR" b="0" i="1" smtClean="0">
+                            <a:latin typeface="Cambria Math" panose="02040503050406030204" pitchFamily="18" charset="0"/>
+                            <a:ea typeface="Cambria Math" panose="02040503050406030204" pitchFamily="18" charset="0"/>
+                          </a:rPr>
+                          <m:t>𝑖</m:t>
+                        </m:r>
+                      </m:sub>
+                    </m:sSub>
+                    <m:r>
+                      <a:rPr lang="fr-FR" b="0" i="1" smtClean="0">
+                        <a:latin typeface="Cambria Math" panose="02040503050406030204" pitchFamily="18" charset="0"/>
+                        <a:ea typeface="Cambria Math" panose="02040503050406030204" pitchFamily="18" charset="0"/>
+                      </a:rPr>
+                      <m:t>= </m:t>
+                    </m:r>
+                    <m:sSub>
+                      <m:sSubPr>
+                        <m:ctrlPr>
+                          <a:rPr lang="fr-FR" b="0" i="1" smtClean="0">
+                            <a:latin typeface="Cambria Math" panose="02040503050406030204" pitchFamily="18" charset="0"/>
+                            <a:ea typeface="Cambria Math" panose="02040503050406030204" pitchFamily="18" charset="0"/>
+                          </a:rPr>
+                        </m:ctrlPr>
+                      </m:sSubPr>
+                      <m:e>
+                        <m:r>
+                          <a:rPr lang="fr-FR" b="0" i="1" smtClean="0">
+                            <a:latin typeface="Cambria Math" panose="02040503050406030204" pitchFamily="18" charset="0"/>
+                            <a:ea typeface="Cambria Math" panose="02040503050406030204" pitchFamily="18" charset="0"/>
+                          </a:rPr>
+                          <m:t>𝑌</m:t>
+                        </m:r>
+                        <m:r>
+                          <a:rPr lang="fr-FR" b="0" i="1" smtClean="0">
+                            <a:latin typeface="Cambria Math" panose="02040503050406030204" pitchFamily="18" charset="0"/>
+                            <a:ea typeface="Cambria Math" panose="02040503050406030204" pitchFamily="18" charset="0"/>
+                          </a:rPr>
+                          <m:t>1</m:t>
+                        </m:r>
+                      </m:e>
+                      <m:sub>
+                        <m:r>
+                          <a:rPr lang="fr-FR" b="0" i="1" smtClean="0">
+                            <a:latin typeface="Cambria Math" panose="02040503050406030204" pitchFamily="18" charset="0"/>
+                            <a:ea typeface="Cambria Math" panose="02040503050406030204" pitchFamily="18" charset="0"/>
+                          </a:rPr>
+                          <m:t>𝑖</m:t>
+                        </m:r>
+                        <m:r>
+                          <a:rPr lang="fr-FR" b="0" i="1" smtClean="0">
+                            <a:latin typeface="Cambria Math" panose="02040503050406030204" pitchFamily="18" charset="0"/>
+                            <a:ea typeface="Cambria Math" panose="02040503050406030204" pitchFamily="18" charset="0"/>
+                          </a:rPr>
+                          <m:t> </m:t>
+                        </m:r>
+                      </m:sub>
+                    </m:sSub>
+                    <m:r>
+                      <a:rPr lang="fr-FR" b="0" i="1" smtClean="0">
+                        <a:latin typeface="Cambria Math" panose="02040503050406030204" pitchFamily="18" charset="0"/>
+                        <a:ea typeface="Cambria Math" panose="02040503050406030204" pitchFamily="18" charset="0"/>
+                      </a:rPr>
+                      <m:t>− </m:t>
+                    </m:r>
+                    <m:sSub>
+                      <m:sSubPr>
+                        <m:ctrlPr>
+                          <a:rPr lang="fr-FR" b="0" i="1" smtClean="0">
+                            <a:latin typeface="Cambria Math" panose="02040503050406030204" pitchFamily="18" charset="0"/>
+                            <a:ea typeface="Cambria Math" panose="02040503050406030204" pitchFamily="18" charset="0"/>
+                          </a:rPr>
+                        </m:ctrlPr>
+                      </m:sSubPr>
+                      <m:e>
+                        <m:r>
+                          <a:rPr lang="fr-FR" b="0" i="1" smtClean="0">
+                            <a:latin typeface="Cambria Math" panose="02040503050406030204" pitchFamily="18" charset="0"/>
+                            <a:ea typeface="Cambria Math" panose="02040503050406030204" pitchFamily="18" charset="0"/>
+                          </a:rPr>
+                          <m:t>𝑌</m:t>
+                        </m:r>
+                        <m:r>
+                          <a:rPr lang="fr-FR" b="0" i="1" smtClean="0">
+                            <a:latin typeface="Cambria Math" panose="02040503050406030204" pitchFamily="18" charset="0"/>
+                            <a:ea typeface="Cambria Math" panose="02040503050406030204" pitchFamily="18" charset="0"/>
+                          </a:rPr>
+                          <m:t>0</m:t>
+                        </m:r>
+                      </m:e>
+                      <m:sub>
+                        <m:r>
+                          <a:rPr lang="fr-FR" b="0" i="1" smtClean="0">
+                            <a:latin typeface="Cambria Math" panose="02040503050406030204" pitchFamily="18" charset="0"/>
+                            <a:ea typeface="Cambria Math" panose="02040503050406030204" pitchFamily="18" charset="0"/>
+                          </a:rPr>
+                          <m:t>𝑖</m:t>
+                        </m:r>
+                      </m:sub>
+                    </m:sSub>
+                  </m:oMath>
+                </a14:m>
+                <a:endParaRPr lang="fr-FR"/>
+              </a:p>
+              <a:p>
+                <a:r>
+                  <a:rPr lang="fr-FR">
+                    <a:solidFill>
+                      <a:srgbClr val="FF0000"/>
+                    </a:solidFill>
+                  </a:rPr>
+                  <a:t>Problème : </a:t>
+                </a:r>
+                <a:r>
+                  <a:rPr lang="fr-FR"/>
+                  <a:t>un seul état est observé pour </a:t>
+                </a:r>
+                <a14:m>
+                  <m:oMath xmlns:m="http://schemas.openxmlformats.org/officeDocument/2006/math">
+                    <m:r>
+                      <a:rPr lang="fr-FR" i="1" smtClean="0">
+                        <a:latin typeface="Cambria Math" panose="02040503050406030204" pitchFamily="18" charset="0"/>
+                      </a:rPr>
+                      <m:t>𝑖</m:t>
+                    </m:r>
+                  </m:oMath>
+                </a14:m>
+                <a:r>
+                  <a:rPr lang="fr-FR"/>
+                  <a:t>, on ne peut résolument pas observer les deux états pour la même unité, soit elle est traitée Autrement dit : </a:t>
+                </a:r>
+                <a14:m>
+                  <m:oMath xmlns:m="http://schemas.openxmlformats.org/officeDocument/2006/math">
+                    <m:sSub>
+                      <m:sSubPr>
+                        <m:ctrlPr>
+                          <a:rPr lang="fr-FR" i="1" smtClean="0">
+                            <a:solidFill>
+                              <a:srgbClr val="FF0000"/>
+                            </a:solidFill>
+                            <a:latin typeface="Cambria Math" panose="02040503050406030204" pitchFamily="18" charset="0"/>
+                          </a:rPr>
+                        </m:ctrlPr>
+                      </m:sSubPr>
+                      <m:e>
+                        <m:r>
+                          <a:rPr lang="fr-FR" b="0" i="1" smtClean="0">
+                            <a:solidFill>
+                              <a:srgbClr val="FF0000"/>
+                            </a:solidFill>
+                            <a:latin typeface="Cambria Math" panose="02040503050406030204" pitchFamily="18" charset="0"/>
+                          </a:rPr>
+                          <m:t>𝑌</m:t>
+                        </m:r>
+                        <m:r>
+                          <a:rPr lang="fr-FR" b="0" i="1" smtClean="0">
+                            <a:solidFill>
+                              <a:srgbClr val="FF0000"/>
+                            </a:solidFill>
+                            <a:latin typeface="Cambria Math" panose="02040503050406030204" pitchFamily="18" charset="0"/>
+                          </a:rPr>
+                          <m:t>0</m:t>
+                        </m:r>
+                      </m:e>
+                      <m:sub>
+                        <m:r>
+                          <a:rPr lang="fr-FR" b="0" i="1" smtClean="0">
+                            <a:solidFill>
+                              <a:srgbClr val="FF0000"/>
+                            </a:solidFill>
+                            <a:latin typeface="Cambria Math" panose="02040503050406030204" pitchFamily="18" charset="0"/>
+                          </a:rPr>
+                          <m:t>𝑖</m:t>
+                        </m:r>
+                      </m:sub>
+                    </m:sSub>
+                  </m:oMath>
+                </a14:m>
+                <a:r>
+                  <a:rPr lang="fr-FR">
+                    <a:solidFill>
+                      <a:srgbClr val="FF0000"/>
+                    </a:solidFill>
+                  </a:rPr>
+                  <a:t> n'existe pas pour </a:t>
+                </a:r>
+                <a14:m>
+                  <m:oMath xmlns:m="http://schemas.openxmlformats.org/officeDocument/2006/math">
+                    <m:sSub>
+                      <m:sSubPr>
+                        <m:ctrlPr>
+                          <a:rPr lang="fr-FR" i="1" smtClean="0">
+                            <a:solidFill>
+                              <a:srgbClr val="FF0000"/>
+                            </a:solidFill>
+                            <a:latin typeface="Cambria Math" panose="02040503050406030204" pitchFamily="18" charset="0"/>
+                          </a:rPr>
+                        </m:ctrlPr>
+                      </m:sSubPr>
+                      <m:e>
+                        <m:r>
+                          <a:rPr lang="fr-FR" b="0" i="1" smtClean="0">
+                            <a:solidFill>
+                              <a:srgbClr val="FF0000"/>
+                            </a:solidFill>
+                            <a:latin typeface="Cambria Math" panose="02040503050406030204" pitchFamily="18" charset="0"/>
+                          </a:rPr>
+                          <m:t>𝑇</m:t>
+                        </m:r>
+                      </m:e>
+                      <m:sub>
+                        <m:r>
+                          <a:rPr lang="fr-FR" b="0" i="1" smtClean="0">
+                            <a:solidFill>
+                              <a:srgbClr val="FF0000"/>
+                            </a:solidFill>
+                            <a:latin typeface="Cambria Math" panose="02040503050406030204" pitchFamily="18" charset="0"/>
+                          </a:rPr>
+                          <m:t>𝑖</m:t>
+                        </m:r>
+                      </m:sub>
+                    </m:sSub>
+                    <m:r>
+                      <a:rPr lang="fr-FR" b="0" i="1" smtClean="0">
+                        <a:solidFill>
+                          <a:srgbClr val="FF0000"/>
+                        </a:solidFill>
+                        <a:latin typeface="Cambria Math" panose="02040503050406030204" pitchFamily="18" charset="0"/>
+                      </a:rPr>
+                      <m:t>=1</m:t>
+                    </m:r>
+                  </m:oMath>
+                </a14:m>
+                <a:endParaRPr lang="fr-FR"/>
+              </a:p>
+            </p:txBody>
+          </p:sp>
+        </mc:Choice>
+        <mc:Fallback xmlns="">
+          <p:sp>
+            <p:nvSpPr>
+              <p:cNvPr id="3" name="Espace réservé du contenu 2">
+                <a:extLst>
+                  <a:ext uri="{FF2B5EF4-FFF2-40B4-BE49-F238E27FC236}">
+                    <a16:creationId xmlns:a16="http://schemas.microsoft.com/office/drawing/2014/main" id="{A5A01889-495E-3272-1613-B03B49A3464B}"/>
+                  </a:ext>
+                </a:extLst>
+              </p:cNvPr>
+              <p:cNvSpPr>
+                <a:spLocks noGrp="1" noRot="1" noChangeAspect="1" noMove="1" noResize="1" noEditPoints="1" noAdjustHandles="1" noChangeArrowheads="1" noChangeShapeType="1" noTextEdit="1"/>
+              </p:cNvSpPr>
+              <p:nvPr>
+                <p:ph idx="1"/>
+                <p:custDataLst>
+                  <p:tags r:id="rId4"/>
+                </p:custDataLst>
+              </p:nvPr>
+            </p:nvSpPr>
+            <p:spPr>
+              <a:blipFill>
+                <a:blip r:embed="rId5"/>
+                <a:stretch>
+                  <a:fillRect l="-1043" t="-2241"/>
+                </a:stretch>
+              </a:blipFill>
+            </p:spPr>
+            <p:txBody>
+              <a:bodyPr/>
+              <a:lstStyle/>
+              <a:p>
+                <a:r>
+                  <a:rPr lang="fr-FR">
+                    <a:noFill/>
+                  </a:rPr>
+                  <a:t> </a:t>
+                </a:r>
+              </a:p>
+            </p:txBody>
+          </p:sp>
+        </mc:Fallback>
+      </mc:AlternateContent>
+    </p:spTree>
+    <p:extLst>
+      <p:ext uri="{BB962C8B-B14F-4D97-AF65-F5344CB8AC3E}">
+        <p14:creationId xmlns:p14="http://schemas.microsoft.com/office/powerpoint/2010/main" val="2444413956"/>
+      </p:ext>
+    </p:extLst>
+  </p:cSld>
+  <p:clrMapOvr>
+    <a:masterClrMapping/>
+  </p:clrMapOvr>
+</p:sld>
+</file>
+
 <file path=ppt/slides/slide3.xml><?xml version="1.0" encoding="utf-8"?>
 <p:sld xmlns:a="http://schemas.openxmlformats.org/drawingml/2006/main" xmlns:r="http://schemas.openxmlformats.org/officeDocument/2006/relationships" xmlns:p="http://schemas.openxmlformats.org/presentationml/2006/main">
   <p:cSld>
@@ -13756,6 +14579,7191 @@
 </p:sld>
 </file>
 
+<file path=ppt/slides/slide30.xml><?xml version="1.0" encoding="utf-8"?>
+<p:sld xmlns:a="http://schemas.openxmlformats.org/drawingml/2006/main" xmlns:r="http://schemas.openxmlformats.org/officeDocument/2006/relationships" xmlns:p="http://schemas.openxmlformats.org/presentationml/2006/main">
+  <p:cSld>
+    <p:spTree>
+      <p:nvGrpSpPr>
+        <p:cNvPr id="1" name=""/>
+        <p:cNvGrpSpPr/>
+        <p:nvPr/>
+      </p:nvGrpSpPr>
+      <p:grpSpPr>
+        <a:xfrm>
+          <a:off x="0" y="0"/>
+          <a:ext cx="0" cy="0"/>
+          <a:chOff x="0" y="0"/>
+          <a:chExt cx="0" cy="0"/>
+        </a:xfrm>
+      </p:grpSpPr>
+      <p:sp>
+        <p:nvSpPr>
+          <p:cNvPr id="4" name="Titre 3">
+            <a:extLst>
+              <a:ext uri="{FF2B5EF4-FFF2-40B4-BE49-F238E27FC236}">
+                <a16:creationId xmlns:a16="http://schemas.microsoft.com/office/drawing/2014/main" id="{436344AB-2783-017B-1ADE-EC49D4BA1D36}"/>
+              </a:ext>
+            </a:extLst>
+          </p:cNvPr>
+          <p:cNvSpPr>
+            <a:spLocks noGrp="1"/>
+          </p:cNvSpPr>
+          <p:nvPr>
+            <p:ph type="title"/>
+            <p:custDataLst>
+              <p:tags r:id="rId1"/>
+            </p:custDataLst>
+          </p:nvPr>
+        </p:nvSpPr>
+        <p:spPr/>
+        <p:txBody>
+          <a:bodyPr/>
+          <a:lstStyle/>
+          <a:p>
+            <a:r>
+              <a:rPr lang="fr-FR"/>
+              <a:t>Le modèle causal de Rubin</a:t>
+            </a:r>
+          </a:p>
+        </p:txBody>
+      </p:sp>
+      <p:sp>
+        <p:nvSpPr>
+          <p:cNvPr id="5" name="Espace réservé du contenu 4">
+            <a:extLst>
+              <a:ext uri="{FF2B5EF4-FFF2-40B4-BE49-F238E27FC236}">
+                <a16:creationId xmlns:a16="http://schemas.microsoft.com/office/drawing/2014/main" id="{7A3FACC0-537F-782B-052E-09987723757E}"/>
+              </a:ext>
+            </a:extLst>
+          </p:cNvPr>
+          <p:cNvSpPr>
+            <a:spLocks noGrp="1"/>
+          </p:cNvSpPr>
+          <p:nvPr>
+            <p:ph idx="1"/>
+            <p:custDataLst>
+              <p:tags r:id="rId2"/>
+            </p:custDataLst>
+          </p:nvPr>
+        </p:nvSpPr>
+        <p:spPr/>
+        <p:txBody>
+          <a:bodyPr/>
+          <a:lstStyle/>
+          <a:p>
+            <a:r>
+              <a:rPr lang="fr-FR"/>
+              <a:t>Le problème fondamental de l'identification causale : seulement un des deux résultats potentiels (Y1i ou Y0i) peut être observé pour l'individu i</a:t>
+            </a:r>
+          </a:p>
+          <a:p>
+            <a:r>
+              <a:rPr lang="fr-FR"/>
+              <a:t>Idéalement, il faudrait pouvoir comparer le résultat de l'individu traité au résultat qu'il aurait obtenu en l'absence de traitement : </a:t>
+            </a:r>
+          </a:p>
+          <a:p>
+            <a:pPr lvl="1"/>
+            <a:r>
+              <a:rPr lang="fr-FR"/>
+              <a:t>C'est la définition du </a:t>
+            </a:r>
+            <a:r>
+              <a:rPr lang="fr-FR" b="1"/>
+              <a:t>contrefactuel</a:t>
+            </a:r>
+          </a:p>
+          <a:p>
+            <a:r>
+              <a:rPr lang="fr-FR"/>
+              <a:t>Comment constituer ce contrefactuel ? Une solution hypothétique : le clonage ? Des mondes parallèles ?</a:t>
+            </a:r>
+          </a:p>
+        </p:txBody>
+      </p:sp>
+    </p:spTree>
+    <p:extLst>
+      <p:ext uri="{BB962C8B-B14F-4D97-AF65-F5344CB8AC3E}">
+        <p14:creationId xmlns:p14="http://schemas.microsoft.com/office/powerpoint/2010/main" val="2826611492"/>
+      </p:ext>
+    </p:extLst>
+  </p:cSld>
+  <p:clrMapOvr>
+    <a:masterClrMapping/>
+  </p:clrMapOvr>
+</p:sld>
+</file>
+
+<file path=ppt/slides/slide31.xml><?xml version="1.0" encoding="utf-8"?>
+<p:sld xmlns:a="http://schemas.openxmlformats.org/drawingml/2006/main" xmlns:r="http://schemas.openxmlformats.org/officeDocument/2006/relationships" xmlns:p="http://schemas.openxmlformats.org/presentationml/2006/main">
+  <p:cSld>
+    <p:spTree>
+      <p:nvGrpSpPr>
+        <p:cNvPr id="1" name=""/>
+        <p:cNvGrpSpPr/>
+        <p:nvPr/>
+      </p:nvGrpSpPr>
+      <p:grpSpPr>
+        <a:xfrm>
+          <a:off x="0" y="0"/>
+          <a:ext cx="0" cy="0"/>
+          <a:chOff x="0" y="0"/>
+          <a:chExt cx="0" cy="0"/>
+        </a:xfrm>
+      </p:grpSpPr>
+      <p:sp>
+        <p:nvSpPr>
+          <p:cNvPr id="4" name="Titre 3">
+            <a:extLst>
+              <a:ext uri="{FF2B5EF4-FFF2-40B4-BE49-F238E27FC236}">
+                <a16:creationId xmlns:a16="http://schemas.microsoft.com/office/drawing/2014/main" id="{8D84B625-C973-02F8-B874-5846A033344A}"/>
+              </a:ext>
+            </a:extLst>
+          </p:cNvPr>
+          <p:cNvSpPr>
+            <a:spLocks noGrp="1"/>
+          </p:cNvSpPr>
+          <p:nvPr>
+            <p:ph type="title"/>
+            <p:custDataLst>
+              <p:tags r:id="rId1"/>
+            </p:custDataLst>
+          </p:nvPr>
+        </p:nvSpPr>
+        <p:spPr/>
+        <p:txBody>
+          <a:bodyPr/>
+          <a:lstStyle/>
+          <a:p>
+            <a:r>
+              <a:rPr lang="fr-FR"/>
+              <a:t>Deux clones dans des mondes parallèles</a:t>
+            </a:r>
+          </a:p>
+        </p:txBody>
+      </p:sp>
+      <p:pic>
+        <p:nvPicPr>
+          <p:cNvPr id="20" name="Espace réservé du contenu 19" descr="Dollar">
+            <a:extLst>
+              <a:ext uri="{FF2B5EF4-FFF2-40B4-BE49-F238E27FC236}">
+                <a16:creationId xmlns:a16="http://schemas.microsoft.com/office/drawing/2014/main" id="{39EA5642-4E91-BE2C-E2FD-E988ED8B8CB6}"/>
+              </a:ext>
+            </a:extLst>
+          </p:cNvPr>
+          <p:cNvPicPr>
+            <a:picLocks noGrp="1" noChangeAspect="1"/>
+          </p:cNvPicPr>
+          <p:nvPr>
+            <p:ph sz="half" idx="2"/>
+            <p:custDataLst>
+              <p:tags r:id="rId2"/>
+            </p:custDataLst>
+          </p:nvPr>
+        </p:nvPicPr>
+        <p:blipFill>
+          <a:blip r:embed="rId16">
+            <a:extLst>
+              <a:ext uri="{28A0092B-C50C-407E-A947-70E740481C1C}">
+                <a14:useLocalDpi xmlns:a14="http://schemas.microsoft.com/office/drawing/2010/main" val="0"/>
+              </a:ext>
+              <a:ext uri="{96DAC541-7B7A-43D3-8B79-37D633B846F1}">
+                <asvg:svgBlip xmlns:asvg="http://schemas.microsoft.com/office/drawing/2016/SVG/main" r:embed="rId17"/>
+              </a:ext>
+            </a:extLst>
+          </a:blip>
+          <a:stretch>
+            <a:fillRect/>
+          </a:stretch>
+        </p:blipFill>
+        <p:spPr>
+          <a:xfrm>
+            <a:off x="1808480" y="2760345"/>
+            <a:ext cx="914400" cy="914400"/>
+          </a:xfrm>
+        </p:spPr>
+      </p:pic>
+      <p:pic>
+        <p:nvPicPr>
+          <p:cNvPr id="18" name="Espace réservé du contenu 17" descr="Ajouter">
+            <a:extLst>
+              <a:ext uri="{FF2B5EF4-FFF2-40B4-BE49-F238E27FC236}">
+                <a16:creationId xmlns:a16="http://schemas.microsoft.com/office/drawing/2014/main" id="{73CACB5C-04AF-1424-B2DB-3B42005CEBDB}"/>
+              </a:ext>
+            </a:extLst>
+          </p:cNvPr>
+          <p:cNvPicPr>
+            <a:picLocks noGrp="1" noChangeAspect="1"/>
+          </p:cNvPicPr>
+          <p:nvPr>
+            <p:ph sz="half" idx="1"/>
+            <p:custDataLst>
+              <p:tags r:id="rId3"/>
+            </p:custDataLst>
+          </p:nvPr>
+        </p:nvPicPr>
+        <p:blipFill>
+          <a:blip r:embed="rId18">
+            <a:extLst>
+              <a:ext uri="{28A0092B-C50C-407E-A947-70E740481C1C}">
+                <a14:useLocalDpi xmlns:a14="http://schemas.microsoft.com/office/drawing/2010/main" val="0"/>
+              </a:ext>
+              <a:ext uri="{96DAC541-7B7A-43D3-8B79-37D633B846F1}">
+                <asvg:svgBlip xmlns:asvg="http://schemas.microsoft.com/office/drawing/2016/SVG/main" r:embed="rId19"/>
+              </a:ext>
+            </a:extLst>
+          </a:blip>
+          <a:stretch>
+            <a:fillRect/>
+          </a:stretch>
+        </p:blipFill>
+        <p:spPr>
+          <a:xfrm>
+            <a:off x="1005840" y="3016251"/>
+            <a:ext cx="548640" cy="548640"/>
+          </a:xfrm>
+        </p:spPr>
+      </p:pic>
+      <p:pic>
+        <p:nvPicPr>
+          <p:cNvPr id="16" name="Espace réservé du contenu 7" descr="Profil masculin">
+            <a:extLst>
+              <a:ext uri="{FF2B5EF4-FFF2-40B4-BE49-F238E27FC236}">
+                <a16:creationId xmlns:a16="http://schemas.microsoft.com/office/drawing/2014/main" id="{F40D2ED3-D0ED-2217-3B64-C2DA008A3CC0}"/>
+              </a:ext>
+            </a:extLst>
+          </p:cNvPr>
+          <p:cNvPicPr>
+            <a:picLocks noChangeAspect="1"/>
+          </p:cNvPicPr>
+          <p:nvPr>
+            <p:custDataLst>
+              <p:tags r:id="rId4"/>
+            </p:custDataLst>
+          </p:nvPr>
+        </p:nvPicPr>
+        <p:blipFill>
+          <a:blip r:embed="rId20">
+            <a:extLst>
+              <a:ext uri="{28A0092B-C50C-407E-A947-70E740481C1C}">
+                <a14:useLocalDpi xmlns:a14="http://schemas.microsoft.com/office/drawing/2010/main" val="0"/>
+              </a:ext>
+              <a:ext uri="{96DAC541-7B7A-43D3-8B79-37D633B846F1}">
+                <asvg:svgBlip xmlns:asvg="http://schemas.microsoft.com/office/drawing/2016/SVG/main" r:embed="rId21"/>
+              </a:ext>
+            </a:extLst>
+          </a:blip>
+          <a:stretch>
+            <a:fillRect/>
+          </a:stretch>
+        </p:blipFill>
+        <p:spPr>
+          <a:xfrm>
+            <a:off x="1808480" y="1777426"/>
+            <a:ext cx="914400" cy="914400"/>
+          </a:xfrm>
+          <a:prstGeom prst="rect">
+            <a:avLst/>
+          </a:prstGeom>
+        </p:spPr>
+      </p:pic>
+      <p:pic>
+        <p:nvPicPr>
+          <p:cNvPr id="22" name="Graphique 21" descr="Salle de classe">
+            <a:extLst>
+              <a:ext uri="{FF2B5EF4-FFF2-40B4-BE49-F238E27FC236}">
+                <a16:creationId xmlns:a16="http://schemas.microsoft.com/office/drawing/2014/main" id="{E21C6673-D6B3-1667-E8B4-52F689A5610C}"/>
+              </a:ext>
+            </a:extLst>
+          </p:cNvPr>
+          <p:cNvPicPr>
+            <a:picLocks noChangeAspect="1"/>
+          </p:cNvPicPr>
+          <p:nvPr>
+            <p:custDataLst>
+              <p:tags r:id="rId5"/>
+            </p:custDataLst>
+          </p:nvPr>
+        </p:nvPicPr>
+        <p:blipFill>
+          <a:blip r:embed="rId22">
+            <a:extLst>
+              <a:ext uri="{28A0092B-C50C-407E-A947-70E740481C1C}">
+                <a14:useLocalDpi xmlns:a14="http://schemas.microsoft.com/office/drawing/2010/main" val="0"/>
+              </a:ext>
+              <a:ext uri="{96DAC541-7B7A-43D3-8B79-37D633B846F1}">
+                <asvg:svgBlip xmlns:asvg="http://schemas.microsoft.com/office/drawing/2016/SVG/main" r:embed="rId23"/>
+              </a:ext>
+            </a:extLst>
+          </a:blip>
+          <a:stretch>
+            <a:fillRect/>
+          </a:stretch>
+        </p:blipFill>
+        <p:spPr>
+          <a:xfrm>
+            <a:off x="1473200" y="3737294"/>
+            <a:ext cx="1432560" cy="1432560"/>
+          </a:xfrm>
+          <a:prstGeom prst="rect">
+            <a:avLst/>
+          </a:prstGeom>
+        </p:spPr>
+      </p:pic>
+      <p:sp>
+        <p:nvSpPr>
+          <p:cNvPr id="23" name="ZoneTexte 22">
+            <a:extLst>
+              <a:ext uri="{FF2B5EF4-FFF2-40B4-BE49-F238E27FC236}">
+                <a16:creationId xmlns:a16="http://schemas.microsoft.com/office/drawing/2014/main" id="{BC11B111-F698-B80F-7010-5EB8C1520D80}"/>
+              </a:ext>
+            </a:extLst>
+          </p:cNvPr>
+          <p:cNvSpPr txBox="1"/>
+          <p:nvPr>
+            <p:custDataLst>
+              <p:tags r:id="rId6"/>
+            </p:custDataLst>
+          </p:nvPr>
+        </p:nvSpPr>
+        <p:spPr>
+          <a:xfrm>
+            <a:off x="833120" y="3993339"/>
+            <a:ext cx="4897120" cy="1107996"/>
+          </a:xfrm>
+          <a:prstGeom prst="rect">
+            <a:avLst/>
+          </a:prstGeom>
+          <a:noFill/>
+        </p:spPr>
+        <p:txBody>
+          <a:bodyPr wrap="square" rtlCol="0">
+            <a:spAutoFit/>
+          </a:bodyPr>
+          <a:lstStyle/>
+          <a:p>
+            <a:r>
+              <a:rPr lang="fr-FR" sz="6600" b="1">
+                <a:solidFill>
+                  <a:srgbClr val="00B050"/>
+                </a:solidFill>
+              </a:rPr>
+              <a:t>=         x  8 ans</a:t>
+            </a:r>
+          </a:p>
+        </p:txBody>
+      </p:sp>
+      <p:pic>
+        <p:nvPicPr>
+          <p:cNvPr id="27" name="Espace réservé du contenu 19" descr="Dollar">
+            <a:extLst>
+              <a:ext uri="{FF2B5EF4-FFF2-40B4-BE49-F238E27FC236}">
+                <a16:creationId xmlns:a16="http://schemas.microsoft.com/office/drawing/2014/main" id="{6C685FC7-2841-9CBA-DE8C-2357DF48FF47}"/>
+              </a:ext>
+            </a:extLst>
+          </p:cNvPr>
+          <p:cNvPicPr>
+            <a:picLocks noChangeAspect="1"/>
+          </p:cNvPicPr>
+          <p:nvPr>
+            <p:custDataLst>
+              <p:tags r:id="rId7"/>
+            </p:custDataLst>
+          </p:nvPr>
+        </p:nvPicPr>
+        <p:blipFill>
+          <a:blip r:embed="rId24">
+            <a:extLst>
+              <a:ext uri="{28A0092B-C50C-407E-A947-70E740481C1C}">
+                <a14:useLocalDpi xmlns:a14="http://schemas.microsoft.com/office/drawing/2010/main" val="0"/>
+              </a:ext>
+              <a:ext uri="{96DAC541-7B7A-43D3-8B79-37D633B846F1}">
+                <asvg:svgBlip xmlns:asvg="http://schemas.microsoft.com/office/drawing/2016/SVG/main" r:embed="rId25"/>
+              </a:ext>
+            </a:extLst>
+          </a:blip>
+          <a:stretch>
+            <a:fillRect/>
+          </a:stretch>
+        </p:blipFill>
+        <p:spPr>
+          <a:xfrm>
+            <a:off x="7315200" y="2699385"/>
+            <a:ext cx="914400" cy="914400"/>
+          </a:xfrm>
+          <a:prstGeom prst="rect">
+            <a:avLst/>
+          </a:prstGeom>
+        </p:spPr>
+      </p:pic>
+      <p:pic>
+        <p:nvPicPr>
+          <p:cNvPr id="28" name="Espace réservé du contenu 17" descr="Ajouter">
+            <a:extLst>
+              <a:ext uri="{FF2B5EF4-FFF2-40B4-BE49-F238E27FC236}">
+                <a16:creationId xmlns:a16="http://schemas.microsoft.com/office/drawing/2014/main" id="{6E57218F-8782-BF6E-8996-78749DF3C2CE}"/>
+              </a:ext>
+            </a:extLst>
+          </p:cNvPr>
+          <p:cNvPicPr>
+            <a:picLocks noChangeAspect="1"/>
+          </p:cNvPicPr>
+          <p:nvPr>
+            <p:custDataLst>
+              <p:tags r:id="rId8"/>
+            </p:custDataLst>
+          </p:nvPr>
+        </p:nvPicPr>
+        <p:blipFill>
+          <a:blip r:embed="rId26">
+            <a:extLst>
+              <a:ext uri="{28A0092B-C50C-407E-A947-70E740481C1C}">
+                <a14:useLocalDpi xmlns:a14="http://schemas.microsoft.com/office/drawing/2010/main" val="0"/>
+              </a:ext>
+              <a:ext uri="{96DAC541-7B7A-43D3-8B79-37D633B846F1}">
+                <asvg:svgBlip xmlns:asvg="http://schemas.microsoft.com/office/drawing/2016/SVG/main" r:embed="rId27"/>
+              </a:ext>
+            </a:extLst>
+          </a:blip>
+          <a:stretch>
+            <a:fillRect/>
+          </a:stretch>
+        </p:blipFill>
+        <p:spPr>
+          <a:xfrm>
+            <a:off x="6512560" y="2955291"/>
+            <a:ext cx="548640" cy="548640"/>
+          </a:xfrm>
+          <a:prstGeom prst="rect">
+            <a:avLst/>
+          </a:prstGeom>
+        </p:spPr>
+      </p:pic>
+      <p:pic>
+        <p:nvPicPr>
+          <p:cNvPr id="29" name="Espace réservé du contenu 7" descr="Profil masculin">
+            <a:extLst>
+              <a:ext uri="{FF2B5EF4-FFF2-40B4-BE49-F238E27FC236}">
+                <a16:creationId xmlns:a16="http://schemas.microsoft.com/office/drawing/2014/main" id="{9D05ED81-3683-DF8B-4722-B95585401D55}"/>
+              </a:ext>
+            </a:extLst>
+          </p:cNvPr>
+          <p:cNvPicPr>
+            <a:picLocks noChangeAspect="1"/>
+          </p:cNvPicPr>
+          <p:nvPr>
+            <p:custDataLst>
+              <p:tags r:id="rId9"/>
+            </p:custDataLst>
+          </p:nvPr>
+        </p:nvPicPr>
+        <p:blipFill>
+          <a:blip r:embed="rId28">
+            <a:extLst>
+              <a:ext uri="{28A0092B-C50C-407E-A947-70E740481C1C}">
+                <a14:useLocalDpi xmlns:a14="http://schemas.microsoft.com/office/drawing/2010/main" val="0"/>
+              </a:ext>
+              <a:ext uri="{96DAC541-7B7A-43D3-8B79-37D633B846F1}">
+                <asvg:svgBlip xmlns:asvg="http://schemas.microsoft.com/office/drawing/2016/SVG/main" r:embed="rId29"/>
+              </a:ext>
+            </a:extLst>
+          </a:blip>
+          <a:stretch>
+            <a:fillRect/>
+          </a:stretch>
+        </p:blipFill>
+        <p:spPr>
+          <a:xfrm>
+            <a:off x="7315200" y="1716466"/>
+            <a:ext cx="914400" cy="914400"/>
+          </a:xfrm>
+          <a:prstGeom prst="rect">
+            <a:avLst/>
+          </a:prstGeom>
+        </p:spPr>
+      </p:pic>
+      <p:pic>
+        <p:nvPicPr>
+          <p:cNvPr id="30" name="Graphique 29" descr="Salle de classe">
+            <a:extLst>
+              <a:ext uri="{FF2B5EF4-FFF2-40B4-BE49-F238E27FC236}">
+                <a16:creationId xmlns:a16="http://schemas.microsoft.com/office/drawing/2014/main" id="{A99E3414-B178-2E26-DD20-C0276A789537}"/>
+              </a:ext>
+            </a:extLst>
+          </p:cNvPr>
+          <p:cNvPicPr>
+            <a:picLocks noChangeAspect="1"/>
+          </p:cNvPicPr>
+          <p:nvPr>
+            <p:custDataLst>
+              <p:tags r:id="rId10"/>
+            </p:custDataLst>
+          </p:nvPr>
+        </p:nvPicPr>
+        <p:blipFill>
+          <a:blip r:embed="rId30">
+            <a:extLst>
+              <a:ext uri="{28A0092B-C50C-407E-A947-70E740481C1C}">
+                <a14:useLocalDpi xmlns:a14="http://schemas.microsoft.com/office/drawing/2010/main" val="0"/>
+              </a:ext>
+              <a:ext uri="{96DAC541-7B7A-43D3-8B79-37D633B846F1}">
+                <asvg:svgBlip xmlns:asvg="http://schemas.microsoft.com/office/drawing/2016/SVG/main" r:embed="rId31"/>
+              </a:ext>
+            </a:extLst>
+          </a:blip>
+          <a:stretch>
+            <a:fillRect/>
+          </a:stretch>
+        </p:blipFill>
+        <p:spPr>
+          <a:xfrm>
+            <a:off x="6979920" y="3676334"/>
+            <a:ext cx="1432560" cy="1432560"/>
+          </a:xfrm>
+          <a:prstGeom prst="rect">
+            <a:avLst/>
+          </a:prstGeom>
+        </p:spPr>
+      </p:pic>
+      <p:sp>
+        <p:nvSpPr>
+          <p:cNvPr id="31" name="ZoneTexte 30">
+            <a:extLst>
+              <a:ext uri="{FF2B5EF4-FFF2-40B4-BE49-F238E27FC236}">
+                <a16:creationId xmlns:a16="http://schemas.microsoft.com/office/drawing/2014/main" id="{F5E83687-D8B2-7C20-D8EF-B93C03CD56EF}"/>
+              </a:ext>
+            </a:extLst>
+          </p:cNvPr>
+          <p:cNvSpPr txBox="1"/>
+          <p:nvPr>
+            <p:custDataLst>
+              <p:tags r:id="rId11"/>
+            </p:custDataLst>
+          </p:nvPr>
+        </p:nvSpPr>
+        <p:spPr>
+          <a:xfrm>
+            <a:off x="6339840" y="3932379"/>
+            <a:ext cx="4897120" cy="1107996"/>
+          </a:xfrm>
+          <a:prstGeom prst="rect">
+            <a:avLst/>
+          </a:prstGeom>
+          <a:noFill/>
+        </p:spPr>
+        <p:txBody>
+          <a:bodyPr wrap="square" rtlCol="0">
+            <a:spAutoFit/>
+          </a:bodyPr>
+          <a:lstStyle/>
+          <a:p>
+            <a:r>
+              <a:rPr lang="fr-FR" sz="6600" b="1">
+                <a:solidFill>
+                  <a:srgbClr val="FF0000"/>
+                </a:solidFill>
+              </a:rPr>
+              <a:t>=         x  5 ans</a:t>
+            </a:r>
+          </a:p>
+        </p:txBody>
+      </p:sp>
+      <p:cxnSp>
+        <p:nvCxnSpPr>
+          <p:cNvPr id="35" name="Connecteur droit 34">
+            <a:extLst>
+              <a:ext uri="{FF2B5EF4-FFF2-40B4-BE49-F238E27FC236}">
+                <a16:creationId xmlns:a16="http://schemas.microsoft.com/office/drawing/2014/main" id="{4859EB4A-9C3B-D818-9FAE-734999C1EE8B}"/>
+              </a:ext>
+            </a:extLst>
+          </p:cNvPr>
+          <p:cNvCxnSpPr>
+            <a:cxnSpLocks/>
+          </p:cNvCxnSpPr>
+          <p:nvPr>
+            <p:custDataLst>
+              <p:tags r:id="rId12"/>
+            </p:custDataLst>
+          </p:nvPr>
+        </p:nvCxnSpPr>
+        <p:spPr>
+          <a:xfrm>
+            <a:off x="6512560" y="2691826"/>
+            <a:ext cx="2428240" cy="896240"/>
+          </a:xfrm>
+          <a:prstGeom prst="line">
+            <a:avLst/>
+          </a:prstGeom>
+          <a:ln w="76200">
+            <a:solidFill>
+              <a:srgbClr val="FF0000"/>
+            </a:solidFill>
+          </a:ln>
+        </p:spPr>
+        <p:style>
+          <a:lnRef idx="1">
+            <a:schemeClr val="accent1"/>
+          </a:lnRef>
+          <a:fillRef idx="0">
+            <a:schemeClr val="accent1"/>
+          </a:fillRef>
+          <a:effectRef idx="0">
+            <a:schemeClr val="accent1"/>
+          </a:effectRef>
+          <a:fontRef idx="minor">
+            <a:schemeClr val="tx1"/>
+          </a:fontRef>
+        </p:style>
+      </p:cxnSp>
+      <p:cxnSp>
+        <p:nvCxnSpPr>
+          <p:cNvPr id="36" name="Connecteur droit 35">
+            <a:extLst>
+              <a:ext uri="{FF2B5EF4-FFF2-40B4-BE49-F238E27FC236}">
+                <a16:creationId xmlns:a16="http://schemas.microsoft.com/office/drawing/2014/main" id="{BE5D5F49-E0D0-E92F-91B5-675764699607}"/>
+              </a:ext>
+            </a:extLst>
+          </p:cNvPr>
+          <p:cNvCxnSpPr>
+            <a:cxnSpLocks/>
+          </p:cNvCxnSpPr>
+          <p:nvPr>
+            <p:custDataLst>
+              <p:tags r:id="rId13"/>
+            </p:custDataLst>
+          </p:nvPr>
+        </p:nvCxnSpPr>
+        <p:spPr>
+          <a:xfrm flipV="1">
+            <a:off x="6512560" y="2760345"/>
+            <a:ext cx="2103120" cy="1029891"/>
+          </a:xfrm>
+          <a:prstGeom prst="line">
+            <a:avLst/>
+          </a:prstGeom>
+          <a:ln w="76200">
+            <a:solidFill>
+              <a:srgbClr val="FF0000"/>
+            </a:solidFill>
+          </a:ln>
+        </p:spPr>
+        <p:style>
+          <a:lnRef idx="1">
+            <a:schemeClr val="accent1"/>
+          </a:lnRef>
+          <a:fillRef idx="0">
+            <a:schemeClr val="accent1"/>
+          </a:fillRef>
+          <a:effectRef idx="0">
+            <a:schemeClr val="accent1"/>
+          </a:effectRef>
+          <a:fontRef idx="minor">
+            <a:schemeClr val="tx1"/>
+          </a:fontRef>
+        </p:style>
+      </p:cxnSp>
+      <p:sp>
+        <p:nvSpPr>
+          <p:cNvPr id="41" name="ZoneTexte 40">
+            <a:extLst>
+              <a:ext uri="{FF2B5EF4-FFF2-40B4-BE49-F238E27FC236}">
+                <a16:creationId xmlns:a16="http://schemas.microsoft.com/office/drawing/2014/main" id="{0C0E76C0-752F-AEA4-0CD0-81D39B6373FB}"/>
+              </a:ext>
+            </a:extLst>
+          </p:cNvPr>
+          <p:cNvSpPr txBox="1"/>
+          <p:nvPr>
+            <p:custDataLst>
+              <p:tags r:id="rId14"/>
+            </p:custDataLst>
+          </p:nvPr>
+        </p:nvSpPr>
+        <p:spPr>
+          <a:xfrm>
+            <a:off x="922898" y="5384688"/>
+            <a:ext cx="9614683" cy="954107"/>
+          </a:xfrm>
+          <a:prstGeom prst="rect">
+            <a:avLst/>
+          </a:prstGeom>
+          <a:noFill/>
+        </p:spPr>
+        <p:txBody>
+          <a:bodyPr wrap="none" rtlCol="0">
+            <a:spAutoFit/>
+          </a:bodyPr>
+          <a:lstStyle/>
+          <a:p>
+            <a:r>
+              <a:rPr lang="fr-FR" sz="2800"/>
+              <a:t>Déduire l'impact de la bourse sur la durée d'éducation serait aisé</a:t>
+            </a:r>
+          </a:p>
+          <a:p>
+            <a:r>
+              <a:rPr lang="fr-FR" sz="2800"/>
+              <a:t>Mais cette situation n'existe pas</a:t>
+            </a:r>
+          </a:p>
+        </p:txBody>
+      </p:sp>
+    </p:spTree>
+    <p:extLst>
+      <p:ext uri="{BB962C8B-B14F-4D97-AF65-F5344CB8AC3E}">
+        <p14:creationId xmlns:p14="http://schemas.microsoft.com/office/powerpoint/2010/main" val="2322329543"/>
+      </p:ext>
+    </p:extLst>
+  </p:cSld>
+  <p:clrMapOvr>
+    <a:masterClrMapping/>
+  </p:clrMapOvr>
+</p:sld>
+</file>
+
+<file path=ppt/slides/slide32.xml><?xml version="1.0" encoding="utf-8"?>
+<p:sld xmlns:a="http://schemas.openxmlformats.org/drawingml/2006/main" xmlns:r="http://schemas.openxmlformats.org/officeDocument/2006/relationships" xmlns:p="http://schemas.openxmlformats.org/presentationml/2006/main">
+  <p:cSld>
+    <p:spTree>
+      <p:nvGrpSpPr>
+        <p:cNvPr id="1" name=""/>
+        <p:cNvGrpSpPr/>
+        <p:nvPr/>
+      </p:nvGrpSpPr>
+      <p:grpSpPr>
+        <a:xfrm>
+          <a:off x="0" y="0"/>
+          <a:ext cx="0" cy="0"/>
+          <a:chOff x="0" y="0"/>
+          <a:chExt cx="0" cy="0"/>
+        </a:xfrm>
+      </p:grpSpPr>
+      <p:sp>
+        <p:nvSpPr>
+          <p:cNvPr id="2" name="Titre 1">
+            <a:extLst>
+              <a:ext uri="{FF2B5EF4-FFF2-40B4-BE49-F238E27FC236}">
+                <a16:creationId xmlns:a16="http://schemas.microsoft.com/office/drawing/2014/main" id="{F30FB646-7240-4963-88D6-82DF38EF70A1}"/>
+              </a:ext>
+            </a:extLst>
+          </p:cNvPr>
+          <p:cNvSpPr>
+            <a:spLocks noGrp="1"/>
+          </p:cNvSpPr>
+          <p:nvPr>
+            <p:ph type="title"/>
+            <p:custDataLst>
+              <p:tags r:id="rId1"/>
+            </p:custDataLst>
+          </p:nvPr>
+        </p:nvSpPr>
+        <p:spPr/>
+        <p:txBody>
+          <a:bodyPr/>
+          <a:lstStyle/>
+          <a:p>
+            <a:r>
+              <a:rPr lang="fr-FR"/>
+              <a:t>Le modèle causal de Rubin</a:t>
+            </a:r>
+          </a:p>
+        </p:txBody>
+      </p:sp>
+      <p:sp>
+        <p:nvSpPr>
+          <p:cNvPr id="3" name="Espace réservé du contenu 2">
+            <a:extLst>
+              <a:ext uri="{FF2B5EF4-FFF2-40B4-BE49-F238E27FC236}">
+                <a16:creationId xmlns:a16="http://schemas.microsoft.com/office/drawing/2014/main" id="{71856BAB-D6FF-156E-9A26-2F26854BA5EA}"/>
+              </a:ext>
+            </a:extLst>
+          </p:cNvPr>
+          <p:cNvSpPr>
+            <a:spLocks noGrp="1"/>
+          </p:cNvSpPr>
+          <p:nvPr>
+            <p:ph idx="1"/>
+            <p:custDataLst>
+              <p:tags r:id="rId2"/>
+            </p:custDataLst>
+          </p:nvPr>
+        </p:nvSpPr>
+        <p:spPr/>
+        <p:txBody>
+          <a:bodyPr>
+            <a:normAutofit lnSpcReduction="10000"/>
+          </a:bodyPr>
+          <a:lstStyle/>
+          <a:p>
+            <a:r>
+              <a:rPr lang="fr-FR"/>
+              <a:t>Le défi empirique devient alors de constituer un </a:t>
+            </a:r>
+            <a:r>
+              <a:rPr lang="fr-FR" b="1"/>
+              <a:t>contrefactuel pertinent et valide</a:t>
+            </a:r>
+            <a:r>
+              <a:rPr lang="fr-FR"/>
+              <a:t>, c.-à-d. qui se rapproche le plus possible de ce qu'aurait été la situation de l'unité traitée en l'absence de traitement</a:t>
+            </a:r>
+          </a:p>
+          <a:p>
+            <a:r>
+              <a:rPr lang="fr-FR"/>
+              <a:t>Nécessiter de changer d'échelle dans l'approche contrefactuelle :</a:t>
+            </a:r>
+          </a:p>
+          <a:p>
+            <a:pPr marL="0" indent="0" algn="ctr">
+              <a:buNone/>
+            </a:pPr>
+            <a:r>
+              <a:rPr lang="fr-FR" b="1"/>
+              <a:t>Niveau de l'unité </a:t>
+            </a:r>
+            <a:r>
+              <a:rPr lang="fr-FR" b="1">
+                <a:sym typeface="Wingdings" panose="05000000000000000000" pitchFamily="2" charset="2"/>
+              </a:rPr>
+              <a:t></a:t>
+            </a:r>
+            <a:r>
+              <a:rPr lang="fr-FR"/>
+              <a:t> </a:t>
+            </a:r>
+            <a:r>
+              <a:rPr lang="fr-FR" b="1"/>
+              <a:t>Niveau d'un groupe d'unités</a:t>
+            </a:r>
+          </a:p>
+          <a:p>
+            <a:r>
+              <a:rPr lang="fr-FR"/>
+              <a:t>Comme l'estimation de l'effet du traitement individuel (Dyi) n'est pas possible, on se concentre sur l'</a:t>
+            </a:r>
+            <a:r>
+              <a:rPr lang="fr-FR" b="1"/>
+              <a:t>effet moyen du traitement </a:t>
+            </a:r>
+            <a:r>
+              <a:rPr lang="fr-FR"/>
+              <a:t>(average treatement effect : ATE)</a:t>
+            </a:r>
+          </a:p>
+          <a:p>
+            <a:r>
+              <a:rPr lang="fr-FR"/>
+              <a:t>Impossible de trouver deux unités identique, mais possible de trouver deux groupes statistiquement proches, voire identiques en moyenne</a:t>
+            </a:r>
+          </a:p>
+        </p:txBody>
+      </p:sp>
+    </p:spTree>
+    <p:extLst>
+      <p:ext uri="{BB962C8B-B14F-4D97-AF65-F5344CB8AC3E}">
+        <p14:creationId xmlns:p14="http://schemas.microsoft.com/office/powerpoint/2010/main" val="2533912280"/>
+      </p:ext>
+    </p:extLst>
+  </p:cSld>
+  <p:clrMapOvr>
+    <a:masterClrMapping/>
+  </p:clrMapOvr>
+</p:sld>
+</file>
+
+<file path=ppt/slides/slide33.xml><?xml version="1.0" encoding="utf-8"?>
+<p:sld xmlns:a="http://schemas.openxmlformats.org/drawingml/2006/main" xmlns:r="http://schemas.openxmlformats.org/officeDocument/2006/relationships" xmlns:p="http://schemas.openxmlformats.org/presentationml/2006/main">
+  <p:cSld>
+    <p:spTree>
+      <p:nvGrpSpPr>
+        <p:cNvPr id="1" name=""/>
+        <p:cNvGrpSpPr/>
+        <p:nvPr/>
+      </p:nvGrpSpPr>
+      <p:grpSpPr>
+        <a:xfrm>
+          <a:off x="0" y="0"/>
+          <a:ext cx="0" cy="0"/>
+          <a:chOff x="0" y="0"/>
+          <a:chExt cx="0" cy="0"/>
+        </a:xfrm>
+      </p:grpSpPr>
+      <p:sp>
+        <p:nvSpPr>
+          <p:cNvPr id="2" name="Titre 1">
+            <a:extLst>
+              <a:ext uri="{FF2B5EF4-FFF2-40B4-BE49-F238E27FC236}">
+                <a16:creationId xmlns:a16="http://schemas.microsoft.com/office/drawing/2014/main" id="{9DAD7548-A66B-134F-E9DE-6F3725B9AD1C}"/>
+              </a:ext>
+            </a:extLst>
+          </p:cNvPr>
+          <p:cNvSpPr>
+            <a:spLocks noGrp="1"/>
+          </p:cNvSpPr>
+          <p:nvPr>
+            <p:ph type="title"/>
+            <p:custDataLst>
+              <p:tags r:id="rId1"/>
+            </p:custDataLst>
+          </p:nvPr>
+        </p:nvSpPr>
+        <p:spPr/>
+        <p:txBody>
+          <a:bodyPr/>
+          <a:lstStyle/>
+          <a:p>
+            <a:r>
+              <a:rPr lang="fr-FR"/>
+              <a:t>Le modèle causal de Rubin</a:t>
+            </a:r>
+          </a:p>
+        </p:txBody>
+      </p:sp>
+      <mc:AlternateContent xmlns:mc="http://schemas.openxmlformats.org/markup-compatibility/2006" xmlns:a14="http://schemas.microsoft.com/office/drawing/2010/main">
+        <mc:Choice Requires="a14">
+          <p:sp>
+            <p:nvSpPr>
+              <p:cNvPr id="4" name="Espace réservé du contenu 3">
+                <a:extLst>
+                  <a:ext uri="{FF2B5EF4-FFF2-40B4-BE49-F238E27FC236}">
+                    <a16:creationId xmlns:a16="http://schemas.microsoft.com/office/drawing/2014/main" id="{1EF95367-B3E6-CB10-E7FB-EC69A853A286}"/>
+                  </a:ext>
+                </a:extLst>
+              </p:cNvPr>
+              <p:cNvSpPr>
+                <a:spLocks noGrp="1"/>
+              </p:cNvSpPr>
+              <p:nvPr>
+                <p:ph sz="half" idx="1"/>
+                <p:custDataLst>
+                  <p:tags r:id="rId2"/>
+                </p:custDataLst>
+              </p:nvPr>
+            </p:nvSpPr>
+            <p:spPr>
+              <a:xfrm>
+                <a:off x="838200" y="5079999"/>
+                <a:ext cx="5181600" cy="1096963"/>
+              </a:xfrm>
+            </p:spPr>
+            <p:txBody>
+              <a:bodyPr>
+                <a:normAutofit lnSpcReduction="10000"/>
+              </a:bodyPr>
+              <a:lstStyle/>
+              <a:p>
+                <a:pPr marL="0" indent="0" algn="ctr">
+                  <a:buNone/>
+                </a:pPr>
+                <a:r>
+                  <a:rPr lang="fr-FR"/>
+                  <a:t>Résultat moyen des bénéficiaires</a:t>
+                </a:r>
+              </a:p>
+              <a:p>
+                <a:pPr marL="0" indent="0" algn="ctr">
+                  <a:buNone/>
+                </a:pPr>
+                <a14:m>
+                  <m:oMathPara xmlns:m="http://schemas.openxmlformats.org/officeDocument/2006/math">
+                    <m:oMathParaPr>
+                      <m:jc m:val="centerGroup"/>
+                    </m:oMathParaPr>
+                    <m:oMath xmlns:m="http://schemas.openxmlformats.org/officeDocument/2006/math">
+                      <m:r>
+                        <a:rPr lang="fr-FR" b="0" i="1" smtClean="0">
+                          <a:latin typeface="Cambria Math" panose="02040503050406030204" pitchFamily="18" charset="0"/>
+                        </a:rPr>
+                        <m:t>𝐸</m:t>
+                      </m:r>
+                      <m:d>
+                        <m:dPr>
+                          <m:endChr m:val="|"/>
+                          <m:ctrlPr>
+                            <a:rPr lang="fr-FR" b="0" i="1" smtClean="0">
+                              <a:latin typeface="Cambria Math" panose="02040503050406030204" pitchFamily="18" charset="0"/>
+                            </a:rPr>
+                          </m:ctrlPr>
+                        </m:dPr>
+                        <m:e>
+                          <m:sSub>
+                            <m:sSubPr>
+                              <m:ctrlPr>
+                                <a:rPr lang="fr-FR" b="0" i="1" smtClean="0">
+                                  <a:latin typeface="Cambria Math" panose="02040503050406030204" pitchFamily="18" charset="0"/>
+                                </a:rPr>
+                              </m:ctrlPr>
+                            </m:sSubPr>
+                            <m:e>
+                              <m:r>
+                                <a:rPr lang="fr-FR" b="0" i="1" smtClean="0">
+                                  <a:latin typeface="Cambria Math" panose="02040503050406030204" pitchFamily="18" charset="0"/>
+                                </a:rPr>
+                                <m:t>𝑌</m:t>
+                              </m:r>
+                            </m:e>
+                            <m:sub>
+                              <m:r>
+                                <a:rPr lang="fr-FR" b="0" i="1" smtClean="0">
+                                  <a:latin typeface="Cambria Math" panose="02040503050406030204" pitchFamily="18" charset="0"/>
+                                </a:rPr>
+                                <m:t>𝑖</m:t>
+                              </m:r>
+                            </m:sub>
+                          </m:sSub>
+                          <m:r>
+                            <a:rPr lang="fr-FR" b="0" i="1" smtClean="0">
+                              <a:latin typeface="Cambria Math" panose="02040503050406030204" pitchFamily="18" charset="0"/>
+                            </a:rPr>
+                            <m:t> </m:t>
+                          </m:r>
+                        </m:e>
+                      </m:d>
+                      <m:r>
+                        <a:rPr lang="fr-FR" b="0" i="1" smtClean="0">
+                          <a:latin typeface="Cambria Math" panose="02040503050406030204" pitchFamily="18" charset="0"/>
+                        </a:rPr>
+                        <m:t> </m:t>
+                      </m:r>
+                      <m:sSub>
+                        <m:sSubPr>
+                          <m:ctrlPr>
+                            <a:rPr lang="fr-FR" b="0" i="1" smtClean="0">
+                              <a:latin typeface="Cambria Math" panose="02040503050406030204" pitchFamily="18" charset="0"/>
+                            </a:rPr>
+                          </m:ctrlPr>
+                        </m:sSubPr>
+                        <m:e>
+                          <m:r>
+                            <a:rPr lang="fr-FR" b="0" i="1" smtClean="0">
+                              <a:latin typeface="Cambria Math" panose="02040503050406030204" pitchFamily="18" charset="0"/>
+                            </a:rPr>
+                            <m:t>𝑇</m:t>
+                          </m:r>
+                        </m:e>
+                        <m:sub>
+                          <m:r>
+                            <a:rPr lang="fr-FR" b="0" i="1" smtClean="0">
+                              <a:latin typeface="Cambria Math" panose="02040503050406030204" pitchFamily="18" charset="0"/>
+                            </a:rPr>
+                            <m:t>𝑖</m:t>
+                          </m:r>
+                        </m:sub>
+                      </m:sSub>
+                      <m:r>
+                        <a:rPr lang="fr-FR" b="0" i="1" smtClean="0">
+                          <a:latin typeface="Cambria Math" panose="02040503050406030204" pitchFamily="18" charset="0"/>
+                        </a:rPr>
+                        <m:t>=1)=</m:t>
+                      </m:r>
+                      <m:r>
+                        <a:rPr lang="fr-FR" b="0" i="1" smtClean="0">
+                          <a:solidFill>
+                            <a:srgbClr val="00B050"/>
+                          </a:solidFill>
+                          <a:latin typeface="Cambria Math" panose="02040503050406030204" pitchFamily="18" charset="0"/>
+                        </a:rPr>
+                        <m:t>𝐸</m:t>
+                      </m:r>
+                      <m:d>
+                        <m:dPr>
+                          <m:endChr m:val="|"/>
+                          <m:ctrlPr>
+                            <a:rPr lang="fr-FR" b="0" i="1" smtClean="0">
+                              <a:solidFill>
+                                <a:srgbClr val="00B050"/>
+                              </a:solidFill>
+                              <a:latin typeface="Cambria Math" panose="02040503050406030204" pitchFamily="18" charset="0"/>
+                            </a:rPr>
+                          </m:ctrlPr>
+                        </m:dPr>
+                        <m:e>
+                          <m:sSub>
+                            <m:sSubPr>
+                              <m:ctrlPr>
+                                <a:rPr lang="fr-FR" b="0" i="1" smtClean="0">
+                                  <a:solidFill>
+                                    <a:srgbClr val="00B050"/>
+                                  </a:solidFill>
+                                  <a:latin typeface="Cambria Math" panose="02040503050406030204" pitchFamily="18" charset="0"/>
+                                </a:rPr>
+                              </m:ctrlPr>
+                            </m:sSubPr>
+                            <m:e>
+                              <m:r>
+                                <a:rPr lang="fr-FR" b="0" i="1" smtClean="0">
+                                  <a:solidFill>
+                                    <a:srgbClr val="00B050"/>
+                                  </a:solidFill>
+                                  <a:latin typeface="Cambria Math" panose="02040503050406030204" pitchFamily="18" charset="0"/>
+                                </a:rPr>
+                                <m:t>𝑌</m:t>
+                              </m:r>
+                              <m:r>
+                                <a:rPr lang="fr-FR" b="0" i="1" smtClean="0">
+                                  <a:solidFill>
+                                    <a:srgbClr val="00B050"/>
+                                  </a:solidFill>
+                                  <a:latin typeface="Cambria Math" panose="02040503050406030204" pitchFamily="18" charset="0"/>
+                                </a:rPr>
+                                <m:t>1</m:t>
+                              </m:r>
+                            </m:e>
+                            <m:sub>
+                              <m:r>
+                                <a:rPr lang="fr-FR" b="0" i="1" smtClean="0">
+                                  <a:solidFill>
+                                    <a:srgbClr val="00B050"/>
+                                  </a:solidFill>
+                                  <a:latin typeface="Cambria Math" panose="02040503050406030204" pitchFamily="18" charset="0"/>
+                                </a:rPr>
+                                <m:t>𝑖</m:t>
+                              </m:r>
+                              <m:r>
+                                <a:rPr lang="fr-FR" b="0" i="1" smtClean="0">
+                                  <a:solidFill>
+                                    <a:srgbClr val="00B050"/>
+                                  </a:solidFill>
+                                  <a:latin typeface="Cambria Math" panose="02040503050406030204" pitchFamily="18" charset="0"/>
+                                </a:rPr>
+                                <m:t> </m:t>
+                              </m:r>
+                            </m:sub>
+                          </m:sSub>
+                        </m:e>
+                      </m:d>
+                      <m:r>
+                        <a:rPr lang="fr-FR" b="0" i="1" smtClean="0">
+                          <a:solidFill>
+                            <a:srgbClr val="00B050"/>
+                          </a:solidFill>
+                          <a:latin typeface="Cambria Math" panose="02040503050406030204" pitchFamily="18" charset="0"/>
+                        </a:rPr>
+                        <m:t> </m:t>
+                      </m:r>
+                      <m:sSub>
+                        <m:sSubPr>
+                          <m:ctrlPr>
+                            <a:rPr lang="fr-FR" b="0" i="1" smtClean="0">
+                              <a:solidFill>
+                                <a:srgbClr val="00B050"/>
+                              </a:solidFill>
+                              <a:latin typeface="Cambria Math" panose="02040503050406030204" pitchFamily="18" charset="0"/>
+                            </a:rPr>
+                          </m:ctrlPr>
+                        </m:sSubPr>
+                        <m:e>
+                          <m:r>
+                            <a:rPr lang="fr-FR" b="0" i="1" smtClean="0">
+                              <a:solidFill>
+                                <a:srgbClr val="00B050"/>
+                              </a:solidFill>
+                              <a:latin typeface="Cambria Math" panose="02040503050406030204" pitchFamily="18" charset="0"/>
+                            </a:rPr>
+                            <m:t>𝑇</m:t>
+                          </m:r>
+                        </m:e>
+                        <m:sub>
+                          <m:r>
+                            <a:rPr lang="fr-FR" b="0" i="1" smtClean="0">
+                              <a:solidFill>
+                                <a:srgbClr val="00B050"/>
+                              </a:solidFill>
+                              <a:latin typeface="Cambria Math" panose="02040503050406030204" pitchFamily="18" charset="0"/>
+                            </a:rPr>
+                            <m:t>𝑖</m:t>
+                          </m:r>
+                        </m:sub>
+                      </m:sSub>
+                      <m:r>
+                        <a:rPr lang="fr-FR" b="0" i="1" smtClean="0">
+                          <a:solidFill>
+                            <a:srgbClr val="00B050"/>
+                          </a:solidFill>
+                          <a:latin typeface="Cambria Math" panose="02040503050406030204" pitchFamily="18" charset="0"/>
+                        </a:rPr>
+                        <m:t>=1)</m:t>
+                      </m:r>
+                    </m:oMath>
+                  </m:oMathPara>
+                </a14:m>
+                <a:endParaRPr lang="fr-FR"/>
+              </a:p>
+            </p:txBody>
+          </p:sp>
+        </mc:Choice>
+        <mc:Fallback xmlns="">
+          <p:sp>
+            <p:nvSpPr>
+              <p:cNvPr id="4" name="Espace réservé du contenu 3">
+                <a:extLst>
+                  <a:ext uri="{FF2B5EF4-FFF2-40B4-BE49-F238E27FC236}">
+                    <a16:creationId xmlns:a16="http://schemas.microsoft.com/office/drawing/2014/main" id="{1EF95367-B3E6-CB10-E7FB-EC69A853A286}"/>
+                  </a:ext>
+                </a:extLst>
+              </p:cNvPr>
+              <p:cNvSpPr>
+                <a:spLocks noGrp="1" noRot="1" noChangeAspect="1" noMove="1" noResize="1" noEditPoints="1" noAdjustHandles="1" noChangeArrowheads="1" noChangeShapeType="1" noTextEdit="1"/>
+              </p:cNvSpPr>
+              <p:nvPr>
+                <p:ph sz="half" idx="1"/>
+                <p:custDataLst>
+                  <p:tags r:id="rId71"/>
+                </p:custDataLst>
+              </p:nvPr>
+            </p:nvSpPr>
+            <p:spPr>
+              <a:xfrm>
+                <a:off x="838200" y="5079999"/>
+                <a:ext cx="5181600" cy="1096963"/>
+              </a:xfrm>
+              <a:blipFill>
+                <a:blip r:embed="rId72"/>
+                <a:stretch>
+                  <a:fillRect l="-588" t="-12222"/>
+                </a:stretch>
+              </a:blipFill>
+            </p:spPr>
+            <p:txBody>
+              <a:bodyPr/>
+              <a:lstStyle/>
+              <a:p>
+                <a:r>
+                  <a:rPr lang="fr-FR">
+                    <a:noFill/>
+                  </a:rPr>
+                  <a:t> </a:t>
+                </a:r>
+              </a:p>
+            </p:txBody>
+          </p:sp>
+        </mc:Fallback>
+      </mc:AlternateContent>
+      <mc:AlternateContent xmlns:mc="http://schemas.openxmlformats.org/markup-compatibility/2006" xmlns:a14="http://schemas.microsoft.com/office/drawing/2010/main">
+        <mc:Choice Requires="a14">
+          <p:sp>
+            <p:nvSpPr>
+              <p:cNvPr id="5" name="Espace réservé du contenu 4">
+                <a:extLst>
+                  <a:ext uri="{FF2B5EF4-FFF2-40B4-BE49-F238E27FC236}">
+                    <a16:creationId xmlns:a16="http://schemas.microsoft.com/office/drawing/2014/main" id="{B353FCB2-2CA1-5883-76AE-89C37ADD8689}"/>
+                  </a:ext>
+                </a:extLst>
+              </p:cNvPr>
+              <p:cNvSpPr>
+                <a:spLocks noGrp="1"/>
+              </p:cNvSpPr>
+              <p:nvPr>
+                <p:ph sz="half" idx="2"/>
+                <p:custDataLst>
+                  <p:tags r:id="rId3"/>
+                </p:custDataLst>
+              </p:nvPr>
+            </p:nvSpPr>
+            <p:spPr>
+              <a:xfrm>
+                <a:off x="838200" y="1690689"/>
+                <a:ext cx="5181600" cy="849312"/>
+              </a:xfrm>
+            </p:spPr>
+            <p:txBody>
+              <a:bodyPr>
+                <a:normAutofit lnSpcReduction="10000"/>
+              </a:bodyPr>
+              <a:lstStyle/>
+              <a:p>
+                <a:pPr marL="0" indent="0" algn="ctr">
+                  <a:buNone/>
+                </a:pPr>
+                <a:r>
+                  <a:rPr lang="fr-FR"/>
+                  <a:t>Bénéficiaires</a:t>
+                </a:r>
+              </a:p>
+              <a:p>
+                <a:pPr marL="0" indent="0" algn="ctr">
+                  <a:buNone/>
+                </a:pPr>
+                <a14:m>
+                  <m:oMathPara xmlns:m="http://schemas.openxmlformats.org/officeDocument/2006/math">
+                    <m:oMathParaPr>
+                      <m:jc m:val="centerGroup"/>
+                    </m:oMathParaPr>
+                    <m:oMath xmlns:m="http://schemas.openxmlformats.org/officeDocument/2006/math">
+                      <m:sSub>
+                        <m:sSubPr>
+                          <m:ctrlPr>
+                            <a:rPr lang="fr-FR" i="1" smtClean="0">
+                              <a:latin typeface="Cambria Math" panose="02040503050406030204" pitchFamily="18" charset="0"/>
+                            </a:rPr>
+                          </m:ctrlPr>
+                        </m:sSubPr>
+                        <m:e>
+                          <m:r>
+                            <a:rPr lang="fr-FR" b="0" i="1" smtClean="0">
+                              <a:latin typeface="Cambria Math" panose="02040503050406030204" pitchFamily="18" charset="0"/>
+                            </a:rPr>
+                            <m:t>𝑇</m:t>
+                          </m:r>
+                        </m:e>
+                        <m:sub>
+                          <m:r>
+                            <a:rPr lang="fr-FR" b="0" i="1" smtClean="0">
+                              <a:latin typeface="Cambria Math" panose="02040503050406030204" pitchFamily="18" charset="0"/>
+                            </a:rPr>
+                            <m:t>𝑖</m:t>
+                          </m:r>
+                        </m:sub>
+                      </m:sSub>
+                      <m:r>
+                        <a:rPr lang="fr-FR" b="0" i="1" smtClean="0">
+                          <a:latin typeface="Cambria Math" panose="02040503050406030204" pitchFamily="18" charset="0"/>
+                        </a:rPr>
+                        <m:t>=1</m:t>
+                      </m:r>
+                    </m:oMath>
+                  </m:oMathPara>
+                </a14:m>
+                <a:endParaRPr lang="fr-FR"/>
+              </a:p>
+            </p:txBody>
+          </p:sp>
+        </mc:Choice>
+        <mc:Fallback xmlns="">
+          <p:sp>
+            <p:nvSpPr>
+              <p:cNvPr id="5" name="Espace réservé du contenu 4">
+                <a:extLst>
+                  <a:ext uri="{FF2B5EF4-FFF2-40B4-BE49-F238E27FC236}">
+                    <a16:creationId xmlns:a16="http://schemas.microsoft.com/office/drawing/2014/main" id="{B353FCB2-2CA1-5883-76AE-89C37ADD8689}"/>
+                  </a:ext>
+                </a:extLst>
+              </p:cNvPr>
+              <p:cNvSpPr>
+                <a:spLocks noGrp="1" noRot="1" noChangeAspect="1" noMove="1" noResize="1" noEditPoints="1" noAdjustHandles="1" noChangeArrowheads="1" noChangeShapeType="1" noTextEdit="1"/>
+              </p:cNvSpPr>
+              <p:nvPr>
+                <p:ph sz="half" idx="2"/>
+                <p:custDataLst>
+                  <p:tags r:id="rId73"/>
+                </p:custDataLst>
+              </p:nvPr>
+            </p:nvSpPr>
+            <p:spPr>
+              <a:xfrm>
+                <a:off x="838200" y="1690689"/>
+                <a:ext cx="5181600" cy="849312"/>
+              </a:xfrm>
+              <a:blipFill>
+                <a:blip r:embed="rId74"/>
+                <a:stretch>
+                  <a:fillRect t="-15714"/>
+                </a:stretch>
+              </a:blipFill>
+            </p:spPr>
+            <p:txBody>
+              <a:bodyPr/>
+              <a:lstStyle/>
+              <a:p>
+                <a:r>
+                  <a:rPr lang="fr-FR">
+                    <a:noFill/>
+                  </a:rPr>
+                  <a:t> </a:t>
+                </a:r>
+              </a:p>
+            </p:txBody>
+          </p:sp>
+        </mc:Fallback>
+      </mc:AlternateContent>
+      <p:pic>
+        <p:nvPicPr>
+          <p:cNvPr id="6" name="Espace réservé du contenu 7" descr="Profil masculin">
+            <a:extLst>
+              <a:ext uri="{FF2B5EF4-FFF2-40B4-BE49-F238E27FC236}">
+                <a16:creationId xmlns:a16="http://schemas.microsoft.com/office/drawing/2014/main" id="{BB180684-2B50-719A-67F5-780D4F9B3640}"/>
+              </a:ext>
+            </a:extLst>
+          </p:cNvPr>
+          <p:cNvPicPr>
+            <a:picLocks noChangeAspect="1"/>
+          </p:cNvPicPr>
+          <p:nvPr>
+            <p:custDataLst>
+              <p:tags r:id="rId4"/>
+            </p:custDataLst>
+          </p:nvPr>
+        </p:nvPicPr>
+        <p:blipFill>
+          <a:blip r:embed="rId75">
+            <a:extLst>
+              <a:ext uri="{28A0092B-C50C-407E-A947-70E740481C1C}">
+                <a14:useLocalDpi xmlns:a14="http://schemas.microsoft.com/office/drawing/2010/main" val="0"/>
+              </a:ext>
+              <a:ext uri="{96DAC541-7B7A-43D3-8B79-37D633B846F1}">
+                <asvg:svgBlip xmlns:asvg="http://schemas.microsoft.com/office/drawing/2016/SVG/main" r:embed="rId76"/>
+              </a:ext>
+            </a:extLst>
+          </a:blip>
+          <a:stretch>
+            <a:fillRect/>
+          </a:stretch>
+        </p:blipFill>
+        <p:spPr>
+          <a:xfrm>
+            <a:off x="838200" y="2540001"/>
+            <a:ext cx="629919" cy="629919"/>
+          </a:xfrm>
+          <a:prstGeom prst="rect">
+            <a:avLst/>
+          </a:prstGeom>
+        </p:spPr>
+      </p:pic>
+      <p:pic>
+        <p:nvPicPr>
+          <p:cNvPr id="7" name="Espace réservé du contenu 7" descr="Profil masculin">
+            <a:extLst>
+              <a:ext uri="{FF2B5EF4-FFF2-40B4-BE49-F238E27FC236}">
+                <a16:creationId xmlns:a16="http://schemas.microsoft.com/office/drawing/2014/main" id="{CCD8739E-CEC0-7C63-70A1-8027E54E00B9}"/>
+              </a:ext>
+            </a:extLst>
+          </p:cNvPr>
+          <p:cNvPicPr>
+            <a:picLocks noChangeAspect="1"/>
+          </p:cNvPicPr>
+          <p:nvPr>
+            <p:custDataLst>
+              <p:tags r:id="rId5"/>
+            </p:custDataLst>
+          </p:nvPr>
+        </p:nvPicPr>
+        <p:blipFill>
+          <a:blip r:embed="rId75">
+            <a:extLst>
+              <a:ext uri="{28A0092B-C50C-407E-A947-70E740481C1C}">
+                <a14:useLocalDpi xmlns:a14="http://schemas.microsoft.com/office/drawing/2010/main" val="0"/>
+              </a:ext>
+              <a:ext uri="{96DAC541-7B7A-43D3-8B79-37D633B846F1}">
+                <asvg:svgBlip xmlns:asvg="http://schemas.microsoft.com/office/drawing/2016/SVG/main" r:embed="rId76"/>
+              </a:ext>
+            </a:extLst>
+          </a:blip>
+          <a:stretch>
+            <a:fillRect/>
+          </a:stretch>
+        </p:blipFill>
+        <p:spPr>
+          <a:xfrm>
+            <a:off x="1468119" y="2540001"/>
+            <a:ext cx="629919" cy="629919"/>
+          </a:xfrm>
+          <a:prstGeom prst="rect">
+            <a:avLst/>
+          </a:prstGeom>
+        </p:spPr>
+      </p:pic>
+      <p:pic>
+        <p:nvPicPr>
+          <p:cNvPr id="8" name="Espace réservé du contenu 7" descr="Profil masculin">
+            <a:extLst>
+              <a:ext uri="{FF2B5EF4-FFF2-40B4-BE49-F238E27FC236}">
+                <a16:creationId xmlns:a16="http://schemas.microsoft.com/office/drawing/2014/main" id="{C7A1A8A9-45F1-68A3-10FD-78CDE44B8F3A}"/>
+              </a:ext>
+            </a:extLst>
+          </p:cNvPr>
+          <p:cNvPicPr>
+            <a:picLocks noChangeAspect="1"/>
+          </p:cNvPicPr>
+          <p:nvPr>
+            <p:custDataLst>
+              <p:tags r:id="rId6"/>
+            </p:custDataLst>
+          </p:nvPr>
+        </p:nvPicPr>
+        <p:blipFill>
+          <a:blip r:embed="rId75">
+            <a:extLst>
+              <a:ext uri="{28A0092B-C50C-407E-A947-70E740481C1C}">
+                <a14:useLocalDpi xmlns:a14="http://schemas.microsoft.com/office/drawing/2010/main" val="0"/>
+              </a:ext>
+              <a:ext uri="{96DAC541-7B7A-43D3-8B79-37D633B846F1}">
+                <asvg:svgBlip xmlns:asvg="http://schemas.microsoft.com/office/drawing/2016/SVG/main" r:embed="rId76"/>
+              </a:ext>
+            </a:extLst>
+          </a:blip>
+          <a:stretch>
+            <a:fillRect/>
+          </a:stretch>
+        </p:blipFill>
+        <p:spPr>
+          <a:xfrm>
+            <a:off x="2098038" y="2540001"/>
+            <a:ext cx="629919" cy="629919"/>
+          </a:xfrm>
+          <a:prstGeom prst="rect">
+            <a:avLst/>
+          </a:prstGeom>
+        </p:spPr>
+      </p:pic>
+      <p:pic>
+        <p:nvPicPr>
+          <p:cNvPr id="9" name="Espace réservé du contenu 7" descr="Profil masculin">
+            <a:extLst>
+              <a:ext uri="{FF2B5EF4-FFF2-40B4-BE49-F238E27FC236}">
+                <a16:creationId xmlns:a16="http://schemas.microsoft.com/office/drawing/2014/main" id="{B9634FF2-F1B2-3648-30BE-9B69D58E4B7B}"/>
+              </a:ext>
+            </a:extLst>
+          </p:cNvPr>
+          <p:cNvPicPr>
+            <a:picLocks noChangeAspect="1"/>
+          </p:cNvPicPr>
+          <p:nvPr>
+            <p:custDataLst>
+              <p:tags r:id="rId7"/>
+            </p:custDataLst>
+          </p:nvPr>
+        </p:nvPicPr>
+        <p:blipFill>
+          <a:blip r:embed="rId75">
+            <a:extLst>
+              <a:ext uri="{28A0092B-C50C-407E-A947-70E740481C1C}">
+                <a14:useLocalDpi xmlns:a14="http://schemas.microsoft.com/office/drawing/2010/main" val="0"/>
+              </a:ext>
+              <a:ext uri="{96DAC541-7B7A-43D3-8B79-37D633B846F1}">
+                <asvg:svgBlip xmlns:asvg="http://schemas.microsoft.com/office/drawing/2016/SVG/main" r:embed="rId76"/>
+              </a:ext>
+            </a:extLst>
+          </a:blip>
+          <a:stretch>
+            <a:fillRect/>
+          </a:stretch>
+        </p:blipFill>
+        <p:spPr>
+          <a:xfrm>
+            <a:off x="2727957" y="2540001"/>
+            <a:ext cx="629919" cy="629919"/>
+          </a:xfrm>
+          <a:prstGeom prst="rect">
+            <a:avLst/>
+          </a:prstGeom>
+        </p:spPr>
+      </p:pic>
+      <p:pic>
+        <p:nvPicPr>
+          <p:cNvPr id="10" name="Espace réservé du contenu 7" descr="Profil masculin">
+            <a:extLst>
+              <a:ext uri="{FF2B5EF4-FFF2-40B4-BE49-F238E27FC236}">
+                <a16:creationId xmlns:a16="http://schemas.microsoft.com/office/drawing/2014/main" id="{1EBC4E99-4419-7B19-8AF2-FE6DA6E9807D}"/>
+              </a:ext>
+            </a:extLst>
+          </p:cNvPr>
+          <p:cNvPicPr>
+            <a:picLocks noChangeAspect="1"/>
+          </p:cNvPicPr>
+          <p:nvPr>
+            <p:custDataLst>
+              <p:tags r:id="rId8"/>
+            </p:custDataLst>
+          </p:nvPr>
+        </p:nvPicPr>
+        <p:blipFill>
+          <a:blip r:embed="rId75">
+            <a:extLst>
+              <a:ext uri="{28A0092B-C50C-407E-A947-70E740481C1C}">
+                <a14:useLocalDpi xmlns:a14="http://schemas.microsoft.com/office/drawing/2010/main" val="0"/>
+              </a:ext>
+              <a:ext uri="{96DAC541-7B7A-43D3-8B79-37D633B846F1}">
+                <asvg:svgBlip xmlns:asvg="http://schemas.microsoft.com/office/drawing/2016/SVG/main" r:embed="rId76"/>
+              </a:ext>
+            </a:extLst>
+          </a:blip>
+          <a:stretch>
+            <a:fillRect/>
+          </a:stretch>
+        </p:blipFill>
+        <p:spPr>
+          <a:xfrm>
+            <a:off x="3357876" y="2540001"/>
+            <a:ext cx="629919" cy="629919"/>
+          </a:xfrm>
+          <a:prstGeom prst="rect">
+            <a:avLst/>
+          </a:prstGeom>
+        </p:spPr>
+      </p:pic>
+      <p:pic>
+        <p:nvPicPr>
+          <p:cNvPr id="11" name="Espace réservé du contenu 7" descr="Profil masculin">
+            <a:extLst>
+              <a:ext uri="{FF2B5EF4-FFF2-40B4-BE49-F238E27FC236}">
+                <a16:creationId xmlns:a16="http://schemas.microsoft.com/office/drawing/2014/main" id="{4D8A751C-D96F-7EC4-4D8D-10E89123DF2E}"/>
+              </a:ext>
+            </a:extLst>
+          </p:cNvPr>
+          <p:cNvPicPr>
+            <a:picLocks noChangeAspect="1"/>
+          </p:cNvPicPr>
+          <p:nvPr>
+            <p:custDataLst>
+              <p:tags r:id="rId9"/>
+            </p:custDataLst>
+          </p:nvPr>
+        </p:nvPicPr>
+        <p:blipFill>
+          <a:blip r:embed="rId75">
+            <a:extLst>
+              <a:ext uri="{28A0092B-C50C-407E-A947-70E740481C1C}">
+                <a14:useLocalDpi xmlns:a14="http://schemas.microsoft.com/office/drawing/2010/main" val="0"/>
+              </a:ext>
+              <a:ext uri="{96DAC541-7B7A-43D3-8B79-37D633B846F1}">
+                <asvg:svgBlip xmlns:asvg="http://schemas.microsoft.com/office/drawing/2016/SVG/main" r:embed="rId76"/>
+              </a:ext>
+            </a:extLst>
+          </a:blip>
+          <a:stretch>
+            <a:fillRect/>
+          </a:stretch>
+        </p:blipFill>
+        <p:spPr>
+          <a:xfrm>
+            <a:off x="3987795" y="2540001"/>
+            <a:ext cx="629919" cy="629919"/>
+          </a:xfrm>
+          <a:prstGeom prst="rect">
+            <a:avLst/>
+          </a:prstGeom>
+        </p:spPr>
+      </p:pic>
+      <p:pic>
+        <p:nvPicPr>
+          <p:cNvPr id="12" name="Espace réservé du contenu 7" descr="Profil masculin">
+            <a:extLst>
+              <a:ext uri="{FF2B5EF4-FFF2-40B4-BE49-F238E27FC236}">
+                <a16:creationId xmlns:a16="http://schemas.microsoft.com/office/drawing/2014/main" id="{7110553A-BE64-7938-7BFA-240B2DBD5130}"/>
+              </a:ext>
+            </a:extLst>
+          </p:cNvPr>
+          <p:cNvPicPr>
+            <a:picLocks noChangeAspect="1"/>
+          </p:cNvPicPr>
+          <p:nvPr>
+            <p:custDataLst>
+              <p:tags r:id="rId10"/>
+            </p:custDataLst>
+          </p:nvPr>
+        </p:nvPicPr>
+        <p:blipFill>
+          <a:blip r:embed="rId75">
+            <a:extLst>
+              <a:ext uri="{28A0092B-C50C-407E-A947-70E740481C1C}">
+                <a14:useLocalDpi xmlns:a14="http://schemas.microsoft.com/office/drawing/2010/main" val="0"/>
+              </a:ext>
+              <a:ext uri="{96DAC541-7B7A-43D3-8B79-37D633B846F1}">
+                <asvg:svgBlip xmlns:asvg="http://schemas.microsoft.com/office/drawing/2016/SVG/main" r:embed="rId76"/>
+              </a:ext>
+            </a:extLst>
+          </a:blip>
+          <a:stretch>
+            <a:fillRect/>
+          </a:stretch>
+        </p:blipFill>
+        <p:spPr>
+          <a:xfrm>
+            <a:off x="4617714" y="2540001"/>
+            <a:ext cx="629919" cy="629919"/>
+          </a:xfrm>
+          <a:prstGeom prst="rect">
+            <a:avLst/>
+          </a:prstGeom>
+        </p:spPr>
+      </p:pic>
+      <p:pic>
+        <p:nvPicPr>
+          <p:cNvPr id="13" name="Espace réservé du contenu 7" descr="Profil masculin">
+            <a:extLst>
+              <a:ext uri="{FF2B5EF4-FFF2-40B4-BE49-F238E27FC236}">
+                <a16:creationId xmlns:a16="http://schemas.microsoft.com/office/drawing/2014/main" id="{E31A41BB-FBAD-16BB-0195-F10910E69219}"/>
+              </a:ext>
+            </a:extLst>
+          </p:cNvPr>
+          <p:cNvPicPr>
+            <a:picLocks noChangeAspect="1"/>
+          </p:cNvPicPr>
+          <p:nvPr>
+            <p:custDataLst>
+              <p:tags r:id="rId11"/>
+            </p:custDataLst>
+          </p:nvPr>
+        </p:nvPicPr>
+        <p:blipFill>
+          <a:blip r:embed="rId75">
+            <a:extLst>
+              <a:ext uri="{28A0092B-C50C-407E-A947-70E740481C1C}">
+                <a14:useLocalDpi xmlns:a14="http://schemas.microsoft.com/office/drawing/2010/main" val="0"/>
+              </a:ext>
+              <a:ext uri="{96DAC541-7B7A-43D3-8B79-37D633B846F1}">
+                <asvg:svgBlip xmlns:asvg="http://schemas.microsoft.com/office/drawing/2016/SVG/main" r:embed="rId76"/>
+              </a:ext>
+            </a:extLst>
+          </a:blip>
+          <a:stretch>
+            <a:fillRect/>
+          </a:stretch>
+        </p:blipFill>
+        <p:spPr>
+          <a:xfrm>
+            <a:off x="5247633" y="2540001"/>
+            <a:ext cx="629919" cy="629919"/>
+          </a:xfrm>
+          <a:prstGeom prst="rect">
+            <a:avLst/>
+          </a:prstGeom>
+        </p:spPr>
+      </p:pic>
+      <p:pic>
+        <p:nvPicPr>
+          <p:cNvPr id="14" name="Espace réservé du contenu 7" descr="Profil masculin">
+            <a:extLst>
+              <a:ext uri="{FF2B5EF4-FFF2-40B4-BE49-F238E27FC236}">
+                <a16:creationId xmlns:a16="http://schemas.microsoft.com/office/drawing/2014/main" id="{89A9F694-D2B3-FAB1-F59B-A43E5C9A4920}"/>
+              </a:ext>
+            </a:extLst>
+          </p:cNvPr>
+          <p:cNvPicPr>
+            <a:picLocks noChangeAspect="1"/>
+          </p:cNvPicPr>
+          <p:nvPr>
+            <p:custDataLst>
+              <p:tags r:id="rId12"/>
+            </p:custDataLst>
+          </p:nvPr>
+        </p:nvPicPr>
+        <p:blipFill>
+          <a:blip r:embed="rId75">
+            <a:extLst>
+              <a:ext uri="{28A0092B-C50C-407E-A947-70E740481C1C}">
+                <a14:useLocalDpi xmlns:a14="http://schemas.microsoft.com/office/drawing/2010/main" val="0"/>
+              </a:ext>
+              <a:ext uri="{96DAC541-7B7A-43D3-8B79-37D633B846F1}">
+                <asvg:svgBlip xmlns:asvg="http://schemas.microsoft.com/office/drawing/2016/SVG/main" r:embed="rId76"/>
+              </a:ext>
+            </a:extLst>
+          </a:blip>
+          <a:stretch>
+            <a:fillRect/>
+          </a:stretch>
+        </p:blipFill>
+        <p:spPr>
+          <a:xfrm>
+            <a:off x="838200" y="3169920"/>
+            <a:ext cx="629919" cy="629919"/>
+          </a:xfrm>
+          <a:prstGeom prst="rect">
+            <a:avLst/>
+          </a:prstGeom>
+        </p:spPr>
+      </p:pic>
+      <p:pic>
+        <p:nvPicPr>
+          <p:cNvPr id="15" name="Espace réservé du contenu 7" descr="Profil masculin">
+            <a:extLst>
+              <a:ext uri="{FF2B5EF4-FFF2-40B4-BE49-F238E27FC236}">
+                <a16:creationId xmlns:a16="http://schemas.microsoft.com/office/drawing/2014/main" id="{8887B6F6-FE79-FDC0-2A8F-E90F1CAA9040}"/>
+              </a:ext>
+            </a:extLst>
+          </p:cNvPr>
+          <p:cNvPicPr>
+            <a:picLocks noChangeAspect="1"/>
+          </p:cNvPicPr>
+          <p:nvPr>
+            <p:custDataLst>
+              <p:tags r:id="rId13"/>
+            </p:custDataLst>
+          </p:nvPr>
+        </p:nvPicPr>
+        <p:blipFill>
+          <a:blip r:embed="rId75">
+            <a:extLst>
+              <a:ext uri="{28A0092B-C50C-407E-A947-70E740481C1C}">
+                <a14:useLocalDpi xmlns:a14="http://schemas.microsoft.com/office/drawing/2010/main" val="0"/>
+              </a:ext>
+              <a:ext uri="{96DAC541-7B7A-43D3-8B79-37D633B846F1}">
+                <asvg:svgBlip xmlns:asvg="http://schemas.microsoft.com/office/drawing/2016/SVG/main" r:embed="rId76"/>
+              </a:ext>
+            </a:extLst>
+          </a:blip>
+          <a:stretch>
+            <a:fillRect/>
+          </a:stretch>
+        </p:blipFill>
+        <p:spPr>
+          <a:xfrm>
+            <a:off x="1468119" y="3169920"/>
+            <a:ext cx="629919" cy="629919"/>
+          </a:xfrm>
+          <a:prstGeom prst="rect">
+            <a:avLst/>
+          </a:prstGeom>
+        </p:spPr>
+      </p:pic>
+      <p:pic>
+        <p:nvPicPr>
+          <p:cNvPr id="16" name="Espace réservé du contenu 7" descr="Profil masculin">
+            <a:extLst>
+              <a:ext uri="{FF2B5EF4-FFF2-40B4-BE49-F238E27FC236}">
+                <a16:creationId xmlns:a16="http://schemas.microsoft.com/office/drawing/2014/main" id="{9BCEE39F-D58E-CE95-E3A7-28D4776D51EA}"/>
+              </a:ext>
+            </a:extLst>
+          </p:cNvPr>
+          <p:cNvPicPr>
+            <a:picLocks noChangeAspect="1"/>
+          </p:cNvPicPr>
+          <p:nvPr>
+            <p:custDataLst>
+              <p:tags r:id="rId14"/>
+            </p:custDataLst>
+          </p:nvPr>
+        </p:nvPicPr>
+        <p:blipFill>
+          <a:blip r:embed="rId75">
+            <a:extLst>
+              <a:ext uri="{28A0092B-C50C-407E-A947-70E740481C1C}">
+                <a14:useLocalDpi xmlns:a14="http://schemas.microsoft.com/office/drawing/2010/main" val="0"/>
+              </a:ext>
+              <a:ext uri="{96DAC541-7B7A-43D3-8B79-37D633B846F1}">
+                <asvg:svgBlip xmlns:asvg="http://schemas.microsoft.com/office/drawing/2016/SVG/main" r:embed="rId76"/>
+              </a:ext>
+            </a:extLst>
+          </a:blip>
+          <a:stretch>
+            <a:fillRect/>
+          </a:stretch>
+        </p:blipFill>
+        <p:spPr>
+          <a:xfrm>
+            <a:off x="2098038" y="3169920"/>
+            <a:ext cx="629919" cy="629919"/>
+          </a:xfrm>
+          <a:prstGeom prst="rect">
+            <a:avLst/>
+          </a:prstGeom>
+        </p:spPr>
+      </p:pic>
+      <p:pic>
+        <p:nvPicPr>
+          <p:cNvPr id="17" name="Espace réservé du contenu 7" descr="Profil masculin">
+            <a:extLst>
+              <a:ext uri="{FF2B5EF4-FFF2-40B4-BE49-F238E27FC236}">
+                <a16:creationId xmlns:a16="http://schemas.microsoft.com/office/drawing/2014/main" id="{511C90B5-E0B1-4E03-7ED0-EF7AC9849A05}"/>
+              </a:ext>
+            </a:extLst>
+          </p:cNvPr>
+          <p:cNvPicPr>
+            <a:picLocks noChangeAspect="1"/>
+          </p:cNvPicPr>
+          <p:nvPr>
+            <p:custDataLst>
+              <p:tags r:id="rId15"/>
+            </p:custDataLst>
+          </p:nvPr>
+        </p:nvPicPr>
+        <p:blipFill>
+          <a:blip r:embed="rId75">
+            <a:extLst>
+              <a:ext uri="{28A0092B-C50C-407E-A947-70E740481C1C}">
+                <a14:useLocalDpi xmlns:a14="http://schemas.microsoft.com/office/drawing/2010/main" val="0"/>
+              </a:ext>
+              <a:ext uri="{96DAC541-7B7A-43D3-8B79-37D633B846F1}">
+                <asvg:svgBlip xmlns:asvg="http://schemas.microsoft.com/office/drawing/2016/SVG/main" r:embed="rId76"/>
+              </a:ext>
+            </a:extLst>
+          </a:blip>
+          <a:stretch>
+            <a:fillRect/>
+          </a:stretch>
+        </p:blipFill>
+        <p:spPr>
+          <a:xfrm>
+            <a:off x="2727957" y="3169920"/>
+            <a:ext cx="629919" cy="629919"/>
+          </a:xfrm>
+          <a:prstGeom prst="rect">
+            <a:avLst/>
+          </a:prstGeom>
+        </p:spPr>
+      </p:pic>
+      <p:pic>
+        <p:nvPicPr>
+          <p:cNvPr id="18" name="Espace réservé du contenu 7" descr="Profil masculin">
+            <a:extLst>
+              <a:ext uri="{FF2B5EF4-FFF2-40B4-BE49-F238E27FC236}">
+                <a16:creationId xmlns:a16="http://schemas.microsoft.com/office/drawing/2014/main" id="{826C65D1-F273-913A-E901-513E3D336FDD}"/>
+              </a:ext>
+            </a:extLst>
+          </p:cNvPr>
+          <p:cNvPicPr>
+            <a:picLocks noChangeAspect="1"/>
+          </p:cNvPicPr>
+          <p:nvPr>
+            <p:custDataLst>
+              <p:tags r:id="rId16"/>
+            </p:custDataLst>
+          </p:nvPr>
+        </p:nvPicPr>
+        <p:blipFill>
+          <a:blip r:embed="rId75">
+            <a:extLst>
+              <a:ext uri="{28A0092B-C50C-407E-A947-70E740481C1C}">
+                <a14:useLocalDpi xmlns:a14="http://schemas.microsoft.com/office/drawing/2010/main" val="0"/>
+              </a:ext>
+              <a:ext uri="{96DAC541-7B7A-43D3-8B79-37D633B846F1}">
+                <asvg:svgBlip xmlns:asvg="http://schemas.microsoft.com/office/drawing/2016/SVG/main" r:embed="rId76"/>
+              </a:ext>
+            </a:extLst>
+          </a:blip>
+          <a:stretch>
+            <a:fillRect/>
+          </a:stretch>
+        </p:blipFill>
+        <p:spPr>
+          <a:xfrm>
+            <a:off x="3357876" y="3169920"/>
+            <a:ext cx="629919" cy="629919"/>
+          </a:xfrm>
+          <a:prstGeom prst="rect">
+            <a:avLst/>
+          </a:prstGeom>
+        </p:spPr>
+      </p:pic>
+      <p:pic>
+        <p:nvPicPr>
+          <p:cNvPr id="19" name="Espace réservé du contenu 7" descr="Profil masculin">
+            <a:extLst>
+              <a:ext uri="{FF2B5EF4-FFF2-40B4-BE49-F238E27FC236}">
+                <a16:creationId xmlns:a16="http://schemas.microsoft.com/office/drawing/2014/main" id="{FF4D1A35-C2DB-93D5-F7E1-E277569333F7}"/>
+              </a:ext>
+            </a:extLst>
+          </p:cNvPr>
+          <p:cNvPicPr>
+            <a:picLocks noChangeAspect="1"/>
+          </p:cNvPicPr>
+          <p:nvPr>
+            <p:custDataLst>
+              <p:tags r:id="rId17"/>
+            </p:custDataLst>
+          </p:nvPr>
+        </p:nvPicPr>
+        <p:blipFill>
+          <a:blip r:embed="rId75">
+            <a:extLst>
+              <a:ext uri="{28A0092B-C50C-407E-A947-70E740481C1C}">
+                <a14:useLocalDpi xmlns:a14="http://schemas.microsoft.com/office/drawing/2010/main" val="0"/>
+              </a:ext>
+              <a:ext uri="{96DAC541-7B7A-43D3-8B79-37D633B846F1}">
+                <asvg:svgBlip xmlns:asvg="http://schemas.microsoft.com/office/drawing/2016/SVG/main" r:embed="rId76"/>
+              </a:ext>
+            </a:extLst>
+          </a:blip>
+          <a:stretch>
+            <a:fillRect/>
+          </a:stretch>
+        </p:blipFill>
+        <p:spPr>
+          <a:xfrm>
+            <a:off x="3987795" y="3169920"/>
+            <a:ext cx="629919" cy="629919"/>
+          </a:xfrm>
+          <a:prstGeom prst="rect">
+            <a:avLst/>
+          </a:prstGeom>
+        </p:spPr>
+      </p:pic>
+      <p:pic>
+        <p:nvPicPr>
+          <p:cNvPr id="20" name="Espace réservé du contenu 7" descr="Profil masculin">
+            <a:extLst>
+              <a:ext uri="{FF2B5EF4-FFF2-40B4-BE49-F238E27FC236}">
+                <a16:creationId xmlns:a16="http://schemas.microsoft.com/office/drawing/2014/main" id="{E114F799-9264-2EE1-DC88-DED1FD29E303}"/>
+              </a:ext>
+            </a:extLst>
+          </p:cNvPr>
+          <p:cNvPicPr>
+            <a:picLocks noChangeAspect="1"/>
+          </p:cNvPicPr>
+          <p:nvPr>
+            <p:custDataLst>
+              <p:tags r:id="rId18"/>
+            </p:custDataLst>
+          </p:nvPr>
+        </p:nvPicPr>
+        <p:blipFill>
+          <a:blip r:embed="rId75">
+            <a:extLst>
+              <a:ext uri="{28A0092B-C50C-407E-A947-70E740481C1C}">
+                <a14:useLocalDpi xmlns:a14="http://schemas.microsoft.com/office/drawing/2010/main" val="0"/>
+              </a:ext>
+              <a:ext uri="{96DAC541-7B7A-43D3-8B79-37D633B846F1}">
+                <asvg:svgBlip xmlns:asvg="http://schemas.microsoft.com/office/drawing/2016/SVG/main" r:embed="rId76"/>
+              </a:ext>
+            </a:extLst>
+          </a:blip>
+          <a:stretch>
+            <a:fillRect/>
+          </a:stretch>
+        </p:blipFill>
+        <p:spPr>
+          <a:xfrm>
+            <a:off x="4617714" y="3169920"/>
+            <a:ext cx="629919" cy="629919"/>
+          </a:xfrm>
+          <a:prstGeom prst="rect">
+            <a:avLst/>
+          </a:prstGeom>
+        </p:spPr>
+      </p:pic>
+      <p:pic>
+        <p:nvPicPr>
+          <p:cNvPr id="21" name="Espace réservé du contenu 7" descr="Profil masculin">
+            <a:extLst>
+              <a:ext uri="{FF2B5EF4-FFF2-40B4-BE49-F238E27FC236}">
+                <a16:creationId xmlns:a16="http://schemas.microsoft.com/office/drawing/2014/main" id="{325D9A8B-E8F0-D14D-6784-182E1F9BD757}"/>
+              </a:ext>
+            </a:extLst>
+          </p:cNvPr>
+          <p:cNvPicPr>
+            <a:picLocks noChangeAspect="1"/>
+          </p:cNvPicPr>
+          <p:nvPr>
+            <p:custDataLst>
+              <p:tags r:id="rId19"/>
+            </p:custDataLst>
+          </p:nvPr>
+        </p:nvPicPr>
+        <p:blipFill>
+          <a:blip r:embed="rId75">
+            <a:extLst>
+              <a:ext uri="{28A0092B-C50C-407E-A947-70E740481C1C}">
+                <a14:useLocalDpi xmlns:a14="http://schemas.microsoft.com/office/drawing/2010/main" val="0"/>
+              </a:ext>
+              <a:ext uri="{96DAC541-7B7A-43D3-8B79-37D633B846F1}">
+                <asvg:svgBlip xmlns:asvg="http://schemas.microsoft.com/office/drawing/2016/SVG/main" r:embed="rId76"/>
+              </a:ext>
+            </a:extLst>
+          </a:blip>
+          <a:stretch>
+            <a:fillRect/>
+          </a:stretch>
+        </p:blipFill>
+        <p:spPr>
+          <a:xfrm>
+            <a:off x="5247633" y="3169920"/>
+            <a:ext cx="629919" cy="629919"/>
+          </a:xfrm>
+          <a:prstGeom prst="rect">
+            <a:avLst/>
+          </a:prstGeom>
+        </p:spPr>
+      </p:pic>
+      <p:pic>
+        <p:nvPicPr>
+          <p:cNvPr id="22" name="Espace réservé du contenu 7" descr="Profil masculin">
+            <a:extLst>
+              <a:ext uri="{FF2B5EF4-FFF2-40B4-BE49-F238E27FC236}">
+                <a16:creationId xmlns:a16="http://schemas.microsoft.com/office/drawing/2014/main" id="{9452258F-BBBD-4F58-C4A0-FF4E021032E4}"/>
+              </a:ext>
+            </a:extLst>
+          </p:cNvPr>
+          <p:cNvPicPr>
+            <a:picLocks noChangeAspect="1"/>
+          </p:cNvPicPr>
+          <p:nvPr>
+            <p:custDataLst>
+              <p:tags r:id="rId20"/>
+            </p:custDataLst>
+          </p:nvPr>
+        </p:nvPicPr>
+        <p:blipFill>
+          <a:blip r:embed="rId75">
+            <a:extLst>
+              <a:ext uri="{28A0092B-C50C-407E-A947-70E740481C1C}">
+                <a14:useLocalDpi xmlns:a14="http://schemas.microsoft.com/office/drawing/2010/main" val="0"/>
+              </a:ext>
+              <a:ext uri="{96DAC541-7B7A-43D3-8B79-37D633B846F1}">
+                <asvg:svgBlip xmlns:asvg="http://schemas.microsoft.com/office/drawing/2016/SVG/main" r:embed="rId76"/>
+              </a:ext>
+            </a:extLst>
+          </a:blip>
+          <a:stretch>
+            <a:fillRect/>
+          </a:stretch>
+        </p:blipFill>
+        <p:spPr>
+          <a:xfrm>
+            <a:off x="838200" y="3799839"/>
+            <a:ext cx="629919" cy="629919"/>
+          </a:xfrm>
+          <a:prstGeom prst="rect">
+            <a:avLst/>
+          </a:prstGeom>
+        </p:spPr>
+      </p:pic>
+      <p:pic>
+        <p:nvPicPr>
+          <p:cNvPr id="23" name="Espace réservé du contenu 7" descr="Profil masculin">
+            <a:extLst>
+              <a:ext uri="{FF2B5EF4-FFF2-40B4-BE49-F238E27FC236}">
+                <a16:creationId xmlns:a16="http://schemas.microsoft.com/office/drawing/2014/main" id="{9C7A202C-82CE-3C5F-1589-874A05C1DC39}"/>
+              </a:ext>
+            </a:extLst>
+          </p:cNvPr>
+          <p:cNvPicPr>
+            <a:picLocks noChangeAspect="1"/>
+          </p:cNvPicPr>
+          <p:nvPr>
+            <p:custDataLst>
+              <p:tags r:id="rId21"/>
+            </p:custDataLst>
+          </p:nvPr>
+        </p:nvPicPr>
+        <p:blipFill>
+          <a:blip r:embed="rId75">
+            <a:extLst>
+              <a:ext uri="{28A0092B-C50C-407E-A947-70E740481C1C}">
+                <a14:useLocalDpi xmlns:a14="http://schemas.microsoft.com/office/drawing/2010/main" val="0"/>
+              </a:ext>
+              <a:ext uri="{96DAC541-7B7A-43D3-8B79-37D633B846F1}">
+                <asvg:svgBlip xmlns:asvg="http://schemas.microsoft.com/office/drawing/2016/SVG/main" r:embed="rId76"/>
+              </a:ext>
+            </a:extLst>
+          </a:blip>
+          <a:stretch>
+            <a:fillRect/>
+          </a:stretch>
+        </p:blipFill>
+        <p:spPr>
+          <a:xfrm>
+            <a:off x="1468119" y="3799839"/>
+            <a:ext cx="629919" cy="629919"/>
+          </a:xfrm>
+          <a:prstGeom prst="rect">
+            <a:avLst/>
+          </a:prstGeom>
+        </p:spPr>
+      </p:pic>
+      <p:pic>
+        <p:nvPicPr>
+          <p:cNvPr id="24" name="Espace réservé du contenu 7" descr="Profil masculin">
+            <a:extLst>
+              <a:ext uri="{FF2B5EF4-FFF2-40B4-BE49-F238E27FC236}">
+                <a16:creationId xmlns:a16="http://schemas.microsoft.com/office/drawing/2014/main" id="{7EE434CF-EB50-A0C6-5CFB-0CB779E9FCFF}"/>
+              </a:ext>
+            </a:extLst>
+          </p:cNvPr>
+          <p:cNvPicPr>
+            <a:picLocks noChangeAspect="1"/>
+          </p:cNvPicPr>
+          <p:nvPr>
+            <p:custDataLst>
+              <p:tags r:id="rId22"/>
+            </p:custDataLst>
+          </p:nvPr>
+        </p:nvPicPr>
+        <p:blipFill>
+          <a:blip r:embed="rId75">
+            <a:extLst>
+              <a:ext uri="{28A0092B-C50C-407E-A947-70E740481C1C}">
+                <a14:useLocalDpi xmlns:a14="http://schemas.microsoft.com/office/drawing/2010/main" val="0"/>
+              </a:ext>
+              <a:ext uri="{96DAC541-7B7A-43D3-8B79-37D633B846F1}">
+                <asvg:svgBlip xmlns:asvg="http://schemas.microsoft.com/office/drawing/2016/SVG/main" r:embed="rId76"/>
+              </a:ext>
+            </a:extLst>
+          </a:blip>
+          <a:stretch>
+            <a:fillRect/>
+          </a:stretch>
+        </p:blipFill>
+        <p:spPr>
+          <a:xfrm>
+            <a:off x="2098038" y="3799839"/>
+            <a:ext cx="629919" cy="629919"/>
+          </a:xfrm>
+          <a:prstGeom prst="rect">
+            <a:avLst/>
+          </a:prstGeom>
+        </p:spPr>
+      </p:pic>
+      <p:pic>
+        <p:nvPicPr>
+          <p:cNvPr id="25" name="Espace réservé du contenu 7" descr="Profil masculin">
+            <a:extLst>
+              <a:ext uri="{FF2B5EF4-FFF2-40B4-BE49-F238E27FC236}">
+                <a16:creationId xmlns:a16="http://schemas.microsoft.com/office/drawing/2014/main" id="{1C7F2578-9AB2-2211-DF6A-92F681A0154F}"/>
+              </a:ext>
+            </a:extLst>
+          </p:cNvPr>
+          <p:cNvPicPr>
+            <a:picLocks noChangeAspect="1"/>
+          </p:cNvPicPr>
+          <p:nvPr>
+            <p:custDataLst>
+              <p:tags r:id="rId23"/>
+            </p:custDataLst>
+          </p:nvPr>
+        </p:nvPicPr>
+        <p:blipFill>
+          <a:blip r:embed="rId75">
+            <a:extLst>
+              <a:ext uri="{28A0092B-C50C-407E-A947-70E740481C1C}">
+                <a14:useLocalDpi xmlns:a14="http://schemas.microsoft.com/office/drawing/2010/main" val="0"/>
+              </a:ext>
+              <a:ext uri="{96DAC541-7B7A-43D3-8B79-37D633B846F1}">
+                <asvg:svgBlip xmlns:asvg="http://schemas.microsoft.com/office/drawing/2016/SVG/main" r:embed="rId76"/>
+              </a:ext>
+            </a:extLst>
+          </a:blip>
+          <a:stretch>
+            <a:fillRect/>
+          </a:stretch>
+        </p:blipFill>
+        <p:spPr>
+          <a:xfrm>
+            <a:off x="2727957" y="3799839"/>
+            <a:ext cx="629919" cy="629919"/>
+          </a:xfrm>
+          <a:prstGeom prst="rect">
+            <a:avLst/>
+          </a:prstGeom>
+        </p:spPr>
+      </p:pic>
+      <p:pic>
+        <p:nvPicPr>
+          <p:cNvPr id="26" name="Espace réservé du contenu 7" descr="Profil masculin">
+            <a:extLst>
+              <a:ext uri="{FF2B5EF4-FFF2-40B4-BE49-F238E27FC236}">
+                <a16:creationId xmlns:a16="http://schemas.microsoft.com/office/drawing/2014/main" id="{BC37EC4A-1CD2-1413-63D0-B8A70DE5B354}"/>
+              </a:ext>
+            </a:extLst>
+          </p:cNvPr>
+          <p:cNvPicPr>
+            <a:picLocks noChangeAspect="1"/>
+          </p:cNvPicPr>
+          <p:nvPr>
+            <p:custDataLst>
+              <p:tags r:id="rId24"/>
+            </p:custDataLst>
+          </p:nvPr>
+        </p:nvPicPr>
+        <p:blipFill>
+          <a:blip r:embed="rId75">
+            <a:extLst>
+              <a:ext uri="{28A0092B-C50C-407E-A947-70E740481C1C}">
+                <a14:useLocalDpi xmlns:a14="http://schemas.microsoft.com/office/drawing/2010/main" val="0"/>
+              </a:ext>
+              <a:ext uri="{96DAC541-7B7A-43D3-8B79-37D633B846F1}">
+                <asvg:svgBlip xmlns:asvg="http://schemas.microsoft.com/office/drawing/2016/SVG/main" r:embed="rId76"/>
+              </a:ext>
+            </a:extLst>
+          </a:blip>
+          <a:stretch>
+            <a:fillRect/>
+          </a:stretch>
+        </p:blipFill>
+        <p:spPr>
+          <a:xfrm>
+            <a:off x="3357876" y="3799839"/>
+            <a:ext cx="629919" cy="629919"/>
+          </a:xfrm>
+          <a:prstGeom prst="rect">
+            <a:avLst/>
+          </a:prstGeom>
+        </p:spPr>
+      </p:pic>
+      <p:pic>
+        <p:nvPicPr>
+          <p:cNvPr id="27" name="Espace réservé du contenu 7" descr="Profil masculin">
+            <a:extLst>
+              <a:ext uri="{FF2B5EF4-FFF2-40B4-BE49-F238E27FC236}">
+                <a16:creationId xmlns:a16="http://schemas.microsoft.com/office/drawing/2014/main" id="{A6F2B083-FD98-B49A-2EF8-EB4FA66193E0}"/>
+              </a:ext>
+            </a:extLst>
+          </p:cNvPr>
+          <p:cNvPicPr>
+            <a:picLocks noChangeAspect="1"/>
+          </p:cNvPicPr>
+          <p:nvPr>
+            <p:custDataLst>
+              <p:tags r:id="rId25"/>
+            </p:custDataLst>
+          </p:nvPr>
+        </p:nvPicPr>
+        <p:blipFill>
+          <a:blip r:embed="rId75">
+            <a:extLst>
+              <a:ext uri="{28A0092B-C50C-407E-A947-70E740481C1C}">
+                <a14:useLocalDpi xmlns:a14="http://schemas.microsoft.com/office/drawing/2010/main" val="0"/>
+              </a:ext>
+              <a:ext uri="{96DAC541-7B7A-43D3-8B79-37D633B846F1}">
+                <asvg:svgBlip xmlns:asvg="http://schemas.microsoft.com/office/drawing/2016/SVG/main" r:embed="rId76"/>
+              </a:ext>
+            </a:extLst>
+          </a:blip>
+          <a:stretch>
+            <a:fillRect/>
+          </a:stretch>
+        </p:blipFill>
+        <p:spPr>
+          <a:xfrm>
+            <a:off x="3987795" y="3799839"/>
+            <a:ext cx="629919" cy="629919"/>
+          </a:xfrm>
+          <a:prstGeom prst="rect">
+            <a:avLst/>
+          </a:prstGeom>
+        </p:spPr>
+      </p:pic>
+      <p:pic>
+        <p:nvPicPr>
+          <p:cNvPr id="28" name="Espace réservé du contenu 7" descr="Profil masculin">
+            <a:extLst>
+              <a:ext uri="{FF2B5EF4-FFF2-40B4-BE49-F238E27FC236}">
+                <a16:creationId xmlns:a16="http://schemas.microsoft.com/office/drawing/2014/main" id="{3A5BA3BA-D56F-3990-AD91-468E36A359FC}"/>
+              </a:ext>
+            </a:extLst>
+          </p:cNvPr>
+          <p:cNvPicPr>
+            <a:picLocks noChangeAspect="1"/>
+          </p:cNvPicPr>
+          <p:nvPr>
+            <p:custDataLst>
+              <p:tags r:id="rId26"/>
+            </p:custDataLst>
+          </p:nvPr>
+        </p:nvPicPr>
+        <p:blipFill>
+          <a:blip r:embed="rId75">
+            <a:extLst>
+              <a:ext uri="{28A0092B-C50C-407E-A947-70E740481C1C}">
+                <a14:useLocalDpi xmlns:a14="http://schemas.microsoft.com/office/drawing/2010/main" val="0"/>
+              </a:ext>
+              <a:ext uri="{96DAC541-7B7A-43D3-8B79-37D633B846F1}">
+                <asvg:svgBlip xmlns:asvg="http://schemas.microsoft.com/office/drawing/2016/SVG/main" r:embed="rId76"/>
+              </a:ext>
+            </a:extLst>
+          </a:blip>
+          <a:stretch>
+            <a:fillRect/>
+          </a:stretch>
+        </p:blipFill>
+        <p:spPr>
+          <a:xfrm>
+            <a:off x="4617714" y="3799839"/>
+            <a:ext cx="629919" cy="629919"/>
+          </a:xfrm>
+          <a:prstGeom prst="rect">
+            <a:avLst/>
+          </a:prstGeom>
+        </p:spPr>
+      </p:pic>
+      <p:pic>
+        <p:nvPicPr>
+          <p:cNvPr id="29" name="Espace réservé du contenu 7" descr="Profil masculin">
+            <a:extLst>
+              <a:ext uri="{FF2B5EF4-FFF2-40B4-BE49-F238E27FC236}">
+                <a16:creationId xmlns:a16="http://schemas.microsoft.com/office/drawing/2014/main" id="{EE92032D-B791-2613-BF20-D162A7A64924}"/>
+              </a:ext>
+            </a:extLst>
+          </p:cNvPr>
+          <p:cNvPicPr>
+            <a:picLocks noChangeAspect="1"/>
+          </p:cNvPicPr>
+          <p:nvPr>
+            <p:custDataLst>
+              <p:tags r:id="rId27"/>
+            </p:custDataLst>
+          </p:nvPr>
+        </p:nvPicPr>
+        <p:blipFill>
+          <a:blip r:embed="rId75">
+            <a:extLst>
+              <a:ext uri="{28A0092B-C50C-407E-A947-70E740481C1C}">
+                <a14:useLocalDpi xmlns:a14="http://schemas.microsoft.com/office/drawing/2010/main" val="0"/>
+              </a:ext>
+              <a:ext uri="{96DAC541-7B7A-43D3-8B79-37D633B846F1}">
+                <asvg:svgBlip xmlns:asvg="http://schemas.microsoft.com/office/drawing/2016/SVG/main" r:embed="rId76"/>
+              </a:ext>
+            </a:extLst>
+          </a:blip>
+          <a:stretch>
+            <a:fillRect/>
+          </a:stretch>
+        </p:blipFill>
+        <p:spPr>
+          <a:xfrm>
+            <a:off x="5247633" y="3799839"/>
+            <a:ext cx="629919" cy="629919"/>
+          </a:xfrm>
+          <a:prstGeom prst="rect">
+            <a:avLst/>
+          </a:prstGeom>
+        </p:spPr>
+      </p:pic>
+      <p:pic>
+        <p:nvPicPr>
+          <p:cNvPr id="30" name="Espace réservé du contenu 7" descr="Profil masculin">
+            <a:extLst>
+              <a:ext uri="{FF2B5EF4-FFF2-40B4-BE49-F238E27FC236}">
+                <a16:creationId xmlns:a16="http://schemas.microsoft.com/office/drawing/2014/main" id="{016976A4-B831-0110-CDA1-A077E8DA7D45}"/>
+              </a:ext>
+            </a:extLst>
+          </p:cNvPr>
+          <p:cNvPicPr>
+            <a:picLocks noChangeAspect="1"/>
+          </p:cNvPicPr>
+          <p:nvPr>
+            <p:custDataLst>
+              <p:tags r:id="rId28"/>
+            </p:custDataLst>
+          </p:nvPr>
+        </p:nvPicPr>
+        <p:blipFill>
+          <a:blip r:embed="rId75">
+            <a:extLst>
+              <a:ext uri="{28A0092B-C50C-407E-A947-70E740481C1C}">
+                <a14:useLocalDpi xmlns:a14="http://schemas.microsoft.com/office/drawing/2010/main" val="0"/>
+              </a:ext>
+              <a:ext uri="{96DAC541-7B7A-43D3-8B79-37D633B846F1}">
+                <asvg:svgBlip xmlns:asvg="http://schemas.microsoft.com/office/drawing/2016/SVG/main" r:embed="rId76"/>
+              </a:ext>
+            </a:extLst>
+          </a:blip>
+          <a:stretch>
+            <a:fillRect/>
+          </a:stretch>
+        </p:blipFill>
+        <p:spPr>
+          <a:xfrm>
+            <a:off x="838200" y="4429758"/>
+            <a:ext cx="629919" cy="629919"/>
+          </a:xfrm>
+          <a:prstGeom prst="rect">
+            <a:avLst/>
+          </a:prstGeom>
+        </p:spPr>
+      </p:pic>
+      <p:pic>
+        <p:nvPicPr>
+          <p:cNvPr id="31" name="Espace réservé du contenu 7" descr="Profil masculin">
+            <a:extLst>
+              <a:ext uri="{FF2B5EF4-FFF2-40B4-BE49-F238E27FC236}">
+                <a16:creationId xmlns:a16="http://schemas.microsoft.com/office/drawing/2014/main" id="{CDE910DF-B2FD-E29B-E54C-1CBE83772861}"/>
+              </a:ext>
+            </a:extLst>
+          </p:cNvPr>
+          <p:cNvPicPr>
+            <a:picLocks noChangeAspect="1"/>
+          </p:cNvPicPr>
+          <p:nvPr>
+            <p:custDataLst>
+              <p:tags r:id="rId29"/>
+            </p:custDataLst>
+          </p:nvPr>
+        </p:nvPicPr>
+        <p:blipFill>
+          <a:blip r:embed="rId75">
+            <a:extLst>
+              <a:ext uri="{28A0092B-C50C-407E-A947-70E740481C1C}">
+                <a14:useLocalDpi xmlns:a14="http://schemas.microsoft.com/office/drawing/2010/main" val="0"/>
+              </a:ext>
+              <a:ext uri="{96DAC541-7B7A-43D3-8B79-37D633B846F1}">
+                <asvg:svgBlip xmlns:asvg="http://schemas.microsoft.com/office/drawing/2016/SVG/main" r:embed="rId76"/>
+              </a:ext>
+            </a:extLst>
+          </a:blip>
+          <a:stretch>
+            <a:fillRect/>
+          </a:stretch>
+        </p:blipFill>
+        <p:spPr>
+          <a:xfrm>
+            <a:off x="1468119" y="4429758"/>
+            <a:ext cx="629919" cy="629919"/>
+          </a:xfrm>
+          <a:prstGeom prst="rect">
+            <a:avLst/>
+          </a:prstGeom>
+        </p:spPr>
+      </p:pic>
+      <p:pic>
+        <p:nvPicPr>
+          <p:cNvPr id="32" name="Espace réservé du contenu 7" descr="Profil masculin">
+            <a:extLst>
+              <a:ext uri="{FF2B5EF4-FFF2-40B4-BE49-F238E27FC236}">
+                <a16:creationId xmlns:a16="http://schemas.microsoft.com/office/drawing/2014/main" id="{C40A34FD-9D06-F849-9A1D-7A8B669BE228}"/>
+              </a:ext>
+            </a:extLst>
+          </p:cNvPr>
+          <p:cNvPicPr>
+            <a:picLocks noChangeAspect="1"/>
+          </p:cNvPicPr>
+          <p:nvPr>
+            <p:custDataLst>
+              <p:tags r:id="rId30"/>
+            </p:custDataLst>
+          </p:nvPr>
+        </p:nvPicPr>
+        <p:blipFill>
+          <a:blip r:embed="rId75">
+            <a:extLst>
+              <a:ext uri="{28A0092B-C50C-407E-A947-70E740481C1C}">
+                <a14:useLocalDpi xmlns:a14="http://schemas.microsoft.com/office/drawing/2010/main" val="0"/>
+              </a:ext>
+              <a:ext uri="{96DAC541-7B7A-43D3-8B79-37D633B846F1}">
+                <asvg:svgBlip xmlns:asvg="http://schemas.microsoft.com/office/drawing/2016/SVG/main" r:embed="rId76"/>
+              </a:ext>
+            </a:extLst>
+          </a:blip>
+          <a:stretch>
+            <a:fillRect/>
+          </a:stretch>
+        </p:blipFill>
+        <p:spPr>
+          <a:xfrm>
+            <a:off x="2098038" y="4429758"/>
+            <a:ext cx="629919" cy="629919"/>
+          </a:xfrm>
+          <a:prstGeom prst="rect">
+            <a:avLst/>
+          </a:prstGeom>
+        </p:spPr>
+      </p:pic>
+      <p:pic>
+        <p:nvPicPr>
+          <p:cNvPr id="33" name="Espace réservé du contenu 7" descr="Profil masculin">
+            <a:extLst>
+              <a:ext uri="{FF2B5EF4-FFF2-40B4-BE49-F238E27FC236}">
+                <a16:creationId xmlns:a16="http://schemas.microsoft.com/office/drawing/2014/main" id="{06F8FEF1-D4BF-B113-8509-9E0B266FDF5B}"/>
+              </a:ext>
+            </a:extLst>
+          </p:cNvPr>
+          <p:cNvPicPr>
+            <a:picLocks noChangeAspect="1"/>
+          </p:cNvPicPr>
+          <p:nvPr>
+            <p:custDataLst>
+              <p:tags r:id="rId31"/>
+            </p:custDataLst>
+          </p:nvPr>
+        </p:nvPicPr>
+        <p:blipFill>
+          <a:blip r:embed="rId75">
+            <a:extLst>
+              <a:ext uri="{28A0092B-C50C-407E-A947-70E740481C1C}">
+                <a14:useLocalDpi xmlns:a14="http://schemas.microsoft.com/office/drawing/2010/main" val="0"/>
+              </a:ext>
+              <a:ext uri="{96DAC541-7B7A-43D3-8B79-37D633B846F1}">
+                <asvg:svgBlip xmlns:asvg="http://schemas.microsoft.com/office/drawing/2016/SVG/main" r:embed="rId76"/>
+              </a:ext>
+            </a:extLst>
+          </a:blip>
+          <a:stretch>
+            <a:fillRect/>
+          </a:stretch>
+        </p:blipFill>
+        <p:spPr>
+          <a:xfrm>
+            <a:off x="2727957" y="4429758"/>
+            <a:ext cx="629919" cy="629919"/>
+          </a:xfrm>
+          <a:prstGeom prst="rect">
+            <a:avLst/>
+          </a:prstGeom>
+        </p:spPr>
+      </p:pic>
+      <p:pic>
+        <p:nvPicPr>
+          <p:cNvPr id="34" name="Espace réservé du contenu 7" descr="Profil masculin">
+            <a:extLst>
+              <a:ext uri="{FF2B5EF4-FFF2-40B4-BE49-F238E27FC236}">
+                <a16:creationId xmlns:a16="http://schemas.microsoft.com/office/drawing/2014/main" id="{C426B5A4-A851-3F74-6416-BAA61DD9926C}"/>
+              </a:ext>
+            </a:extLst>
+          </p:cNvPr>
+          <p:cNvPicPr>
+            <a:picLocks noChangeAspect="1"/>
+          </p:cNvPicPr>
+          <p:nvPr>
+            <p:custDataLst>
+              <p:tags r:id="rId32"/>
+            </p:custDataLst>
+          </p:nvPr>
+        </p:nvPicPr>
+        <p:blipFill>
+          <a:blip r:embed="rId75">
+            <a:extLst>
+              <a:ext uri="{28A0092B-C50C-407E-A947-70E740481C1C}">
+                <a14:useLocalDpi xmlns:a14="http://schemas.microsoft.com/office/drawing/2010/main" val="0"/>
+              </a:ext>
+              <a:ext uri="{96DAC541-7B7A-43D3-8B79-37D633B846F1}">
+                <asvg:svgBlip xmlns:asvg="http://schemas.microsoft.com/office/drawing/2016/SVG/main" r:embed="rId76"/>
+              </a:ext>
+            </a:extLst>
+          </a:blip>
+          <a:stretch>
+            <a:fillRect/>
+          </a:stretch>
+        </p:blipFill>
+        <p:spPr>
+          <a:xfrm>
+            <a:off x="3357876" y="4429758"/>
+            <a:ext cx="629919" cy="629919"/>
+          </a:xfrm>
+          <a:prstGeom prst="rect">
+            <a:avLst/>
+          </a:prstGeom>
+        </p:spPr>
+      </p:pic>
+      <p:pic>
+        <p:nvPicPr>
+          <p:cNvPr id="35" name="Espace réservé du contenu 7" descr="Profil masculin">
+            <a:extLst>
+              <a:ext uri="{FF2B5EF4-FFF2-40B4-BE49-F238E27FC236}">
+                <a16:creationId xmlns:a16="http://schemas.microsoft.com/office/drawing/2014/main" id="{56BFEE7E-E850-9653-FE0A-D2DA4281A001}"/>
+              </a:ext>
+            </a:extLst>
+          </p:cNvPr>
+          <p:cNvPicPr>
+            <a:picLocks noChangeAspect="1"/>
+          </p:cNvPicPr>
+          <p:nvPr>
+            <p:custDataLst>
+              <p:tags r:id="rId33"/>
+            </p:custDataLst>
+          </p:nvPr>
+        </p:nvPicPr>
+        <p:blipFill>
+          <a:blip r:embed="rId75">
+            <a:extLst>
+              <a:ext uri="{28A0092B-C50C-407E-A947-70E740481C1C}">
+                <a14:useLocalDpi xmlns:a14="http://schemas.microsoft.com/office/drawing/2010/main" val="0"/>
+              </a:ext>
+              <a:ext uri="{96DAC541-7B7A-43D3-8B79-37D633B846F1}">
+                <asvg:svgBlip xmlns:asvg="http://schemas.microsoft.com/office/drawing/2016/SVG/main" r:embed="rId76"/>
+              </a:ext>
+            </a:extLst>
+          </a:blip>
+          <a:stretch>
+            <a:fillRect/>
+          </a:stretch>
+        </p:blipFill>
+        <p:spPr>
+          <a:xfrm>
+            <a:off x="3987795" y="4429758"/>
+            <a:ext cx="629919" cy="629919"/>
+          </a:xfrm>
+          <a:prstGeom prst="rect">
+            <a:avLst/>
+          </a:prstGeom>
+        </p:spPr>
+      </p:pic>
+      <p:pic>
+        <p:nvPicPr>
+          <p:cNvPr id="36" name="Espace réservé du contenu 7" descr="Profil masculin">
+            <a:extLst>
+              <a:ext uri="{FF2B5EF4-FFF2-40B4-BE49-F238E27FC236}">
+                <a16:creationId xmlns:a16="http://schemas.microsoft.com/office/drawing/2014/main" id="{0CFA2D87-5F11-DB35-D508-D39675A94979}"/>
+              </a:ext>
+            </a:extLst>
+          </p:cNvPr>
+          <p:cNvPicPr>
+            <a:picLocks noChangeAspect="1"/>
+          </p:cNvPicPr>
+          <p:nvPr>
+            <p:custDataLst>
+              <p:tags r:id="rId34"/>
+            </p:custDataLst>
+          </p:nvPr>
+        </p:nvPicPr>
+        <p:blipFill>
+          <a:blip r:embed="rId75">
+            <a:extLst>
+              <a:ext uri="{28A0092B-C50C-407E-A947-70E740481C1C}">
+                <a14:useLocalDpi xmlns:a14="http://schemas.microsoft.com/office/drawing/2010/main" val="0"/>
+              </a:ext>
+              <a:ext uri="{96DAC541-7B7A-43D3-8B79-37D633B846F1}">
+                <asvg:svgBlip xmlns:asvg="http://schemas.microsoft.com/office/drawing/2016/SVG/main" r:embed="rId76"/>
+              </a:ext>
+            </a:extLst>
+          </a:blip>
+          <a:stretch>
+            <a:fillRect/>
+          </a:stretch>
+        </p:blipFill>
+        <p:spPr>
+          <a:xfrm>
+            <a:off x="4617714" y="4429758"/>
+            <a:ext cx="629919" cy="629919"/>
+          </a:xfrm>
+          <a:prstGeom prst="rect">
+            <a:avLst/>
+          </a:prstGeom>
+        </p:spPr>
+      </p:pic>
+      <p:pic>
+        <p:nvPicPr>
+          <p:cNvPr id="37" name="Espace réservé du contenu 7" descr="Profil masculin">
+            <a:extLst>
+              <a:ext uri="{FF2B5EF4-FFF2-40B4-BE49-F238E27FC236}">
+                <a16:creationId xmlns:a16="http://schemas.microsoft.com/office/drawing/2014/main" id="{9478AC9E-C89E-94FA-12AD-137ED662BD05}"/>
+              </a:ext>
+            </a:extLst>
+          </p:cNvPr>
+          <p:cNvPicPr>
+            <a:picLocks noChangeAspect="1"/>
+          </p:cNvPicPr>
+          <p:nvPr>
+            <p:custDataLst>
+              <p:tags r:id="rId35"/>
+            </p:custDataLst>
+          </p:nvPr>
+        </p:nvPicPr>
+        <p:blipFill>
+          <a:blip r:embed="rId75">
+            <a:extLst>
+              <a:ext uri="{28A0092B-C50C-407E-A947-70E740481C1C}">
+                <a14:useLocalDpi xmlns:a14="http://schemas.microsoft.com/office/drawing/2010/main" val="0"/>
+              </a:ext>
+              <a:ext uri="{96DAC541-7B7A-43D3-8B79-37D633B846F1}">
+                <asvg:svgBlip xmlns:asvg="http://schemas.microsoft.com/office/drawing/2016/SVG/main" r:embed="rId76"/>
+              </a:ext>
+            </a:extLst>
+          </a:blip>
+          <a:stretch>
+            <a:fillRect/>
+          </a:stretch>
+        </p:blipFill>
+        <p:spPr>
+          <a:xfrm>
+            <a:off x="5247633" y="4429758"/>
+            <a:ext cx="629919" cy="629919"/>
+          </a:xfrm>
+          <a:prstGeom prst="rect">
+            <a:avLst/>
+          </a:prstGeom>
+        </p:spPr>
+      </p:pic>
+      <mc:AlternateContent xmlns:mc="http://schemas.openxmlformats.org/markup-compatibility/2006" xmlns:a14="http://schemas.microsoft.com/office/drawing/2010/main">
+        <mc:Choice Requires="a14">
+          <p:sp>
+            <p:nvSpPr>
+              <p:cNvPr id="38" name="Espace réservé du contenu 3">
+                <a:extLst>
+                  <a:ext uri="{FF2B5EF4-FFF2-40B4-BE49-F238E27FC236}">
+                    <a16:creationId xmlns:a16="http://schemas.microsoft.com/office/drawing/2014/main" id="{3766B067-0676-6D56-2B49-F5411430C570}"/>
+                  </a:ext>
+                </a:extLst>
+              </p:cNvPr>
+              <p:cNvSpPr txBox="1">
+                <a:spLocks/>
+              </p:cNvSpPr>
+              <p:nvPr>
+                <p:custDataLst>
+                  <p:tags r:id="rId36"/>
+                </p:custDataLst>
+              </p:nvPr>
+            </p:nvSpPr>
+            <p:spPr>
+              <a:xfrm>
+                <a:off x="6314450" y="5079998"/>
+                <a:ext cx="5181600" cy="1096963"/>
+              </a:xfrm>
+              <a:prstGeom prst="rect">
+                <a:avLst/>
+              </a:prstGeom>
+            </p:spPr>
+            <p:txBody>
+              <a:bodyPr vert="horz" lIns="91440" tIns="45720" rIns="91440" bIns="45720" rtlCol="0">
+                <a:normAutofit/>
+              </a:bodyPr>
+              <a:lstStyle>
+                <a:lvl1pPr marL="228600" indent="-228600" algn="l" defTabSz="914400" rtl="0" eaLnBrk="1" latinLnBrk="0" hangingPunct="1">
+                  <a:lnSpc>
+                    <a:spcPct val="90000"/>
+                  </a:lnSpc>
+                  <a:spcBef>
+                    <a:spcPts val="1000"/>
+                  </a:spcBef>
+                  <a:buFont typeface="Arial" panose="020B0604020202020204" pitchFamily="34" charset="0"/>
+                  <a:buChar char="•"/>
+                  <a:defRPr sz="2800" kern="1200">
+                    <a:solidFill>
+                      <a:schemeClr val="tx1"/>
+                    </a:solidFill>
+                    <a:latin typeface="+mn-lt"/>
+                    <a:ea typeface="+mn-ea"/>
+                    <a:cs typeface="+mn-cs"/>
+                  </a:defRPr>
+                </a:lvl1pPr>
+                <a:lvl2pPr marL="685800" indent="-228600" algn="l" defTabSz="914400" rtl="0" eaLnBrk="1" latinLnBrk="0" hangingPunct="1">
+                  <a:lnSpc>
+                    <a:spcPct val="90000"/>
+                  </a:lnSpc>
+                  <a:spcBef>
+                    <a:spcPts val="500"/>
+                  </a:spcBef>
+                  <a:buFont typeface="Arial" panose="020B0604020202020204" pitchFamily="34" charset="0"/>
+                  <a:buChar char="•"/>
+                  <a:defRPr sz="2400" kern="1200">
+                    <a:solidFill>
+                      <a:schemeClr val="tx1"/>
+                    </a:solidFill>
+                    <a:latin typeface="+mn-lt"/>
+                    <a:ea typeface="+mn-ea"/>
+                    <a:cs typeface="+mn-cs"/>
+                  </a:defRPr>
+                </a:lvl2pPr>
+                <a:lvl3pPr marL="1143000" indent="-228600" algn="l" defTabSz="914400" rtl="0" eaLnBrk="1" latinLnBrk="0" hangingPunct="1">
+                  <a:lnSpc>
+                    <a:spcPct val="90000"/>
+                  </a:lnSpc>
+                  <a:spcBef>
+                    <a:spcPts val="500"/>
+                  </a:spcBef>
+                  <a:buFont typeface="Arial" panose="020B0604020202020204" pitchFamily="34" charset="0"/>
+                  <a:buChar char="•"/>
+                  <a:defRPr sz="2000" kern="1200">
+                    <a:solidFill>
+                      <a:schemeClr val="tx1"/>
+                    </a:solidFill>
+                    <a:latin typeface="+mn-lt"/>
+                    <a:ea typeface="+mn-ea"/>
+                    <a:cs typeface="+mn-cs"/>
+                  </a:defRPr>
+                </a:lvl3pPr>
+                <a:lvl4pPr marL="1600200" indent="-228600" algn="l" defTabSz="914400" rtl="0" eaLnBrk="1" latinLnBrk="0" hangingPunct="1">
+                  <a:lnSpc>
+                    <a:spcPct val="90000"/>
+                  </a:lnSpc>
+                  <a:spcBef>
+                    <a:spcPts val="500"/>
+                  </a:spcBef>
+                  <a:buFont typeface="Arial" panose="020B0604020202020204" pitchFamily="34" charset="0"/>
+                  <a:buChar char="•"/>
+                  <a:defRPr sz="1800" kern="1200">
+                    <a:solidFill>
+                      <a:schemeClr val="tx1"/>
+                    </a:solidFill>
+                    <a:latin typeface="+mn-lt"/>
+                    <a:ea typeface="+mn-ea"/>
+                    <a:cs typeface="+mn-cs"/>
+                  </a:defRPr>
+                </a:lvl4pPr>
+                <a:lvl5pPr marL="2057400" indent="-228600" algn="l" defTabSz="914400" rtl="0" eaLnBrk="1" latinLnBrk="0" hangingPunct="1">
+                  <a:lnSpc>
+                    <a:spcPct val="90000"/>
+                  </a:lnSpc>
+                  <a:spcBef>
+                    <a:spcPts val="500"/>
+                  </a:spcBef>
+                  <a:buFont typeface="Arial" panose="020B0604020202020204" pitchFamily="34" charset="0"/>
+                  <a:buChar char="•"/>
+                  <a:defRPr sz="1800" kern="1200">
+                    <a:solidFill>
+                      <a:schemeClr val="tx1"/>
+                    </a:solidFill>
+                    <a:latin typeface="+mn-lt"/>
+                    <a:ea typeface="+mn-ea"/>
+                    <a:cs typeface="+mn-cs"/>
+                  </a:defRPr>
+                </a:lvl5pPr>
+                <a:lvl6pPr marL="2514600" indent="-228600" algn="l" defTabSz="914400" rtl="0" eaLnBrk="1" latinLnBrk="0" hangingPunct="1">
+                  <a:lnSpc>
+                    <a:spcPct val="90000"/>
+                  </a:lnSpc>
+                  <a:spcBef>
+                    <a:spcPts val="500"/>
+                  </a:spcBef>
+                  <a:buFont typeface="Arial" panose="020B0604020202020204" pitchFamily="34" charset="0"/>
+                  <a:buChar char="•"/>
+                  <a:defRPr sz="1800" kern="1200">
+                    <a:solidFill>
+                      <a:schemeClr val="tx1"/>
+                    </a:solidFill>
+                    <a:latin typeface="+mn-lt"/>
+                    <a:ea typeface="+mn-ea"/>
+                    <a:cs typeface="+mn-cs"/>
+                  </a:defRPr>
+                </a:lvl6pPr>
+                <a:lvl7pPr marL="2971800" indent="-228600" algn="l" defTabSz="914400" rtl="0" eaLnBrk="1" latinLnBrk="0" hangingPunct="1">
+                  <a:lnSpc>
+                    <a:spcPct val="90000"/>
+                  </a:lnSpc>
+                  <a:spcBef>
+                    <a:spcPts val="500"/>
+                  </a:spcBef>
+                  <a:buFont typeface="Arial" panose="020B0604020202020204" pitchFamily="34" charset="0"/>
+                  <a:buChar char="•"/>
+                  <a:defRPr sz="1800" kern="1200">
+                    <a:solidFill>
+                      <a:schemeClr val="tx1"/>
+                    </a:solidFill>
+                    <a:latin typeface="+mn-lt"/>
+                    <a:ea typeface="+mn-ea"/>
+                    <a:cs typeface="+mn-cs"/>
+                  </a:defRPr>
+                </a:lvl7pPr>
+                <a:lvl8pPr marL="3429000" indent="-228600" algn="l" defTabSz="914400" rtl="0" eaLnBrk="1" latinLnBrk="0" hangingPunct="1">
+                  <a:lnSpc>
+                    <a:spcPct val="90000"/>
+                  </a:lnSpc>
+                  <a:spcBef>
+                    <a:spcPts val="500"/>
+                  </a:spcBef>
+                  <a:buFont typeface="Arial" panose="020B0604020202020204" pitchFamily="34" charset="0"/>
+                  <a:buChar char="•"/>
+                  <a:defRPr sz="1800" kern="1200">
+                    <a:solidFill>
+                      <a:schemeClr val="tx1"/>
+                    </a:solidFill>
+                    <a:latin typeface="+mn-lt"/>
+                    <a:ea typeface="+mn-ea"/>
+                    <a:cs typeface="+mn-cs"/>
+                  </a:defRPr>
+                </a:lvl8pPr>
+                <a:lvl9pPr marL="3886200" indent="-228600" algn="l" defTabSz="914400" rtl="0" eaLnBrk="1" latinLnBrk="0" hangingPunct="1">
+                  <a:lnSpc>
+                    <a:spcPct val="90000"/>
+                  </a:lnSpc>
+                  <a:spcBef>
+                    <a:spcPts val="500"/>
+                  </a:spcBef>
+                  <a:buFont typeface="Arial" panose="020B0604020202020204" pitchFamily="34" charset="0"/>
+                  <a:buChar char="•"/>
+                  <a:defRPr sz="1800" kern="1200">
+                    <a:solidFill>
+                      <a:schemeClr val="tx1"/>
+                    </a:solidFill>
+                    <a:latin typeface="+mn-lt"/>
+                    <a:ea typeface="+mn-ea"/>
+                    <a:cs typeface="+mn-cs"/>
+                  </a:defRPr>
+                </a:lvl9pPr>
+              </a:lstStyle>
+              <a:p>
+                <a:pPr marL="0" indent="0" algn="ctr">
+                  <a:buFont typeface="Arial" panose="020B0604020202020204" pitchFamily="34" charset="0"/>
+                  <a:buNone/>
+                </a:pPr>
+                <a:r>
+                  <a:rPr lang="fr-FR"/>
+                  <a:t>Résultat moyen des bénéficiaires</a:t>
+                </a:r>
+              </a:p>
+              <a:p>
+                <a:pPr marL="0" indent="0" algn="ctr">
+                  <a:buFont typeface="Arial" panose="020B0604020202020204" pitchFamily="34" charset="0"/>
+                  <a:buNone/>
+                </a:pPr>
+                <a14:m>
+                  <m:oMathPara xmlns:m="http://schemas.openxmlformats.org/officeDocument/2006/math">
+                    <m:oMathParaPr>
+                      <m:jc m:val="centerGroup"/>
+                    </m:oMathParaPr>
+                    <m:oMath xmlns:m="http://schemas.openxmlformats.org/officeDocument/2006/math">
+                      <m:r>
+                        <a:rPr lang="fr-FR" i="1" smtClean="0">
+                          <a:latin typeface="Cambria Math" panose="02040503050406030204" pitchFamily="18" charset="0"/>
+                        </a:rPr>
+                        <m:t>𝐸</m:t>
+                      </m:r>
+                      <m:d>
+                        <m:dPr>
+                          <m:endChr m:val="|"/>
+                          <m:ctrlPr>
+                            <a:rPr lang="fr-FR" i="1" smtClean="0">
+                              <a:latin typeface="Cambria Math" panose="02040503050406030204" pitchFamily="18" charset="0"/>
+                            </a:rPr>
+                          </m:ctrlPr>
+                        </m:dPr>
+                        <m:e>
+                          <m:sSub>
+                            <m:sSubPr>
+                              <m:ctrlPr>
+                                <a:rPr lang="fr-FR" i="1" smtClean="0">
+                                  <a:latin typeface="Cambria Math" panose="02040503050406030204" pitchFamily="18" charset="0"/>
+                                </a:rPr>
+                              </m:ctrlPr>
+                            </m:sSubPr>
+                            <m:e>
+                              <m:r>
+                                <a:rPr lang="fr-FR" i="1" smtClean="0">
+                                  <a:latin typeface="Cambria Math" panose="02040503050406030204" pitchFamily="18" charset="0"/>
+                                </a:rPr>
+                                <m:t>𝑌</m:t>
+                              </m:r>
+                            </m:e>
+                            <m:sub>
+                              <m:r>
+                                <a:rPr lang="fr-FR" i="1" smtClean="0">
+                                  <a:latin typeface="Cambria Math" panose="02040503050406030204" pitchFamily="18" charset="0"/>
+                                </a:rPr>
+                                <m:t>𝑖</m:t>
+                              </m:r>
+                            </m:sub>
+                          </m:sSub>
+                          <m:r>
+                            <a:rPr lang="fr-FR" i="1" smtClean="0">
+                              <a:latin typeface="Cambria Math" panose="02040503050406030204" pitchFamily="18" charset="0"/>
+                            </a:rPr>
+                            <m:t> </m:t>
+                          </m:r>
+                        </m:e>
+                      </m:d>
+                      <m:r>
+                        <a:rPr lang="fr-FR" i="1" smtClean="0">
+                          <a:latin typeface="Cambria Math" panose="02040503050406030204" pitchFamily="18" charset="0"/>
+                        </a:rPr>
+                        <m:t> </m:t>
+                      </m:r>
+                      <m:sSub>
+                        <m:sSubPr>
+                          <m:ctrlPr>
+                            <a:rPr lang="fr-FR" i="1" smtClean="0">
+                              <a:latin typeface="Cambria Math" panose="02040503050406030204" pitchFamily="18" charset="0"/>
+                            </a:rPr>
+                          </m:ctrlPr>
+                        </m:sSubPr>
+                        <m:e>
+                          <m:r>
+                            <a:rPr lang="fr-FR" i="1" smtClean="0">
+                              <a:latin typeface="Cambria Math" panose="02040503050406030204" pitchFamily="18" charset="0"/>
+                            </a:rPr>
+                            <m:t>𝑇</m:t>
+                          </m:r>
+                        </m:e>
+                        <m:sub>
+                          <m:r>
+                            <a:rPr lang="fr-FR" i="1" smtClean="0">
+                              <a:latin typeface="Cambria Math" panose="02040503050406030204" pitchFamily="18" charset="0"/>
+                            </a:rPr>
+                            <m:t>𝑖</m:t>
+                          </m:r>
+                        </m:sub>
+                      </m:sSub>
+                      <m:r>
+                        <a:rPr lang="fr-FR" i="1" smtClean="0">
+                          <a:latin typeface="Cambria Math" panose="02040503050406030204" pitchFamily="18" charset="0"/>
+                        </a:rPr>
+                        <m:t>=</m:t>
+                      </m:r>
+                      <m:r>
+                        <a:rPr lang="fr-FR" b="0" i="1" smtClean="0">
+                          <a:latin typeface="Cambria Math" panose="02040503050406030204" pitchFamily="18" charset="0"/>
+                        </a:rPr>
+                        <m:t>0</m:t>
+                      </m:r>
+                      <m:r>
+                        <a:rPr lang="fr-FR" i="1" smtClean="0">
+                          <a:latin typeface="Cambria Math" panose="02040503050406030204" pitchFamily="18" charset="0"/>
+                        </a:rPr>
+                        <m:t>)=</m:t>
+                      </m:r>
+                      <m:r>
+                        <a:rPr lang="fr-FR" i="1" smtClean="0">
+                          <a:solidFill>
+                            <a:srgbClr val="FF0000"/>
+                          </a:solidFill>
+                          <a:latin typeface="Cambria Math" panose="02040503050406030204" pitchFamily="18" charset="0"/>
+                        </a:rPr>
+                        <m:t>𝐸</m:t>
+                      </m:r>
+                      <m:d>
+                        <m:dPr>
+                          <m:endChr m:val="|"/>
+                          <m:ctrlPr>
+                            <a:rPr lang="fr-FR" i="1" smtClean="0">
+                              <a:solidFill>
+                                <a:srgbClr val="FF0000"/>
+                              </a:solidFill>
+                              <a:latin typeface="Cambria Math" panose="02040503050406030204" pitchFamily="18" charset="0"/>
+                            </a:rPr>
+                          </m:ctrlPr>
+                        </m:dPr>
+                        <m:e>
+                          <m:sSub>
+                            <m:sSubPr>
+                              <m:ctrlPr>
+                                <a:rPr lang="fr-FR" i="1" smtClean="0">
+                                  <a:solidFill>
+                                    <a:srgbClr val="FF0000"/>
+                                  </a:solidFill>
+                                  <a:latin typeface="Cambria Math" panose="02040503050406030204" pitchFamily="18" charset="0"/>
+                                </a:rPr>
+                              </m:ctrlPr>
+                            </m:sSubPr>
+                            <m:e>
+                              <m:r>
+                                <a:rPr lang="fr-FR" i="1" smtClean="0">
+                                  <a:solidFill>
+                                    <a:srgbClr val="FF0000"/>
+                                  </a:solidFill>
+                                  <a:latin typeface="Cambria Math" panose="02040503050406030204" pitchFamily="18" charset="0"/>
+                                </a:rPr>
+                                <m:t>𝑌</m:t>
+                              </m:r>
+                              <m:r>
+                                <a:rPr lang="fr-FR" b="0" i="1" smtClean="0">
+                                  <a:solidFill>
+                                    <a:srgbClr val="FF0000"/>
+                                  </a:solidFill>
+                                  <a:latin typeface="Cambria Math" panose="02040503050406030204" pitchFamily="18" charset="0"/>
+                                </a:rPr>
+                                <m:t>0</m:t>
+                              </m:r>
+                            </m:e>
+                            <m:sub>
+                              <m:r>
+                                <a:rPr lang="fr-FR" i="1" smtClean="0">
+                                  <a:solidFill>
+                                    <a:srgbClr val="FF0000"/>
+                                  </a:solidFill>
+                                  <a:latin typeface="Cambria Math" panose="02040503050406030204" pitchFamily="18" charset="0"/>
+                                </a:rPr>
+                                <m:t>𝑖</m:t>
+                              </m:r>
+                              <m:r>
+                                <a:rPr lang="fr-FR" i="1" smtClean="0">
+                                  <a:solidFill>
+                                    <a:srgbClr val="FF0000"/>
+                                  </a:solidFill>
+                                  <a:latin typeface="Cambria Math" panose="02040503050406030204" pitchFamily="18" charset="0"/>
+                                </a:rPr>
+                                <m:t> </m:t>
+                              </m:r>
+                            </m:sub>
+                          </m:sSub>
+                        </m:e>
+                      </m:d>
+                      <m:r>
+                        <a:rPr lang="fr-FR" i="1" smtClean="0">
+                          <a:solidFill>
+                            <a:srgbClr val="FF0000"/>
+                          </a:solidFill>
+                          <a:latin typeface="Cambria Math" panose="02040503050406030204" pitchFamily="18" charset="0"/>
+                        </a:rPr>
+                        <m:t> </m:t>
+                      </m:r>
+                      <m:sSub>
+                        <m:sSubPr>
+                          <m:ctrlPr>
+                            <a:rPr lang="fr-FR" i="1" smtClean="0">
+                              <a:solidFill>
+                                <a:srgbClr val="FF0000"/>
+                              </a:solidFill>
+                              <a:latin typeface="Cambria Math" panose="02040503050406030204" pitchFamily="18" charset="0"/>
+                            </a:rPr>
+                          </m:ctrlPr>
+                        </m:sSubPr>
+                        <m:e>
+                          <m:r>
+                            <a:rPr lang="fr-FR" i="1" smtClean="0">
+                              <a:solidFill>
+                                <a:srgbClr val="FF0000"/>
+                              </a:solidFill>
+                              <a:latin typeface="Cambria Math" panose="02040503050406030204" pitchFamily="18" charset="0"/>
+                            </a:rPr>
+                            <m:t>𝑇</m:t>
+                          </m:r>
+                        </m:e>
+                        <m:sub>
+                          <m:r>
+                            <a:rPr lang="fr-FR" i="1" smtClean="0">
+                              <a:solidFill>
+                                <a:srgbClr val="FF0000"/>
+                              </a:solidFill>
+                              <a:latin typeface="Cambria Math" panose="02040503050406030204" pitchFamily="18" charset="0"/>
+                            </a:rPr>
+                            <m:t>𝑖</m:t>
+                          </m:r>
+                        </m:sub>
+                      </m:sSub>
+                      <m:r>
+                        <a:rPr lang="fr-FR" i="1" smtClean="0">
+                          <a:solidFill>
+                            <a:srgbClr val="FF0000"/>
+                          </a:solidFill>
+                          <a:latin typeface="Cambria Math" panose="02040503050406030204" pitchFamily="18" charset="0"/>
+                        </a:rPr>
+                        <m:t>=</m:t>
+                      </m:r>
+                      <m:r>
+                        <a:rPr lang="fr-FR" b="0" i="1" smtClean="0">
+                          <a:solidFill>
+                            <a:srgbClr val="FF0000"/>
+                          </a:solidFill>
+                          <a:latin typeface="Cambria Math" panose="02040503050406030204" pitchFamily="18" charset="0"/>
+                        </a:rPr>
+                        <m:t>0</m:t>
+                      </m:r>
+                      <m:r>
+                        <a:rPr lang="fr-FR" i="1" smtClean="0">
+                          <a:solidFill>
+                            <a:srgbClr val="FF0000"/>
+                          </a:solidFill>
+                          <a:latin typeface="Cambria Math" panose="02040503050406030204" pitchFamily="18" charset="0"/>
+                        </a:rPr>
+                        <m:t>)</m:t>
+                      </m:r>
+                    </m:oMath>
+                  </m:oMathPara>
+                </a14:m>
+                <a:endParaRPr lang="fr-FR"/>
+              </a:p>
+            </p:txBody>
+          </p:sp>
+        </mc:Choice>
+        <mc:Fallback xmlns="">
+          <p:sp>
+            <p:nvSpPr>
+              <p:cNvPr id="38" name="Espace réservé du contenu 3">
+                <a:extLst>
+                  <a:ext uri="{FF2B5EF4-FFF2-40B4-BE49-F238E27FC236}">
+                    <a16:creationId xmlns:a16="http://schemas.microsoft.com/office/drawing/2014/main" id="{3766B067-0676-6D56-2B49-F5411430C570}"/>
+                  </a:ext>
+                </a:extLst>
+              </p:cNvPr>
+              <p:cNvSpPr txBox="1">
+                <a:spLocks noRot="1" noChangeAspect="1" noMove="1" noResize="1" noEditPoints="1" noAdjustHandles="1" noChangeArrowheads="1" noChangeShapeType="1" noTextEdit="1"/>
+              </p:cNvSpPr>
+              <p:nvPr>
+                <p:custDataLst>
+                  <p:tags r:id="rId77"/>
+                </p:custDataLst>
+              </p:nvPr>
+            </p:nvSpPr>
+            <p:spPr>
+              <a:xfrm>
+                <a:off x="6314450" y="5079998"/>
+                <a:ext cx="5181600" cy="1096963"/>
+              </a:xfrm>
+              <a:prstGeom prst="rect">
+                <a:avLst/>
+              </a:prstGeom>
+              <a:blipFill>
+                <a:blip r:embed="rId78"/>
+                <a:stretch>
+                  <a:fillRect l="-588" t="-8889"/>
+                </a:stretch>
+              </a:blipFill>
+            </p:spPr>
+            <p:txBody>
+              <a:bodyPr/>
+              <a:lstStyle/>
+              <a:p>
+                <a:r>
+                  <a:rPr lang="fr-FR">
+                    <a:noFill/>
+                  </a:rPr>
+                  <a:t> </a:t>
+                </a:r>
+              </a:p>
+            </p:txBody>
+          </p:sp>
+        </mc:Fallback>
+      </mc:AlternateContent>
+      <mc:AlternateContent xmlns:mc="http://schemas.openxmlformats.org/markup-compatibility/2006" xmlns:a14="http://schemas.microsoft.com/office/drawing/2010/main">
+        <mc:Choice Requires="a14">
+          <p:sp>
+            <p:nvSpPr>
+              <p:cNvPr id="39" name="Espace réservé du contenu 4">
+                <a:extLst>
+                  <a:ext uri="{FF2B5EF4-FFF2-40B4-BE49-F238E27FC236}">
+                    <a16:creationId xmlns:a16="http://schemas.microsoft.com/office/drawing/2014/main" id="{60CA6606-E2FD-17B6-0DE1-1B2FDDE265F7}"/>
+                  </a:ext>
+                </a:extLst>
+              </p:cNvPr>
+              <p:cNvSpPr txBox="1">
+                <a:spLocks/>
+              </p:cNvSpPr>
+              <p:nvPr>
+                <p:custDataLst>
+                  <p:tags r:id="rId37"/>
+                </p:custDataLst>
+              </p:nvPr>
+            </p:nvSpPr>
+            <p:spPr>
+              <a:xfrm>
+                <a:off x="6314450" y="1690688"/>
+                <a:ext cx="5181600" cy="849312"/>
+              </a:xfrm>
+              <a:prstGeom prst="rect">
+                <a:avLst/>
+              </a:prstGeom>
+            </p:spPr>
+            <p:txBody>
+              <a:bodyPr vert="horz" lIns="91440" tIns="45720" rIns="91440" bIns="45720" rtlCol="0">
+                <a:normAutofit lnSpcReduction="10000"/>
+              </a:bodyPr>
+              <a:lstStyle>
+                <a:lvl1pPr marL="228600" indent="-228600" algn="l" defTabSz="914400" rtl="0" eaLnBrk="1" latinLnBrk="0" hangingPunct="1">
+                  <a:lnSpc>
+                    <a:spcPct val="90000"/>
+                  </a:lnSpc>
+                  <a:spcBef>
+                    <a:spcPts val="1000"/>
+                  </a:spcBef>
+                  <a:buFont typeface="Arial" panose="020B0604020202020204" pitchFamily="34" charset="0"/>
+                  <a:buChar char="•"/>
+                  <a:defRPr sz="2800" kern="1200">
+                    <a:solidFill>
+                      <a:schemeClr val="tx1"/>
+                    </a:solidFill>
+                    <a:latin typeface="+mn-lt"/>
+                    <a:ea typeface="+mn-ea"/>
+                    <a:cs typeface="+mn-cs"/>
+                  </a:defRPr>
+                </a:lvl1pPr>
+                <a:lvl2pPr marL="685800" indent="-228600" algn="l" defTabSz="914400" rtl="0" eaLnBrk="1" latinLnBrk="0" hangingPunct="1">
+                  <a:lnSpc>
+                    <a:spcPct val="90000"/>
+                  </a:lnSpc>
+                  <a:spcBef>
+                    <a:spcPts val="500"/>
+                  </a:spcBef>
+                  <a:buFont typeface="Arial" panose="020B0604020202020204" pitchFamily="34" charset="0"/>
+                  <a:buChar char="•"/>
+                  <a:defRPr sz="2400" kern="1200">
+                    <a:solidFill>
+                      <a:schemeClr val="tx1"/>
+                    </a:solidFill>
+                    <a:latin typeface="+mn-lt"/>
+                    <a:ea typeface="+mn-ea"/>
+                    <a:cs typeface="+mn-cs"/>
+                  </a:defRPr>
+                </a:lvl2pPr>
+                <a:lvl3pPr marL="1143000" indent="-228600" algn="l" defTabSz="914400" rtl="0" eaLnBrk="1" latinLnBrk="0" hangingPunct="1">
+                  <a:lnSpc>
+                    <a:spcPct val="90000"/>
+                  </a:lnSpc>
+                  <a:spcBef>
+                    <a:spcPts val="500"/>
+                  </a:spcBef>
+                  <a:buFont typeface="Arial" panose="020B0604020202020204" pitchFamily="34" charset="0"/>
+                  <a:buChar char="•"/>
+                  <a:defRPr sz="2000" kern="1200">
+                    <a:solidFill>
+                      <a:schemeClr val="tx1"/>
+                    </a:solidFill>
+                    <a:latin typeface="+mn-lt"/>
+                    <a:ea typeface="+mn-ea"/>
+                    <a:cs typeface="+mn-cs"/>
+                  </a:defRPr>
+                </a:lvl3pPr>
+                <a:lvl4pPr marL="1600200" indent="-228600" algn="l" defTabSz="914400" rtl="0" eaLnBrk="1" latinLnBrk="0" hangingPunct="1">
+                  <a:lnSpc>
+                    <a:spcPct val="90000"/>
+                  </a:lnSpc>
+                  <a:spcBef>
+                    <a:spcPts val="500"/>
+                  </a:spcBef>
+                  <a:buFont typeface="Arial" panose="020B0604020202020204" pitchFamily="34" charset="0"/>
+                  <a:buChar char="•"/>
+                  <a:defRPr sz="1800" kern="1200">
+                    <a:solidFill>
+                      <a:schemeClr val="tx1"/>
+                    </a:solidFill>
+                    <a:latin typeface="+mn-lt"/>
+                    <a:ea typeface="+mn-ea"/>
+                    <a:cs typeface="+mn-cs"/>
+                  </a:defRPr>
+                </a:lvl4pPr>
+                <a:lvl5pPr marL="2057400" indent="-228600" algn="l" defTabSz="914400" rtl="0" eaLnBrk="1" latinLnBrk="0" hangingPunct="1">
+                  <a:lnSpc>
+                    <a:spcPct val="90000"/>
+                  </a:lnSpc>
+                  <a:spcBef>
+                    <a:spcPts val="500"/>
+                  </a:spcBef>
+                  <a:buFont typeface="Arial" panose="020B0604020202020204" pitchFamily="34" charset="0"/>
+                  <a:buChar char="•"/>
+                  <a:defRPr sz="1800" kern="1200">
+                    <a:solidFill>
+                      <a:schemeClr val="tx1"/>
+                    </a:solidFill>
+                    <a:latin typeface="+mn-lt"/>
+                    <a:ea typeface="+mn-ea"/>
+                    <a:cs typeface="+mn-cs"/>
+                  </a:defRPr>
+                </a:lvl5pPr>
+                <a:lvl6pPr marL="2514600" indent="-228600" algn="l" defTabSz="914400" rtl="0" eaLnBrk="1" latinLnBrk="0" hangingPunct="1">
+                  <a:lnSpc>
+                    <a:spcPct val="90000"/>
+                  </a:lnSpc>
+                  <a:spcBef>
+                    <a:spcPts val="500"/>
+                  </a:spcBef>
+                  <a:buFont typeface="Arial" panose="020B0604020202020204" pitchFamily="34" charset="0"/>
+                  <a:buChar char="•"/>
+                  <a:defRPr sz="1800" kern="1200">
+                    <a:solidFill>
+                      <a:schemeClr val="tx1"/>
+                    </a:solidFill>
+                    <a:latin typeface="+mn-lt"/>
+                    <a:ea typeface="+mn-ea"/>
+                    <a:cs typeface="+mn-cs"/>
+                  </a:defRPr>
+                </a:lvl6pPr>
+                <a:lvl7pPr marL="2971800" indent="-228600" algn="l" defTabSz="914400" rtl="0" eaLnBrk="1" latinLnBrk="0" hangingPunct="1">
+                  <a:lnSpc>
+                    <a:spcPct val="90000"/>
+                  </a:lnSpc>
+                  <a:spcBef>
+                    <a:spcPts val="500"/>
+                  </a:spcBef>
+                  <a:buFont typeface="Arial" panose="020B0604020202020204" pitchFamily="34" charset="0"/>
+                  <a:buChar char="•"/>
+                  <a:defRPr sz="1800" kern="1200">
+                    <a:solidFill>
+                      <a:schemeClr val="tx1"/>
+                    </a:solidFill>
+                    <a:latin typeface="+mn-lt"/>
+                    <a:ea typeface="+mn-ea"/>
+                    <a:cs typeface="+mn-cs"/>
+                  </a:defRPr>
+                </a:lvl7pPr>
+                <a:lvl8pPr marL="3429000" indent="-228600" algn="l" defTabSz="914400" rtl="0" eaLnBrk="1" latinLnBrk="0" hangingPunct="1">
+                  <a:lnSpc>
+                    <a:spcPct val="90000"/>
+                  </a:lnSpc>
+                  <a:spcBef>
+                    <a:spcPts val="500"/>
+                  </a:spcBef>
+                  <a:buFont typeface="Arial" panose="020B0604020202020204" pitchFamily="34" charset="0"/>
+                  <a:buChar char="•"/>
+                  <a:defRPr sz="1800" kern="1200">
+                    <a:solidFill>
+                      <a:schemeClr val="tx1"/>
+                    </a:solidFill>
+                    <a:latin typeface="+mn-lt"/>
+                    <a:ea typeface="+mn-ea"/>
+                    <a:cs typeface="+mn-cs"/>
+                  </a:defRPr>
+                </a:lvl8pPr>
+                <a:lvl9pPr marL="3886200" indent="-228600" algn="l" defTabSz="914400" rtl="0" eaLnBrk="1" latinLnBrk="0" hangingPunct="1">
+                  <a:lnSpc>
+                    <a:spcPct val="90000"/>
+                  </a:lnSpc>
+                  <a:spcBef>
+                    <a:spcPts val="500"/>
+                  </a:spcBef>
+                  <a:buFont typeface="Arial" panose="020B0604020202020204" pitchFamily="34" charset="0"/>
+                  <a:buChar char="•"/>
+                  <a:defRPr sz="1800" kern="1200">
+                    <a:solidFill>
+                      <a:schemeClr val="tx1"/>
+                    </a:solidFill>
+                    <a:latin typeface="+mn-lt"/>
+                    <a:ea typeface="+mn-ea"/>
+                    <a:cs typeface="+mn-cs"/>
+                  </a:defRPr>
+                </a:lvl9pPr>
+              </a:lstStyle>
+              <a:p>
+                <a:pPr marL="0" indent="0" algn="ctr">
+                  <a:buFont typeface="Arial" panose="020B0604020202020204" pitchFamily="34" charset="0"/>
+                  <a:buNone/>
+                </a:pPr>
+                <a:r>
+                  <a:rPr lang="fr-FR"/>
+                  <a:t>Non-bénéficiaires</a:t>
+                </a:r>
+              </a:p>
+              <a:p>
+                <a:pPr marL="0" indent="0" algn="ctr">
+                  <a:buFont typeface="Arial" panose="020B0604020202020204" pitchFamily="34" charset="0"/>
+                  <a:buNone/>
+                </a:pPr>
+                <a14:m>
+                  <m:oMathPara xmlns:m="http://schemas.openxmlformats.org/officeDocument/2006/math">
+                    <m:oMathParaPr>
+                      <m:jc m:val="centerGroup"/>
+                    </m:oMathParaPr>
+                    <m:oMath xmlns:m="http://schemas.openxmlformats.org/officeDocument/2006/math">
+                      <m:sSub>
+                        <m:sSubPr>
+                          <m:ctrlPr>
+                            <a:rPr lang="fr-FR" i="1" smtClean="0">
+                              <a:latin typeface="Cambria Math" panose="02040503050406030204" pitchFamily="18" charset="0"/>
+                            </a:rPr>
+                          </m:ctrlPr>
+                        </m:sSubPr>
+                        <m:e>
+                          <m:r>
+                            <a:rPr lang="fr-FR" i="1" smtClean="0">
+                              <a:latin typeface="Cambria Math" panose="02040503050406030204" pitchFamily="18" charset="0"/>
+                            </a:rPr>
+                            <m:t>𝑇</m:t>
+                          </m:r>
+                        </m:e>
+                        <m:sub>
+                          <m:r>
+                            <a:rPr lang="fr-FR" i="1" smtClean="0">
+                              <a:latin typeface="Cambria Math" panose="02040503050406030204" pitchFamily="18" charset="0"/>
+                            </a:rPr>
+                            <m:t>𝑖</m:t>
+                          </m:r>
+                        </m:sub>
+                      </m:sSub>
+                      <m:r>
+                        <a:rPr lang="fr-FR" i="1" smtClean="0">
+                          <a:latin typeface="Cambria Math" panose="02040503050406030204" pitchFamily="18" charset="0"/>
+                        </a:rPr>
+                        <m:t>=</m:t>
+                      </m:r>
+                      <m:r>
+                        <a:rPr lang="fr-FR" b="0" i="1" smtClean="0">
+                          <a:latin typeface="Cambria Math" panose="02040503050406030204" pitchFamily="18" charset="0"/>
+                        </a:rPr>
+                        <m:t>0</m:t>
+                      </m:r>
+                    </m:oMath>
+                  </m:oMathPara>
+                </a14:m>
+                <a:endParaRPr lang="fr-FR"/>
+              </a:p>
+            </p:txBody>
+          </p:sp>
+        </mc:Choice>
+        <mc:Fallback xmlns="">
+          <p:sp>
+            <p:nvSpPr>
+              <p:cNvPr id="39" name="Espace réservé du contenu 4">
+                <a:extLst>
+                  <a:ext uri="{FF2B5EF4-FFF2-40B4-BE49-F238E27FC236}">
+                    <a16:creationId xmlns:a16="http://schemas.microsoft.com/office/drawing/2014/main" id="{60CA6606-E2FD-17B6-0DE1-1B2FDDE265F7}"/>
+                  </a:ext>
+                </a:extLst>
+              </p:cNvPr>
+              <p:cNvSpPr txBox="1">
+                <a:spLocks noRot="1" noChangeAspect="1" noMove="1" noResize="1" noEditPoints="1" noAdjustHandles="1" noChangeArrowheads="1" noChangeShapeType="1" noTextEdit="1"/>
+              </p:cNvSpPr>
+              <p:nvPr>
+                <p:custDataLst>
+                  <p:tags r:id="rId79"/>
+                </p:custDataLst>
+              </p:nvPr>
+            </p:nvSpPr>
+            <p:spPr>
+              <a:xfrm>
+                <a:off x="6314450" y="1690688"/>
+                <a:ext cx="5181600" cy="849312"/>
+              </a:xfrm>
+              <a:prstGeom prst="rect">
+                <a:avLst/>
+              </a:prstGeom>
+              <a:blipFill>
+                <a:blip r:embed="rId80"/>
+                <a:stretch>
+                  <a:fillRect t="-15714"/>
+                </a:stretch>
+              </a:blipFill>
+            </p:spPr>
+            <p:txBody>
+              <a:bodyPr/>
+              <a:lstStyle/>
+              <a:p>
+                <a:r>
+                  <a:rPr lang="fr-FR">
+                    <a:noFill/>
+                  </a:rPr>
+                  <a:t> </a:t>
+                </a:r>
+              </a:p>
+            </p:txBody>
+          </p:sp>
+        </mc:Fallback>
+      </mc:AlternateContent>
+      <p:pic>
+        <p:nvPicPr>
+          <p:cNvPr id="40" name="Espace réservé du contenu 7" descr="Profil masculin">
+            <a:extLst>
+              <a:ext uri="{FF2B5EF4-FFF2-40B4-BE49-F238E27FC236}">
+                <a16:creationId xmlns:a16="http://schemas.microsoft.com/office/drawing/2014/main" id="{6C3F41E6-5DCB-14E1-6486-47A12FD1DB83}"/>
+              </a:ext>
+            </a:extLst>
+          </p:cNvPr>
+          <p:cNvPicPr>
+            <a:picLocks noChangeAspect="1"/>
+          </p:cNvPicPr>
+          <p:nvPr>
+            <p:custDataLst>
+              <p:tags r:id="rId38"/>
+            </p:custDataLst>
+          </p:nvPr>
+        </p:nvPicPr>
+        <p:blipFill>
+          <a:blip r:embed="rId81">
+            <a:extLst>
+              <a:ext uri="{28A0092B-C50C-407E-A947-70E740481C1C}">
+                <a14:useLocalDpi xmlns:a14="http://schemas.microsoft.com/office/drawing/2010/main" val="0"/>
+              </a:ext>
+              <a:ext uri="{96DAC541-7B7A-43D3-8B79-37D633B846F1}">
+                <asvg:svgBlip xmlns:asvg="http://schemas.microsoft.com/office/drawing/2016/SVG/main" r:embed="rId82"/>
+              </a:ext>
+            </a:extLst>
+          </a:blip>
+          <a:stretch>
+            <a:fillRect/>
+          </a:stretch>
+        </p:blipFill>
+        <p:spPr>
+          <a:xfrm>
+            <a:off x="6314450" y="2540000"/>
+            <a:ext cx="629919" cy="629919"/>
+          </a:xfrm>
+          <a:prstGeom prst="rect">
+            <a:avLst/>
+          </a:prstGeom>
+        </p:spPr>
+      </p:pic>
+      <p:pic>
+        <p:nvPicPr>
+          <p:cNvPr id="41" name="Espace réservé du contenu 7" descr="Profil masculin">
+            <a:extLst>
+              <a:ext uri="{FF2B5EF4-FFF2-40B4-BE49-F238E27FC236}">
+                <a16:creationId xmlns:a16="http://schemas.microsoft.com/office/drawing/2014/main" id="{A5ED2E1A-6B1F-24F5-244C-35508E149617}"/>
+              </a:ext>
+            </a:extLst>
+          </p:cNvPr>
+          <p:cNvPicPr>
+            <a:picLocks noChangeAspect="1"/>
+          </p:cNvPicPr>
+          <p:nvPr>
+            <p:custDataLst>
+              <p:tags r:id="rId39"/>
+            </p:custDataLst>
+          </p:nvPr>
+        </p:nvPicPr>
+        <p:blipFill>
+          <a:blip r:embed="rId81">
+            <a:extLst>
+              <a:ext uri="{28A0092B-C50C-407E-A947-70E740481C1C}">
+                <a14:useLocalDpi xmlns:a14="http://schemas.microsoft.com/office/drawing/2010/main" val="0"/>
+              </a:ext>
+              <a:ext uri="{96DAC541-7B7A-43D3-8B79-37D633B846F1}">
+                <asvg:svgBlip xmlns:asvg="http://schemas.microsoft.com/office/drawing/2016/SVG/main" r:embed="rId82"/>
+              </a:ext>
+            </a:extLst>
+          </a:blip>
+          <a:stretch>
+            <a:fillRect/>
+          </a:stretch>
+        </p:blipFill>
+        <p:spPr>
+          <a:xfrm>
+            <a:off x="6944369" y="2540000"/>
+            <a:ext cx="629919" cy="629919"/>
+          </a:xfrm>
+          <a:prstGeom prst="rect">
+            <a:avLst/>
+          </a:prstGeom>
+        </p:spPr>
+      </p:pic>
+      <p:pic>
+        <p:nvPicPr>
+          <p:cNvPr id="42" name="Espace réservé du contenu 7" descr="Profil masculin">
+            <a:extLst>
+              <a:ext uri="{FF2B5EF4-FFF2-40B4-BE49-F238E27FC236}">
+                <a16:creationId xmlns:a16="http://schemas.microsoft.com/office/drawing/2014/main" id="{E3FD8759-87BC-568E-7B05-B8191D4C0E89}"/>
+              </a:ext>
+            </a:extLst>
+          </p:cNvPr>
+          <p:cNvPicPr>
+            <a:picLocks noChangeAspect="1"/>
+          </p:cNvPicPr>
+          <p:nvPr>
+            <p:custDataLst>
+              <p:tags r:id="rId40"/>
+            </p:custDataLst>
+          </p:nvPr>
+        </p:nvPicPr>
+        <p:blipFill>
+          <a:blip r:embed="rId81">
+            <a:extLst>
+              <a:ext uri="{28A0092B-C50C-407E-A947-70E740481C1C}">
+                <a14:useLocalDpi xmlns:a14="http://schemas.microsoft.com/office/drawing/2010/main" val="0"/>
+              </a:ext>
+              <a:ext uri="{96DAC541-7B7A-43D3-8B79-37D633B846F1}">
+                <asvg:svgBlip xmlns:asvg="http://schemas.microsoft.com/office/drawing/2016/SVG/main" r:embed="rId82"/>
+              </a:ext>
+            </a:extLst>
+          </a:blip>
+          <a:stretch>
+            <a:fillRect/>
+          </a:stretch>
+        </p:blipFill>
+        <p:spPr>
+          <a:xfrm>
+            <a:off x="7574288" y="2540000"/>
+            <a:ext cx="629919" cy="629919"/>
+          </a:xfrm>
+          <a:prstGeom prst="rect">
+            <a:avLst/>
+          </a:prstGeom>
+        </p:spPr>
+      </p:pic>
+      <p:pic>
+        <p:nvPicPr>
+          <p:cNvPr id="43" name="Espace réservé du contenu 7" descr="Profil masculin">
+            <a:extLst>
+              <a:ext uri="{FF2B5EF4-FFF2-40B4-BE49-F238E27FC236}">
+                <a16:creationId xmlns:a16="http://schemas.microsoft.com/office/drawing/2014/main" id="{95A02BDE-A361-8B8C-B4BB-68B1D5542DFB}"/>
+              </a:ext>
+            </a:extLst>
+          </p:cNvPr>
+          <p:cNvPicPr>
+            <a:picLocks noChangeAspect="1"/>
+          </p:cNvPicPr>
+          <p:nvPr>
+            <p:custDataLst>
+              <p:tags r:id="rId41"/>
+            </p:custDataLst>
+          </p:nvPr>
+        </p:nvPicPr>
+        <p:blipFill>
+          <a:blip r:embed="rId81">
+            <a:extLst>
+              <a:ext uri="{28A0092B-C50C-407E-A947-70E740481C1C}">
+                <a14:useLocalDpi xmlns:a14="http://schemas.microsoft.com/office/drawing/2010/main" val="0"/>
+              </a:ext>
+              <a:ext uri="{96DAC541-7B7A-43D3-8B79-37D633B846F1}">
+                <asvg:svgBlip xmlns:asvg="http://schemas.microsoft.com/office/drawing/2016/SVG/main" r:embed="rId82"/>
+              </a:ext>
+            </a:extLst>
+          </a:blip>
+          <a:stretch>
+            <a:fillRect/>
+          </a:stretch>
+        </p:blipFill>
+        <p:spPr>
+          <a:xfrm>
+            <a:off x="8204207" y="2540000"/>
+            <a:ext cx="629919" cy="629919"/>
+          </a:xfrm>
+          <a:prstGeom prst="rect">
+            <a:avLst/>
+          </a:prstGeom>
+        </p:spPr>
+      </p:pic>
+      <p:pic>
+        <p:nvPicPr>
+          <p:cNvPr id="44" name="Espace réservé du contenu 7" descr="Profil masculin">
+            <a:extLst>
+              <a:ext uri="{FF2B5EF4-FFF2-40B4-BE49-F238E27FC236}">
+                <a16:creationId xmlns:a16="http://schemas.microsoft.com/office/drawing/2014/main" id="{5D0BF9F6-493D-3D76-E267-F98BD35D687F}"/>
+              </a:ext>
+            </a:extLst>
+          </p:cNvPr>
+          <p:cNvPicPr>
+            <a:picLocks noChangeAspect="1"/>
+          </p:cNvPicPr>
+          <p:nvPr>
+            <p:custDataLst>
+              <p:tags r:id="rId42"/>
+            </p:custDataLst>
+          </p:nvPr>
+        </p:nvPicPr>
+        <p:blipFill>
+          <a:blip r:embed="rId81">
+            <a:extLst>
+              <a:ext uri="{28A0092B-C50C-407E-A947-70E740481C1C}">
+                <a14:useLocalDpi xmlns:a14="http://schemas.microsoft.com/office/drawing/2010/main" val="0"/>
+              </a:ext>
+              <a:ext uri="{96DAC541-7B7A-43D3-8B79-37D633B846F1}">
+                <asvg:svgBlip xmlns:asvg="http://schemas.microsoft.com/office/drawing/2016/SVG/main" r:embed="rId82"/>
+              </a:ext>
+            </a:extLst>
+          </a:blip>
+          <a:stretch>
+            <a:fillRect/>
+          </a:stretch>
+        </p:blipFill>
+        <p:spPr>
+          <a:xfrm>
+            <a:off x="8834126" y="2540000"/>
+            <a:ext cx="629919" cy="629919"/>
+          </a:xfrm>
+          <a:prstGeom prst="rect">
+            <a:avLst/>
+          </a:prstGeom>
+        </p:spPr>
+      </p:pic>
+      <p:pic>
+        <p:nvPicPr>
+          <p:cNvPr id="45" name="Espace réservé du contenu 7" descr="Profil masculin">
+            <a:extLst>
+              <a:ext uri="{FF2B5EF4-FFF2-40B4-BE49-F238E27FC236}">
+                <a16:creationId xmlns:a16="http://schemas.microsoft.com/office/drawing/2014/main" id="{57074A40-B12F-D2E0-EE07-85F28AB8BE4E}"/>
+              </a:ext>
+            </a:extLst>
+          </p:cNvPr>
+          <p:cNvPicPr>
+            <a:picLocks noChangeAspect="1"/>
+          </p:cNvPicPr>
+          <p:nvPr>
+            <p:custDataLst>
+              <p:tags r:id="rId43"/>
+            </p:custDataLst>
+          </p:nvPr>
+        </p:nvPicPr>
+        <p:blipFill>
+          <a:blip r:embed="rId81">
+            <a:extLst>
+              <a:ext uri="{28A0092B-C50C-407E-A947-70E740481C1C}">
+                <a14:useLocalDpi xmlns:a14="http://schemas.microsoft.com/office/drawing/2010/main" val="0"/>
+              </a:ext>
+              <a:ext uri="{96DAC541-7B7A-43D3-8B79-37D633B846F1}">
+                <asvg:svgBlip xmlns:asvg="http://schemas.microsoft.com/office/drawing/2016/SVG/main" r:embed="rId82"/>
+              </a:ext>
+            </a:extLst>
+          </a:blip>
+          <a:stretch>
+            <a:fillRect/>
+          </a:stretch>
+        </p:blipFill>
+        <p:spPr>
+          <a:xfrm>
+            <a:off x="9464045" y="2540000"/>
+            <a:ext cx="629919" cy="629919"/>
+          </a:xfrm>
+          <a:prstGeom prst="rect">
+            <a:avLst/>
+          </a:prstGeom>
+        </p:spPr>
+      </p:pic>
+      <p:pic>
+        <p:nvPicPr>
+          <p:cNvPr id="46" name="Espace réservé du contenu 7" descr="Profil masculin">
+            <a:extLst>
+              <a:ext uri="{FF2B5EF4-FFF2-40B4-BE49-F238E27FC236}">
+                <a16:creationId xmlns:a16="http://schemas.microsoft.com/office/drawing/2014/main" id="{FC4A488F-8E5C-A94B-C17B-C2E8E0F4CD45}"/>
+              </a:ext>
+            </a:extLst>
+          </p:cNvPr>
+          <p:cNvPicPr>
+            <a:picLocks noChangeAspect="1"/>
+          </p:cNvPicPr>
+          <p:nvPr>
+            <p:custDataLst>
+              <p:tags r:id="rId44"/>
+            </p:custDataLst>
+          </p:nvPr>
+        </p:nvPicPr>
+        <p:blipFill>
+          <a:blip r:embed="rId81">
+            <a:extLst>
+              <a:ext uri="{28A0092B-C50C-407E-A947-70E740481C1C}">
+                <a14:useLocalDpi xmlns:a14="http://schemas.microsoft.com/office/drawing/2010/main" val="0"/>
+              </a:ext>
+              <a:ext uri="{96DAC541-7B7A-43D3-8B79-37D633B846F1}">
+                <asvg:svgBlip xmlns:asvg="http://schemas.microsoft.com/office/drawing/2016/SVG/main" r:embed="rId82"/>
+              </a:ext>
+            </a:extLst>
+          </a:blip>
+          <a:stretch>
+            <a:fillRect/>
+          </a:stretch>
+        </p:blipFill>
+        <p:spPr>
+          <a:xfrm>
+            <a:off x="10093964" y="2540000"/>
+            <a:ext cx="629919" cy="629919"/>
+          </a:xfrm>
+          <a:prstGeom prst="rect">
+            <a:avLst/>
+          </a:prstGeom>
+        </p:spPr>
+      </p:pic>
+      <p:pic>
+        <p:nvPicPr>
+          <p:cNvPr id="47" name="Espace réservé du contenu 7" descr="Profil masculin">
+            <a:extLst>
+              <a:ext uri="{FF2B5EF4-FFF2-40B4-BE49-F238E27FC236}">
+                <a16:creationId xmlns:a16="http://schemas.microsoft.com/office/drawing/2014/main" id="{D4FF41B8-3AEF-69F3-A75D-C9780AC6F9BD}"/>
+              </a:ext>
+            </a:extLst>
+          </p:cNvPr>
+          <p:cNvPicPr>
+            <a:picLocks noChangeAspect="1"/>
+          </p:cNvPicPr>
+          <p:nvPr>
+            <p:custDataLst>
+              <p:tags r:id="rId45"/>
+            </p:custDataLst>
+          </p:nvPr>
+        </p:nvPicPr>
+        <p:blipFill>
+          <a:blip r:embed="rId81">
+            <a:extLst>
+              <a:ext uri="{28A0092B-C50C-407E-A947-70E740481C1C}">
+                <a14:useLocalDpi xmlns:a14="http://schemas.microsoft.com/office/drawing/2010/main" val="0"/>
+              </a:ext>
+              <a:ext uri="{96DAC541-7B7A-43D3-8B79-37D633B846F1}">
+                <asvg:svgBlip xmlns:asvg="http://schemas.microsoft.com/office/drawing/2016/SVG/main" r:embed="rId82"/>
+              </a:ext>
+            </a:extLst>
+          </a:blip>
+          <a:stretch>
+            <a:fillRect/>
+          </a:stretch>
+        </p:blipFill>
+        <p:spPr>
+          <a:xfrm>
+            <a:off x="10723883" y="2540000"/>
+            <a:ext cx="629919" cy="629919"/>
+          </a:xfrm>
+          <a:prstGeom prst="rect">
+            <a:avLst/>
+          </a:prstGeom>
+        </p:spPr>
+      </p:pic>
+      <p:pic>
+        <p:nvPicPr>
+          <p:cNvPr id="48" name="Espace réservé du contenu 7" descr="Profil masculin">
+            <a:extLst>
+              <a:ext uri="{FF2B5EF4-FFF2-40B4-BE49-F238E27FC236}">
+                <a16:creationId xmlns:a16="http://schemas.microsoft.com/office/drawing/2014/main" id="{B0ED7162-6DCB-1D31-645F-54552D726CFB}"/>
+              </a:ext>
+            </a:extLst>
+          </p:cNvPr>
+          <p:cNvPicPr>
+            <a:picLocks noChangeAspect="1"/>
+          </p:cNvPicPr>
+          <p:nvPr>
+            <p:custDataLst>
+              <p:tags r:id="rId46"/>
+            </p:custDataLst>
+          </p:nvPr>
+        </p:nvPicPr>
+        <p:blipFill>
+          <a:blip r:embed="rId81">
+            <a:extLst>
+              <a:ext uri="{28A0092B-C50C-407E-A947-70E740481C1C}">
+                <a14:useLocalDpi xmlns:a14="http://schemas.microsoft.com/office/drawing/2010/main" val="0"/>
+              </a:ext>
+              <a:ext uri="{96DAC541-7B7A-43D3-8B79-37D633B846F1}">
+                <asvg:svgBlip xmlns:asvg="http://schemas.microsoft.com/office/drawing/2016/SVG/main" r:embed="rId82"/>
+              </a:ext>
+            </a:extLst>
+          </a:blip>
+          <a:stretch>
+            <a:fillRect/>
+          </a:stretch>
+        </p:blipFill>
+        <p:spPr>
+          <a:xfrm>
+            <a:off x="6314450" y="3169919"/>
+            <a:ext cx="629919" cy="629919"/>
+          </a:xfrm>
+          <a:prstGeom prst="rect">
+            <a:avLst/>
+          </a:prstGeom>
+        </p:spPr>
+      </p:pic>
+      <p:pic>
+        <p:nvPicPr>
+          <p:cNvPr id="49" name="Espace réservé du contenu 7" descr="Profil masculin">
+            <a:extLst>
+              <a:ext uri="{FF2B5EF4-FFF2-40B4-BE49-F238E27FC236}">
+                <a16:creationId xmlns:a16="http://schemas.microsoft.com/office/drawing/2014/main" id="{675C0216-E1FA-E996-08BB-9E4EF8683ED2}"/>
+              </a:ext>
+            </a:extLst>
+          </p:cNvPr>
+          <p:cNvPicPr>
+            <a:picLocks noChangeAspect="1"/>
+          </p:cNvPicPr>
+          <p:nvPr>
+            <p:custDataLst>
+              <p:tags r:id="rId47"/>
+            </p:custDataLst>
+          </p:nvPr>
+        </p:nvPicPr>
+        <p:blipFill>
+          <a:blip r:embed="rId81">
+            <a:extLst>
+              <a:ext uri="{28A0092B-C50C-407E-A947-70E740481C1C}">
+                <a14:useLocalDpi xmlns:a14="http://schemas.microsoft.com/office/drawing/2010/main" val="0"/>
+              </a:ext>
+              <a:ext uri="{96DAC541-7B7A-43D3-8B79-37D633B846F1}">
+                <asvg:svgBlip xmlns:asvg="http://schemas.microsoft.com/office/drawing/2016/SVG/main" r:embed="rId82"/>
+              </a:ext>
+            </a:extLst>
+          </a:blip>
+          <a:stretch>
+            <a:fillRect/>
+          </a:stretch>
+        </p:blipFill>
+        <p:spPr>
+          <a:xfrm>
+            <a:off x="6944369" y="3169919"/>
+            <a:ext cx="629919" cy="629919"/>
+          </a:xfrm>
+          <a:prstGeom prst="rect">
+            <a:avLst/>
+          </a:prstGeom>
+        </p:spPr>
+      </p:pic>
+      <p:pic>
+        <p:nvPicPr>
+          <p:cNvPr id="50" name="Espace réservé du contenu 7" descr="Profil masculin">
+            <a:extLst>
+              <a:ext uri="{FF2B5EF4-FFF2-40B4-BE49-F238E27FC236}">
+                <a16:creationId xmlns:a16="http://schemas.microsoft.com/office/drawing/2014/main" id="{FA03883A-591B-DDF5-3015-2CF64FB0FBB9}"/>
+              </a:ext>
+            </a:extLst>
+          </p:cNvPr>
+          <p:cNvPicPr>
+            <a:picLocks noChangeAspect="1"/>
+          </p:cNvPicPr>
+          <p:nvPr>
+            <p:custDataLst>
+              <p:tags r:id="rId48"/>
+            </p:custDataLst>
+          </p:nvPr>
+        </p:nvPicPr>
+        <p:blipFill>
+          <a:blip r:embed="rId81">
+            <a:extLst>
+              <a:ext uri="{28A0092B-C50C-407E-A947-70E740481C1C}">
+                <a14:useLocalDpi xmlns:a14="http://schemas.microsoft.com/office/drawing/2010/main" val="0"/>
+              </a:ext>
+              <a:ext uri="{96DAC541-7B7A-43D3-8B79-37D633B846F1}">
+                <asvg:svgBlip xmlns:asvg="http://schemas.microsoft.com/office/drawing/2016/SVG/main" r:embed="rId82"/>
+              </a:ext>
+            </a:extLst>
+          </a:blip>
+          <a:stretch>
+            <a:fillRect/>
+          </a:stretch>
+        </p:blipFill>
+        <p:spPr>
+          <a:xfrm>
+            <a:off x="7574288" y="3169919"/>
+            <a:ext cx="629919" cy="629919"/>
+          </a:xfrm>
+          <a:prstGeom prst="rect">
+            <a:avLst/>
+          </a:prstGeom>
+        </p:spPr>
+      </p:pic>
+      <p:pic>
+        <p:nvPicPr>
+          <p:cNvPr id="51" name="Espace réservé du contenu 7" descr="Profil masculin">
+            <a:extLst>
+              <a:ext uri="{FF2B5EF4-FFF2-40B4-BE49-F238E27FC236}">
+                <a16:creationId xmlns:a16="http://schemas.microsoft.com/office/drawing/2014/main" id="{7EF98805-49D7-633F-B941-D513EC07F21D}"/>
+              </a:ext>
+            </a:extLst>
+          </p:cNvPr>
+          <p:cNvPicPr>
+            <a:picLocks noChangeAspect="1"/>
+          </p:cNvPicPr>
+          <p:nvPr>
+            <p:custDataLst>
+              <p:tags r:id="rId49"/>
+            </p:custDataLst>
+          </p:nvPr>
+        </p:nvPicPr>
+        <p:blipFill>
+          <a:blip r:embed="rId81">
+            <a:extLst>
+              <a:ext uri="{28A0092B-C50C-407E-A947-70E740481C1C}">
+                <a14:useLocalDpi xmlns:a14="http://schemas.microsoft.com/office/drawing/2010/main" val="0"/>
+              </a:ext>
+              <a:ext uri="{96DAC541-7B7A-43D3-8B79-37D633B846F1}">
+                <asvg:svgBlip xmlns:asvg="http://schemas.microsoft.com/office/drawing/2016/SVG/main" r:embed="rId82"/>
+              </a:ext>
+            </a:extLst>
+          </a:blip>
+          <a:stretch>
+            <a:fillRect/>
+          </a:stretch>
+        </p:blipFill>
+        <p:spPr>
+          <a:xfrm>
+            <a:off x="8204207" y="3169919"/>
+            <a:ext cx="629919" cy="629919"/>
+          </a:xfrm>
+          <a:prstGeom prst="rect">
+            <a:avLst/>
+          </a:prstGeom>
+        </p:spPr>
+      </p:pic>
+      <p:pic>
+        <p:nvPicPr>
+          <p:cNvPr id="52" name="Espace réservé du contenu 7" descr="Profil masculin">
+            <a:extLst>
+              <a:ext uri="{FF2B5EF4-FFF2-40B4-BE49-F238E27FC236}">
+                <a16:creationId xmlns:a16="http://schemas.microsoft.com/office/drawing/2014/main" id="{641AEDD0-C28A-D453-2147-658E838C4FD7}"/>
+              </a:ext>
+            </a:extLst>
+          </p:cNvPr>
+          <p:cNvPicPr>
+            <a:picLocks noChangeAspect="1"/>
+          </p:cNvPicPr>
+          <p:nvPr>
+            <p:custDataLst>
+              <p:tags r:id="rId50"/>
+            </p:custDataLst>
+          </p:nvPr>
+        </p:nvPicPr>
+        <p:blipFill>
+          <a:blip r:embed="rId81">
+            <a:extLst>
+              <a:ext uri="{28A0092B-C50C-407E-A947-70E740481C1C}">
+                <a14:useLocalDpi xmlns:a14="http://schemas.microsoft.com/office/drawing/2010/main" val="0"/>
+              </a:ext>
+              <a:ext uri="{96DAC541-7B7A-43D3-8B79-37D633B846F1}">
+                <asvg:svgBlip xmlns:asvg="http://schemas.microsoft.com/office/drawing/2016/SVG/main" r:embed="rId82"/>
+              </a:ext>
+            </a:extLst>
+          </a:blip>
+          <a:stretch>
+            <a:fillRect/>
+          </a:stretch>
+        </p:blipFill>
+        <p:spPr>
+          <a:xfrm>
+            <a:off x="8834126" y="3169919"/>
+            <a:ext cx="629919" cy="629919"/>
+          </a:xfrm>
+          <a:prstGeom prst="rect">
+            <a:avLst/>
+          </a:prstGeom>
+        </p:spPr>
+      </p:pic>
+      <p:pic>
+        <p:nvPicPr>
+          <p:cNvPr id="53" name="Espace réservé du contenu 7" descr="Profil masculin">
+            <a:extLst>
+              <a:ext uri="{FF2B5EF4-FFF2-40B4-BE49-F238E27FC236}">
+                <a16:creationId xmlns:a16="http://schemas.microsoft.com/office/drawing/2014/main" id="{23C6B7A3-7752-25F9-5F65-A127E02103B1}"/>
+              </a:ext>
+            </a:extLst>
+          </p:cNvPr>
+          <p:cNvPicPr>
+            <a:picLocks noChangeAspect="1"/>
+          </p:cNvPicPr>
+          <p:nvPr>
+            <p:custDataLst>
+              <p:tags r:id="rId51"/>
+            </p:custDataLst>
+          </p:nvPr>
+        </p:nvPicPr>
+        <p:blipFill>
+          <a:blip r:embed="rId81">
+            <a:extLst>
+              <a:ext uri="{28A0092B-C50C-407E-A947-70E740481C1C}">
+                <a14:useLocalDpi xmlns:a14="http://schemas.microsoft.com/office/drawing/2010/main" val="0"/>
+              </a:ext>
+              <a:ext uri="{96DAC541-7B7A-43D3-8B79-37D633B846F1}">
+                <asvg:svgBlip xmlns:asvg="http://schemas.microsoft.com/office/drawing/2016/SVG/main" r:embed="rId82"/>
+              </a:ext>
+            </a:extLst>
+          </a:blip>
+          <a:stretch>
+            <a:fillRect/>
+          </a:stretch>
+        </p:blipFill>
+        <p:spPr>
+          <a:xfrm>
+            <a:off x="9464045" y="3169919"/>
+            <a:ext cx="629919" cy="629919"/>
+          </a:xfrm>
+          <a:prstGeom prst="rect">
+            <a:avLst/>
+          </a:prstGeom>
+        </p:spPr>
+      </p:pic>
+      <p:pic>
+        <p:nvPicPr>
+          <p:cNvPr id="54" name="Espace réservé du contenu 7" descr="Profil masculin">
+            <a:extLst>
+              <a:ext uri="{FF2B5EF4-FFF2-40B4-BE49-F238E27FC236}">
+                <a16:creationId xmlns:a16="http://schemas.microsoft.com/office/drawing/2014/main" id="{8B5D4F22-7BEC-9AE2-6CED-206B597DC464}"/>
+              </a:ext>
+            </a:extLst>
+          </p:cNvPr>
+          <p:cNvPicPr>
+            <a:picLocks noChangeAspect="1"/>
+          </p:cNvPicPr>
+          <p:nvPr>
+            <p:custDataLst>
+              <p:tags r:id="rId52"/>
+            </p:custDataLst>
+          </p:nvPr>
+        </p:nvPicPr>
+        <p:blipFill>
+          <a:blip r:embed="rId81">
+            <a:extLst>
+              <a:ext uri="{28A0092B-C50C-407E-A947-70E740481C1C}">
+                <a14:useLocalDpi xmlns:a14="http://schemas.microsoft.com/office/drawing/2010/main" val="0"/>
+              </a:ext>
+              <a:ext uri="{96DAC541-7B7A-43D3-8B79-37D633B846F1}">
+                <asvg:svgBlip xmlns:asvg="http://schemas.microsoft.com/office/drawing/2016/SVG/main" r:embed="rId82"/>
+              </a:ext>
+            </a:extLst>
+          </a:blip>
+          <a:stretch>
+            <a:fillRect/>
+          </a:stretch>
+        </p:blipFill>
+        <p:spPr>
+          <a:xfrm>
+            <a:off x="10093964" y="3169919"/>
+            <a:ext cx="629919" cy="629919"/>
+          </a:xfrm>
+          <a:prstGeom prst="rect">
+            <a:avLst/>
+          </a:prstGeom>
+        </p:spPr>
+      </p:pic>
+      <p:pic>
+        <p:nvPicPr>
+          <p:cNvPr id="55" name="Espace réservé du contenu 7" descr="Profil masculin">
+            <a:extLst>
+              <a:ext uri="{FF2B5EF4-FFF2-40B4-BE49-F238E27FC236}">
+                <a16:creationId xmlns:a16="http://schemas.microsoft.com/office/drawing/2014/main" id="{3E1D3429-CAC1-60C6-707A-A1ED5E173B24}"/>
+              </a:ext>
+            </a:extLst>
+          </p:cNvPr>
+          <p:cNvPicPr>
+            <a:picLocks noChangeAspect="1"/>
+          </p:cNvPicPr>
+          <p:nvPr>
+            <p:custDataLst>
+              <p:tags r:id="rId53"/>
+            </p:custDataLst>
+          </p:nvPr>
+        </p:nvPicPr>
+        <p:blipFill>
+          <a:blip r:embed="rId81">
+            <a:extLst>
+              <a:ext uri="{28A0092B-C50C-407E-A947-70E740481C1C}">
+                <a14:useLocalDpi xmlns:a14="http://schemas.microsoft.com/office/drawing/2010/main" val="0"/>
+              </a:ext>
+              <a:ext uri="{96DAC541-7B7A-43D3-8B79-37D633B846F1}">
+                <asvg:svgBlip xmlns:asvg="http://schemas.microsoft.com/office/drawing/2016/SVG/main" r:embed="rId82"/>
+              </a:ext>
+            </a:extLst>
+          </a:blip>
+          <a:stretch>
+            <a:fillRect/>
+          </a:stretch>
+        </p:blipFill>
+        <p:spPr>
+          <a:xfrm>
+            <a:off x="10723883" y="3169919"/>
+            <a:ext cx="629919" cy="629919"/>
+          </a:xfrm>
+          <a:prstGeom prst="rect">
+            <a:avLst/>
+          </a:prstGeom>
+        </p:spPr>
+      </p:pic>
+      <p:pic>
+        <p:nvPicPr>
+          <p:cNvPr id="56" name="Espace réservé du contenu 7" descr="Profil masculin">
+            <a:extLst>
+              <a:ext uri="{FF2B5EF4-FFF2-40B4-BE49-F238E27FC236}">
+                <a16:creationId xmlns:a16="http://schemas.microsoft.com/office/drawing/2014/main" id="{908F52BB-7BD5-0854-AA21-2003D0500900}"/>
+              </a:ext>
+            </a:extLst>
+          </p:cNvPr>
+          <p:cNvPicPr>
+            <a:picLocks noChangeAspect="1"/>
+          </p:cNvPicPr>
+          <p:nvPr>
+            <p:custDataLst>
+              <p:tags r:id="rId54"/>
+            </p:custDataLst>
+          </p:nvPr>
+        </p:nvPicPr>
+        <p:blipFill>
+          <a:blip r:embed="rId81">
+            <a:extLst>
+              <a:ext uri="{28A0092B-C50C-407E-A947-70E740481C1C}">
+                <a14:useLocalDpi xmlns:a14="http://schemas.microsoft.com/office/drawing/2010/main" val="0"/>
+              </a:ext>
+              <a:ext uri="{96DAC541-7B7A-43D3-8B79-37D633B846F1}">
+                <asvg:svgBlip xmlns:asvg="http://schemas.microsoft.com/office/drawing/2016/SVG/main" r:embed="rId82"/>
+              </a:ext>
+            </a:extLst>
+          </a:blip>
+          <a:stretch>
+            <a:fillRect/>
+          </a:stretch>
+        </p:blipFill>
+        <p:spPr>
+          <a:xfrm>
+            <a:off x="6314450" y="3799838"/>
+            <a:ext cx="629919" cy="629919"/>
+          </a:xfrm>
+          <a:prstGeom prst="rect">
+            <a:avLst/>
+          </a:prstGeom>
+        </p:spPr>
+      </p:pic>
+      <p:pic>
+        <p:nvPicPr>
+          <p:cNvPr id="57" name="Espace réservé du contenu 7" descr="Profil masculin">
+            <a:extLst>
+              <a:ext uri="{FF2B5EF4-FFF2-40B4-BE49-F238E27FC236}">
+                <a16:creationId xmlns:a16="http://schemas.microsoft.com/office/drawing/2014/main" id="{ED73C6B4-0B31-73A8-9883-2D559C25475F}"/>
+              </a:ext>
+            </a:extLst>
+          </p:cNvPr>
+          <p:cNvPicPr>
+            <a:picLocks noChangeAspect="1"/>
+          </p:cNvPicPr>
+          <p:nvPr>
+            <p:custDataLst>
+              <p:tags r:id="rId55"/>
+            </p:custDataLst>
+          </p:nvPr>
+        </p:nvPicPr>
+        <p:blipFill>
+          <a:blip r:embed="rId81">
+            <a:extLst>
+              <a:ext uri="{28A0092B-C50C-407E-A947-70E740481C1C}">
+                <a14:useLocalDpi xmlns:a14="http://schemas.microsoft.com/office/drawing/2010/main" val="0"/>
+              </a:ext>
+              <a:ext uri="{96DAC541-7B7A-43D3-8B79-37D633B846F1}">
+                <asvg:svgBlip xmlns:asvg="http://schemas.microsoft.com/office/drawing/2016/SVG/main" r:embed="rId82"/>
+              </a:ext>
+            </a:extLst>
+          </a:blip>
+          <a:stretch>
+            <a:fillRect/>
+          </a:stretch>
+        </p:blipFill>
+        <p:spPr>
+          <a:xfrm>
+            <a:off x="6944369" y="3799838"/>
+            <a:ext cx="629919" cy="629919"/>
+          </a:xfrm>
+          <a:prstGeom prst="rect">
+            <a:avLst/>
+          </a:prstGeom>
+        </p:spPr>
+      </p:pic>
+      <p:pic>
+        <p:nvPicPr>
+          <p:cNvPr id="58" name="Espace réservé du contenu 7" descr="Profil masculin">
+            <a:extLst>
+              <a:ext uri="{FF2B5EF4-FFF2-40B4-BE49-F238E27FC236}">
+                <a16:creationId xmlns:a16="http://schemas.microsoft.com/office/drawing/2014/main" id="{61477111-B92E-6D02-71C4-FFE3AE02D46D}"/>
+              </a:ext>
+            </a:extLst>
+          </p:cNvPr>
+          <p:cNvPicPr>
+            <a:picLocks noChangeAspect="1"/>
+          </p:cNvPicPr>
+          <p:nvPr>
+            <p:custDataLst>
+              <p:tags r:id="rId56"/>
+            </p:custDataLst>
+          </p:nvPr>
+        </p:nvPicPr>
+        <p:blipFill>
+          <a:blip r:embed="rId81">
+            <a:extLst>
+              <a:ext uri="{28A0092B-C50C-407E-A947-70E740481C1C}">
+                <a14:useLocalDpi xmlns:a14="http://schemas.microsoft.com/office/drawing/2010/main" val="0"/>
+              </a:ext>
+              <a:ext uri="{96DAC541-7B7A-43D3-8B79-37D633B846F1}">
+                <asvg:svgBlip xmlns:asvg="http://schemas.microsoft.com/office/drawing/2016/SVG/main" r:embed="rId82"/>
+              </a:ext>
+            </a:extLst>
+          </a:blip>
+          <a:stretch>
+            <a:fillRect/>
+          </a:stretch>
+        </p:blipFill>
+        <p:spPr>
+          <a:xfrm>
+            <a:off x="7574288" y="3799838"/>
+            <a:ext cx="629919" cy="629919"/>
+          </a:xfrm>
+          <a:prstGeom prst="rect">
+            <a:avLst/>
+          </a:prstGeom>
+        </p:spPr>
+      </p:pic>
+      <p:pic>
+        <p:nvPicPr>
+          <p:cNvPr id="59" name="Espace réservé du contenu 7" descr="Profil masculin">
+            <a:extLst>
+              <a:ext uri="{FF2B5EF4-FFF2-40B4-BE49-F238E27FC236}">
+                <a16:creationId xmlns:a16="http://schemas.microsoft.com/office/drawing/2014/main" id="{58BD2B53-956A-C72C-18AF-35BC0F98D143}"/>
+              </a:ext>
+            </a:extLst>
+          </p:cNvPr>
+          <p:cNvPicPr>
+            <a:picLocks noChangeAspect="1"/>
+          </p:cNvPicPr>
+          <p:nvPr>
+            <p:custDataLst>
+              <p:tags r:id="rId57"/>
+            </p:custDataLst>
+          </p:nvPr>
+        </p:nvPicPr>
+        <p:blipFill>
+          <a:blip r:embed="rId81">
+            <a:extLst>
+              <a:ext uri="{28A0092B-C50C-407E-A947-70E740481C1C}">
+                <a14:useLocalDpi xmlns:a14="http://schemas.microsoft.com/office/drawing/2010/main" val="0"/>
+              </a:ext>
+              <a:ext uri="{96DAC541-7B7A-43D3-8B79-37D633B846F1}">
+                <asvg:svgBlip xmlns:asvg="http://schemas.microsoft.com/office/drawing/2016/SVG/main" r:embed="rId82"/>
+              </a:ext>
+            </a:extLst>
+          </a:blip>
+          <a:stretch>
+            <a:fillRect/>
+          </a:stretch>
+        </p:blipFill>
+        <p:spPr>
+          <a:xfrm>
+            <a:off x="8204207" y="3799838"/>
+            <a:ext cx="629919" cy="629919"/>
+          </a:xfrm>
+          <a:prstGeom prst="rect">
+            <a:avLst/>
+          </a:prstGeom>
+        </p:spPr>
+      </p:pic>
+      <p:pic>
+        <p:nvPicPr>
+          <p:cNvPr id="60" name="Espace réservé du contenu 7" descr="Profil masculin">
+            <a:extLst>
+              <a:ext uri="{FF2B5EF4-FFF2-40B4-BE49-F238E27FC236}">
+                <a16:creationId xmlns:a16="http://schemas.microsoft.com/office/drawing/2014/main" id="{ED363F8E-7367-783D-00D9-2A6B11AE2F62}"/>
+              </a:ext>
+            </a:extLst>
+          </p:cNvPr>
+          <p:cNvPicPr>
+            <a:picLocks noChangeAspect="1"/>
+          </p:cNvPicPr>
+          <p:nvPr>
+            <p:custDataLst>
+              <p:tags r:id="rId58"/>
+            </p:custDataLst>
+          </p:nvPr>
+        </p:nvPicPr>
+        <p:blipFill>
+          <a:blip r:embed="rId81">
+            <a:extLst>
+              <a:ext uri="{28A0092B-C50C-407E-A947-70E740481C1C}">
+                <a14:useLocalDpi xmlns:a14="http://schemas.microsoft.com/office/drawing/2010/main" val="0"/>
+              </a:ext>
+              <a:ext uri="{96DAC541-7B7A-43D3-8B79-37D633B846F1}">
+                <asvg:svgBlip xmlns:asvg="http://schemas.microsoft.com/office/drawing/2016/SVG/main" r:embed="rId82"/>
+              </a:ext>
+            </a:extLst>
+          </a:blip>
+          <a:stretch>
+            <a:fillRect/>
+          </a:stretch>
+        </p:blipFill>
+        <p:spPr>
+          <a:xfrm>
+            <a:off x="8834126" y="3799838"/>
+            <a:ext cx="629919" cy="629919"/>
+          </a:xfrm>
+          <a:prstGeom prst="rect">
+            <a:avLst/>
+          </a:prstGeom>
+        </p:spPr>
+      </p:pic>
+      <p:pic>
+        <p:nvPicPr>
+          <p:cNvPr id="61" name="Espace réservé du contenu 7" descr="Profil masculin">
+            <a:extLst>
+              <a:ext uri="{FF2B5EF4-FFF2-40B4-BE49-F238E27FC236}">
+                <a16:creationId xmlns:a16="http://schemas.microsoft.com/office/drawing/2014/main" id="{263D8041-4A5D-FDDD-66F3-A3EDEA6DAD47}"/>
+              </a:ext>
+            </a:extLst>
+          </p:cNvPr>
+          <p:cNvPicPr>
+            <a:picLocks noChangeAspect="1"/>
+          </p:cNvPicPr>
+          <p:nvPr>
+            <p:custDataLst>
+              <p:tags r:id="rId59"/>
+            </p:custDataLst>
+          </p:nvPr>
+        </p:nvPicPr>
+        <p:blipFill>
+          <a:blip r:embed="rId81">
+            <a:extLst>
+              <a:ext uri="{28A0092B-C50C-407E-A947-70E740481C1C}">
+                <a14:useLocalDpi xmlns:a14="http://schemas.microsoft.com/office/drawing/2010/main" val="0"/>
+              </a:ext>
+              <a:ext uri="{96DAC541-7B7A-43D3-8B79-37D633B846F1}">
+                <asvg:svgBlip xmlns:asvg="http://schemas.microsoft.com/office/drawing/2016/SVG/main" r:embed="rId82"/>
+              </a:ext>
+            </a:extLst>
+          </a:blip>
+          <a:stretch>
+            <a:fillRect/>
+          </a:stretch>
+        </p:blipFill>
+        <p:spPr>
+          <a:xfrm>
+            <a:off x="9464045" y="3799838"/>
+            <a:ext cx="629919" cy="629919"/>
+          </a:xfrm>
+          <a:prstGeom prst="rect">
+            <a:avLst/>
+          </a:prstGeom>
+        </p:spPr>
+      </p:pic>
+      <p:pic>
+        <p:nvPicPr>
+          <p:cNvPr id="62" name="Espace réservé du contenu 7" descr="Profil masculin">
+            <a:extLst>
+              <a:ext uri="{FF2B5EF4-FFF2-40B4-BE49-F238E27FC236}">
+                <a16:creationId xmlns:a16="http://schemas.microsoft.com/office/drawing/2014/main" id="{325F829E-51E5-6771-8D5C-52C35E7F3E28}"/>
+              </a:ext>
+            </a:extLst>
+          </p:cNvPr>
+          <p:cNvPicPr>
+            <a:picLocks noChangeAspect="1"/>
+          </p:cNvPicPr>
+          <p:nvPr>
+            <p:custDataLst>
+              <p:tags r:id="rId60"/>
+            </p:custDataLst>
+          </p:nvPr>
+        </p:nvPicPr>
+        <p:blipFill>
+          <a:blip r:embed="rId81">
+            <a:extLst>
+              <a:ext uri="{28A0092B-C50C-407E-A947-70E740481C1C}">
+                <a14:useLocalDpi xmlns:a14="http://schemas.microsoft.com/office/drawing/2010/main" val="0"/>
+              </a:ext>
+              <a:ext uri="{96DAC541-7B7A-43D3-8B79-37D633B846F1}">
+                <asvg:svgBlip xmlns:asvg="http://schemas.microsoft.com/office/drawing/2016/SVG/main" r:embed="rId82"/>
+              </a:ext>
+            </a:extLst>
+          </a:blip>
+          <a:stretch>
+            <a:fillRect/>
+          </a:stretch>
+        </p:blipFill>
+        <p:spPr>
+          <a:xfrm>
+            <a:off x="10093964" y="3799838"/>
+            <a:ext cx="629919" cy="629919"/>
+          </a:xfrm>
+          <a:prstGeom prst="rect">
+            <a:avLst/>
+          </a:prstGeom>
+        </p:spPr>
+      </p:pic>
+      <p:pic>
+        <p:nvPicPr>
+          <p:cNvPr id="63" name="Espace réservé du contenu 7" descr="Profil masculin">
+            <a:extLst>
+              <a:ext uri="{FF2B5EF4-FFF2-40B4-BE49-F238E27FC236}">
+                <a16:creationId xmlns:a16="http://schemas.microsoft.com/office/drawing/2014/main" id="{081116CC-12D6-0D94-234B-1111D3AA5A5D}"/>
+              </a:ext>
+            </a:extLst>
+          </p:cNvPr>
+          <p:cNvPicPr>
+            <a:picLocks noChangeAspect="1"/>
+          </p:cNvPicPr>
+          <p:nvPr>
+            <p:custDataLst>
+              <p:tags r:id="rId61"/>
+            </p:custDataLst>
+          </p:nvPr>
+        </p:nvPicPr>
+        <p:blipFill>
+          <a:blip r:embed="rId81">
+            <a:extLst>
+              <a:ext uri="{28A0092B-C50C-407E-A947-70E740481C1C}">
+                <a14:useLocalDpi xmlns:a14="http://schemas.microsoft.com/office/drawing/2010/main" val="0"/>
+              </a:ext>
+              <a:ext uri="{96DAC541-7B7A-43D3-8B79-37D633B846F1}">
+                <asvg:svgBlip xmlns:asvg="http://schemas.microsoft.com/office/drawing/2016/SVG/main" r:embed="rId82"/>
+              </a:ext>
+            </a:extLst>
+          </a:blip>
+          <a:stretch>
+            <a:fillRect/>
+          </a:stretch>
+        </p:blipFill>
+        <p:spPr>
+          <a:xfrm>
+            <a:off x="10723883" y="3799838"/>
+            <a:ext cx="629919" cy="629919"/>
+          </a:xfrm>
+          <a:prstGeom prst="rect">
+            <a:avLst/>
+          </a:prstGeom>
+        </p:spPr>
+      </p:pic>
+      <p:pic>
+        <p:nvPicPr>
+          <p:cNvPr id="64" name="Espace réservé du contenu 7" descr="Profil masculin">
+            <a:extLst>
+              <a:ext uri="{FF2B5EF4-FFF2-40B4-BE49-F238E27FC236}">
+                <a16:creationId xmlns:a16="http://schemas.microsoft.com/office/drawing/2014/main" id="{617FF3F6-B0F7-CB95-B233-659FAA99FBF6}"/>
+              </a:ext>
+            </a:extLst>
+          </p:cNvPr>
+          <p:cNvPicPr>
+            <a:picLocks noChangeAspect="1"/>
+          </p:cNvPicPr>
+          <p:nvPr>
+            <p:custDataLst>
+              <p:tags r:id="rId62"/>
+            </p:custDataLst>
+          </p:nvPr>
+        </p:nvPicPr>
+        <p:blipFill>
+          <a:blip r:embed="rId81">
+            <a:extLst>
+              <a:ext uri="{28A0092B-C50C-407E-A947-70E740481C1C}">
+                <a14:useLocalDpi xmlns:a14="http://schemas.microsoft.com/office/drawing/2010/main" val="0"/>
+              </a:ext>
+              <a:ext uri="{96DAC541-7B7A-43D3-8B79-37D633B846F1}">
+                <asvg:svgBlip xmlns:asvg="http://schemas.microsoft.com/office/drawing/2016/SVG/main" r:embed="rId82"/>
+              </a:ext>
+            </a:extLst>
+          </a:blip>
+          <a:stretch>
+            <a:fillRect/>
+          </a:stretch>
+        </p:blipFill>
+        <p:spPr>
+          <a:xfrm>
+            <a:off x="6314450" y="4429757"/>
+            <a:ext cx="629919" cy="629919"/>
+          </a:xfrm>
+          <a:prstGeom prst="rect">
+            <a:avLst/>
+          </a:prstGeom>
+        </p:spPr>
+      </p:pic>
+      <p:pic>
+        <p:nvPicPr>
+          <p:cNvPr id="65" name="Espace réservé du contenu 7" descr="Profil masculin">
+            <a:extLst>
+              <a:ext uri="{FF2B5EF4-FFF2-40B4-BE49-F238E27FC236}">
+                <a16:creationId xmlns:a16="http://schemas.microsoft.com/office/drawing/2014/main" id="{F01E9C3D-B2EE-A56C-CB90-291395142F66}"/>
+              </a:ext>
+            </a:extLst>
+          </p:cNvPr>
+          <p:cNvPicPr>
+            <a:picLocks noChangeAspect="1"/>
+          </p:cNvPicPr>
+          <p:nvPr>
+            <p:custDataLst>
+              <p:tags r:id="rId63"/>
+            </p:custDataLst>
+          </p:nvPr>
+        </p:nvPicPr>
+        <p:blipFill>
+          <a:blip r:embed="rId81">
+            <a:extLst>
+              <a:ext uri="{28A0092B-C50C-407E-A947-70E740481C1C}">
+                <a14:useLocalDpi xmlns:a14="http://schemas.microsoft.com/office/drawing/2010/main" val="0"/>
+              </a:ext>
+              <a:ext uri="{96DAC541-7B7A-43D3-8B79-37D633B846F1}">
+                <asvg:svgBlip xmlns:asvg="http://schemas.microsoft.com/office/drawing/2016/SVG/main" r:embed="rId82"/>
+              </a:ext>
+            </a:extLst>
+          </a:blip>
+          <a:stretch>
+            <a:fillRect/>
+          </a:stretch>
+        </p:blipFill>
+        <p:spPr>
+          <a:xfrm>
+            <a:off x="6944369" y="4429757"/>
+            <a:ext cx="629919" cy="629919"/>
+          </a:xfrm>
+          <a:prstGeom prst="rect">
+            <a:avLst/>
+          </a:prstGeom>
+        </p:spPr>
+      </p:pic>
+      <p:pic>
+        <p:nvPicPr>
+          <p:cNvPr id="66" name="Espace réservé du contenu 7" descr="Profil masculin">
+            <a:extLst>
+              <a:ext uri="{FF2B5EF4-FFF2-40B4-BE49-F238E27FC236}">
+                <a16:creationId xmlns:a16="http://schemas.microsoft.com/office/drawing/2014/main" id="{92702399-8F2A-C1A5-A2D9-A0BE8A1FF655}"/>
+              </a:ext>
+            </a:extLst>
+          </p:cNvPr>
+          <p:cNvPicPr>
+            <a:picLocks noChangeAspect="1"/>
+          </p:cNvPicPr>
+          <p:nvPr>
+            <p:custDataLst>
+              <p:tags r:id="rId64"/>
+            </p:custDataLst>
+          </p:nvPr>
+        </p:nvPicPr>
+        <p:blipFill>
+          <a:blip r:embed="rId81">
+            <a:extLst>
+              <a:ext uri="{28A0092B-C50C-407E-A947-70E740481C1C}">
+                <a14:useLocalDpi xmlns:a14="http://schemas.microsoft.com/office/drawing/2010/main" val="0"/>
+              </a:ext>
+              <a:ext uri="{96DAC541-7B7A-43D3-8B79-37D633B846F1}">
+                <asvg:svgBlip xmlns:asvg="http://schemas.microsoft.com/office/drawing/2016/SVG/main" r:embed="rId82"/>
+              </a:ext>
+            </a:extLst>
+          </a:blip>
+          <a:stretch>
+            <a:fillRect/>
+          </a:stretch>
+        </p:blipFill>
+        <p:spPr>
+          <a:xfrm>
+            <a:off x="7574288" y="4429757"/>
+            <a:ext cx="629919" cy="629919"/>
+          </a:xfrm>
+          <a:prstGeom prst="rect">
+            <a:avLst/>
+          </a:prstGeom>
+        </p:spPr>
+      </p:pic>
+      <p:pic>
+        <p:nvPicPr>
+          <p:cNvPr id="67" name="Espace réservé du contenu 7" descr="Profil masculin">
+            <a:extLst>
+              <a:ext uri="{FF2B5EF4-FFF2-40B4-BE49-F238E27FC236}">
+                <a16:creationId xmlns:a16="http://schemas.microsoft.com/office/drawing/2014/main" id="{B5829FFC-3024-BBF5-EB5C-054059E893C5}"/>
+              </a:ext>
+            </a:extLst>
+          </p:cNvPr>
+          <p:cNvPicPr>
+            <a:picLocks noChangeAspect="1"/>
+          </p:cNvPicPr>
+          <p:nvPr>
+            <p:custDataLst>
+              <p:tags r:id="rId65"/>
+            </p:custDataLst>
+          </p:nvPr>
+        </p:nvPicPr>
+        <p:blipFill>
+          <a:blip r:embed="rId81">
+            <a:extLst>
+              <a:ext uri="{28A0092B-C50C-407E-A947-70E740481C1C}">
+                <a14:useLocalDpi xmlns:a14="http://schemas.microsoft.com/office/drawing/2010/main" val="0"/>
+              </a:ext>
+              <a:ext uri="{96DAC541-7B7A-43D3-8B79-37D633B846F1}">
+                <asvg:svgBlip xmlns:asvg="http://schemas.microsoft.com/office/drawing/2016/SVG/main" r:embed="rId82"/>
+              </a:ext>
+            </a:extLst>
+          </a:blip>
+          <a:stretch>
+            <a:fillRect/>
+          </a:stretch>
+        </p:blipFill>
+        <p:spPr>
+          <a:xfrm>
+            <a:off x="8204207" y="4429757"/>
+            <a:ext cx="629919" cy="629919"/>
+          </a:xfrm>
+          <a:prstGeom prst="rect">
+            <a:avLst/>
+          </a:prstGeom>
+        </p:spPr>
+      </p:pic>
+      <p:pic>
+        <p:nvPicPr>
+          <p:cNvPr id="68" name="Espace réservé du contenu 7" descr="Profil masculin">
+            <a:extLst>
+              <a:ext uri="{FF2B5EF4-FFF2-40B4-BE49-F238E27FC236}">
+                <a16:creationId xmlns:a16="http://schemas.microsoft.com/office/drawing/2014/main" id="{9A45722F-93B7-85F3-9883-A58D9CBD7BA5}"/>
+              </a:ext>
+            </a:extLst>
+          </p:cNvPr>
+          <p:cNvPicPr>
+            <a:picLocks noChangeAspect="1"/>
+          </p:cNvPicPr>
+          <p:nvPr>
+            <p:custDataLst>
+              <p:tags r:id="rId66"/>
+            </p:custDataLst>
+          </p:nvPr>
+        </p:nvPicPr>
+        <p:blipFill>
+          <a:blip r:embed="rId81">
+            <a:extLst>
+              <a:ext uri="{28A0092B-C50C-407E-A947-70E740481C1C}">
+                <a14:useLocalDpi xmlns:a14="http://schemas.microsoft.com/office/drawing/2010/main" val="0"/>
+              </a:ext>
+              <a:ext uri="{96DAC541-7B7A-43D3-8B79-37D633B846F1}">
+                <asvg:svgBlip xmlns:asvg="http://schemas.microsoft.com/office/drawing/2016/SVG/main" r:embed="rId82"/>
+              </a:ext>
+            </a:extLst>
+          </a:blip>
+          <a:stretch>
+            <a:fillRect/>
+          </a:stretch>
+        </p:blipFill>
+        <p:spPr>
+          <a:xfrm>
+            <a:off x="8834126" y="4429757"/>
+            <a:ext cx="629919" cy="629919"/>
+          </a:xfrm>
+          <a:prstGeom prst="rect">
+            <a:avLst/>
+          </a:prstGeom>
+        </p:spPr>
+      </p:pic>
+      <p:pic>
+        <p:nvPicPr>
+          <p:cNvPr id="69" name="Espace réservé du contenu 7" descr="Profil masculin">
+            <a:extLst>
+              <a:ext uri="{FF2B5EF4-FFF2-40B4-BE49-F238E27FC236}">
+                <a16:creationId xmlns:a16="http://schemas.microsoft.com/office/drawing/2014/main" id="{D576E1C4-FAD2-ACC4-80FA-9D8547AE3150}"/>
+              </a:ext>
+            </a:extLst>
+          </p:cNvPr>
+          <p:cNvPicPr>
+            <a:picLocks noChangeAspect="1"/>
+          </p:cNvPicPr>
+          <p:nvPr>
+            <p:custDataLst>
+              <p:tags r:id="rId67"/>
+            </p:custDataLst>
+          </p:nvPr>
+        </p:nvPicPr>
+        <p:blipFill>
+          <a:blip r:embed="rId81">
+            <a:extLst>
+              <a:ext uri="{28A0092B-C50C-407E-A947-70E740481C1C}">
+                <a14:useLocalDpi xmlns:a14="http://schemas.microsoft.com/office/drawing/2010/main" val="0"/>
+              </a:ext>
+              <a:ext uri="{96DAC541-7B7A-43D3-8B79-37D633B846F1}">
+                <asvg:svgBlip xmlns:asvg="http://schemas.microsoft.com/office/drawing/2016/SVG/main" r:embed="rId82"/>
+              </a:ext>
+            </a:extLst>
+          </a:blip>
+          <a:stretch>
+            <a:fillRect/>
+          </a:stretch>
+        </p:blipFill>
+        <p:spPr>
+          <a:xfrm>
+            <a:off x="9464045" y="4429757"/>
+            <a:ext cx="629919" cy="629919"/>
+          </a:xfrm>
+          <a:prstGeom prst="rect">
+            <a:avLst/>
+          </a:prstGeom>
+        </p:spPr>
+      </p:pic>
+      <p:pic>
+        <p:nvPicPr>
+          <p:cNvPr id="70" name="Espace réservé du contenu 7" descr="Profil masculin">
+            <a:extLst>
+              <a:ext uri="{FF2B5EF4-FFF2-40B4-BE49-F238E27FC236}">
+                <a16:creationId xmlns:a16="http://schemas.microsoft.com/office/drawing/2014/main" id="{8081B8EB-967F-DBC5-1F14-9822A1975171}"/>
+              </a:ext>
+            </a:extLst>
+          </p:cNvPr>
+          <p:cNvPicPr>
+            <a:picLocks noChangeAspect="1"/>
+          </p:cNvPicPr>
+          <p:nvPr>
+            <p:custDataLst>
+              <p:tags r:id="rId68"/>
+            </p:custDataLst>
+          </p:nvPr>
+        </p:nvPicPr>
+        <p:blipFill>
+          <a:blip r:embed="rId81">
+            <a:extLst>
+              <a:ext uri="{28A0092B-C50C-407E-A947-70E740481C1C}">
+                <a14:useLocalDpi xmlns:a14="http://schemas.microsoft.com/office/drawing/2010/main" val="0"/>
+              </a:ext>
+              <a:ext uri="{96DAC541-7B7A-43D3-8B79-37D633B846F1}">
+                <asvg:svgBlip xmlns:asvg="http://schemas.microsoft.com/office/drawing/2016/SVG/main" r:embed="rId82"/>
+              </a:ext>
+            </a:extLst>
+          </a:blip>
+          <a:stretch>
+            <a:fillRect/>
+          </a:stretch>
+        </p:blipFill>
+        <p:spPr>
+          <a:xfrm>
+            <a:off x="10093964" y="4429757"/>
+            <a:ext cx="629919" cy="629919"/>
+          </a:xfrm>
+          <a:prstGeom prst="rect">
+            <a:avLst/>
+          </a:prstGeom>
+        </p:spPr>
+      </p:pic>
+      <p:pic>
+        <p:nvPicPr>
+          <p:cNvPr id="71" name="Espace réservé du contenu 7" descr="Profil masculin">
+            <a:extLst>
+              <a:ext uri="{FF2B5EF4-FFF2-40B4-BE49-F238E27FC236}">
+                <a16:creationId xmlns:a16="http://schemas.microsoft.com/office/drawing/2014/main" id="{38B01304-4D14-F00D-DE78-2D44A2508D72}"/>
+              </a:ext>
+            </a:extLst>
+          </p:cNvPr>
+          <p:cNvPicPr>
+            <a:picLocks noChangeAspect="1"/>
+          </p:cNvPicPr>
+          <p:nvPr>
+            <p:custDataLst>
+              <p:tags r:id="rId69"/>
+            </p:custDataLst>
+          </p:nvPr>
+        </p:nvPicPr>
+        <p:blipFill>
+          <a:blip r:embed="rId81">
+            <a:extLst>
+              <a:ext uri="{28A0092B-C50C-407E-A947-70E740481C1C}">
+                <a14:useLocalDpi xmlns:a14="http://schemas.microsoft.com/office/drawing/2010/main" val="0"/>
+              </a:ext>
+              <a:ext uri="{96DAC541-7B7A-43D3-8B79-37D633B846F1}">
+                <asvg:svgBlip xmlns:asvg="http://schemas.microsoft.com/office/drawing/2016/SVG/main" r:embed="rId82"/>
+              </a:ext>
+            </a:extLst>
+          </a:blip>
+          <a:stretch>
+            <a:fillRect/>
+          </a:stretch>
+        </p:blipFill>
+        <p:spPr>
+          <a:xfrm>
+            <a:off x="10723883" y="4429757"/>
+            <a:ext cx="629919" cy="629919"/>
+          </a:xfrm>
+          <a:prstGeom prst="rect">
+            <a:avLst/>
+          </a:prstGeom>
+        </p:spPr>
+      </p:pic>
+    </p:spTree>
+    <p:extLst>
+      <p:ext uri="{BB962C8B-B14F-4D97-AF65-F5344CB8AC3E}">
+        <p14:creationId xmlns:p14="http://schemas.microsoft.com/office/powerpoint/2010/main" val="2939392368"/>
+      </p:ext>
+    </p:extLst>
+  </p:cSld>
+  <p:clrMapOvr>
+    <a:masterClrMapping/>
+  </p:clrMapOvr>
+</p:sld>
+</file>
+
+<file path=ppt/slides/slide34.xml><?xml version="1.0" encoding="utf-8"?>
+<p:sld xmlns:a="http://schemas.openxmlformats.org/drawingml/2006/main" xmlns:r="http://schemas.openxmlformats.org/officeDocument/2006/relationships" xmlns:p="http://schemas.openxmlformats.org/presentationml/2006/main">
+  <p:cSld>
+    <p:spTree>
+      <p:nvGrpSpPr>
+        <p:cNvPr id="1" name=""/>
+        <p:cNvGrpSpPr/>
+        <p:nvPr/>
+      </p:nvGrpSpPr>
+      <p:grpSpPr>
+        <a:xfrm>
+          <a:off x="0" y="0"/>
+          <a:ext cx="0" cy="0"/>
+          <a:chOff x="0" y="0"/>
+          <a:chExt cx="0" cy="0"/>
+        </a:xfrm>
+      </p:grpSpPr>
+      <p:sp>
+        <p:nvSpPr>
+          <p:cNvPr id="5" name="Titre 4">
+            <a:extLst>
+              <a:ext uri="{FF2B5EF4-FFF2-40B4-BE49-F238E27FC236}">
+                <a16:creationId xmlns:a16="http://schemas.microsoft.com/office/drawing/2014/main" id="{CC8F4802-CC91-E7AC-2946-DA5FA0D82889}"/>
+              </a:ext>
+            </a:extLst>
+          </p:cNvPr>
+          <p:cNvSpPr>
+            <a:spLocks noGrp="1"/>
+          </p:cNvSpPr>
+          <p:nvPr>
+            <p:ph type="title"/>
+            <p:custDataLst>
+              <p:tags r:id="rId1"/>
+            </p:custDataLst>
+          </p:nvPr>
+        </p:nvSpPr>
+        <p:spPr/>
+        <p:txBody>
+          <a:bodyPr/>
+          <a:lstStyle/>
+          <a:p>
+            <a:r>
+              <a:rPr lang="fr-FR"/>
+              <a:t>Le modèle causal de Rubin</a:t>
+            </a:r>
+          </a:p>
+        </p:txBody>
+      </p:sp>
+      <mc:AlternateContent xmlns:mc="http://schemas.openxmlformats.org/markup-compatibility/2006" xmlns:a14="http://schemas.microsoft.com/office/drawing/2010/main">
+        <mc:Choice Requires="a14">
+          <p:sp>
+            <p:nvSpPr>
+              <p:cNvPr id="6" name="Espace réservé du contenu 5">
+                <a:extLst>
+                  <a:ext uri="{FF2B5EF4-FFF2-40B4-BE49-F238E27FC236}">
+                    <a16:creationId xmlns:a16="http://schemas.microsoft.com/office/drawing/2014/main" id="{3DB1C466-C726-C164-EB35-533E5ECBCED5}"/>
+                  </a:ext>
+                </a:extLst>
+              </p:cNvPr>
+              <p:cNvSpPr>
+                <a:spLocks noGrp="1"/>
+              </p:cNvSpPr>
+              <p:nvPr>
+                <p:ph idx="1"/>
+                <p:custDataLst>
+                  <p:tags r:id="rId2"/>
+                </p:custDataLst>
+              </p:nvPr>
+            </p:nvSpPr>
+            <p:spPr/>
+            <p:txBody>
+              <a:bodyPr>
+                <a:normAutofit fontScale="92500" lnSpcReduction="10000"/>
+              </a:bodyPr>
+              <a:lstStyle/>
+              <a:p>
+                <a:r>
+                  <a:rPr lang="fr-FR"/>
+                  <a:t>Quel est l'impact du programme sur les bénéficiaires</a:t>
+                </a:r>
+              </a:p>
+              <a:p>
+                <a:r>
+                  <a:rPr lang="fr-FR"/>
+                  <a:t>Effet moyen du traitement sur les traités (ATT)</a:t>
+                </a:r>
+              </a:p>
+              <a:p>
+                <a:r>
+                  <a:rPr lang="fr-FR"/>
+                  <a:t>C'est la différence entre </a:t>
+                </a:r>
+              </a:p>
+              <a:p>
+                <a:pPr lvl="1"/>
+                <a:r>
+                  <a:rPr lang="fr-FR"/>
+                  <a:t>Le résultat moyen des bénéficiaires:</a:t>
+                </a:r>
+                <a:br>
+                  <a:rPr lang="fr-FR"/>
+                </a:br>
+                <a:r>
+                  <a:rPr lang="fr-FR"/>
+                  <a:t> </a:t>
+                </a:r>
+                <a14:m>
+                  <m:oMath xmlns:m="http://schemas.openxmlformats.org/officeDocument/2006/math">
+                    <m:r>
+                      <a:rPr lang="fr-FR" b="0" i="1" smtClean="0">
+                        <a:solidFill>
+                          <a:srgbClr val="00B050"/>
+                        </a:solidFill>
+                        <a:latin typeface="Cambria Math" panose="02040503050406030204" pitchFamily="18" charset="0"/>
+                      </a:rPr>
+                      <m:t>𝐸</m:t>
+                    </m:r>
+                    <m:d>
+                      <m:dPr>
+                        <m:endChr m:val="|"/>
+                        <m:ctrlPr>
+                          <a:rPr lang="fr-FR" b="0" i="1" smtClean="0">
+                            <a:solidFill>
+                              <a:srgbClr val="00B050"/>
+                            </a:solidFill>
+                            <a:latin typeface="Cambria Math" panose="02040503050406030204" pitchFamily="18" charset="0"/>
+                          </a:rPr>
+                        </m:ctrlPr>
+                      </m:dPr>
+                      <m:e>
+                        <m:sSub>
+                          <m:sSubPr>
+                            <m:ctrlPr>
+                              <a:rPr lang="fr-FR" b="0" i="1" smtClean="0">
+                                <a:solidFill>
+                                  <a:srgbClr val="00B050"/>
+                                </a:solidFill>
+                                <a:latin typeface="Cambria Math" panose="02040503050406030204" pitchFamily="18" charset="0"/>
+                              </a:rPr>
+                            </m:ctrlPr>
+                          </m:sSubPr>
+                          <m:e>
+                            <m:r>
+                              <a:rPr lang="fr-FR" b="0" i="1" smtClean="0">
+                                <a:solidFill>
+                                  <a:srgbClr val="00B050"/>
+                                </a:solidFill>
+                                <a:latin typeface="Cambria Math" panose="02040503050406030204" pitchFamily="18" charset="0"/>
+                              </a:rPr>
+                              <m:t>𝑌</m:t>
+                            </m:r>
+                            <m:r>
+                              <a:rPr lang="fr-FR" b="0" i="1" smtClean="0">
+                                <a:solidFill>
+                                  <a:srgbClr val="00B050"/>
+                                </a:solidFill>
+                                <a:latin typeface="Cambria Math" panose="02040503050406030204" pitchFamily="18" charset="0"/>
+                              </a:rPr>
+                              <m:t>1</m:t>
+                            </m:r>
+                          </m:e>
+                          <m:sub>
+                            <m:r>
+                              <a:rPr lang="fr-FR" b="0" i="1" smtClean="0">
+                                <a:solidFill>
+                                  <a:srgbClr val="00B050"/>
+                                </a:solidFill>
+                                <a:latin typeface="Cambria Math" panose="02040503050406030204" pitchFamily="18" charset="0"/>
+                              </a:rPr>
+                              <m:t>𝑖</m:t>
+                            </m:r>
+                            <m:r>
+                              <a:rPr lang="fr-FR" b="0" i="1" smtClean="0">
+                                <a:solidFill>
+                                  <a:srgbClr val="00B050"/>
+                                </a:solidFill>
+                                <a:latin typeface="Cambria Math" panose="02040503050406030204" pitchFamily="18" charset="0"/>
+                              </a:rPr>
+                              <m:t> </m:t>
+                            </m:r>
+                          </m:sub>
+                        </m:sSub>
+                      </m:e>
+                    </m:d>
+                    <m:r>
+                      <a:rPr lang="fr-FR" b="0" i="1" smtClean="0">
+                        <a:solidFill>
+                          <a:srgbClr val="00B050"/>
+                        </a:solidFill>
+                        <a:latin typeface="Cambria Math" panose="02040503050406030204" pitchFamily="18" charset="0"/>
+                      </a:rPr>
+                      <m:t> </m:t>
+                    </m:r>
+                    <m:sSub>
+                      <m:sSubPr>
+                        <m:ctrlPr>
+                          <a:rPr lang="fr-FR" b="0" i="1" smtClean="0">
+                            <a:solidFill>
+                              <a:srgbClr val="00B050"/>
+                            </a:solidFill>
+                            <a:latin typeface="Cambria Math" panose="02040503050406030204" pitchFamily="18" charset="0"/>
+                          </a:rPr>
+                        </m:ctrlPr>
+                      </m:sSubPr>
+                      <m:e>
+                        <m:r>
+                          <a:rPr lang="fr-FR" b="0" i="1" smtClean="0">
+                            <a:solidFill>
+                              <a:srgbClr val="00B050"/>
+                            </a:solidFill>
+                            <a:latin typeface="Cambria Math" panose="02040503050406030204" pitchFamily="18" charset="0"/>
+                          </a:rPr>
+                          <m:t>𝑇</m:t>
+                        </m:r>
+                      </m:e>
+                      <m:sub>
+                        <m:r>
+                          <a:rPr lang="fr-FR" b="0" i="1" smtClean="0">
+                            <a:solidFill>
+                              <a:srgbClr val="00B050"/>
+                            </a:solidFill>
+                            <a:latin typeface="Cambria Math" panose="02040503050406030204" pitchFamily="18" charset="0"/>
+                          </a:rPr>
+                          <m:t>𝑖</m:t>
+                        </m:r>
+                      </m:sub>
+                    </m:sSub>
+                    <m:r>
+                      <a:rPr lang="fr-FR" b="0" i="1" smtClean="0">
+                        <a:solidFill>
+                          <a:srgbClr val="00B050"/>
+                        </a:solidFill>
+                        <a:latin typeface="Cambria Math" panose="02040503050406030204" pitchFamily="18" charset="0"/>
+                      </a:rPr>
+                      <m:t>=1)</m:t>
+                    </m:r>
+                  </m:oMath>
+                </a14:m>
+                <a:r>
+                  <a:rPr lang="fr-FR"/>
+                  <a:t> …</a:t>
+                </a:r>
+              </a:p>
+              <a:p>
+                <a:pPr lvl="1"/>
+                <a:r>
+                  <a:rPr lang="fr-FR"/>
+                  <a:t>… et le résultat moyen des bénéficiaires, s'ils n'avaient pas été traités :</a:t>
+                </a:r>
+                <a:br>
+                  <a:rPr lang="fr-FR"/>
+                </a:br>
+                <a:r>
+                  <a:rPr lang="fr-FR"/>
+                  <a:t> </a:t>
+                </a:r>
+                <a14:m>
+                  <m:oMath xmlns:m="http://schemas.openxmlformats.org/officeDocument/2006/math">
+                    <m:r>
+                      <a:rPr lang="fr-FR" b="0" i="1" smtClean="0">
+                        <a:solidFill>
+                          <a:srgbClr val="00B050"/>
+                        </a:solidFill>
+                        <a:latin typeface="Cambria Math" panose="02040503050406030204" pitchFamily="18" charset="0"/>
+                      </a:rPr>
+                      <m:t>𝐸</m:t>
+                    </m:r>
+                    <m:d>
+                      <m:dPr>
+                        <m:endChr m:val="|"/>
+                        <m:ctrlPr>
+                          <a:rPr lang="fr-FR" b="0" i="1" smtClean="0">
+                            <a:solidFill>
+                              <a:srgbClr val="00B050"/>
+                            </a:solidFill>
+                            <a:latin typeface="Cambria Math" panose="02040503050406030204" pitchFamily="18" charset="0"/>
+                          </a:rPr>
+                        </m:ctrlPr>
+                      </m:dPr>
+                      <m:e>
+                        <m:sSub>
+                          <m:sSubPr>
+                            <m:ctrlPr>
+                              <a:rPr lang="fr-FR" b="0" i="1" smtClean="0">
+                                <a:solidFill>
+                                  <a:srgbClr val="FF0000"/>
+                                </a:solidFill>
+                                <a:latin typeface="Cambria Math" panose="02040503050406030204" pitchFamily="18" charset="0"/>
+                              </a:rPr>
+                            </m:ctrlPr>
+                          </m:sSubPr>
+                          <m:e>
+                            <m:r>
+                              <a:rPr lang="fr-FR" b="0" i="1" smtClean="0">
+                                <a:solidFill>
+                                  <a:srgbClr val="FF0000"/>
+                                </a:solidFill>
+                                <a:latin typeface="Cambria Math" panose="02040503050406030204" pitchFamily="18" charset="0"/>
+                              </a:rPr>
+                              <m:t>𝑌</m:t>
+                            </m:r>
+                            <m:r>
+                              <a:rPr lang="fr-FR" b="0" i="1" smtClean="0">
+                                <a:solidFill>
+                                  <a:srgbClr val="FF0000"/>
+                                </a:solidFill>
+                                <a:latin typeface="Cambria Math" panose="02040503050406030204" pitchFamily="18" charset="0"/>
+                              </a:rPr>
+                              <m:t>0</m:t>
+                            </m:r>
+                          </m:e>
+                          <m:sub>
+                            <m:r>
+                              <a:rPr lang="fr-FR" b="0" i="1" smtClean="0">
+                                <a:solidFill>
+                                  <a:srgbClr val="FF0000"/>
+                                </a:solidFill>
+                                <a:latin typeface="Cambria Math" panose="02040503050406030204" pitchFamily="18" charset="0"/>
+                              </a:rPr>
+                              <m:t>𝑖</m:t>
+                            </m:r>
+                            <m:r>
+                              <a:rPr lang="fr-FR" b="0" i="1" smtClean="0">
+                                <a:solidFill>
+                                  <a:srgbClr val="FF0000"/>
+                                </a:solidFill>
+                                <a:latin typeface="Cambria Math" panose="02040503050406030204" pitchFamily="18" charset="0"/>
+                              </a:rPr>
+                              <m:t> </m:t>
+                            </m:r>
+                          </m:sub>
+                        </m:sSub>
+                      </m:e>
+                    </m:d>
+                    <m:r>
+                      <a:rPr lang="fr-FR" b="0" i="1" smtClean="0">
+                        <a:solidFill>
+                          <a:srgbClr val="00B050"/>
+                        </a:solidFill>
+                        <a:latin typeface="Cambria Math" panose="02040503050406030204" pitchFamily="18" charset="0"/>
+                      </a:rPr>
+                      <m:t> </m:t>
+                    </m:r>
+                    <m:sSub>
+                      <m:sSubPr>
+                        <m:ctrlPr>
+                          <a:rPr lang="fr-FR" b="0" i="1" smtClean="0">
+                            <a:solidFill>
+                              <a:srgbClr val="00B050"/>
+                            </a:solidFill>
+                            <a:latin typeface="Cambria Math" panose="02040503050406030204" pitchFamily="18" charset="0"/>
+                          </a:rPr>
+                        </m:ctrlPr>
+                      </m:sSubPr>
+                      <m:e>
+                        <m:r>
+                          <a:rPr lang="fr-FR" b="0" i="1" smtClean="0">
+                            <a:solidFill>
+                              <a:srgbClr val="00B050"/>
+                            </a:solidFill>
+                            <a:latin typeface="Cambria Math" panose="02040503050406030204" pitchFamily="18" charset="0"/>
+                          </a:rPr>
+                          <m:t>𝑇</m:t>
+                        </m:r>
+                      </m:e>
+                      <m:sub>
+                        <m:r>
+                          <a:rPr lang="fr-FR" b="0" i="1" smtClean="0">
+                            <a:solidFill>
+                              <a:srgbClr val="00B050"/>
+                            </a:solidFill>
+                            <a:latin typeface="Cambria Math" panose="02040503050406030204" pitchFamily="18" charset="0"/>
+                          </a:rPr>
+                          <m:t>𝑖</m:t>
+                        </m:r>
+                      </m:sub>
+                    </m:sSub>
+                    <m:r>
+                      <a:rPr lang="fr-FR" b="0" i="1" smtClean="0">
+                        <a:solidFill>
+                          <a:srgbClr val="00B050"/>
+                        </a:solidFill>
+                        <a:latin typeface="Cambria Math" panose="02040503050406030204" pitchFamily="18" charset="0"/>
+                      </a:rPr>
+                      <m:t>=1)</m:t>
+                    </m:r>
+                  </m:oMath>
+                </a14:m>
+                <a:endParaRPr lang="fr-FR"/>
+              </a:p>
+              <a:p>
+                <a:r>
+                  <a:rPr lang="fr-FR"/>
+                  <a:t>Estimation de l'effet sur les individus ciblés par le programme</a:t>
+                </a:r>
+              </a:p>
+              <a:p>
+                <a:r>
+                  <a:rPr lang="fr-FR" b="1"/>
+                  <a:t>Problème du contrefactuel </a:t>
+                </a:r>
+                <a:r>
+                  <a:rPr lang="fr-FR"/>
+                  <a:t>: </a:t>
+                </a:r>
+                <a14:m>
+                  <m:oMath xmlns:m="http://schemas.openxmlformats.org/officeDocument/2006/math">
+                    <m:r>
+                      <a:rPr lang="fr-FR" b="0" i="1" smtClean="0">
+                        <a:solidFill>
+                          <a:srgbClr val="00B050"/>
+                        </a:solidFill>
+                        <a:latin typeface="Cambria Math" panose="02040503050406030204" pitchFamily="18" charset="0"/>
+                      </a:rPr>
+                      <m:t>𝐸</m:t>
+                    </m:r>
+                    <m:d>
+                      <m:dPr>
+                        <m:endChr m:val="|"/>
+                        <m:ctrlPr>
+                          <a:rPr lang="fr-FR" b="0" i="1" smtClean="0">
+                            <a:solidFill>
+                              <a:srgbClr val="00B050"/>
+                            </a:solidFill>
+                            <a:latin typeface="Cambria Math" panose="02040503050406030204" pitchFamily="18" charset="0"/>
+                          </a:rPr>
+                        </m:ctrlPr>
+                      </m:dPr>
+                      <m:e>
+                        <m:sSub>
+                          <m:sSubPr>
+                            <m:ctrlPr>
+                              <a:rPr lang="fr-FR" b="0" i="1" smtClean="0">
+                                <a:solidFill>
+                                  <a:srgbClr val="FF0000"/>
+                                </a:solidFill>
+                                <a:latin typeface="Cambria Math" panose="02040503050406030204" pitchFamily="18" charset="0"/>
+                              </a:rPr>
+                            </m:ctrlPr>
+                          </m:sSubPr>
+                          <m:e>
+                            <m:r>
+                              <a:rPr lang="fr-FR" b="0" i="1" smtClean="0">
+                                <a:solidFill>
+                                  <a:srgbClr val="FF0000"/>
+                                </a:solidFill>
+                                <a:latin typeface="Cambria Math" panose="02040503050406030204" pitchFamily="18" charset="0"/>
+                              </a:rPr>
+                              <m:t>𝑌</m:t>
+                            </m:r>
+                            <m:r>
+                              <a:rPr lang="fr-FR" b="0" i="1" smtClean="0">
+                                <a:solidFill>
+                                  <a:srgbClr val="FF0000"/>
+                                </a:solidFill>
+                                <a:latin typeface="Cambria Math" panose="02040503050406030204" pitchFamily="18" charset="0"/>
+                              </a:rPr>
+                              <m:t>0</m:t>
+                            </m:r>
+                          </m:e>
+                          <m:sub>
+                            <m:r>
+                              <a:rPr lang="fr-FR" b="0" i="1" smtClean="0">
+                                <a:solidFill>
+                                  <a:srgbClr val="FF0000"/>
+                                </a:solidFill>
+                                <a:latin typeface="Cambria Math" panose="02040503050406030204" pitchFamily="18" charset="0"/>
+                              </a:rPr>
+                              <m:t>𝑖</m:t>
+                            </m:r>
+                            <m:r>
+                              <a:rPr lang="fr-FR" b="0" i="1" smtClean="0">
+                                <a:solidFill>
+                                  <a:srgbClr val="FF0000"/>
+                                </a:solidFill>
+                                <a:latin typeface="Cambria Math" panose="02040503050406030204" pitchFamily="18" charset="0"/>
+                              </a:rPr>
+                              <m:t> </m:t>
+                            </m:r>
+                          </m:sub>
+                        </m:sSub>
+                      </m:e>
+                    </m:d>
+                    <m:r>
+                      <a:rPr lang="fr-FR" b="0" i="1" smtClean="0">
+                        <a:solidFill>
+                          <a:srgbClr val="00B050"/>
+                        </a:solidFill>
+                        <a:latin typeface="Cambria Math" panose="02040503050406030204" pitchFamily="18" charset="0"/>
+                      </a:rPr>
+                      <m:t> </m:t>
+                    </m:r>
+                    <m:sSub>
+                      <m:sSubPr>
+                        <m:ctrlPr>
+                          <a:rPr lang="fr-FR" b="0" i="1" smtClean="0">
+                            <a:solidFill>
+                              <a:srgbClr val="00B050"/>
+                            </a:solidFill>
+                            <a:latin typeface="Cambria Math" panose="02040503050406030204" pitchFamily="18" charset="0"/>
+                          </a:rPr>
+                        </m:ctrlPr>
+                      </m:sSubPr>
+                      <m:e>
+                        <m:r>
+                          <a:rPr lang="fr-FR" b="0" i="1" smtClean="0">
+                            <a:solidFill>
+                              <a:srgbClr val="00B050"/>
+                            </a:solidFill>
+                            <a:latin typeface="Cambria Math" panose="02040503050406030204" pitchFamily="18" charset="0"/>
+                          </a:rPr>
+                          <m:t>𝑇</m:t>
+                        </m:r>
+                      </m:e>
+                      <m:sub>
+                        <m:r>
+                          <a:rPr lang="fr-FR" b="0" i="1" smtClean="0">
+                            <a:solidFill>
+                              <a:srgbClr val="00B050"/>
+                            </a:solidFill>
+                            <a:latin typeface="Cambria Math" panose="02040503050406030204" pitchFamily="18" charset="0"/>
+                          </a:rPr>
+                          <m:t>𝑖</m:t>
+                        </m:r>
+                      </m:sub>
+                    </m:sSub>
+                    <m:r>
+                      <a:rPr lang="fr-FR" b="0" i="1" smtClean="0">
+                        <a:solidFill>
+                          <a:srgbClr val="00B050"/>
+                        </a:solidFill>
+                        <a:latin typeface="Cambria Math" panose="02040503050406030204" pitchFamily="18" charset="0"/>
+                      </a:rPr>
+                      <m:t>=1)</m:t>
+                    </m:r>
+                  </m:oMath>
+                </a14:m>
+                <a:r>
+                  <a:rPr lang="fr-FR"/>
+                  <a:t> n'est pas observable </a:t>
+                </a:r>
+              </a:p>
+              <a:p>
+                <a14:m>
+                  <m:oMath xmlns:m="http://schemas.openxmlformats.org/officeDocument/2006/math">
+                    <m:r>
+                      <a:rPr lang="fr-FR" i="1">
+                        <a:solidFill>
+                          <a:srgbClr val="00B050"/>
+                        </a:solidFill>
+                        <a:latin typeface="Cambria Math" panose="02040503050406030204" pitchFamily="18" charset="0"/>
+                      </a:rPr>
+                      <m:t>𝐸</m:t>
+                    </m:r>
+                    <m:d>
+                      <m:dPr>
+                        <m:endChr m:val="|"/>
+                        <m:ctrlPr>
+                          <a:rPr lang="fr-FR" i="1">
+                            <a:solidFill>
+                              <a:srgbClr val="00B050"/>
+                            </a:solidFill>
+                            <a:latin typeface="Cambria Math" panose="02040503050406030204" pitchFamily="18" charset="0"/>
+                          </a:rPr>
+                        </m:ctrlPr>
+                      </m:dPr>
+                      <m:e>
+                        <m:sSub>
+                          <m:sSubPr>
+                            <m:ctrlPr>
+                              <a:rPr lang="fr-FR" i="1">
+                                <a:solidFill>
+                                  <a:srgbClr val="FF0000"/>
+                                </a:solidFill>
+                                <a:latin typeface="Cambria Math" panose="02040503050406030204" pitchFamily="18" charset="0"/>
+                              </a:rPr>
+                            </m:ctrlPr>
+                          </m:sSubPr>
+                          <m:e>
+                            <m:r>
+                              <a:rPr lang="fr-FR" i="1">
+                                <a:solidFill>
+                                  <a:srgbClr val="FF0000"/>
+                                </a:solidFill>
+                                <a:latin typeface="Cambria Math" panose="02040503050406030204" pitchFamily="18" charset="0"/>
+                              </a:rPr>
+                              <m:t>𝑌</m:t>
+                            </m:r>
+                            <m:r>
+                              <a:rPr lang="fr-FR" i="1">
+                                <a:solidFill>
+                                  <a:srgbClr val="FF0000"/>
+                                </a:solidFill>
+                                <a:latin typeface="Cambria Math" panose="02040503050406030204" pitchFamily="18" charset="0"/>
+                              </a:rPr>
+                              <m:t>0</m:t>
+                            </m:r>
+                          </m:e>
+                          <m:sub>
+                            <m:r>
+                              <a:rPr lang="fr-FR" i="1">
+                                <a:solidFill>
+                                  <a:srgbClr val="FF0000"/>
+                                </a:solidFill>
+                                <a:latin typeface="Cambria Math" panose="02040503050406030204" pitchFamily="18" charset="0"/>
+                              </a:rPr>
+                              <m:t>𝑖</m:t>
+                            </m:r>
+                            <m:r>
+                              <a:rPr lang="fr-FR" i="1">
+                                <a:solidFill>
+                                  <a:srgbClr val="FF0000"/>
+                                </a:solidFill>
+                                <a:latin typeface="Cambria Math" panose="02040503050406030204" pitchFamily="18" charset="0"/>
+                              </a:rPr>
+                              <m:t> </m:t>
+                            </m:r>
+                          </m:sub>
+                        </m:sSub>
+                      </m:e>
+                    </m:d>
+                    <m:r>
+                      <a:rPr lang="fr-FR" i="1">
+                        <a:solidFill>
+                          <a:srgbClr val="00B050"/>
+                        </a:solidFill>
+                        <a:latin typeface="Cambria Math" panose="02040503050406030204" pitchFamily="18" charset="0"/>
+                      </a:rPr>
+                      <m:t> </m:t>
+                    </m:r>
+                    <m:sSub>
+                      <m:sSubPr>
+                        <m:ctrlPr>
+                          <a:rPr lang="fr-FR" i="1">
+                            <a:solidFill>
+                              <a:srgbClr val="00B050"/>
+                            </a:solidFill>
+                            <a:latin typeface="Cambria Math" panose="02040503050406030204" pitchFamily="18" charset="0"/>
+                          </a:rPr>
+                        </m:ctrlPr>
+                      </m:sSubPr>
+                      <m:e>
+                        <m:r>
+                          <a:rPr lang="fr-FR" i="1">
+                            <a:solidFill>
+                              <a:srgbClr val="00B050"/>
+                            </a:solidFill>
+                            <a:latin typeface="Cambria Math" panose="02040503050406030204" pitchFamily="18" charset="0"/>
+                          </a:rPr>
+                          <m:t>𝑇</m:t>
+                        </m:r>
+                      </m:e>
+                      <m:sub>
+                        <m:r>
+                          <a:rPr lang="fr-FR" i="1">
+                            <a:solidFill>
+                              <a:srgbClr val="00B050"/>
+                            </a:solidFill>
+                            <a:latin typeface="Cambria Math" panose="02040503050406030204" pitchFamily="18" charset="0"/>
+                          </a:rPr>
+                          <m:t>𝑖</m:t>
+                        </m:r>
+                      </m:sub>
+                    </m:sSub>
+                    <m:r>
+                      <a:rPr lang="fr-FR" i="1">
+                        <a:solidFill>
+                          <a:srgbClr val="00B050"/>
+                        </a:solidFill>
+                        <a:latin typeface="Cambria Math" panose="02040503050406030204" pitchFamily="18" charset="0"/>
+                      </a:rPr>
+                      <m:t>=1)</m:t>
+                    </m:r>
+                    <m:r>
+                      <a:rPr lang="fr-FR" b="0" i="1" smtClean="0">
+                        <a:solidFill>
+                          <a:schemeClr val="tx1"/>
+                        </a:solidFill>
+                        <a:latin typeface="Cambria Math" panose="02040503050406030204" pitchFamily="18" charset="0"/>
+                      </a:rPr>
+                      <m:t>=</m:t>
+                    </m:r>
+                    <m:r>
+                      <a:rPr lang="fr-FR" i="1" smtClean="0">
+                        <a:solidFill>
+                          <a:srgbClr val="FF0000"/>
+                        </a:solidFill>
+                        <a:latin typeface="Cambria Math" panose="02040503050406030204" pitchFamily="18" charset="0"/>
+                      </a:rPr>
+                      <m:t>𝐸</m:t>
+                    </m:r>
+                    <m:d>
+                      <m:dPr>
+                        <m:endChr m:val="|"/>
+                        <m:ctrlPr>
+                          <a:rPr lang="fr-FR" i="1" smtClean="0">
+                            <a:solidFill>
+                              <a:srgbClr val="FF0000"/>
+                            </a:solidFill>
+                            <a:latin typeface="Cambria Math" panose="02040503050406030204" pitchFamily="18" charset="0"/>
+                          </a:rPr>
+                        </m:ctrlPr>
+                      </m:dPr>
+                      <m:e>
+                        <m:sSub>
+                          <m:sSubPr>
+                            <m:ctrlPr>
+                              <a:rPr lang="fr-FR" i="1" smtClean="0">
+                                <a:solidFill>
+                                  <a:srgbClr val="FF0000"/>
+                                </a:solidFill>
+                                <a:latin typeface="Cambria Math" panose="02040503050406030204" pitchFamily="18" charset="0"/>
+                              </a:rPr>
+                            </m:ctrlPr>
+                          </m:sSubPr>
+                          <m:e>
+                            <m:r>
+                              <a:rPr lang="fr-FR" i="1" smtClean="0">
+                                <a:solidFill>
+                                  <a:srgbClr val="FF0000"/>
+                                </a:solidFill>
+                                <a:latin typeface="Cambria Math" panose="02040503050406030204" pitchFamily="18" charset="0"/>
+                              </a:rPr>
+                              <m:t>𝑌</m:t>
+                            </m:r>
+                            <m:r>
+                              <a:rPr lang="fr-FR" b="0" i="1" smtClean="0">
+                                <a:solidFill>
+                                  <a:srgbClr val="FF0000"/>
+                                </a:solidFill>
+                                <a:latin typeface="Cambria Math" panose="02040503050406030204" pitchFamily="18" charset="0"/>
+                              </a:rPr>
+                              <m:t>0</m:t>
+                            </m:r>
+                          </m:e>
+                          <m:sub>
+                            <m:r>
+                              <a:rPr lang="fr-FR" i="1" smtClean="0">
+                                <a:solidFill>
+                                  <a:srgbClr val="FF0000"/>
+                                </a:solidFill>
+                                <a:latin typeface="Cambria Math" panose="02040503050406030204" pitchFamily="18" charset="0"/>
+                              </a:rPr>
+                              <m:t>𝑖</m:t>
+                            </m:r>
+                            <m:r>
+                              <a:rPr lang="fr-FR" i="1" smtClean="0">
+                                <a:solidFill>
+                                  <a:srgbClr val="FF0000"/>
+                                </a:solidFill>
+                                <a:latin typeface="Cambria Math" panose="02040503050406030204" pitchFamily="18" charset="0"/>
+                              </a:rPr>
+                              <m:t> </m:t>
+                            </m:r>
+                          </m:sub>
+                        </m:sSub>
+                      </m:e>
+                    </m:d>
+                    <m:r>
+                      <a:rPr lang="fr-FR" i="1" smtClean="0">
+                        <a:solidFill>
+                          <a:srgbClr val="FF0000"/>
+                        </a:solidFill>
+                        <a:latin typeface="Cambria Math" panose="02040503050406030204" pitchFamily="18" charset="0"/>
+                      </a:rPr>
+                      <m:t> </m:t>
+                    </m:r>
+                    <m:sSub>
+                      <m:sSubPr>
+                        <m:ctrlPr>
+                          <a:rPr lang="fr-FR" i="1" smtClean="0">
+                            <a:solidFill>
+                              <a:srgbClr val="FF0000"/>
+                            </a:solidFill>
+                            <a:latin typeface="Cambria Math" panose="02040503050406030204" pitchFamily="18" charset="0"/>
+                          </a:rPr>
+                        </m:ctrlPr>
+                      </m:sSubPr>
+                      <m:e>
+                        <m:r>
+                          <a:rPr lang="fr-FR" i="1" smtClean="0">
+                            <a:solidFill>
+                              <a:srgbClr val="FF0000"/>
+                            </a:solidFill>
+                            <a:latin typeface="Cambria Math" panose="02040503050406030204" pitchFamily="18" charset="0"/>
+                          </a:rPr>
+                          <m:t>𝑇</m:t>
+                        </m:r>
+                      </m:e>
+                      <m:sub>
+                        <m:r>
+                          <a:rPr lang="fr-FR" i="1" smtClean="0">
+                            <a:solidFill>
+                              <a:srgbClr val="FF0000"/>
+                            </a:solidFill>
+                            <a:latin typeface="Cambria Math" panose="02040503050406030204" pitchFamily="18" charset="0"/>
+                          </a:rPr>
+                          <m:t>𝑖</m:t>
+                        </m:r>
+                      </m:sub>
+                    </m:sSub>
+                    <m:r>
+                      <a:rPr lang="fr-FR" i="1" smtClean="0">
+                        <a:solidFill>
+                          <a:srgbClr val="FF0000"/>
+                        </a:solidFill>
+                        <a:latin typeface="Cambria Math" panose="02040503050406030204" pitchFamily="18" charset="0"/>
+                      </a:rPr>
+                      <m:t>=</m:t>
+                    </m:r>
+                    <m:r>
+                      <a:rPr lang="fr-FR" b="0" i="1" smtClean="0">
+                        <a:solidFill>
+                          <a:srgbClr val="FF0000"/>
+                        </a:solidFill>
+                        <a:latin typeface="Cambria Math" panose="02040503050406030204" pitchFamily="18" charset="0"/>
+                      </a:rPr>
+                      <m:t>0</m:t>
+                    </m:r>
+                    <m:r>
+                      <a:rPr lang="fr-FR" i="1" smtClean="0">
+                        <a:solidFill>
+                          <a:srgbClr val="FF0000"/>
+                        </a:solidFill>
+                        <a:latin typeface="Cambria Math" panose="02040503050406030204" pitchFamily="18" charset="0"/>
+                      </a:rPr>
+                      <m:t>)</m:t>
+                    </m:r>
+                  </m:oMath>
+                </a14:m>
+                <a:endParaRPr lang="fr-FR"/>
+              </a:p>
+              <a:p>
+                <a:r>
+                  <a:rPr lang="fr-FR" b="1"/>
+                  <a:t>C'est toute la question !</a:t>
+                </a:r>
+              </a:p>
+            </p:txBody>
+          </p:sp>
+        </mc:Choice>
+        <mc:Fallback xmlns="">
+          <p:sp>
+            <p:nvSpPr>
+              <p:cNvPr id="6" name="Espace réservé du contenu 5">
+                <a:extLst>
+                  <a:ext uri="{FF2B5EF4-FFF2-40B4-BE49-F238E27FC236}">
+                    <a16:creationId xmlns:a16="http://schemas.microsoft.com/office/drawing/2014/main" id="{3DB1C466-C726-C164-EB35-533E5ECBCED5}"/>
+                  </a:ext>
+                </a:extLst>
+              </p:cNvPr>
+              <p:cNvSpPr>
+                <a:spLocks noGrp="1" noRot="1" noChangeAspect="1" noMove="1" noResize="1" noEditPoints="1" noAdjustHandles="1" noChangeArrowheads="1" noChangeShapeType="1" noTextEdit="1"/>
+              </p:cNvSpPr>
+              <p:nvPr>
+                <p:ph idx="1"/>
+                <p:custDataLst>
+                  <p:tags r:id="rId4"/>
+                </p:custDataLst>
+              </p:nvPr>
+            </p:nvSpPr>
+            <p:spPr>
+              <a:blipFill>
+                <a:blip r:embed="rId5"/>
+                <a:stretch>
+                  <a:fillRect l="-928" t="-2801" b="-2941"/>
+                </a:stretch>
+              </a:blipFill>
+            </p:spPr>
+            <p:txBody>
+              <a:bodyPr/>
+              <a:lstStyle/>
+              <a:p>
+                <a:r>
+                  <a:rPr lang="fr-FR">
+                    <a:noFill/>
+                  </a:rPr>
+                  <a:t> </a:t>
+                </a:r>
+              </a:p>
+            </p:txBody>
+          </p:sp>
+        </mc:Fallback>
+      </mc:AlternateContent>
+    </p:spTree>
+    <p:extLst>
+      <p:ext uri="{BB962C8B-B14F-4D97-AF65-F5344CB8AC3E}">
+        <p14:creationId xmlns:p14="http://schemas.microsoft.com/office/powerpoint/2010/main" val="2616515974"/>
+      </p:ext>
+    </p:extLst>
+  </p:cSld>
+  <p:clrMapOvr>
+    <a:masterClrMapping/>
+  </p:clrMapOvr>
+</p:sld>
+</file>
+
+<file path=ppt/slides/slide35.xml><?xml version="1.0" encoding="utf-8"?>
+<p:sld xmlns:a="http://schemas.openxmlformats.org/drawingml/2006/main" xmlns:r="http://schemas.openxmlformats.org/officeDocument/2006/relationships" xmlns:p="http://schemas.openxmlformats.org/presentationml/2006/main">
+  <p:cSld>
+    <p:spTree>
+      <p:nvGrpSpPr>
+        <p:cNvPr id="1" name=""/>
+        <p:cNvGrpSpPr/>
+        <p:nvPr/>
+      </p:nvGrpSpPr>
+      <p:grpSpPr>
+        <a:xfrm>
+          <a:off x="0" y="0"/>
+          <a:ext cx="0" cy="0"/>
+          <a:chOff x="0" y="0"/>
+          <a:chExt cx="0" cy="0"/>
+        </a:xfrm>
+      </p:grpSpPr>
+      <p:sp>
+        <p:nvSpPr>
+          <p:cNvPr id="2" name="Titre 1">
+            <a:extLst>
+              <a:ext uri="{FF2B5EF4-FFF2-40B4-BE49-F238E27FC236}">
+                <a16:creationId xmlns:a16="http://schemas.microsoft.com/office/drawing/2014/main" id="{7A42FEEC-93E6-026A-2444-0DB0D66C040E}"/>
+              </a:ext>
+            </a:extLst>
+          </p:cNvPr>
+          <p:cNvSpPr>
+            <a:spLocks noGrp="1"/>
+          </p:cNvSpPr>
+          <p:nvPr>
+            <p:ph type="title"/>
+            <p:custDataLst>
+              <p:tags r:id="rId1"/>
+            </p:custDataLst>
+          </p:nvPr>
+        </p:nvSpPr>
+        <p:spPr/>
+        <p:txBody>
+          <a:bodyPr/>
+          <a:lstStyle/>
+          <a:p>
+            <a:r>
+              <a:rPr lang="fr-FR"/>
+              <a:t>Modèle causal de Rubin</a:t>
+            </a:r>
+          </a:p>
+        </p:txBody>
+      </p:sp>
+      <p:sp>
+        <p:nvSpPr>
+          <p:cNvPr id="3" name="Espace réservé du contenu 2">
+            <a:extLst>
+              <a:ext uri="{FF2B5EF4-FFF2-40B4-BE49-F238E27FC236}">
+                <a16:creationId xmlns:a16="http://schemas.microsoft.com/office/drawing/2014/main" id="{3FA53CF7-CFA0-27BA-0EA2-28E06A653C44}"/>
+              </a:ext>
+            </a:extLst>
+          </p:cNvPr>
+          <p:cNvSpPr>
+            <a:spLocks noGrp="1"/>
+          </p:cNvSpPr>
+          <p:nvPr>
+            <p:ph idx="1"/>
+            <p:custDataLst>
+              <p:tags r:id="rId2"/>
+            </p:custDataLst>
+          </p:nvPr>
+        </p:nvSpPr>
+        <p:spPr/>
+        <p:txBody>
+          <a:bodyPr/>
+          <a:lstStyle/>
+          <a:p>
+            <a:r>
+              <a:rPr lang="fr-FR"/>
+              <a:t>En résumé, on va toujours comparer des unités non bénéficiaires en faisant comme si elles avaient été bénéficiaires</a:t>
+            </a:r>
+          </a:p>
+          <a:p>
+            <a:r>
+              <a:rPr lang="fr-FR"/>
+              <a:t>Mais la question restera de déterminer dans quelle mesure les non-bénéficiaires sont identiques à des bénéficiaires qui n'auraient pas reçu de traitement</a:t>
+            </a:r>
+          </a:p>
+          <a:p>
+            <a:r>
+              <a:rPr lang="fr-FR"/>
+              <a:t>Toute la boîte à outil de l'évaluation d'impact vise à constituer ce contrefactuel et à tester sa fiabilité</a:t>
+            </a:r>
+          </a:p>
+        </p:txBody>
+      </p:sp>
+    </p:spTree>
+    <p:extLst>
+      <p:ext uri="{BB962C8B-B14F-4D97-AF65-F5344CB8AC3E}">
+        <p14:creationId xmlns:p14="http://schemas.microsoft.com/office/powerpoint/2010/main" val="2748272825"/>
+      </p:ext>
+    </p:extLst>
+  </p:cSld>
+  <p:clrMapOvr>
+    <a:masterClrMapping/>
+  </p:clrMapOvr>
+</p:sld>
+</file>
+
+<file path=ppt/slides/slide36.xml><?xml version="1.0" encoding="utf-8"?>
+<p:sld xmlns:a="http://schemas.openxmlformats.org/drawingml/2006/main" xmlns:r="http://schemas.openxmlformats.org/officeDocument/2006/relationships" xmlns:p="http://schemas.openxmlformats.org/presentationml/2006/main">
+  <p:cSld>
+    <p:spTree>
+      <p:nvGrpSpPr>
+        <p:cNvPr id="1" name=""/>
+        <p:cNvGrpSpPr/>
+        <p:nvPr/>
+      </p:nvGrpSpPr>
+      <p:grpSpPr>
+        <a:xfrm>
+          <a:off x="0" y="0"/>
+          <a:ext cx="0" cy="0"/>
+          <a:chOff x="0" y="0"/>
+          <a:chExt cx="0" cy="0"/>
+        </a:xfrm>
+      </p:grpSpPr>
+      <p:sp>
+        <p:nvSpPr>
+          <p:cNvPr id="4" name="Titre 3">
+            <a:extLst>
+              <a:ext uri="{FF2B5EF4-FFF2-40B4-BE49-F238E27FC236}">
+                <a16:creationId xmlns:a16="http://schemas.microsoft.com/office/drawing/2014/main" id="{18BFAB77-3062-426C-3287-7B063BBBBAF7}"/>
+              </a:ext>
+            </a:extLst>
+          </p:cNvPr>
+          <p:cNvSpPr>
+            <a:spLocks noGrp="1"/>
+          </p:cNvSpPr>
+          <p:nvPr>
+            <p:ph type="title"/>
+            <p:custDataLst>
+              <p:tags r:id="rId1"/>
+            </p:custDataLst>
+          </p:nvPr>
+        </p:nvSpPr>
+        <p:spPr/>
+        <p:txBody>
+          <a:bodyPr/>
+          <a:lstStyle/>
+          <a:p>
+            <a:r>
+              <a:rPr lang="fr-FR"/>
+              <a:t>Discussion</a:t>
+            </a:r>
+          </a:p>
+        </p:txBody>
+      </p:sp>
+      <p:sp>
+        <p:nvSpPr>
+          <p:cNvPr id="5" name="Espace réservé du texte 4">
+            <a:extLst>
+              <a:ext uri="{FF2B5EF4-FFF2-40B4-BE49-F238E27FC236}">
+                <a16:creationId xmlns:a16="http://schemas.microsoft.com/office/drawing/2014/main" id="{1D779E53-219E-1A56-278E-5A80737D6919}"/>
+              </a:ext>
+            </a:extLst>
+          </p:cNvPr>
+          <p:cNvSpPr>
+            <a:spLocks noGrp="1"/>
+          </p:cNvSpPr>
+          <p:nvPr>
+            <p:ph type="body" idx="1"/>
+            <p:custDataLst>
+              <p:tags r:id="rId2"/>
+            </p:custDataLst>
+          </p:nvPr>
+        </p:nvSpPr>
+        <p:spPr/>
+        <p:txBody>
+          <a:bodyPr>
+            <a:normAutofit/>
+          </a:bodyPr>
+          <a:lstStyle/>
+          <a:p>
+            <a:pPr lvl="1"/>
+            <a:r>
+              <a:rPr lang="fr-FR" sz="2800"/>
+              <a:t>Cette approche de contrefactuel vous semble-t-elle pertinente pour vos travaux ? Avez-vous déjà rencontré ou utilisé des méthodes s'appuyant sur cette approche contrefactuelle</a:t>
+            </a:r>
+          </a:p>
+        </p:txBody>
+      </p:sp>
+    </p:spTree>
+    <p:extLst>
+      <p:ext uri="{BB962C8B-B14F-4D97-AF65-F5344CB8AC3E}">
+        <p14:creationId xmlns:p14="http://schemas.microsoft.com/office/powerpoint/2010/main" val="3804741129"/>
+      </p:ext>
+    </p:extLst>
+  </p:cSld>
+  <p:clrMapOvr>
+    <a:masterClrMapping/>
+  </p:clrMapOvr>
+</p:sld>
+</file>
+
+<file path=ppt/slides/slide37.xml><?xml version="1.0" encoding="utf-8"?>
+<p:sld xmlns:a="http://schemas.openxmlformats.org/drawingml/2006/main" xmlns:r="http://schemas.openxmlformats.org/officeDocument/2006/relationships" xmlns:p="http://schemas.openxmlformats.org/presentationml/2006/main">
+  <p:cSld>
+    <p:spTree>
+      <p:nvGrpSpPr>
+        <p:cNvPr id="1" name=""/>
+        <p:cNvGrpSpPr/>
+        <p:nvPr/>
+      </p:nvGrpSpPr>
+      <p:grpSpPr>
+        <a:xfrm>
+          <a:off x="0" y="0"/>
+          <a:ext cx="0" cy="0"/>
+          <a:chOff x="0" y="0"/>
+          <a:chExt cx="0" cy="0"/>
+        </a:xfrm>
+      </p:grpSpPr>
+      <p:sp>
+        <p:nvSpPr>
+          <p:cNvPr id="2" name="Titre 1">
+            <a:extLst>
+              <a:ext uri="{FF2B5EF4-FFF2-40B4-BE49-F238E27FC236}">
+                <a16:creationId xmlns:a16="http://schemas.microsoft.com/office/drawing/2014/main" id="{C7E459DF-FC29-B7DB-85AE-2F5B2D120A29}"/>
+              </a:ext>
+            </a:extLst>
+          </p:cNvPr>
+          <p:cNvSpPr>
+            <a:spLocks noGrp="1"/>
+          </p:cNvSpPr>
+          <p:nvPr>
+            <p:ph type="title"/>
+            <p:custDataLst>
+              <p:tags r:id="rId1"/>
+            </p:custDataLst>
+          </p:nvPr>
+        </p:nvSpPr>
+        <p:spPr/>
+        <p:txBody>
+          <a:bodyPr/>
+          <a:lstStyle/>
+          <a:p>
+            <a:r>
+              <a:rPr lang="fr-FR"/>
+              <a:t>Tour d'horizon rapide des méthodes</a:t>
+            </a:r>
+          </a:p>
+        </p:txBody>
+      </p:sp>
+      <p:sp>
+        <p:nvSpPr>
+          <p:cNvPr id="3" name="Espace réservé du texte 2">
+            <a:extLst>
+              <a:ext uri="{FF2B5EF4-FFF2-40B4-BE49-F238E27FC236}">
+                <a16:creationId xmlns:a16="http://schemas.microsoft.com/office/drawing/2014/main" id="{D37FBEFE-61E4-E4F6-1198-6CA74892DFB2}"/>
+              </a:ext>
+            </a:extLst>
+          </p:cNvPr>
+          <p:cNvSpPr>
+            <a:spLocks noGrp="1"/>
+          </p:cNvSpPr>
+          <p:nvPr>
+            <p:ph type="body" idx="1"/>
+            <p:custDataLst>
+              <p:tags r:id="rId2"/>
+            </p:custDataLst>
+          </p:nvPr>
+        </p:nvSpPr>
+        <p:spPr/>
+        <p:txBody>
+          <a:bodyPr/>
+          <a:lstStyle/>
+          <a:p>
+            <a:r>
+              <a:rPr lang="fr-FR"/>
+              <a:t>Méthodes contrefactuelle</a:t>
+            </a:r>
+          </a:p>
+          <a:p>
+            <a:r>
+              <a:rPr lang="fr-FR"/>
+              <a:t>Économétrie spatiale</a:t>
+            </a:r>
+          </a:p>
+        </p:txBody>
+      </p:sp>
+    </p:spTree>
+    <p:extLst>
+      <p:ext uri="{BB962C8B-B14F-4D97-AF65-F5344CB8AC3E}">
+        <p14:creationId xmlns:p14="http://schemas.microsoft.com/office/powerpoint/2010/main" val="84204929"/>
+      </p:ext>
+    </p:extLst>
+  </p:cSld>
+  <p:clrMapOvr>
+    <a:masterClrMapping/>
+  </p:clrMapOvr>
+</p:sld>
+</file>
+
+<file path=ppt/slides/slide38.xml><?xml version="1.0" encoding="utf-8"?>
+<p:sld xmlns:a="http://schemas.openxmlformats.org/drawingml/2006/main" xmlns:r="http://schemas.openxmlformats.org/officeDocument/2006/relationships" xmlns:p="http://schemas.openxmlformats.org/presentationml/2006/main">
+  <p:cSld>
+    <p:spTree>
+      <p:nvGrpSpPr>
+        <p:cNvPr id="1" name=""/>
+        <p:cNvGrpSpPr/>
+        <p:nvPr/>
+      </p:nvGrpSpPr>
+      <p:grpSpPr>
+        <a:xfrm>
+          <a:off x="0" y="0"/>
+          <a:ext cx="0" cy="0"/>
+          <a:chOff x="0" y="0"/>
+          <a:chExt cx="0" cy="0"/>
+        </a:xfrm>
+      </p:grpSpPr>
+      <p:sp>
+        <p:nvSpPr>
+          <p:cNvPr id="4" name="Titre 3">
+            <a:extLst>
+              <a:ext uri="{FF2B5EF4-FFF2-40B4-BE49-F238E27FC236}">
+                <a16:creationId xmlns:a16="http://schemas.microsoft.com/office/drawing/2014/main" id="{3B65D76E-4A5B-0DAD-C7BD-A2943B552CF3}"/>
+              </a:ext>
+            </a:extLst>
+          </p:cNvPr>
+          <p:cNvSpPr>
+            <a:spLocks noGrp="1"/>
+          </p:cNvSpPr>
+          <p:nvPr>
+            <p:ph type="title"/>
+            <p:custDataLst>
+              <p:tags r:id="rId1"/>
+            </p:custDataLst>
+          </p:nvPr>
+        </p:nvSpPr>
+        <p:spPr/>
+        <p:txBody>
+          <a:bodyPr/>
+          <a:lstStyle/>
+          <a:p>
+            <a:r>
+              <a:rPr lang="fr-FR"/>
+              <a:t>Principales méthodes d'identification causale</a:t>
+            </a:r>
+          </a:p>
+        </p:txBody>
+      </p:sp>
+      <p:sp>
+        <p:nvSpPr>
+          <p:cNvPr id="5" name="Espace réservé du contenu 4">
+            <a:extLst>
+              <a:ext uri="{FF2B5EF4-FFF2-40B4-BE49-F238E27FC236}">
+                <a16:creationId xmlns:a16="http://schemas.microsoft.com/office/drawing/2014/main" id="{E4FE431D-ECC2-BF38-6426-75E9A3ACA913}"/>
+              </a:ext>
+            </a:extLst>
+          </p:cNvPr>
+          <p:cNvSpPr>
+            <a:spLocks noGrp="1"/>
+          </p:cNvSpPr>
+          <p:nvPr>
+            <p:ph idx="1"/>
+            <p:custDataLst>
+              <p:tags r:id="rId2"/>
+            </p:custDataLst>
+          </p:nvPr>
+        </p:nvSpPr>
+        <p:spPr/>
+        <p:txBody>
+          <a:bodyPr>
+            <a:normAutofit/>
+          </a:bodyPr>
+          <a:lstStyle/>
+          <a:p>
+            <a:pPr marL="0" indent="0">
+              <a:buNone/>
+            </a:pPr>
+            <a:r>
+              <a:rPr lang="fr-FR" b="1" dirty="0"/>
+              <a:t>Celles qu'on verra le plus en détail :</a:t>
+            </a:r>
+          </a:p>
+          <a:p>
+            <a:r>
+              <a:rPr lang="fr-FR" dirty="0"/>
+              <a:t>Essais randomisés contrôlés (ERC, RCT en anglais)</a:t>
+            </a:r>
+          </a:p>
+          <a:p>
+            <a:pPr lvl="1"/>
+            <a:r>
+              <a:rPr lang="fr-FR" dirty="0"/>
+              <a:t>Allocation aléatoire des individus dans les groupes traitement et contrôle.</a:t>
+            </a:r>
+          </a:p>
+          <a:p>
+            <a:r>
+              <a:rPr lang="fr-FR" dirty="0"/>
+              <a:t>Appariement (Matching)</a:t>
+            </a:r>
+          </a:p>
+          <a:p>
+            <a:pPr lvl="1"/>
+            <a:r>
+              <a:rPr lang="fr-FR" dirty="0"/>
+              <a:t>Jumelage d'individus traités avec des individus non traités ayant des caractéristiques observables similaires.</a:t>
+            </a:r>
+          </a:p>
+          <a:p>
+            <a:r>
+              <a:rPr lang="fr-FR" dirty="0"/>
+              <a:t>Différence dans la différence (Diff-in-Diff)</a:t>
+            </a:r>
+          </a:p>
+          <a:p>
+            <a:pPr lvl="1"/>
+            <a:r>
+              <a:rPr lang="fr-FR" dirty="0"/>
+              <a:t>Comparaison des écarts entre les groupes traitement et contrôle avant et après une intervention.</a:t>
+            </a:r>
+          </a:p>
+          <a:p>
+            <a:pPr lvl="1"/>
+            <a:r>
+              <a:rPr lang="fr-FR" dirty="0"/>
+              <a:t>Aussi appelé </a:t>
+            </a:r>
+            <a:r>
+              <a:rPr lang="fr-FR" dirty="0" err="1"/>
+              <a:t>Before</a:t>
+            </a:r>
+            <a:r>
+              <a:rPr lang="fr-FR" dirty="0"/>
+              <a:t>-</a:t>
+            </a:r>
+            <a:r>
+              <a:rPr lang="fr-FR" dirty="0" err="1"/>
+              <a:t>After</a:t>
+            </a:r>
+            <a:r>
+              <a:rPr lang="fr-FR" dirty="0"/>
+              <a:t>-Control-Impact (BACI).</a:t>
+            </a:r>
+          </a:p>
+          <a:p>
+            <a:endParaRPr lang="fr-FR" dirty="0"/>
+          </a:p>
+        </p:txBody>
+      </p:sp>
+    </p:spTree>
+    <p:extLst>
+      <p:ext uri="{BB962C8B-B14F-4D97-AF65-F5344CB8AC3E}">
+        <p14:creationId xmlns:p14="http://schemas.microsoft.com/office/powerpoint/2010/main" val="682125248"/>
+      </p:ext>
+    </p:extLst>
+  </p:cSld>
+  <p:clrMapOvr>
+    <a:masterClrMapping/>
+  </p:clrMapOvr>
+  <p:timing>
+    <p:tnLst>
+      <p:par>
+        <p:cTn id="1" dur="indefinite" restart="never" nodeType="tmRoot">
+          <p:childTnLst>
+            <p:seq concurrent="1" nextAc="seek">
+              <p:cTn id="2" dur="indefinite" nodeType="mainSeq">
+                <p:childTnLst>
+                  <p:par>
+                    <p:cTn id="3" fill="hold">
+                      <p:stCondLst>
+                        <p:cond delay="indefinite"/>
+                      </p:stCondLst>
+                      <p:childTnLst>
+                        <p:par>
+                          <p:cTn id="4" fill="hold">
+                            <p:stCondLst>
+                              <p:cond delay="0"/>
+                            </p:stCondLst>
+                            <p:childTnLst>
+                              <p:par>
+                                <p:cTn id="5" presetID="1" presetClass="entr" presetSubtype="0" fill="hold" nodeType="clickEffect">
+                                  <p:stCondLst>
+                                    <p:cond delay="0"/>
+                                  </p:stCondLst>
+                                  <p:childTnLst>
+                                    <p:set>
+                                      <p:cBhvr>
+                                        <p:cTn id="6" dur="1" fill="hold">
+                                          <p:stCondLst>
+                                            <p:cond delay="0"/>
+                                          </p:stCondLst>
+                                        </p:cTn>
+                                        <p:tgtEl>
+                                          <p:spTgt spid="5">
+                                            <p:txEl>
+                                              <p:pRg st="1" end="1"/>
+                                            </p:txEl>
+                                          </p:spTgt>
+                                        </p:tgtEl>
+                                        <p:attrNameLst>
+                                          <p:attrName>style.visibility</p:attrName>
+                                        </p:attrNameLst>
+                                      </p:cBhvr>
+                                      <p:to>
+                                        <p:strVal val="visible"/>
+                                      </p:to>
+                                    </p:set>
+                                  </p:childTnLst>
+                                </p:cTn>
+                              </p:par>
+                            </p:childTnLst>
+                          </p:cTn>
+                        </p:par>
+                      </p:childTnLst>
+                    </p:cTn>
+                  </p:par>
+                  <p:par>
+                    <p:cTn id="7" fill="hold">
+                      <p:stCondLst>
+                        <p:cond delay="indefinite"/>
+                      </p:stCondLst>
+                      <p:childTnLst>
+                        <p:par>
+                          <p:cTn id="8" fill="hold">
+                            <p:stCondLst>
+                              <p:cond delay="0"/>
+                            </p:stCondLst>
+                            <p:childTnLst>
+                              <p:par>
+                                <p:cTn id="9" presetID="1" presetClass="entr" presetSubtype="0" fill="hold" nodeType="clickEffect">
+                                  <p:stCondLst>
+                                    <p:cond delay="0"/>
+                                  </p:stCondLst>
+                                  <p:childTnLst>
+                                    <p:set>
+                                      <p:cBhvr>
+                                        <p:cTn id="10" dur="1" fill="hold">
+                                          <p:stCondLst>
+                                            <p:cond delay="0"/>
+                                          </p:stCondLst>
+                                        </p:cTn>
+                                        <p:tgtEl>
+                                          <p:spTgt spid="5">
+                                            <p:txEl>
+                                              <p:pRg st="2" end="2"/>
+                                            </p:txEl>
+                                          </p:spTgt>
+                                        </p:tgtEl>
+                                        <p:attrNameLst>
+                                          <p:attrName>style.visibility</p:attrName>
+                                        </p:attrNameLst>
+                                      </p:cBhvr>
+                                      <p:to>
+                                        <p:strVal val="visible"/>
+                                      </p:to>
+                                    </p:set>
+                                  </p:childTnLst>
+                                </p:cTn>
+                              </p:par>
+                            </p:childTnLst>
+                          </p:cTn>
+                        </p:par>
+                      </p:childTnLst>
+                    </p:cTn>
+                  </p:par>
+                  <p:par>
+                    <p:cTn id="11" fill="hold">
+                      <p:stCondLst>
+                        <p:cond delay="indefinite"/>
+                      </p:stCondLst>
+                      <p:childTnLst>
+                        <p:par>
+                          <p:cTn id="12" fill="hold">
+                            <p:stCondLst>
+                              <p:cond delay="0"/>
+                            </p:stCondLst>
+                            <p:childTnLst>
+                              <p:par>
+                                <p:cTn id="13" presetID="1" presetClass="entr" presetSubtype="0" fill="hold" nodeType="clickEffect">
+                                  <p:stCondLst>
+                                    <p:cond delay="0"/>
+                                  </p:stCondLst>
+                                  <p:childTnLst>
+                                    <p:set>
+                                      <p:cBhvr>
+                                        <p:cTn id="14" dur="1" fill="hold">
+                                          <p:stCondLst>
+                                            <p:cond delay="0"/>
+                                          </p:stCondLst>
+                                        </p:cTn>
+                                        <p:tgtEl>
+                                          <p:spTgt spid="5">
+                                            <p:txEl>
+                                              <p:pRg st="3" end="3"/>
+                                            </p:txEl>
+                                          </p:spTgt>
+                                        </p:tgtEl>
+                                        <p:attrNameLst>
+                                          <p:attrName>style.visibility</p:attrName>
+                                        </p:attrNameLst>
+                                      </p:cBhvr>
+                                      <p:to>
+                                        <p:strVal val="visible"/>
+                                      </p:to>
+                                    </p:set>
+                                  </p:childTnLst>
+                                </p:cTn>
+                              </p:par>
+                            </p:childTnLst>
+                          </p:cTn>
+                        </p:par>
+                      </p:childTnLst>
+                    </p:cTn>
+                  </p:par>
+                  <p:par>
+                    <p:cTn id="15" fill="hold">
+                      <p:stCondLst>
+                        <p:cond delay="indefinite"/>
+                      </p:stCondLst>
+                      <p:childTnLst>
+                        <p:par>
+                          <p:cTn id="16" fill="hold">
+                            <p:stCondLst>
+                              <p:cond delay="0"/>
+                            </p:stCondLst>
+                            <p:childTnLst>
+                              <p:par>
+                                <p:cTn id="17" presetID="1" presetClass="entr" presetSubtype="0" fill="hold" nodeType="clickEffect">
+                                  <p:stCondLst>
+                                    <p:cond delay="0"/>
+                                  </p:stCondLst>
+                                  <p:childTnLst>
+                                    <p:set>
+                                      <p:cBhvr>
+                                        <p:cTn id="18" dur="1" fill="hold">
+                                          <p:stCondLst>
+                                            <p:cond delay="0"/>
+                                          </p:stCondLst>
+                                        </p:cTn>
+                                        <p:tgtEl>
+                                          <p:spTgt spid="5">
+                                            <p:txEl>
+                                              <p:pRg st="4" end="4"/>
+                                            </p:txEl>
+                                          </p:spTgt>
+                                        </p:tgtEl>
+                                        <p:attrNameLst>
+                                          <p:attrName>style.visibility</p:attrName>
+                                        </p:attrNameLst>
+                                      </p:cBhvr>
+                                      <p:to>
+                                        <p:strVal val="visible"/>
+                                      </p:to>
+                                    </p:set>
+                                  </p:childTnLst>
+                                </p:cTn>
+                              </p:par>
+                            </p:childTnLst>
+                          </p:cTn>
+                        </p:par>
+                      </p:childTnLst>
+                    </p:cTn>
+                  </p:par>
+                  <p:par>
+                    <p:cTn id="19" fill="hold">
+                      <p:stCondLst>
+                        <p:cond delay="indefinite"/>
+                      </p:stCondLst>
+                      <p:childTnLst>
+                        <p:par>
+                          <p:cTn id="20" fill="hold">
+                            <p:stCondLst>
+                              <p:cond delay="0"/>
+                            </p:stCondLst>
+                            <p:childTnLst>
+                              <p:par>
+                                <p:cTn id="21" presetID="1" presetClass="entr" presetSubtype="0" fill="hold" nodeType="clickEffect">
+                                  <p:stCondLst>
+                                    <p:cond delay="0"/>
+                                  </p:stCondLst>
+                                  <p:childTnLst>
+                                    <p:set>
+                                      <p:cBhvr>
+                                        <p:cTn id="22" dur="1" fill="hold">
+                                          <p:stCondLst>
+                                            <p:cond delay="0"/>
+                                          </p:stCondLst>
+                                        </p:cTn>
+                                        <p:tgtEl>
+                                          <p:spTgt spid="5">
+                                            <p:txEl>
+                                              <p:pRg st="5" end="5"/>
+                                            </p:txEl>
+                                          </p:spTgt>
+                                        </p:tgtEl>
+                                        <p:attrNameLst>
+                                          <p:attrName>style.visibility</p:attrName>
+                                        </p:attrNameLst>
+                                      </p:cBhvr>
+                                      <p:to>
+                                        <p:strVal val="visible"/>
+                                      </p:to>
+                                    </p:set>
+                                  </p:childTnLst>
+                                </p:cTn>
+                              </p:par>
+                            </p:childTnLst>
+                          </p:cTn>
+                        </p:par>
+                      </p:childTnLst>
+                    </p:cTn>
+                  </p:par>
+                  <p:par>
+                    <p:cTn id="23" fill="hold">
+                      <p:stCondLst>
+                        <p:cond delay="indefinite"/>
+                      </p:stCondLst>
+                      <p:childTnLst>
+                        <p:par>
+                          <p:cTn id="24" fill="hold">
+                            <p:stCondLst>
+                              <p:cond delay="0"/>
+                            </p:stCondLst>
+                            <p:childTnLst>
+                              <p:par>
+                                <p:cTn id="25" presetID="1" presetClass="entr" presetSubtype="0" fill="hold" nodeType="clickEffect">
+                                  <p:stCondLst>
+                                    <p:cond delay="0"/>
+                                  </p:stCondLst>
+                                  <p:childTnLst>
+                                    <p:set>
+                                      <p:cBhvr>
+                                        <p:cTn id="26" dur="1" fill="hold">
+                                          <p:stCondLst>
+                                            <p:cond delay="0"/>
+                                          </p:stCondLst>
+                                        </p:cTn>
+                                        <p:tgtEl>
+                                          <p:spTgt spid="5">
+                                            <p:txEl>
+                                              <p:pRg st="6" end="6"/>
+                                            </p:txEl>
+                                          </p:spTgt>
+                                        </p:tgtEl>
+                                        <p:attrNameLst>
+                                          <p:attrName>style.visibility</p:attrName>
+                                        </p:attrNameLst>
+                                      </p:cBhvr>
+                                      <p:to>
+                                        <p:strVal val="visible"/>
+                                      </p:to>
+                                    </p:set>
+                                  </p:childTnLst>
+                                </p:cTn>
+                              </p:par>
+                            </p:childTnLst>
+                          </p:cTn>
+                        </p:par>
+                      </p:childTnLst>
+                    </p:cTn>
+                  </p:par>
+                  <p:par>
+                    <p:cTn id="27" fill="hold">
+                      <p:stCondLst>
+                        <p:cond delay="indefinite"/>
+                      </p:stCondLst>
+                      <p:childTnLst>
+                        <p:par>
+                          <p:cTn id="28" fill="hold">
+                            <p:stCondLst>
+                              <p:cond delay="0"/>
+                            </p:stCondLst>
+                            <p:childTnLst>
+                              <p:par>
+                                <p:cTn id="29" presetID="1" presetClass="entr" presetSubtype="0" fill="hold" nodeType="clickEffect">
+                                  <p:stCondLst>
+                                    <p:cond delay="0"/>
+                                  </p:stCondLst>
+                                  <p:childTnLst>
+                                    <p:set>
+                                      <p:cBhvr>
+                                        <p:cTn id="30" dur="1" fill="hold">
+                                          <p:stCondLst>
+                                            <p:cond delay="0"/>
+                                          </p:stCondLst>
+                                        </p:cTn>
+                                        <p:tgtEl>
+                                          <p:spTgt spid="5">
+                                            <p:txEl>
+                                              <p:pRg st="7" end="7"/>
+                                            </p:txEl>
+                                          </p:spTgt>
+                                        </p:tgtEl>
+                                        <p:attrNameLst>
+                                          <p:attrName>style.visibility</p:attrName>
+                                        </p:attrNameLst>
+                                      </p:cBhvr>
+                                      <p:to>
+                                        <p:strVal val="visible"/>
+                                      </p:to>
+                                    </p:set>
+                                  </p:childTnLst>
+                                </p:cTn>
+                              </p:par>
+                            </p:childTnLst>
+                          </p:cTn>
+                        </p:par>
+                      </p:childTnLst>
+                    </p:cTn>
+                  </p:par>
+                </p:childTnLst>
+              </p:cTn>
+              <p:prevCondLst>
+                <p:cond evt="onPrev" delay="0">
+                  <p:tgtEl>
+                    <p:sldTgt/>
+                  </p:tgtEl>
+                </p:cond>
+              </p:prevCondLst>
+              <p:nextCondLst>
+                <p:cond evt="onNext" delay="0">
+                  <p:tgtEl>
+                    <p:sldTgt/>
+                  </p:tgtEl>
+                </p:cond>
+              </p:nextCondLst>
+            </p:seq>
+          </p:childTnLst>
+        </p:cTn>
+      </p:par>
+    </p:tnLst>
+  </p:timing>
+</p:sld>
+</file>
+
+<file path=ppt/slides/slide39.xml><?xml version="1.0" encoding="utf-8"?>
+<p:sld xmlns:a="http://schemas.openxmlformats.org/drawingml/2006/main" xmlns:r="http://schemas.openxmlformats.org/officeDocument/2006/relationships" xmlns:p="http://schemas.openxmlformats.org/presentationml/2006/main">
+  <p:cSld>
+    <p:spTree>
+      <p:nvGrpSpPr>
+        <p:cNvPr id="1" name=""/>
+        <p:cNvGrpSpPr/>
+        <p:nvPr/>
+      </p:nvGrpSpPr>
+      <p:grpSpPr>
+        <a:xfrm>
+          <a:off x="0" y="0"/>
+          <a:ext cx="0" cy="0"/>
+          <a:chOff x="0" y="0"/>
+          <a:chExt cx="0" cy="0"/>
+        </a:xfrm>
+      </p:grpSpPr>
+      <p:sp>
+        <p:nvSpPr>
+          <p:cNvPr id="2" name="Titre 1">
+            <a:extLst>
+              <a:ext uri="{FF2B5EF4-FFF2-40B4-BE49-F238E27FC236}">
+                <a16:creationId xmlns:a16="http://schemas.microsoft.com/office/drawing/2014/main" id="{3B01E94A-A8BE-F100-F773-F49DBEC9462D}"/>
+              </a:ext>
+            </a:extLst>
+          </p:cNvPr>
+          <p:cNvSpPr>
+            <a:spLocks noGrp="1"/>
+          </p:cNvSpPr>
+          <p:nvPr>
+            <p:ph type="title"/>
+            <p:custDataLst>
+              <p:tags r:id="rId1"/>
+            </p:custDataLst>
+          </p:nvPr>
+        </p:nvSpPr>
+        <p:spPr/>
+        <p:txBody>
+          <a:bodyPr/>
+          <a:lstStyle/>
+          <a:p>
+            <a:r>
+              <a:rPr lang="fr-FR"/>
+              <a:t>Principales méthodes d'identification causale</a:t>
+            </a:r>
+          </a:p>
+        </p:txBody>
+      </p:sp>
+      <p:sp>
+        <p:nvSpPr>
+          <p:cNvPr id="3" name="Espace réservé du contenu 2">
+            <a:extLst>
+              <a:ext uri="{FF2B5EF4-FFF2-40B4-BE49-F238E27FC236}">
+                <a16:creationId xmlns:a16="http://schemas.microsoft.com/office/drawing/2014/main" id="{5141C830-385B-2E28-977B-29303B6450AB}"/>
+              </a:ext>
+            </a:extLst>
+          </p:cNvPr>
+          <p:cNvSpPr>
+            <a:spLocks noGrp="1"/>
+          </p:cNvSpPr>
+          <p:nvPr>
+            <p:ph idx="1"/>
+            <p:custDataLst>
+              <p:tags r:id="rId2"/>
+            </p:custDataLst>
+          </p:nvPr>
+        </p:nvSpPr>
+        <p:spPr/>
+        <p:txBody>
+          <a:bodyPr>
+            <a:normAutofit lnSpcReduction="10000"/>
+          </a:bodyPr>
+          <a:lstStyle/>
+          <a:p>
+            <a:pPr marL="0" indent="0">
+              <a:buNone/>
+            </a:pPr>
+            <a:r>
+              <a:rPr lang="fr-FR" b="1"/>
+              <a:t>Celles qu'on abordera plus succinctement :</a:t>
+            </a:r>
+          </a:p>
+          <a:p>
+            <a:r>
+              <a:rPr lang="fr-FR"/>
+              <a:t>Discontinuité de la régression (Regression Discontinuity Design)</a:t>
+            </a:r>
+          </a:p>
+          <a:p>
+            <a:pPr lvl="1"/>
+            <a:r>
+              <a:rPr lang="fr-FR"/>
+              <a:t>Exploite un seuil prédéterminé d'attribution d'un traitement, permettant une comparaison juste au-dessus et juste en dessous de ce seuil.</a:t>
+            </a:r>
+          </a:p>
+          <a:p>
+            <a:r>
+              <a:rPr lang="fr-FR"/>
+              <a:t>Variables instrumentales (IVs)</a:t>
+            </a:r>
+          </a:p>
+          <a:p>
+            <a:pPr lvl="1"/>
+            <a:r>
+              <a:rPr lang="fr-FR"/>
+              <a:t>Utilise une variable (instrument) qui est corrélée avec la variable explicative d'intérêt, mais pas directement avec la variable dépendante, pour isoler la relation causale.</a:t>
+            </a:r>
+          </a:p>
+          <a:p>
+            <a:r>
+              <a:rPr lang="fr-FR"/>
+              <a:t>Contrôles synthétiques</a:t>
+            </a:r>
+          </a:p>
+          <a:p>
+            <a:pPr lvl="1"/>
+            <a:r>
+              <a:rPr lang="fr-FR"/>
+              <a:t>Constitue un "jumeau virtuel" à partir de plusieurs contrôles ("donor pool"). Exemple de la réunification allemande.</a:t>
+            </a:r>
+          </a:p>
+          <a:p>
+            <a:endParaRPr lang="fr-FR"/>
+          </a:p>
+        </p:txBody>
+      </p:sp>
+    </p:spTree>
+    <p:extLst>
+      <p:ext uri="{BB962C8B-B14F-4D97-AF65-F5344CB8AC3E}">
+        <p14:creationId xmlns:p14="http://schemas.microsoft.com/office/powerpoint/2010/main" val="4286362888"/>
+      </p:ext>
+    </p:extLst>
+  </p:cSld>
+  <p:clrMapOvr>
+    <a:masterClrMapping/>
+  </p:clrMapOvr>
+  <p:timing>
+    <p:tnLst>
+      <p:par>
+        <p:cTn id="1" dur="indefinite" restart="never" nodeType="tmRoot">
+          <p:childTnLst>
+            <p:seq concurrent="1" nextAc="seek">
+              <p:cTn id="2" dur="indefinite" nodeType="mainSeq">
+                <p:childTnLst>
+                  <p:par>
+                    <p:cTn id="3" fill="hold">
+                      <p:stCondLst>
+                        <p:cond delay="indefinite"/>
+                      </p:stCondLst>
+                      <p:childTnLst>
+                        <p:par>
+                          <p:cTn id="4" fill="hold">
+                            <p:stCondLst>
+                              <p:cond delay="0"/>
+                            </p:stCondLst>
+                            <p:childTnLst>
+                              <p:par>
+                                <p:cTn id="5" presetID="1" presetClass="entr" presetSubtype="0" fill="hold" nodeType="clickEffect">
+                                  <p:stCondLst>
+                                    <p:cond delay="0"/>
+                                  </p:stCondLst>
+                                  <p:childTnLst>
+                                    <p:set>
+                                      <p:cBhvr>
+                                        <p:cTn id="6" dur="1" fill="hold">
+                                          <p:stCondLst>
+                                            <p:cond delay="0"/>
+                                          </p:stCondLst>
+                                        </p:cTn>
+                                        <p:tgtEl>
+                                          <p:spTgt spid="3">
+                                            <p:txEl>
+                                              <p:pRg st="1" end="1"/>
+                                            </p:txEl>
+                                          </p:spTgt>
+                                        </p:tgtEl>
+                                        <p:attrNameLst>
+                                          <p:attrName>style.visibility</p:attrName>
+                                        </p:attrNameLst>
+                                      </p:cBhvr>
+                                      <p:to>
+                                        <p:strVal val="visible"/>
+                                      </p:to>
+                                    </p:set>
+                                  </p:childTnLst>
+                                </p:cTn>
+                              </p:par>
+                            </p:childTnLst>
+                          </p:cTn>
+                        </p:par>
+                      </p:childTnLst>
+                    </p:cTn>
+                  </p:par>
+                  <p:par>
+                    <p:cTn id="7" fill="hold">
+                      <p:stCondLst>
+                        <p:cond delay="indefinite"/>
+                      </p:stCondLst>
+                      <p:childTnLst>
+                        <p:par>
+                          <p:cTn id="8" fill="hold">
+                            <p:stCondLst>
+                              <p:cond delay="0"/>
+                            </p:stCondLst>
+                            <p:childTnLst>
+                              <p:par>
+                                <p:cTn id="9" presetID="1" presetClass="entr" presetSubtype="0" fill="hold" nodeType="clickEffect">
+                                  <p:stCondLst>
+                                    <p:cond delay="0"/>
+                                  </p:stCondLst>
+                                  <p:childTnLst>
+                                    <p:set>
+                                      <p:cBhvr>
+                                        <p:cTn id="10" dur="1" fill="hold">
+                                          <p:stCondLst>
+                                            <p:cond delay="0"/>
+                                          </p:stCondLst>
+                                        </p:cTn>
+                                        <p:tgtEl>
+                                          <p:spTgt spid="3">
+                                            <p:txEl>
+                                              <p:pRg st="2" end="2"/>
+                                            </p:txEl>
+                                          </p:spTgt>
+                                        </p:tgtEl>
+                                        <p:attrNameLst>
+                                          <p:attrName>style.visibility</p:attrName>
+                                        </p:attrNameLst>
+                                      </p:cBhvr>
+                                      <p:to>
+                                        <p:strVal val="visible"/>
+                                      </p:to>
+                                    </p:set>
+                                  </p:childTnLst>
+                                </p:cTn>
+                              </p:par>
+                            </p:childTnLst>
+                          </p:cTn>
+                        </p:par>
+                      </p:childTnLst>
+                    </p:cTn>
+                  </p:par>
+                  <p:par>
+                    <p:cTn id="11" fill="hold">
+                      <p:stCondLst>
+                        <p:cond delay="indefinite"/>
+                      </p:stCondLst>
+                      <p:childTnLst>
+                        <p:par>
+                          <p:cTn id="12" fill="hold">
+                            <p:stCondLst>
+                              <p:cond delay="0"/>
+                            </p:stCondLst>
+                            <p:childTnLst>
+                              <p:par>
+                                <p:cTn id="13" presetID="1" presetClass="entr" presetSubtype="0" fill="hold" nodeType="clickEffect">
+                                  <p:stCondLst>
+                                    <p:cond delay="0"/>
+                                  </p:stCondLst>
+                                  <p:childTnLst>
+                                    <p:set>
+                                      <p:cBhvr>
+                                        <p:cTn id="14" dur="1" fill="hold">
+                                          <p:stCondLst>
+                                            <p:cond delay="0"/>
+                                          </p:stCondLst>
+                                        </p:cTn>
+                                        <p:tgtEl>
+                                          <p:spTgt spid="3">
+                                            <p:txEl>
+                                              <p:pRg st="3" end="3"/>
+                                            </p:txEl>
+                                          </p:spTgt>
+                                        </p:tgtEl>
+                                        <p:attrNameLst>
+                                          <p:attrName>style.visibility</p:attrName>
+                                        </p:attrNameLst>
+                                      </p:cBhvr>
+                                      <p:to>
+                                        <p:strVal val="visible"/>
+                                      </p:to>
+                                    </p:set>
+                                  </p:childTnLst>
+                                </p:cTn>
+                              </p:par>
+                            </p:childTnLst>
+                          </p:cTn>
+                        </p:par>
+                      </p:childTnLst>
+                    </p:cTn>
+                  </p:par>
+                  <p:par>
+                    <p:cTn id="15" fill="hold">
+                      <p:stCondLst>
+                        <p:cond delay="indefinite"/>
+                      </p:stCondLst>
+                      <p:childTnLst>
+                        <p:par>
+                          <p:cTn id="16" fill="hold">
+                            <p:stCondLst>
+                              <p:cond delay="0"/>
+                            </p:stCondLst>
+                            <p:childTnLst>
+                              <p:par>
+                                <p:cTn id="17" presetID="1" presetClass="entr" presetSubtype="0" fill="hold" nodeType="clickEffect">
+                                  <p:stCondLst>
+                                    <p:cond delay="0"/>
+                                  </p:stCondLst>
+                                  <p:childTnLst>
+                                    <p:set>
+                                      <p:cBhvr>
+                                        <p:cTn id="18" dur="1" fill="hold">
+                                          <p:stCondLst>
+                                            <p:cond delay="0"/>
+                                          </p:stCondLst>
+                                        </p:cTn>
+                                        <p:tgtEl>
+                                          <p:spTgt spid="3">
+                                            <p:txEl>
+                                              <p:pRg st="4" end="4"/>
+                                            </p:txEl>
+                                          </p:spTgt>
+                                        </p:tgtEl>
+                                        <p:attrNameLst>
+                                          <p:attrName>style.visibility</p:attrName>
+                                        </p:attrNameLst>
+                                      </p:cBhvr>
+                                      <p:to>
+                                        <p:strVal val="visible"/>
+                                      </p:to>
+                                    </p:set>
+                                  </p:childTnLst>
+                                </p:cTn>
+                              </p:par>
+                            </p:childTnLst>
+                          </p:cTn>
+                        </p:par>
+                      </p:childTnLst>
+                    </p:cTn>
+                  </p:par>
+                  <p:par>
+                    <p:cTn id="19" fill="hold">
+                      <p:stCondLst>
+                        <p:cond delay="indefinite"/>
+                      </p:stCondLst>
+                      <p:childTnLst>
+                        <p:par>
+                          <p:cTn id="20" fill="hold">
+                            <p:stCondLst>
+                              <p:cond delay="0"/>
+                            </p:stCondLst>
+                            <p:childTnLst>
+                              <p:par>
+                                <p:cTn id="21" presetID="1" presetClass="entr" presetSubtype="0" fill="hold" nodeType="clickEffect">
+                                  <p:stCondLst>
+                                    <p:cond delay="0"/>
+                                  </p:stCondLst>
+                                  <p:childTnLst>
+                                    <p:set>
+                                      <p:cBhvr>
+                                        <p:cTn id="22" dur="1" fill="hold">
+                                          <p:stCondLst>
+                                            <p:cond delay="0"/>
+                                          </p:stCondLst>
+                                        </p:cTn>
+                                        <p:tgtEl>
+                                          <p:spTgt spid="3">
+                                            <p:txEl>
+                                              <p:pRg st="5" end="5"/>
+                                            </p:txEl>
+                                          </p:spTgt>
+                                        </p:tgtEl>
+                                        <p:attrNameLst>
+                                          <p:attrName>style.visibility</p:attrName>
+                                        </p:attrNameLst>
+                                      </p:cBhvr>
+                                      <p:to>
+                                        <p:strVal val="visible"/>
+                                      </p:to>
+                                    </p:set>
+                                  </p:childTnLst>
+                                </p:cTn>
+                              </p:par>
+                            </p:childTnLst>
+                          </p:cTn>
+                        </p:par>
+                      </p:childTnLst>
+                    </p:cTn>
+                  </p:par>
+                  <p:par>
+                    <p:cTn id="23" fill="hold">
+                      <p:stCondLst>
+                        <p:cond delay="indefinite"/>
+                      </p:stCondLst>
+                      <p:childTnLst>
+                        <p:par>
+                          <p:cTn id="24" fill="hold">
+                            <p:stCondLst>
+                              <p:cond delay="0"/>
+                            </p:stCondLst>
+                            <p:childTnLst>
+                              <p:par>
+                                <p:cTn id="25" presetID="1" presetClass="entr" presetSubtype="0" fill="hold" nodeType="clickEffect">
+                                  <p:stCondLst>
+                                    <p:cond delay="0"/>
+                                  </p:stCondLst>
+                                  <p:childTnLst>
+                                    <p:set>
+                                      <p:cBhvr>
+                                        <p:cTn id="26" dur="1" fill="hold">
+                                          <p:stCondLst>
+                                            <p:cond delay="0"/>
+                                          </p:stCondLst>
+                                        </p:cTn>
+                                        <p:tgtEl>
+                                          <p:spTgt spid="3">
+                                            <p:txEl>
+                                              <p:pRg st="6" end="6"/>
+                                            </p:txEl>
+                                          </p:spTgt>
+                                        </p:tgtEl>
+                                        <p:attrNameLst>
+                                          <p:attrName>style.visibility</p:attrName>
+                                        </p:attrNameLst>
+                                      </p:cBhvr>
+                                      <p:to>
+                                        <p:strVal val="visible"/>
+                                      </p:to>
+                                    </p:set>
+                                  </p:childTnLst>
+                                </p:cTn>
+                              </p:par>
+                            </p:childTnLst>
+                          </p:cTn>
+                        </p:par>
+                      </p:childTnLst>
+                    </p:cTn>
+                  </p:par>
+                </p:childTnLst>
+              </p:cTn>
+              <p:prevCondLst>
+                <p:cond evt="onPrev" delay="0">
+                  <p:tgtEl>
+                    <p:sldTgt/>
+                  </p:tgtEl>
+                </p:cond>
+              </p:prevCondLst>
+              <p:nextCondLst>
+                <p:cond evt="onNext" delay="0">
+                  <p:tgtEl>
+                    <p:sldTgt/>
+                  </p:tgtEl>
+                </p:cond>
+              </p:nextCondLst>
+            </p:seq>
+          </p:childTnLst>
+        </p:cTn>
+      </p:par>
+    </p:tnLst>
+  </p:timing>
+</p:sld>
+</file>
+
 <file path=ppt/slides/slide4.xml><?xml version="1.0" encoding="utf-8"?>
 <p:sld xmlns:a="http://schemas.openxmlformats.org/drawingml/2006/main" xmlns:r="http://schemas.openxmlformats.org/officeDocument/2006/relationships" xmlns:p="http://schemas.openxmlformats.org/presentationml/2006/main">
   <p:cSld>
@@ -13844,6 +21852,834 @@
     <p:extLst>
       <p:ext uri="{BB962C8B-B14F-4D97-AF65-F5344CB8AC3E}">
         <p14:creationId xmlns:p14="http://schemas.microsoft.com/office/powerpoint/2010/main" val="2661390897"/>
+      </p:ext>
+    </p:extLst>
+  </p:cSld>
+  <p:clrMapOvr>
+    <a:masterClrMapping/>
+  </p:clrMapOvr>
+</p:sld>
+</file>
+
+<file path=ppt/slides/slide40.xml><?xml version="1.0" encoding="utf-8"?>
+<p:sld xmlns:a="http://schemas.openxmlformats.org/drawingml/2006/main" xmlns:r="http://schemas.openxmlformats.org/officeDocument/2006/relationships" xmlns:p="http://schemas.openxmlformats.org/presentationml/2006/main">
+  <p:cSld>
+    <p:spTree>
+      <p:nvGrpSpPr>
+        <p:cNvPr id="1" name=""/>
+        <p:cNvGrpSpPr/>
+        <p:nvPr/>
+      </p:nvGrpSpPr>
+      <p:grpSpPr>
+        <a:xfrm>
+          <a:off x="0" y="0"/>
+          <a:ext cx="0" cy="0"/>
+          <a:chOff x="0" y="0"/>
+          <a:chExt cx="0" cy="0"/>
+        </a:xfrm>
+      </p:grpSpPr>
+      <p:sp>
+        <p:nvSpPr>
+          <p:cNvPr id="5" name="Titre 4">
+            <a:extLst>
+              <a:ext uri="{FF2B5EF4-FFF2-40B4-BE49-F238E27FC236}">
+                <a16:creationId xmlns:a16="http://schemas.microsoft.com/office/drawing/2014/main" id="{957D0172-6F4D-9501-3441-64535146EE71}"/>
+              </a:ext>
+            </a:extLst>
+          </p:cNvPr>
+          <p:cNvSpPr>
+            <a:spLocks noGrp="1"/>
+          </p:cNvSpPr>
+          <p:nvPr>
+            <p:ph type="title"/>
+            <p:custDataLst>
+              <p:tags r:id="rId1"/>
+            </p:custDataLst>
+          </p:nvPr>
+        </p:nvSpPr>
+        <p:spPr/>
+        <p:txBody>
+          <a:bodyPr>
+            <a:normAutofit/>
+          </a:bodyPr>
+          <a:lstStyle/>
+          <a:p>
+            <a:r>
+              <a:rPr lang="fr-FR"/>
+              <a:t>Économétrie spatiale : Une hybridation entre économie et géographie</a:t>
+            </a:r>
+          </a:p>
+        </p:txBody>
+      </p:sp>
+      <p:sp>
+        <p:nvSpPr>
+          <p:cNvPr id="3" name="Espace réservé du contenu 2">
+            <a:extLst>
+              <a:ext uri="{FF2B5EF4-FFF2-40B4-BE49-F238E27FC236}">
+                <a16:creationId xmlns:a16="http://schemas.microsoft.com/office/drawing/2014/main" id="{084D6019-9352-B945-FCB4-9EA3D4EFF20A}"/>
+              </a:ext>
+            </a:extLst>
+          </p:cNvPr>
+          <p:cNvSpPr>
+            <a:spLocks noGrp="1"/>
+          </p:cNvSpPr>
+          <p:nvPr>
+            <p:ph idx="1"/>
+            <p:custDataLst>
+              <p:tags r:id="rId2"/>
+            </p:custDataLst>
+          </p:nvPr>
+        </p:nvSpPr>
+        <p:spPr/>
+        <p:txBody>
+          <a:bodyPr/>
+          <a:lstStyle/>
+          <a:p>
+            <a:r>
+              <a:rPr lang="fr-FR" b="1"/>
+              <a:t>Définition : </a:t>
+            </a:r>
+            <a:r>
+              <a:rPr lang="fr-FR"/>
+              <a:t>L'économétrie spatiale étudie la manière dont les données et les relations économiques sont influencées par la proximité géographique et spatiale des unités observées.</a:t>
+            </a:r>
+          </a:p>
+          <a:p>
+            <a:r>
+              <a:rPr lang="fr-FR"/>
+              <a:t>Pourquoi est-ce important ? Dans de nombreux phénomènes économiques et sociaux, la localisation et les interactions spatiales jouent un rôle crucial.</a:t>
+            </a:r>
+          </a:p>
+          <a:p>
+            <a:r>
+              <a:rPr lang="fr-FR"/>
+              <a:t>Première loi de la géographie selon Tobler : "</a:t>
+            </a:r>
+            <a:r>
+              <a:rPr lang="fr-FR" i="1"/>
+              <a:t>Tout interagit avec tout, mais deux objets voisins ont plus de chance d'entrer en interaction que deux objets éloignés</a:t>
+            </a:r>
+            <a:r>
+              <a:rPr lang="fr-FR"/>
+              <a:t>." </a:t>
+            </a:r>
+          </a:p>
+          <a:p>
+            <a:endParaRPr lang="fr-FR"/>
+          </a:p>
+        </p:txBody>
+      </p:sp>
+    </p:spTree>
+    <p:extLst>
+      <p:ext uri="{BB962C8B-B14F-4D97-AF65-F5344CB8AC3E}">
+        <p14:creationId xmlns:p14="http://schemas.microsoft.com/office/powerpoint/2010/main" val="517611629"/>
+      </p:ext>
+    </p:extLst>
+  </p:cSld>
+  <p:clrMapOvr>
+    <a:masterClrMapping/>
+  </p:clrMapOvr>
+</p:sld>
+</file>
+
+<file path=ppt/slides/slide41.xml><?xml version="1.0" encoding="utf-8"?>
+<p:sld xmlns:a="http://schemas.openxmlformats.org/drawingml/2006/main" xmlns:r="http://schemas.openxmlformats.org/officeDocument/2006/relationships" xmlns:p="http://schemas.openxmlformats.org/presentationml/2006/main">
+  <p:cSld>
+    <p:spTree>
+      <p:nvGrpSpPr>
+        <p:cNvPr id="1" name=""/>
+        <p:cNvGrpSpPr/>
+        <p:nvPr/>
+      </p:nvGrpSpPr>
+      <p:grpSpPr>
+        <a:xfrm>
+          <a:off x="0" y="0"/>
+          <a:ext cx="0" cy="0"/>
+          <a:chOff x="0" y="0"/>
+          <a:chExt cx="0" cy="0"/>
+        </a:xfrm>
+      </p:grpSpPr>
+      <p:sp>
+        <p:nvSpPr>
+          <p:cNvPr id="2" name="Titre 1">
+            <a:extLst>
+              <a:ext uri="{FF2B5EF4-FFF2-40B4-BE49-F238E27FC236}">
+                <a16:creationId xmlns:a16="http://schemas.microsoft.com/office/drawing/2014/main" id="{327AE0C1-0622-260A-5326-FF43A1559EB9}"/>
+              </a:ext>
+            </a:extLst>
+          </p:cNvPr>
+          <p:cNvSpPr>
+            <a:spLocks noGrp="1"/>
+          </p:cNvSpPr>
+          <p:nvPr>
+            <p:ph type="title"/>
+            <p:custDataLst>
+              <p:tags r:id="rId1"/>
+            </p:custDataLst>
+          </p:nvPr>
+        </p:nvSpPr>
+        <p:spPr/>
+        <p:txBody>
+          <a:bodyPr/>
+          <a:lstStyle/>
+          <a:p>
+            <a:r>
+              <a:rPr lang="fr-FR"/>
+              <a:t>L'essence de la spatialité</a:t>
+            </a:r>
+          </a:p>
+        </p:txBody>
+      </p:sp>
+      <p:sp>
+        <p:nvSpPr>
+          <p:cNvPr id="7" name="Rectangle 2">
+            <a:extLst>
+              <a:ext uri="{FF2B5EF4-FFF2-40B4-BE49-F238E27FC236}">
+                <a16:creationId xmlns:a16="http://schemas.microsoft.com/office/drawing/2014/main" id="{AC8DD2DE-93E6-D4F2-FC27-3DDF0292AEE9}"/>
+              </a:ext>
+            </a:extLst>
+          </p:cNvPr>
+          <p:cNvSpPr>
+            <a:spLocks noGrp="1" noChangeArrowheads="1"/>
+          </p:cNvSpPr>
+          <p:nvPr>
+            <p:ph idx="1"/>
+            <p:custDataLst>
+              <p:tags r:id="rId2"/>
+            </p:custDataLst>
+          </p:nvPr>
+        </p:nvSpPr>
+        <p:spPr/>
+        <p:txBody>
+          <a:bodyPr>
+            <a:normAutofit fontScale="85000" lnSpcReduction="20000"/>
+          </a:bodyPr>
+          <a:lstStyle/>
+          <a:p>
+            <a:pPr lvl="0"/>
+            <a:r>
+              <a:rPr lang="fr-FR" altLang="fr-FR" b="1"/>
+              <a:t>Dépendance spatiale : </a:t>
+            </a:r>
+            <a:r>
+              <a:rPr lang="fr-FR" altLang="fr-FR"/>
+              <a:t>Lorsque la valeur d'une observation est influencée par les valeurs de ses voisines. </a:t>
+            </a:r>
+          </a:p>
+          <a:p>
+            <a:pPr lvl="1"/>
+            <a:r>
+              <a:rPr lang="fr-FR" altLang="fr-FR"/>
+              <a:t>Exemple : La déforestation d'une zone accroit la probabilité de déforestation de ses voisines.</a:t>
+            </a:r>
+          </a:p>
+          <a:p>
+            <a:pPr lvl="0"/>
+            <a:r>
+              <a:rPr lang="fr-FR" altLang="fr-FR" b="1"/>
+              <a:t>Hétérogénéité spatiale : </a:t>
+            </a:r>
+            <a:r>
+              <a:rPr lang="fr-FR" altLang="fr-FR"/>
+              <a:t>Chaque lieu peut avoir des caractéristiques spécifiques qui affectent le comportement des variables étudiées. </a:t>
+            </a:r>
+          </a:p>
+          <a:p>
+            <a:pPr lvl="1"/>
+            <a:r>
+              <a:rPr lang="fr-FR" altLang="fr-FR"/>
+              <a:t>Exemple : Les différences climatiques entre régions influençant la production agricole.</a:t>
+            </a:r>
+          </a:p>
+          <a:p>
+            <a:pPr lvl="0"/>
+            <a:r>
+              <a:rPr lang="fr-FR" altLang="fr-FR" b="1"/>
+              <a:t>Effet de bordure : </a:t>
+            </a:r>
+            <a:r>
+              <a:rPr lang="fr-FR" altLang="fr-FR"/>
+              <a:t>Considère comment les limites d'une zone peuvent influencer les résultats. </a:t>
+            </a:r>
+          </a:p>
+          <a:p>
+            <a:pPr lvl="1"/>
+            <a:r>
+              <a:rPr lang="fr-FR" altLang="fr-FR"/>
+              <a:t>Exemple : des mécanismes de "fuite" de la déforestation à proximité immédiate d'une aire protégée.</a:t>
+            </a:r>
+          </a:p>
+          <a:p>
+            <a:pPr lvl="0"/>
+            <a:r>
+              <a:rPr lang="fr-FR" altLang="fr-FR" b="1"/>
+              <a:t>Effet d'agrégation : </a:t>
+            </a:r>
+            <a:r>
+              <a:rPr lang="fr-FR" altLang="fr-FR"/>
+              <a:t>Se réfère à la manière dont les résultats peuvent changer selon l'échelle d'observation ou le découpage des zones. </a:t>
+            </a:r>
+          </a:p>
+          <a:p>
+            <a:pPr lvl="1"/>
+            <a:r>
+              <a:rPr lang="fr-FR" altLang="fr-FR"/>
+              <a:t>Exemple : Analyser les taux de déforestation par région ou par pays peut donner des résultats différents</a:t>
+            </a:r>
+          </a:p>
+        </p:txBody>
+      </p:sp>
+    </p:spTree>
+    <p:extLst>
+      <p:ext uri="{BB962C8B-B14F-4D97-AF65-F5344CB8AC3E}">
+        <p14:creationId xmlns:p14="http://schemas.microsoft.com/office/powerpoint/2010/main" val="3713811949"/>
+      </p:ext>
+    </p:extLst>
+  </p:cSld>
+  <p:clrMapOvr>
+    <a:masterClrMapping/>
+  </p:clrMapOvr>
+</p:sld>
+</file>
+
+<file path=ppt/slides/slide42.xml><?xml version="1.0" encoding="utf-8"?>
+<p:sld xmlns:a="http://schemas.openxmlformats.org/drawingml/2006/main" xmlns:r="http://schemas.openxmlformats.org/officeDocument/2006/relationships" xmlns:p="http://schemas.openxmlformats.org/presentationml/2006/main">
+  <p:cSld>
+    <p:spTree>
+      <p:nvGrpSpPr>
+        <p:cNvPr id="1" name=""/>
+        <p:cNvGrpSpPr/>
+        <p:nvPr/>
+      </p:nvGrpSpPr>
+      <p:grpSpPr>
+        <a:xfrm>
+          <a:off x="0" y="0"/>
+          <a:ext cx="0" cy="0"/>
+          <a:chOff x="0" y="0"/>
+          <a:chExt cx="0" cy="0"/>
+        </a:xfrm>
+      </p:grpSpPr>
+      <p:sp>
+        <p:nvSpPr>
+          <p:cNvPr id="4" name="Titre 3">
+            <a:extLst>
+              <a:ext uri="{FF2B5EF4-FFF2-40B4-BE49-F238E27FC236}">
+                <a16:creationId xmlns:a16="http://schemas.microsoft.com/office/drawing/2014/main" id="{0825A7DD-15F5-1279-E6D2-7C232715BD29}"/>
+              </a:ext>
+            </a:extLst>
+          </p:cNvPr>
+          <p:cNvSpPr>
+            <a:spLocks noGrp="1"/>
+          </p:cNvSpPr>
+          <p:nvPr>
+            <p:ph type="title"/>
+            <p:custDataLst>
+              <p:tags r:id="rId1"/>
+            </p:custDataLst>
+          </p:nvPr>
+        </p:nvSpPr>
+        <p:spPr/>
+        <p:txBody>
+          <a:bodyPr/>
+          <a:lstStyle/>
+          <a:p>
+            <a:r>
+              <a:rPr lang="fr-FR"/>
+              <a:t>Discussion</a:t>
+            </a:r>
+          </a:p>
+        </p:txBody>
+      </p:sp>
+      <p:sp>
+        <p:nvSpPr>
+          <p:cNvPr id="5" name="Espace réservé du texte 4">
+            <a:extLst>
+              <a:ext uri="{FF2B5EF4-FFF2-40B4-BE49-F238E27FC236}">
+                <a16:creationId xmlns:a16="http://schemas.microsoft.com/office/drawing/2014/main" id="{1C4DEF7E-A62B-7B9E-3DB7-76E2DE21E5F5}"/>
+              </a:ext>
+            </a:extLst>
+          </p:cNvPr>
+          <p:cNvSpPr>
+            <a:spLocks noGrp="1"/>
+          </p:cNvSpPr>
+          <p:nvPr>
+            <p:ph type="body" idx="1"/>
+            <p:custDataLst>
+              <p:tags r:id="rId2"/>
+            </p:custDataLst>
+          </p:nvPr>
+        </p:nvSpPr>
+        <p:spPr/>
+        <p:txBody>
+          <a:bodyPr/>
+          <a:lstStyle/>
+          <a:p>
+            <a:r>
+              <a:rPr lang="fr-FR"/>
+              <a:t>Que vous inspirent ces approches ?</a:t>
+            </a:r>
+          </a:p>
+        </p:txBody>
+      </p:sp>
+    </p:spTree>
+    <p:extLst>
+      <p:ext uri="{BB962C8B-B14F-4D97-AF65-F5344CB8AC3E}">
+        <p14:creationId xmlns:p14="http://schemas.microsoft.com/office/powerpoint/2010/main" val="3362137255"/>
+      </p:ext>
+    </p:extLst>
+  </p:cSld>
+  <p:clrMapOvr>
+    <a:masterClrMapping/>
+  </p:clrMapOvr>
+</p:sld>
+</file>
+
+<file path=ppt/slides/slide43.xml><?xml version="1.0" encoding="utf-8"?>
+<p:sld xmlns:a="http://schemas.openxmlformats.org/drawingml/2006/main" xmlns:r="http://schemas.openxmlformats.org/officeDocument/2006/relationships" xmlns:p="http://schemas.openxmlformats.org/presentationml/2006/main">
+  <p:cSld>
+    <p:spTree>
+      <p:nvGrpSpPr>
+        <p:cNvPr id="1" name=""/>
+        <p:cNvGrpSpPr/>
+        <p:nvPr/>
+      </p:nvGrpSpPr>
+      <p:grpSpPr>
+        <a:xfrm>
+          <a:off x="0" y="0"/>
+          <a:ext cx="0" cy="0"/>
+          <a:chOff x="0" y="0"/>
+          <a:chExt cx="0" cy="0"/>
+        </a:xfrm>
+      </p:grpSpPr>
+      <p:sp>
+        <p:nvSpPr>
+          <p:cNvPr id="2" name="Titre 1">
+            <a:extLst>
+              <a:ext uri="{FF2B5EF4-FFF2-40B4-BE49-F238E27FC236}">
+                <a16:creationId xmlns:a16="http://schemas.microsoft.com/office/drawing/2014/main" id="{7A042E79-9DB9-CD90-2D58-0330C51403C2}"/>
+              </a:ext>
+            </a:extLst>
+          </p:cNvPr>
+          <p:cNvSpPr>
+            <a:spLocks noGrp="1"/>
+          </p:cNvSpPr>
+          <p:nvPr>
+            <p:ph type="title"/>
+            <p:custDataLst>
+              <p:tags r:id="rId1"/>
+            </p:custDataLst>
+          </p:nvPr>
+        </p:nvSpPr>
+        <p:spPr/>
+        <p:txBody>
+          <a:bodyPr/>
+          <a:lstStyle/>
+          <a:p>
+            <a:r>
+              <a:rPr lang="fr-FR"/>
+              <a:t>Travaux de groupe</a:t>
+            </a:r>
+          </a:p>
+        </p:txBody>
+      </p:sp>
+      <p:sp>
+        <p:nvSpPr>
+          <p:cNvPr id="3" name="Espace réservé du texte 2">
+            <a:extLst>
+              <a:ext uri="{FF2B5EF4-FFF2-40B4-BE49-F238E27FC236}">
+                <a16:creationId xmlns:a16="http://schemas.microsoft.com/office/drawing/2014/main" id="{C946BAD4-4BA7-75E6-41E5-2AC96E87D22E}"/>
+              </a:ext>
+            </a:extLst>
+          </p:cNvPr>
+          <p:cNvSpPr>
+            <a:spLocks noGrp="1"/>
+          </p:cNvSpPr>
+          <p:nvPr>
+            <p:ph type="body" idx="1"/>
+            <p:custDataLst>
+              <p:tags r:id="rId2"/>
+            </p:custDataLst>
+          </p:nvPr>
+        </p:nvSpPr>
+        <p:spPr/>
+        <p:txBody>
+          <a:bodyPr/>
+          <a:lstStyle/>
+          <a:p>
+            <a:r>
+              <a:rPr lang="fr-FR"/>
+              <a:t>Revue des articles</a:t>
+            </a:r>
+          </a:p>
+        </p:txBody>
+      </p:sp>
+    </p:spTree>
+    <p:extLst>
+      <p:ext uri="{BB962C8B-B14F-4D97-AF65-F5344CB8AC3E}">
+        <p14:creationId xmlns:p14="http://schemas.microsoft.com/office/powerpoint/2010/main" val="2043473770"/>
+      </p:ext>
+    </p:extLst>
+  </p:cSld>
+  <p:clrMapOvr>
+    <a:masterClrMapping/>
+  </p:clrMapOvr>
+</p:sld>
+</file>
+
+<file path=ppt/slides/slide44.xml><?xml version="1.0" encoding="utf-8"?>
+<p:sld xmlns:a="http://schemas.openxmlformats.org/drawingml/2006/main" xmlns:r="http://schemas.openxmlformats.org/officeDocument/2006/relationships" xmlns:p="http://schemas.openxmlformats.org/presentationml/2006/main">
+  <p:cSld>
+    <p:spTree>
+      <p:nvGrpSpPr>
+        <p:cNvPr id="1" name="">
+          <a:extLst>
+            <a:ext uri="{FF2B5EF4-FFF2-40B4-BE49-F238E27FC236}">
+              <a16:creationId xmlns:a16="http://schemas.microsoft.com/office/drawing/2014/main" id="{D2019F6B-6579-805F-23C5-BD066CC4808B}"/>
+            </a:ext>
+          </a:extLst>
+        </p:cNvPr>
+        <p:cNvGrpSpPr/>
+        <p:nvPr/>
+      </p:nvGrpSpPr>
+      <p:grpSpPr>
+        <a:xfrm>
+          <a:off x="0" y="0"/>
+          <a:ext cx="0" cy="0"/>
+          <a:chOff x="0" y="0"/>
+          <a:chExt cx="0" cy="0"/>
+        </a:xfrm>
+      </p:grpSpPr>
+      <p:sp>
+        <p:nvSpPr>
+          <p:cNvPr id="4" name="Titre 3">
+            <a:extLst>
+              <a:ext uri="{FF2B5EF4-FFF2-40B4-BE49-F238E27FC236}">
+                <a16:creationId xmlns:a16="http://schemas.microsoft.com/office/drawing/2014/main" id="{96883E46-ADEA-78CB-0129-1B492A12A772}"/>
+              </a:ext>
+            </a:extLst>
+          </p:cNvPr>
+          <p:cNvSpPr>
+            <a:spLocks noGrp="1"/>
+          </p:cNvSpPr>
+          <p:nvPr>
+            <p:ph type="title"/>
+            <p:custDataLst>
+              <p:tags r:id="rId1"/>
+            </p:custDataLst>
+          </p:nvPr>
+        </p:nvSpPr>
+        <p:spPr/>
+        <p:txBody>
+          <a:bodyPr/>
+          <a:lstStyle/>
+          <a:p>
+            <a:r>
+              <a:rPr lang="fr-FR" dirty="0"/>
+              <a:t>Revue croisée de deux articles</a:t>
+            </a:r>
+          </a:p>
+        </p:txBody>
+      </p:sp>
+      <p:sp>
+        <p:nvSpPr>
+          <p:cNvPr id="5" name="Espace réservé du contenu 4">
+            <a:extLst>
+              <a:ext uri="{FF2B5EF4-FFF2-40B4-BE49-F238E27FC236}">
+                <a16:creationId xmlns:a16="http://schemas.microsoft.com/office/drawing/2014/main" id="{0E1E6FAC-537A-C92C-97C1-E6B39E8EF407}"/>
+              </a:ext>
+            </a:extLst>
+          </p:cNvPr>
+          <p:cNvSpPr>
+            <a:spLocks noGrp="1"/>
+          </p:cNvSpPr>
+          <p:nvPr>
+            <p:ph idx="1"/>
+            <p:custDataLst>
+              <p:tags r:id="rId2"/>
+            </p:custDataLst>
+          </p:nvPr>
+        </p:nvSpPr>
+        <p:spPr/>
+        <p:txBody>
+          <a:bodyPr>
+            <a:normAutofit fontScale="92500" lnSpcReduction="20000"/>
+          </a:bodyPr>
+          <a:lstStyle/>
+          <a:p>
+            <a:r>
+              <a:rPr lang="fr-FR" dirty="0"/>
+              <a:t>Individuellement, lisez l'article qui vous a été assigné, parmi :</a:t>
+            </a:r>
+          </a:p>
+          <a:p>
+            <a:pPr lvl="1"/>
+            <a:r>
+              <a:rPr lang="fr-FR" dirty="0" err="1"/>
+              <a:t>Desbureaux</a:t>
+            </a:r>
+            <a:r>
+              <a:rPr lang="fr-FR" dirty="0"/>
+              <a:t>, et al. 2025. « Collaborative management partnerships </a:t>
+            </a:r>
+            <a:r>
+              <a:rPr lang="fr-FR" dirty="0" err="1"/>
+              <a:t>strongly</a:t>
+            </a:r>
+            <a:r>
+              <a:rPr lang="fr-FR" dirty="0"/>
+              <a:t> </a:t>
+            </a:r>
+            <a:r>
+              <a:rPr lang="fr-FR" dirty="0" err="1"/>
+              <a:t>decreased</a:t>
+            </a:r>
+            <a:r>
+              <a:rPr lang="fr-FR" dirty="0"/>
+              <a:t> </a:t>
+            </a:r>
+            <a:r>
+              <a:rPr lang="fr-FR" dirty="0" err="1"/>
+              <a:t>deforestation</a:t>
+            </a:r>
+            <a:r>
+              <a:rPr lang="fr-FR" dirty="0"/>
+              <a:t> in the </a:t>
+            </a:r>
+            <a:r>
+              <a:rPr lang="fr-FR" dirty="0" err="1"/>
+              <a:t>most</a:t>
+            </a:r>
+            <a:r>
+              <a:rPr lang="fr-FR" dirty="0"/>
+              <a:t> at-</a:t>
+            </a:r>
+            <a:r>
+              <a:rPr lang="fr-FR" dirty="0" err="1"/>
+              <a:t>risk</a:t>
+            </a:r>
+            <a:r>
+              <a:rPr lang="fr-FR" dirty="0"/>
+              <a:t> </a:t>
+            </a:r>
+            <a:r>
+              <a:rPr lang="fr-FR" dirty="0" err="1"/>
+              <a:t>protected</a:t>
+            </a:r>
+            <a:r>
+              <a:rPr lang="fr-FR" dirty="0"/>
+              <a:t> areas in </a:t>
+            </a:r>
+            <a:r>
+              <a:rPr lang="fr-FR" dirty="0" err="1"/>
+              <a:t>Africa</a:t>
+            </a:r>
+            <a:r>
+              <a:rPr lang="fr-FR" dirty="0"/>
+              <a:t> </a:t>
+            </a:r>
+            <a:r>
+              <a:rPr lang="fr-FR" dirty="0" err="1"/>
+              <a:t>since</a:t>
+            </a:r>
+            <a:r>
+              <a:rPr lang="fr-FR" dirty="0"/>
+              <a:t> 2000 ». </a:t>
+            </a:r>
+            <a:r>
+              <a:rPr lang="fr-FR" dirty="0" err="1"/>
+              <a:t>Proceedings</a:t>
+            </a:r>
+            <a:r>
+              <a:rPr lang="fr-FR" dirty="0"/>
+              <a:t> of the National </a:t>
+            </a:r>
+            <a:r>
+              <a:rPr lang="fr-FR" dirty="0" err="1"/>
+              <a:t>Academy</a:t>
+            </a:r>
+            <a:r>
+              <a:rPr lang="fr-FR" dirty="0"/>
+              <a:t> of Sciences 122 (1): e2411348121. </a:t>
+            </a:r>
+            <a:r>
+              <a:rPr lang="fr-FR" dirty="0">
+                <a:hlinkClick r:id="rId4"/>
+              </a:rPr>
+              <a:t>https://doi.org/10.1073/pnas.2411348121</a:t>
+            </a:r>
+            <a:r>
+              <a:rPr lang="fr-FR" dirty="0"/>
+              <a:t> .</a:t>
+            </a:r>
+          </a:p>
+          <a:p>
+            <a:pPr lvl="1"/>
+            <a:r>
+              <a:rPr lang="fr-FR" dirty="0" err="1">
+                <a:effectLst/>
+              </a:rPr>
+              <a:t>Devenish</a:t>
+            </a:r>
+            <a:r>
+              <a:rPr lang="fr-FR" dirty="0">
+                <a:effectLst/>
+              </a:rPr>
+              <a:t>, Katie, Sébastien </a:t>
+            </a:r>
+            <a:r>
+              <a:rPr lang="fr-FR" dirty="0" err="1">
+                <a:effectLst/>
+              </a:rPr>
+              <a:t>Desbureaux</a:t>
+            </a:r>
+            <a:r>
+              <a:rPr lang="fr-FR" dirty="0">
+                <a:effectLst/>
+              </a:rPr>
+              <a:t>, Simon </a:t>
+            </a:r>
+            <a:r>
+              <a:rPr lang="fr-FR" dirty="0" err="1">
+                <a:effectLst/>
+              </a:rPr>
+              <a:t>Willcock</a:t>
+            </a:r>
+            <a:r>
+              <a:rPr lang="fr-FR" dirty="0">
+                <a:effectLst/>
+              </a:rPr>
+              <a:t>, et Julia P. G. Jones. 2022. « On Track to </a:t>
+            </a:r>
+            <a:r>
+              <a:rPr lang="fr-FR" dirty="0" err="1">
+                <a:effectLst/>
+              </a:rPr>
+              <a:t>Achieve</a:t>
+            </a:r>
+            <a:r>
+              <a:rPr lang="fr-FR" dirty="0">
+                <a:effectLst/>
+              </a:rPr>
+              <a:t> No Net </a:t>
+            </a:r>
+            <a:r>
+              <a:rPr lang="fr-FR" dirty="0" err="1">
+                <a:effectLst/>
+              </a:rPr>
+              <a:t>Loss</a:t>
+            </a:r>
+            <a:r>
+              <a:rPr lang="fr-FR" dirty="0">
+                <a:effectLst/>
+              </a:rPr>
+              <a:t> of Forest at </a:t>
+            </a:r>
+            <a:r>
+              <a:rPr lang="fr-FR" dirty="0" err="1">
+                <a:effectLst/>
+              </a:rPr>
+              <a:t>Madagascar’s</a:t>
+            </a:r>
+            <a:r>
+              <a:rPr lang="fr-FR" dirty="0">
+                <a:effectLst/>
+              </a:rPr>
+              <a:t> </a:t>
+            </a:r>
+            <a:r>
+              <a:rPr lang="fr-FR" dirty="0" err="1">
+                <a:effectLst/>
+              </a:rPr>
+              <a:t>Biggest</a:t>
+            </a:r>
+            <a:r>
+              <a:rPr lang="fr-FR" dirty="0">
+                <a:effectLst/>
+              </a:rPr>
+              <a:t> Mine ». </a:t>
+            </a:r>
+            <a:r>
+              <a:rPr lang="fr-FR" i="1" dirty="0">
+                <a:effectLst/>
+              </a:rPr>
+              <a:t>Nature </a:t>
+            </a:r>
+            <a:r>
+              <a:rPr lang="fr-FR" i="1" dirty="0" err="1">
+                <a:effectLst/>
+              </a:rPr>
+              <a:t>Sustainability</a:t>
+            </a:r>
+            <a:r>
+              <a:rPr lang="fr-FR" dirty="0">
+                <a:effectLst/>
+              </a:rPr>
+              <a:t> 5 (6): 498‑508. </a:t>
+            </a:r>
+            <a:r>
+              <a:rPr lang="fr-FR" dirty="0">
+                <a:effectLst/>
+                <a:hlinkClick r:id="rId5"/>
+              </a:rPr>
+              <a:t>https://doi.org/10.1038/s41893-022-00850-7</a:t>
+            </a:r>
+            <a:r>
+              <a:rPr lang="fr-FR" dirty="0">
+                <a:effectLst/>
+              </a:rPr>
+              <a:t>.</a:t>
+            </a:r>
+          </a:p>
+          <a:p>
+            <a:r>
+              <a:rPr lang="fr-FR" dirty="0"/>
+              <a:t>Préparez des commentaires et questions : </a:t>
+            </a:r>
+          </a:p>
+          <a:p>
+            <a:pPr lvl="1"/>
+            <a:r>
+              <a:rPr lang="fr-FR" dirty="0"/>
+              <a:t>L’article vous a-t-il paru facilement compréhensible ? </a:t>
+            </a:r>
+          </a:p>
+          <a:p>
+            <a:pPr lvl="1"/>
+            <a:r>
+              <a:rPr lang="fr-FR" dirty="0"/>
+              <a:t>À quelle question d’évaluation l’article cherche-t-il à répondre ?</a:t>
+            </a:r>
+          </a:p>
+          <a:p>
+            <a:pPr lvl="1"/>
+            <a:r>
+              <a:rPr lang="fr-FR" dirty="0"/>
+              <a:t>Avez-vous pu identifier les méthodes utilisées ?</a:t>
+            </a:r>
+          </a:p>
+          <a:p>
+            <a:pPr lvl="1"/>
+            <a:r>
+              <a:rPr lang="fr-FR" dirty="0"/>
+              <a:t>Qu’avez-vous retenu des résultats présentés ?</a:t>
+            </a:r>
+          </a:p>
+          <a:p>
+            <a:pPr lvl="1"/>
+            <a:r>
+              <a:rPr lang="fr-FR" dirty="0"/>
+              <a:t>Avez-vous identifié des limites de l’article ?</a:t>
+            </a:r>
+          </a:p>
+          <a:p>
+            <a:endParaRPr lang="fr-FR" dirty="0"/>
+          </a:p>
+        </p:txBody>
+      </p:sp>
+    </p:spTree>
+    <p:extLst>
+      <p:ext uri="{BB962C8B-B14F-4D97-AF65-F5344CB8AC3E}">
+        <p14:creationId xmlns:p14="http://schemas.microsoft.com/office/powerpoint/2010/main" val="3009900642"/>
       </p:ext>
     </p:extLst>
   </p:cSld>
@@ -15021,6 +23857,12 @@
 </p:tagLst>
 </file>
 
+<file path=ppt/tags/tag1000.xml><?xml version="1.0" encoding="utf-8"?>
+<p:tagLst xmlns:a="http://schemas.openxmlformats.org/drawingml/2006/main" xmlns:r="http://schemas.openxmlformats.org/officeDocument/2006/relationships" xmlns:p="http://schemas.openxmlformats.org/presentationml/2006/main">
+  <p:tag name="NUM" val="2"/>
+</p:tagLst>
+</file>
+
 <file path=ppt/tags/tag101.xml><?xml version="1.0" encoding="utf-8"?>
 <p:tagLst xmlns:a="http://schemas.openxmlformats.org/drawingml/2006/main" xmlns:r="http://schemas.openxmlformats.org/officeDocument/2006/relationships" xmlns:p="http://schemas.openxmlformats.org/presentationml/2006/main">
   <p:tag name="NUM" val="1"/>
@@ -15033,60 +23875,672 @@
 </p:tagLst>
 </file>
 
+<file path=ppt/tags/tag103.xml><?xml version="1.0" encoding="utf-8"?>
+<p:tagLst xmlns:a="http://schemas.openxmlformats.org/drawingml/2006/main" xmlns:r="http://schemas.openxmlformats.org/officeDocument/2006/relationships" xmlns:p="http://schemas.openxmlformats.org/presentationml/2006/main">
+  <p:tag name="NUM" val="1"/>
+</p:tagLst>
+</file>
+
+<file path=ppt/tags/tag104.xml><?xml version="1.0" encoding="utf-8"?>
+<p:tagLst xmlns:a="http://schemas.openxmlformats.org/drawingml/2006/main" xmlns:r="http://schemas.openxmlformats.org/officeDocument/2006/relationships" xmlns:p="http://schemas.openxmlformats.org/presentationml/2006/main">
+  <p:tag name="NUM" val="2"/>
+</p:tagLst>
+</file>
+
+<file path=ppt/tags/tag105.xml><?xml version="1.0" encoding="utf-8"?>
+<p:tagLst xmlns:a="http://schemas.openxmlformats.org/drawingml/2006/main" xmlns:r="http://schemas.openxmlformats.org/officeDocument/2006/relationships" xmlns:p="http://schemas.openxmlformats.org/presentationml/2006/main">
+  <p:tag name="NUM" val="1"/>
+</p:tagLst>
+</file>
+
+<file path=ppt/tags/tag106.xml><?xml version="1.0" encoding="utf-8"?>
+<p:tagLst xmlns:a="http://schemas.openxmlformats.org/drawingml/2006/main" xmlns:r="http://schemas.openxmlformats.org/officeDocument/2006/relationships" xmlns:p="http://schemas.openxmlformats.org/presentationml/2006/main">
+  <p:tag name="NUM" val="2"/>
+</p:tagLst>
+</file>
+
+<file path=ppt/tags/tag107.xml><?xml version="1.0" encoding="utf-8"?>
+<p:tagLst xmlns:a="http://schemas.openxmlformats.org/drawingml/2006/main" xmlns:r="http://schemas.openxmlformats.org/officeDocument/2006/relationships" xmlns:p="http://schemas.openxmlformats.org/presentationml/2006/main">
+  <p:tag name="NUM" val="1"/>
+</p:tagLst>
+</file>
+
+<file path=ppt/tags/tag108.xml><?xml version="1.0" encoding="utf-8"?>
+<p:tagLst xmlns:a="http://schemas.openxmlformats.org/drawingml/2006/main" xmlns:r="http://schemas.openxmlformats.org/officeDocument/2006/relationships" xmlns:p="http://schemas.openxmlformats.org/presentationml/2006/main">
+  <p:tag name="NUM" val="2"/>
+</p:tagLst>
+</file>
+
+<file path=ppt/tags/tag109.xml><?xml version="1.0" encoding="utf-8"?>
+<p:tagLst xmlns:a="http://schemas.openxmlformats.org/drawingml/2006/main" xmlns:r="http://schemas.openxmlformats.org/officeDocument/2006/relationships" xmlns:p="http://schemas.openxmlformats.org/presentationml/2006/main">
+  <p:tag name="NUM" val="1"/>
+</p:tagLst>
+</file>
+
 <file path=ppt/tags/tag11.xml><?xml version="1.0" encoding="utf-8"?>
 <p:tagLst xmlns:a="http://schemas.openxmlformats.org/drawingml/2006/main" xmlns:r="http://schemas.openxmlformats.org/officeDocument/2006/relationships" xmlns:p="http://schemas.openxmlformats.org/presentationml/2006/main">
   <p:tag name="NUM" val="2"/>
 </p:tagLst>
 </file>
 
+<file path=ppt/tags/tag110.xml><?xml version="1.0" encoding="utf-8"?>
+<p:tagLst xmlns:a="http://schemas.openxmlformats.org/drawingml/2006/main" xmlns:r="http://schemas.openxmlformats.org/officeDocument/2006/relationships" xmlns:p="http://schemas.openxmlformats.org/presentationml/2006/main">
+  <p:tag name="NUM" val="2"/>
+</p:tagLst>
+</file>
+
+<file path=ppt/tags/tag111.xml><?xml version="1.0" encoding="utf-8"?>
+<p:tagLst xmlns:a="http://schemas.openxmlformats.org/drawingml/2006/main" xmlns:r="http://schemas.openxmlformats.org/officeDocument/2006/relationships" xmlns:p="http://schemas.openxmlformats.org/presentationml/2006/main">
+  <p:tag name="NUM" val="3"/>
+</p:tagLst>
+</file>
+
+<file path=ppt/tags/tag112.xml><?xml version="1.0" encoding="utf-8"?>
+<p:tagLst xmlns:a="http://schemas.openxmlformats.org/drawingml/2006/main" xmlns:r="http://schemas.openxmlformats.org/officeDocument/2006/relationships" xmlns:p="http://schemas.openxmlformats.org/presentationml/2006/main">
+  <p:tag name="NUM" val="4"/>
+</p:tagLst>
+</file>
+
+<file path=ppt/tags/tag113.xml><?xml version="1.0" encoding="utf-8"?>
+<p:tagLst xmlns:a="http://schemas.openxmlformats.org/drawingml/2006/main" xmlns:r="http://schemas.openxmlformats.org/officeDocument/2006/relationships" xmlns:p="http://schemas.openxmlformats.org/presentationml/2006/main">
+  <p:tag name="NUM" val="5"/>
+</p:tagLst>
+</file>
+
+<file path=ppt/tags/tag114.xml><?xml version="1.0" encoding="utf-8"?>
+<p:tagLst xmlns:a="http://schemas.openxmlformats.org/drawingml/2006/main" xmlns:r="http://schemas.openxmlformats.org/officeDocument/2006/relationships" xmlns:p="http://schemas.openxmlformats.org/presentationml/2006/main">
+  <p:tag name="NUM" val="6"/>
+</p:tagLst>
+</file>
+
+<file path=ppt/tags/tag115.xml><?xml version="1.0" encoding="utf-8"?>
+<p:tagLst xmlns:a="http://schemas.openxmlformats.org/drawingml/2006/main" xmlns:r="http://schemas.openxmlformats.org/officeDocument/2006/relationships" xmlns:p="http://schemas.openxmlformats.org/presentationml/2006/main">
+  <p:tag name="NUM" val="7"/>
+</p:tagLst>
+</file>
+
+<file path=ppt/tags/tag116.xml><?xml version="1.0" encoding="utf-8"?>
+<p:tagLst xmlns:a="http://schemas.openxmlformats.org/drawingml/2006/main" xmlns:r="http://schemas.openxmlformats.org/officeDocument/2006/relationships" xmlns:p="http://schemas.openxmlformats.org/presentationml/2006/main">
+  <p:tag name="NUM" val="8"/>
+</p:tagLst>
+</file>
+
+<file path=ppt/tags/tag117.xml><?xml version="1.0" encoding="utf-8"?>
+<p:tagLst xmlns:a="http://schemas.openxmlformats.org/drawingml/2006/main" xmlns:r="http://schemas.openxmlformats.org/officeDocument/2006/relationships" xmlns:p="http://schemas.openxmlformats.org/presentationml/2006/main">
+  <p:tag name="NUM" val="9"/>
+</p:tagLst>
+</file>
+
+<file path=ppt/tags/tag118.xml><?xml version="1.0" encoding="utf-8"?>
+<p:tagLst xmlns:a="http://schemas.openxmlformats.org/drawingml/2006/main" xmlns:r="http://schemas.openxmlformats.org/officeDocument/2006/relationships" xmlns:p="http://schemas.openxmlformats.org/presentationml/2006/main">
+  <p:tag name="NUM" val="10"/>
+</p:tagLst>
+</file>
+
+<file path=ppt/tags/tag119.xml><?xml version="1.0" encoding="utf-8"?>
+<p:tagLst xmlns:a="http://schemas.openxmlformats.org/drawingml/2006/main" xmlns:r="http://schemas.openxmlformats.org/officeDocument/2006/relationships" xmlns:p="http://schemas.openxmlformats.org/presentationml/2006/main">
+  <p:tag name="NUM" val="11"/>
+</p:tagLst>
+</file>
+
 <file path=ppt/tags/tag12.xml><?xml version="1.0" encoding="utf-8"?>
 <p:tagLst xmlns:a="http://schemas.openxmlformats.org/drawingml/2006/main" xmlns:r="http://schemas.openxmlformats.org/officeDocument/2006/relationships" xmlns:p="http://schemas.openxmlformats.org/presentationml/2006/main">
   <p:tag name="NUM" val="2"/>
 </p:tagLst>
 </file>
 
+<file path=ppt/tags/tag120.xml><?xml version="1.0" encoding="utf-8"?>
+<p:tagLst xmlns:a="http://schemas.openxmlformats.org/drawingml/2006/main" xmlns:r="http://schemas.openxmlformats.org/officeDocument/2006/relationships" xmlns:p="http://schemas.openxmlformats.org/presentationml/2006/main">
+  <p:tag name="NUM" val="12"/>
+</p:tagLst>
+</file>
+
+<file path=ppt/tags/tag1200.xml><?xml version="1.0" encoding="utf-8"?>
+<p:tagLst xmlns:a="http://schemas.openxmlformats.org/drawingml/2006/main" xmlns:r="http://schemas.openxmlformats.org/officeDocument/2006/relationships" xmlns:p="http://schemas.openxmlformats.org/presentationml/2006/main">
+  <p:tag name="NUM" val="2"/>
+</p:tagLst>
+</file>
+
+<file path=ppt/tags/tag121.xml><?xml version="1.0" encoding="utf-8"?>
+<p:tagLst xmlns:a="http://schemas.openxmlformats.org/drawingml/2006/main" xmlns:r="http://schemas.openxmlformats.org/officeDocument/2006/relationships" xmlns:p="http://schemas.openxmlformats.org/presentationml/2006/main">
+  <p:tag name="NUM" val="13"/>
+</p:tagLst>
+</file>
+
+<file path=ppt/tags/tag1210.xml><?xml version="1.0" encoding="utf-8"?>
+<p:tagLst xmlns:a="http://schemas.openxmlformats.org/drawingml/2006/main" xmlns:r="http://schemas.openxmlformats.org/officeDocument/2006/relationships" xmlns:p="http://schemas.openxmlformats.org/presentationml/2006/main">
+  <p:tag name="NUM" val="3"/>
+</p:tagLst>
+</file>
+
+<file path=ppt/tags/tag122.xml><?xml version="1.0" encoding="utf-8"?>
+<p:tagLst xmlns:a="http://schemas.openxmlformats.org/drawingml/2006/main" xmlns:r="http://schemas.openxmlformats.org/officeDocument/2006/relationships" xmlns:p="http://schemas.openxmlformats.org/presentationml/2006/main">
+  <p:tag name="NUM" val="14"/>
+</p:tagLst>
+</file>
+
+<file path=ppt/tags/tag123.xml><?xml version="1.0" encoding="utf-8"?>
+<p:tagLst xmlns:a="http://schemas.openxmlformats.org/drawingml/2006/main" xmlns:r="http://schemas.openxmlformats.org/officeDocument/2006/relationships" xmlns:p="http://schemas.openxmlformats.org/presentationml/2006/main">
+  <p:tag name="NUM" val="1"/>
+</p:tagLst>
+</file>
+
+<file path=ppt/tags/tag124.xml><?xml version="1.0" encoding="utf-8"?>
+<p:tagLst xmlns:a="http://schemas.openxmlformats.org/drawingml/2006/main" xmlns:r="http://schemas.openxmlformats.org/officeDocument/2006/relationships" xmlns:p="http://schemas.openxmlformats.org/presentationml/2006/main">
+  <p:tag name="NUM" val="2"/>
+</p:tagLst>
+</file>
+
+<file path=ppt/tags/tag125.xml><?xml version="1.0" encoding="utf-8"?>
+<p:tagLst xmlns:a="http://schemas.openxmlformats.org/drawingml/2006/main" xmlns:r="http://schemas.openxmlformats.org/officeDocument/2006/relationships" xmlns:p="http://schemas.openxmlformats.org/presentationml/2006/main">
+  <p:tag name="NUM" val="1"/>
+</p:tagLst>
+</file>
+
+<file path=ppt/tags/tag126.xml><?xml version="1.0" encoding="utf-8"?>
+<p:tagLst xmlns:a="http://schemas.openxmlformats.org/drawingml/2006/main" xmlns:r="http://schemas.openxmlformats.org/officeDocument/2006/relationships" xmlns:p="http://schemas.openxmlformats.org/presentationml/2006/main">
+  <p:tag name="NUM" val="2"/>
+</p:tagLst>
+</file>
+
+<file path=ppt/tags/tag127.xml><?xml version="1.0" encoding="utf-8"?>
+<p:tagLst xmlns:a="http://schemas.openxmlformats.org/drawingml/2006/main" xmlns:r="http://schemas.openxmlformats.org/officeDocument/2006/relationships" xmlns:p="http://schemas.openxmlformats.org/presentationml/2006/main">
+  <p:tag name="NUM" val="3"/>
+</p:tagLst>
+</file>
+
+<file path=ppt/tags/tag128.xml><?xml version="1.0" encoding="utf-8"?>
+<p:tagLst xmlns:a="http://schemas.openxmlformats.org/drawingml/2006/main" xmlns:r="http://schemas.openxmlformats.org/officeDocument/2006/relationships" xmlns:p="http://schemas.openxmlformats.org/presentationml/2006/main">
+  <p:tag name="NUM" val="4"/>
+</p:tagLst>
+</file>
+
+<file path=ppt/tags/tag129.xml><?xml version="1.0" encoding="utf-8"?>
+<p:tagLst xmlns:a="http://schemas.openxmlformats.org/drawingml/2006/main" xmlns:r="http://schemas.openxmlformats.org/officeDocument/2006/relationships" xmlns:p="http://schemas.openxmlformats.org/presentationml/2006/main">
+  <p:tag name="NUM" val="5"/>
+</p:tagLst>
+</file>
+
 <file path=ppt/tags/tag13.xml><?xml version="1.0" encoding="utf-8"?>
 <p:tagLst xmlns:a="http://schemas.openxmlformats.org/drawingml/2006/main" xmlns:r="http://schemas.openxmlformats.org/officeDocument/2006/relationships" xmlns:p="http://schemas.openxmlformats.org/presentationml/2006/main">
   <p:tag name="NUM" val="1"/>
 </p:tagLst>
 </file>
 
+<file path=ppt/tags/tag130.xml><?xml version="1.0" encoding="utf-8"?>
+<p:tagLst xmlns:a="http://schemas.openxmlformats.org/drawingml/2006/main" xmlns:r="http://schemas.openxmlformats.org/officeDocument/2006/relationships" xmlns:p="http://schemas.openxmlformats.org/presentationml/2006/main">
+  <p:tag name="NUM" val="6"/>
+</p:tagLst>
+</file>
+
+<file path=ppt/tags/tag131.xml><?xml version="1.0" encoding="utf-8"?>
+<p:tagLst xmlns:a="http://schemas.openxmlformats.org/drawingml/2006/main" xmlns:r="http://schemas.openxmlformats.org/officeDocument/2006/relationships" xmlns:p="http://schemas.openxmlformats.org/presentationml/2006/main">
+  <p:tag name="NUM" val="7"/>
+</p:tagLst>
+</file>
+
+<file path=ppt/tags/tag132.xml><?xml version="1.0" encoding="utf-8"?>
+<p:tagLst xmlns:a="http://schemas.openxmlformats.org/drawingml/2006/main" xmlns:r="http://schemas.openxmlformats.org/officeDocument/2006/relationships" xmlns:p="http://schemas.openxmlformats.org/presentationml/2006/main">
+  <p:tag name="NUM" val="8"/>
+</p:tagLst>
+</file>
+
+<file path=ppt/tags/tag133.xml><?xml version="1.0" encoding="utf-8"?>
+<p:tagLst xmlns:a="http://schemas.openxmlformats.org/drawingml/2006/main" xmlns:r="http://schemas.openxmlformats.org/officeDocument/2006/relationships" xmlns:p="http://schemas.openxmlformats.org/presentationml/2006/main">
+  <p:tag name="NUM" val="9"/>
+</p:tagLst>
+</file>
+
+<file path=ppt/tags/tag134.xml><?xml version="1.0" encoding="utf-8"?>
+<p:tagLst xmlns:a="http://schemas.openxmlformats.org/drawingml/2006/main" xmlns:r="http://schemas.openxmlformats.org/officeDocument/2006/relationships" xmlns:p="http://schemas.openxmlformats.org/presentationml/2006/main">
+  <p:tag name="NUM" val="10"/>
+</p:tagLst>
+</file>
+
+<file path=ppt/tags/tag135.xml><?xml version="1.0" encoding="utf-8"?>
+<p:tagLst xmlns:a="http://schemas.openxmlformats.org/drawingml/2006/main" xmlns:r="http://schemas.openxmlformats.org/officeDocument/2006/relationships" xmlns:p="http://schemas.openxmlformats.org/presentationml/2006/main">
+  <p:tag name="NUM" val="11"/>
+</p:tagLst>
+</file>
+
+<file path=ppt/tags/tag136.xml><?xml version="1.0" encoding="utf-8"?>
+<p:tagLst xmlns:a="http://schemas.openxmlformats.org/drawingml/2006/main" xmlns:r="http://schemas.openxmlformats.org/officeDocument/2006/relationships" xmlns:p="http://schemas.openxmlformats.org/presentationml/2006/main">
+  <p:tag name="NUM" val="12"/>
+</p:tagLst>
+</file>
+
+<file path=ppt/tags/tag137.xml><?xml version="1.0" encoding="utf-8"?>
+<p:tagLst xmlns:a="http://schemas.openxmlformats.org/drawingml/2006/main" xmlns:r="http://schemas.openxmlformats.org/officeDocument/2006/relationships" xmlns:p="http://schemas.openxmlformats.org/presentationml/2006/main">
+  <p:tag name="NUM" val="13"/>
+</p:tagLst>
+</file>
+
+<file path=ppt/tags/tag138.xml><?xml version="1.0" encoding="utf-8"?>
+<p:tagLst xmlns:a="http://schemas.openxmlformats.org/drawingml/2006/main" xmlns:r="http://schemas.openxmlformats.org/officeDocument/2006/relationships" xmlns:p="http://schemas.openxmlformats.org/presentationml/2006/main">
+  <p:tag name="NUM" val="14"/>
+</p:tagLst>
+</file>
+
+<file path=ppt/tags/tag139.xml><?xml version="1.0" encoding="utf-8"?>
+<p:tagLst xmlns:a="http://schemas.openxmlformats.org/drawingml/2006/main" xmlns:r="http://schemas.openxmlformats.org/officeDocument/2006/relationships" xmlns:p="http://schemas.openxmlformats.org/presentationml/2006/main">
+  <p:tag name="NUM" val="15"/>
+</p:tagLst>
+</file>
+
 <file path=ppt/tags/tag14.xml><?xml version="1.0" encoding="utf-8"?>
 <p:tagLst xmlns:a="http://schemas.openxmlformats.org/drawingml/2006/main" xmlns:r="http://schemas.openxmlformats.org/officeDocument/2006/relationships" xmlns:p="http://schemas.openxmlformats.org/presentationml/2006/main">
   <p:tag name="NUM" val="2"/>
 </p:tagLst>
 </file>
 
+<file path=ppt/tags/tag140.xml><?xml version="1.0" encoding="utf-8"?>
+<p:tagLst xmlns:a="http://schemas.openxmlformats.org/drawingml/2006/main" xmlns:r="http://schemas.openxmlformats.org/officeDocument/2006/relationships" xmlns:p="http://schemas.openxmlformats.org/presentationml/2006/main">
+  <p:tag name="NUM" val="16"/>
+</p:tagLst>
+</file>
+
+<file path=ppt/tags/tag141.xml><?xml version="1.0" encoding="utf-8"?>
+<p:tagLst xmlns:a="http://schemas.openxmlformats.org/drawingml/2006/main" xmlns:r="http://schemas.openxmlformats.org/officeDocument/2006/relationships" xmlns:p="http://schemas.openxmlformats.org/presentationml/2006/main">
+  <p:tag name="NUM" val="17"/>
+</p:tagLst>
+</file>
+
+<file path=ppt/tags/tag142.xml><?xml version="1.0" encoding="utf-8"?>
+<p:tagLst xmlns:a="http://schemas.openxmlformats.org/drawingml/2006/main" xmlns:r="http://schemas.openxmlformats.org/officeDocument/2006/relationships" xmlns:p="http://schemas.openxmlformats.org/presentationml/2006/main">
+  <p:tag name="NUM" val="18"/>
+</p:tagLst>
+</file>
+
+<file path=ppt/tags/tag143.xml><?xml version="1.0" encoding="utf-8"?>
+<p:tagLst xmlns:a="http://schemas.openxmlformats.org/drawingml/2006/main" xmlns:r="http://schemas.openxmlformats.org/officeDocument/2006/relationships" xmlns:p="http://schemas.openxmlformats.org/presentationml/2006/main">
+  <p:tag name="NUM" val="19"/>
+</p:tagLst>
+</file>
+
+<file path=ppt/tags/tag144.xml><?xml version="1.0" encoding="utf-8"?>
+<p:tagLst xmlns:a="http://schemas.openxmlformats.org/drawingml/2006/main" xmlns:r="http://schemas.openxmlformats.org/officeDocument/2006/relationships" xmlns:p="http://schemas.openxmlformats.org/presentationml/2006/main">
+  <p:tag name="NUM" val="20"/>
+</p:tagLst>
+</file>
+
+<file path=ppt/tags/tag145.xml><?xml version="1.0" encoding="utf-8"?>
+<p:tagLst xmlns:a="http://schemas.openxmlformats.org/drawingml/2006/main" xmlns:r="http://schemas.openxmlformats.org/officeDocument/2006/relationships" xmlns:p="http://schemas.openxmlformats.org/presentationml/2006/main">
+  <p:tag name="NUM" val="21"/>
+</p:tagLst>
+</file>
+
+<file path=ppt/tags/tag146.xml><?xml version="1.0" encoding="utf-8"?>
+<p:tagLst xmlns:a="http://schemas.openxmlformats.org/drawingml/2006/main" xmlns:r="http://schemas.openxmlformats.org/officeDocument/2006/relationships" xmlns:p="http://schemas.openxmlformats.org/presentationml/2006/main">
+  <p:tag name="NUM" val="22"/>
+</p:tagLst>
+</file>
+
+<file path=ppt/tags/tag147.xml><?xml version="1.0" encoding="utf-8"?>
+<p:tagLst xmlns:a="http://schemas.openxmlformats.org/drawingml/2006/main" xmlns:r="http://schemas.openxmlformats.org/officeDocument/2006/relationships" xmlns:p="http://schemas.openxmlformats.org/presentationml/2006/main">
+  <p:tag name="NUM" val="23"/>
+</p:tagLst>
+</file>
+
+<file path=ppt/tags/tag148.xml><?xml version="1.0" encoding="utf-8"?>
+<p:tagLst xmlns:a="http://schemas.openxmlformats.org/drawingml/2006/main" xmlns:r="http://schemas.openxmlformats.org/officeDocument/2006/relationships" xmlns:p="http://schemas.openxmlformats.org/presentationml/2006/main">
+  <p:tag name="NUM" val="24"/>
+</p:tagLst>
+</file>
+
+<file path=ppt/tags/tag149.xml><?xml version="1.0" encoding="utf-8"?>
+<p:tagLst xmlns:a="http://schemas.openxmlformats.org/drawingml/2006/main" xmlns:r="http://schemas.openxmlformats.org/officeDocument/2006/relationships" xmlns:p="http://schemas.openxmlformats.org/presentationml/2006/main">
+  <p:tag name="NUM" val="25"/>
+</p:tagLst>
+</file>
+
 <file path=ppt/tags/tag15.xml><?xml version="1.0" encoding="utf-8"?>
 <p:tagLst xmlns:a="http://schemas.openxmlformats.org/drawingml/2006/main" xmlns:r="http://schemas.openxmlformats.org/officeDocument/2006/relationships" xmlns:p="http://schemas.openxmlformats.org/presentationml/2006/main">
   <p:tag name="NUM" val="1"/>
 </p:tagLst>
 </file>
 
+<file path=ppt/tags/tag150.xml><?xml version="1.0" encoding="utf-8"?>
+<p:tagLst xmlns:a="http://schemas.openxmlformats.org/drawingml/2006/main" xmlns:r="http://schemas.openxmlformats.org/officeDocument/2006/relationships" xmlns:p="http://schemas.openxmlformats.org/presentationml/2006/main">
+  <p:tag name="NUM" val="26"/>
+</p:tagLst>
+</file>
+
+<file path=ppt/tags/tag151.xml><?xml version="1.0" encoding="utf-8"?>
+<p:tagLst xmlns:a="http://schemas.openxmlformats.org/drawingml/2006/main" xmlns:r="http://schemas.openxmlformats.org/officeDocument/2006/relationships" xmlns:p="http://schemas.openxmlformats.org/presentationml/2006/main">
+  <p:tag name="NUM" val="27"/>
+</p:tagLst>
+</file>
+
+<file path=ppt/tags/tag152.xml><?xml version="1.0" encoding="utf-8"?>
+<p:tagLst xmlns:a="http://schemas.openxmlformats.org/drawingml/2006/main" xmlns:r="http://schemas.openxmlformats.org/officeDocument/2006/relationships" xmlns:p="http://schemas.openxmlformats.org/presentationml/2006/main">
+  <p:tag name="NUM" val="28"/>
+</p:tagLst>
+</file>
+
+<file path=ppt/tags/tag153.xml><?xml version="1.0" encoding="utf-8"?>
+<p:tagLst xmlns:a="http://schemas.openxmlformats.org/drawingml/2006/main" xmlns:r="http://schemas.openxmlformats.org/officeDocument/2006/relationships" xmlns:p="http://schemas.openxmlformats.org/presentationml/2006/main">
+  <p:tag name="NUM" val="29"/>
+</p:tagLst>
+</file>
+
+<file path=ppt/tags/tag154.xml><?xml version="1.0" encoding="utf-8"?>
+<p:tagLst xmlns:a="http://schemas.openxmlformats.org/drawingml/2006/main" xmlns:r="http://schemas.openxmlformats.org/officeDocument/2006/relationships" xmlns:p="http://schemas.openxmlformats.org/presentationml/2006/main">
+  <p:tag name="NUM" val="30"/>
+</p:tagLst>
+</file>
+
+<file path=ppt/tags/tag1540.xml><?xml version="1.0" encoding="utf-8"?>
+<p:tagLst xmlns:a="http://schemas.openxmlformats.org/drawingml/2006/main" xmlns:r="http://schemas.openxmlformats.org/officeDocument/2006/relationships" xmlns:p="http://schemas.openxmlformats.org/presentationml/2006/main">
+  <p:tag name="NUM" val="36"/>
+</p:tagLst>
+</file>
+
+<file path=ppt/tags/tag155.xml><?xml version="1.0" encoding="utf-8"?>
+<p:tagLst xmlns:a="http://schemas.openxmlformats.org/drawingml/2006/main" xmlns:r="http://schemas.openxmlformats.org/officeDocument/2006/relationships" xmlns:p="http://schemas.openxmlformats.org/presentationml/2006/main">
+  <p:tag name="NUM" val="31"/>
+</p:tagLst>
+</file>
+
+<file path=ppt/tags/tag1550.xml><?xml version="1.0" encoding="utf-8"?>
+<p:tagLst xmlns:a="http://schemas.openxmlformats.org/drawingml/2006/main" xmlns:r="http://schemas.openxmlformats.org/officeDocument/2006/relationships" xmlns:p="http://schemas.openxmlformats.org/presentationml/2006/main">
+  <p:tag name="NUM" val="37"/>
+</p:tagLst>
+</file>
+
+<file path=ppt/tags/tag156.xml><?xml version="1.0" encoding="utf-8"?>
+<p:tagLst xmlns:a="http://schemas.openxmlformats.org/drawingml/2006/main" xmlns:r="http://schemas.openxmlformats.org/officeDocument/2006/relationships" xmlns:p="http://schemas.openxmlformats.org/presentationml/2006/main">
+  <p:tag name="NUM" val="32"/>
+</p:tagLst>
+</file>
+
+<file path=ppt/tags/tag157.xml><?xml version="1.0" encoding="utf-8"?>
+<p:tagLst xmlns:a="http://schemas.openxmlformats.org/drawingml/2006/main" xmlns:r="http://schemas.openxmlformats.org/officeDocument/2006/relationships" xmlns:p="http://schemas.openxmlformats.org/presentationml/2006/main">
+  <p:tag name="NUM" val="33"/>
+</p:tagLst>
+</file>
+
+<file path=ppt/tags/tag158.xml><?xml version="1.0" encoding="utf-8"?>
+<p:tagLst xmlns:a="http://schemas.openxmlformats.org/drawingml/2006/main" xmlns:r="http://schemas.openxmlformats.org/officeDocument/2006/relationships" xmlns:p="http://schemas.openxmlformats.org/presentationml/2006/main">
+  <p:tag name="NUM" val="34"/>
+</p:tagLst>
+</file>
+
+<file path=ppt/tags/tag159.xml><?xml version="1.0" encoding="utf-8"?>
+<p:tagLst xmlns:a="http://schemas.openxmlformats.org/drawingml/2006/main" xmlns:r="http://schemas.openxmlformats.org/officeDocument/2006/relationships" xmlns:p="http://schemas.openxmlformats.org/presentationml/2006/main">
+  <p:tag name="NUM" val="35"/>
+</p:tagLst>
+</file>
+
 <file path=ppt/tags/tag16.xml><?xml version="1.0" encoding="utf-8"?>
 <p:tagLst xmlns:a="http://schemas.openxmlformats.org/drawingml/2006/main" xmlns:r="http://schemas.openxmlformats.org/officeDocument/2006/relationships" xmlns:p="http://schemas.openxmlformats.org/presentationml/2006/main">
   <p:tag name="NUM" val="2"/>
 </p:tagLst>
 </file>
 
+<file path=ppt/tags/tag160.xml><?xml version="1.0" encoding="utf-8"?>
+<p:tagLst xmlns:a="http://schemas.openxmlformats.org/drawingml/2006/main" xmlns:r="http://schemas.openxmlformats.org/officeDocument/2006/relationships" xmlns:p="http://schemas.openxmlformats.org/presentationml/2006/main">
+  <p:tag name="NUM" val="36"/>
+</p:tagLst>
+</file>
+
+<file path=ppt/tags/tag161.xml><?xml version="1.0" encoding="utf-8"?>
+<p:tagLst xmlns:a="http://schemas.openxmlformats.org/drawingml/2006/main" xmlns:r="http://schemas.openxmlformats.org/officeDocument/2006/relationships" xmlns:p="http://schemas.openxmlformats.org/presentationml/2006/main">
+  <p:tag name="NUM" val="37"/>
+</p:tagLst>
+</file>
+
+<file path=ppt/tags/tag162.xml><?xml version="1.0" encoding="utf-8"?>
+<p:tagLst xmlns:a="http://schemas.openxmlformats.org/drawingml/2006/main" xmlns:r="http://schemas.openxmlformats.org/officeDocument/2006/relationships" xmlns:p="http://schemas.openxmlformats.org/presentationml/2006/main">
+  <p:tag name="NUM" val="38"/>
+</p:tagLst>
+</file>
+
+<file path=ppt/tags/tag163.xml><?xml version="1.0" encoding="utf-8"?>
+<p:tagLst xmlns:a="http://schemas.openxmlformats.org/drawingml/2006/main" xmlns:r="http://schemas.openxmlformats.org/officeDocument/2006/relationships" xmlns:p="http://schemas.openxmlformats.org/presentationml/2006/main">
+  <p:tag name="NUM" val="39"/>
+</p:tagLst>
+</file>
+
+<file path=ppt/tags/tag164.xml><?xml version="1.0" encoding="utf-8"?>
+<p:tagLst xmlns:a="http://schemas.openxmlformats.org/drawingml/2006/main" xmlns:r="http://schemas.openxmlformats.org/officeDocument/2006/relationships" xmlns:p="http://schemas.openxmlformats.org/presentationml/2006/main">
+  <p:tag name="NUM" val="40"/>
+</p:tagLst>
+</file>
+
+<file path=ppt/tags/tag165.xml><?xml version="1.0" encoding="utf-8"?>
+<p:tagLst xmlns:a="http://schemas.openxmlformats.org/drawingml/2006/main" xmlns:r="http://schemas.openxmlformats.org/officeDocument/2006/relationships" xmlns:p="http://schemas.openxmlformats.org/presentationml/2006/main">
+  <p:tag name="NUM" val="41"/>
+</p:tagLst>
+</file>
+
+<file path=ppt/tags/tag166.xml><?xml version="1.0" encoding="utf-8"?>
+<p:tagLst xmlns:a="http://schemas.openxmlformats.org/drawingml/2006/main" xmlns:r="http://schemas.openxmlformats.org/officeDocument/2006/relationships" xmlns:p="http://schemas.openxmlformats.org/presentationml/2006/main">
+  <p:tag name="NUM" val="42"/>
+</p:tagLst>
+</file>
+
+<file path=ppt/tags/tag167.xml><?xml version="1.0" encoding="utf-8"?>
+<p:tagLst xmlns:a="http://schemas.openxmlformats.org/drawingml/2006/main" xmlns:r="http://schemas.openxmlformats.org/officeDocument/2006/relationships" xmlns:p="http://schemas.openxmlformats.org/presentationml/2006/main">
+  <p:tag name="NUM" val="43"/>
+</p:tagLst>
+</file>
+
+<file path=ppt/tags/tag168.xml><?xml version="1.0" encoding="utf-8"?>
+<p:tagLst xmlns:a="http://schemas.openxmlformats.org/drawingml/2006/main" xmlns:r="http://schemas.openxmlformats.org/officeDocument/2006/relationships" xmlns:p="http://schemas.openxmlformats.org/presentationml/2006/main">
+  <p:tag name="NUM" val="44"/>
+</p:tagLst>
+</file>
+
+<file path=ppt/tags/tag169.xml><?xml version="1.0" encoding="utf-8"?>
+<p:tagLst xmlns:a="http://schemas.openxmlformats.org/drawingml/2006/main" xmlns:r="http://schemas.openxmlformats.org/officeDocument/2006/relationships" xmlns:p="http://schemas.openxmlformats.org/presentationml/2006/main">
+  <p:tag name="NUM" val="45"/>
+</p:tagLst>
+</file>
+
 <file path=ppt/tags/tag17.xml><?xml version="1.0" encoding="utf-8"?>
 <p:tagLst xmlns:a="http://schemas.openxmlformats.org/drawingml/2006/main" xmlns:r="http://schemas.openxmlformats.org/officeDocument/2006/relationships" xmlns:p="http://schemas.openxmlformats.org/presentationml/2006/main">
   <p:tag name="NUM" val="1"/>
 </p:tagLst>
 </file>
 
+<file path=ppt/tags/tag170.xml><?xml version="1.0" encoding="utf-8"?>
+<p:tagLst xmlns:a="http://schemas.openxmlformats.org/drawingml/2006/main" xmlns:r="http://schemas.openxmlformats.org/officeDocument/2006/relationships" xmlns:p="http://schemas.openxmlformats.org/presentationml/2006/main">
+  <p:tag name="NUM" val="46"/>
+</p:tagLst>
+</file>
+
+<file path=ppt/tags/tag171.xml><?xml version="1.0" encoding="utf-8"?>
+<p:tagLst xmlns:a="http://schemas.openxmlformats.org/drawingml/2006/main" xmlns:r="http://schemas.openxmlformats.org/officeDocument/2006/relationships" xmlns:p="http://schemas.openxmlformats.org/presentationml/2006/main">
+  <p:tag name="NUM" val="47"/>
+</p:tagLst>
+</file>
+
+<file path=ppt/tags/tag172.xml><?xml version="1.0" encoding="utf-8"?>
+<p:tagLst xmlns:a="http://schemas.openxmlformats.org/drawingml/2006/main" xmlns:r="http://schemas.openxmlformats.org/officeDocument/2006/relationships" xmlns:p="http://schemas.openxmlformats.org/presentationml/2006/main">
+  <p:tag name="NUM" val="48"/>
+</p:tagLst>
+</file>
+
+<file path=ppt/tags/tag173.xml><?xml version="1.0" encoding="utf-8"?>
+<p:tagLst xmlns:a="http://schemas.openxmlformats.org/drawingml/2006/main" xmlns:r="http://schemas.openxmlformats.org/officeDocument/2006/relationships" xmlns:p="http://schemas.openxmlformats.org/presentationml/2006/main">
+  <p:tag name="NUM" val="49"/>
+</p:tagLst>
+</file>
+
+<file path=ppt/tags/tag174.xml><?xml version="1.0" encoding="utf-8"?>
+<p:tagLst xmlns:a="http://schemas.openxmlformats.org/drawingml/2006/main" xmlns:r="http://schemas.openxmlformats.org/officeDocument/2006/relationships" xmlns:p="http://schemas.openxmlformats.org/presentationml/2006/main">
+  <p:tag name="NUM" val="50"/>
+</p:tagLst>
+</file>
+
+<file path=ppt/tags/tag175.xml><?xml version="1.0" encoding="utf-8"?>
+<p:tagLst xmlns:a="http://schemas.openxmlformats.org/drawingml/2006/main" xmlns:r="http://schemas.openxmlformats.org/officeDocument/2006/relationships" xmlns:p="http://schemas.openxmlformats.org/presentationml/2006/main">
+  <p:tag name="NUM" val="51"/>
+</p:tagLst>
+</file>
+
+<file path=ppt/tags/tag176.xml><?xml version="1.0" encoding="utf-8"?>
+<p:tagLst xmlns:a="http://schemas.openxmlformats.org/drawingml/2006/main" xmlns:r="http://schemas.openxmlformats.org/officeDocument/2006/relationships" xmlns:p="http://schemas.openxmlformats.org/presentationml/2006/main">
+  <p:tag name="NUM" val="52"/>
+</p:tagLst>
+</file>
+
+<file path=ppt/tags/tag177.xml><?xml version="1.0" encoding="utf-8"?>
+<p:tagLst xmlns:a="http://schemas.openxmlformats.org/drawingml/2006/main" xmlns:r="http://schemas.openxmlformats.org/officeDocument/2006/relationships" xmlns:p="http://schemas.openxmlformats.org/presentationml/2006/main">
+  <p:tag name="NUM" val="53"/>
+</p:tagLst>
+</file>
+
+<file path=ppt/tags/tag178.xml><?xml version="1.0" encoding="utf-8"?>
+<p:tagLst xmlns:a="http://schemas.openxmlformats.org/drawingml/2006/main" xmlns:r="http://schemas.openxmlformats.org/officeDocument/2006/relationships" xmlns:p="http://schemas.openxmlformats.org/presentationml/2006/main">
+  <p:tag name="NUM" val="54"/>
+</p:tagLst>
+</file>
+
+<file path=ppt/tags/tag179.xml><?xml version="1.0" encoding="utf-8"?>
+<p:tagLst xmlns:a="http://schemas.openxmlformats.org/drawingml/2006/main" xmlns:r="http://schemas.openxmlformats.org/officeDocument/2006/relationships" xmlns:p="http://schemas.openxmlformats.org/presentationml/2006/main">
+  <p:tag name="NUM" val="55"/>
+</p:tagLst>
+</file>
+
 <file path=ppt/tags/tag18.xml><?xml version="1.0" encoding="utf-8"?>
 <p:tagLst xmlns:a="http://schemas.openxmlformats.org/drawingml/2006/main" xmlns:r="http://schemas.openxmlformats.org/officeDocument/2006/relationships" xmlns:p="http://schemas.openxmlformats.org/presentationml/2006/main">
   <p:tag name="NUM" val="2"/>
 </p:tagLst>
 </file>
 
+<file path=ppt/tags/tag180.xml><?xml version="1.0" encoding="utf-8"?>
+<p:tagLst xmlns:a="http://schemas.openxmlformats.org/drawingml/2006/main" xmlns:r="http://schemas.openxmlformats.org/officeDocument/2006/relationships" xmlns:p="http://schemas.openxmlformats.org/presentationml/2006/main">
+  <p:tag name="NUM" val="56"/>
+</p:tagLst>
+</file>
+
+<file path=ppt/tags/tag181.xml><?xml version="1.0" encoding="utf-8"?>
+<p:tagLst xmlns:a="http://schemas.openxmlformats.org/drawingml/2006/main" xmlns:r="http://schemas.openxmlformats.org/officeDocument/2006/relationships" xmlns:p="http://schemas.openxmlformats.org/presentationml/2006/main">
+  <p:tag name="NUM" val="57"/>
+</p:tagLst>
+</file>
+
+<file path=ppt/tags/tag182.xml><?xml version="1.0" encoding="utf-8"?>
+<p:tagLst xmlns:a="http://schemas.openxmlformats.org/drawingml/2006/main" xmlns:r="http://schemas.openxmlformats.org/officeDocument/2006/relationships" xmlns:p="http://schemas.openxmlformats.org/presentationml/2006/main">
+  <p:tag name="NUM" val="58"/>
+</p:tagLst>
+</file>
+
+<file path=ppt/tags/tag183.xml><?xml version="1.0" encoding="utf-8"?>
+<p:tagLst xmlns:a="http://schemas.openxmlformats.org/drawingml/2006/main" xmlns:r="http://schemas.openxmlformats.org/officeDocument/2006/relationships" xmlns:p="http://schemas.openxmlformats.org/presentationml/2006/main">
+  <p:tag name="NUM" val="59"/>
+</p:tagLst>
+</file>
+
+<file path=ppt/tags/tag184.xml><?xml version="1.0" encoding="utf-8"?>
+<p:tagLst xmlns:a="http://schemas.openxmlformats.org/drawingml/2006/main" xmlns:r="http://schemas.openxmlformats.org/officeDocument/2006/relationships" xmlns:p="http://schemas.openxmlformats.org/presentationml/2006/main">
+  <p:tag name="NUM" val="60"/>
+</p:tagLst>
+</file>
+
+<file path=ppt/tags/tag185.xml><?xml version="1.0" encoding="utf-8"?>
+<p:tagLst xmlns:a="http://schemas.openxmlformats.org/drawingml/2006/main" xmlns:r="http://schemas.openxmlformats.org/officeDocument/2006/relationships" xmlns:p="http://schemas.openxmlformats.org/presentationml/2006/main">
+  <p:tag name="NUM" val="61"/>
+</p:tagLst>
+</file>
+
+<file path=ppt/tags/tag186.xml><?xml version="1.0" encoding="utf-8"?>
+<p:tagLst xmlns:a="http://schemas.openxmlformats.org/drawingml/2006/main" xmlns:r="http://schemas.openxmlformats.org/officeDocument/2006/relationships" xmlns:p="http://schemas.openxmlformats.org/presentationml/2006/main">
+  <p:tag name="NUM" val="62"/>
+</p:tagLst>
+</file>
+
+<file path=ppt/tags/tag187.xml><?xml version="1.0" encoding="utf-8"?>
+<p:tagLst xmlns:a="http://schemas.openxmlformats.org/drawingml/2006/main" xmlns:r="http://schemas.openxmlformats.org/officeDocument/2006/relationships" xmlns:p="http://schemas.openxmlformats.org/presentationml/2006/main">
+  <p:tag name="NUM" val="63"/>
+</p:tagLst>
+</file>
+
+<file path=ppt/tags/tag188.xml><?xml version="1.0" encoding="utf-8"?>
+<p:tagLst xmlns:a="http://schemas.openxmlformats.org/drawingml/2006/main" xmlns:r="http://schemas.openxmlformats.org/officeDocument/2006/relationships" xmlns:p="http://schemas.openxmlformats.org/presentationml/2006/main">
+  <p:tag name="NUM" val="64"/>
+</p:tagLst>
+</file>
+
+<file path=ppt/tags/tag189.xml><?xml version="1.0" encoding="utf-8"?>
+<p:tagLst xmlns:a="http://schemas.openxmlformats.org/drawingml/2006/main" xmlns:r="http://schemas.openxmlformats.org/officeDocument/2006/relationships" xmlns:p="http://schemas.openxmlformats.org/presentationml/2006/main">
+  <p:tag name="NUM" val="65"/>
+</p:tagLst>
+</file>
+
+<file path=ppt/tags/tag1890.xml><?xml version="1.0" encoding="utf-8"?>
+<p:tagLst xmlns:a="http://schemas.openxmlformats.org/drawingml/2006/main" xmlns:r="http://schemas.openxmlformats.org/officeDocument/2006/relationships" xmlns:p="http://schemas.openxmlformats.org/presentationml/2006/main">
+  <p:tag name="NUM" val="2"/>
+</p:tagLst>
+</file>
+
 <file path=ppt/tags/tag19.xml><?xml version="1.0" encoding="utf-8"?>
 <p:tagLst xmlns:a="http://schemas.openxmlformats.org/drawingml/2006/main" xmlns:r="http://schemas.openxmlformats.org/officeDocument/2006/relationships" xmlns:p="http://schemas.openxmlformats.org/presentationml/2006/main">
   <p:tag name="NUM" val="1"/>
 </p:tagLst>
 </file>
 
+<file path=ppt/tags/tag190.xml><?xml version="1.0" encoding="utf-8"?>
+<p:tagLst xmlns:a="http://schemas.openxmlformats.org/drawingml/2006/main" xmlns:r="http://schemas.openxmlformats.org/officeDocument/2006/relationships" xmlns:p="http://schemas.openxmlformats.org/presentationml/2006/main">
+  <p:tag name="NUM" val="66"/>
+</p:tagLst>
+</file>
+
+<file path=ppt/tags/tag191.xml><?xml version="1.0" encoding="utf-8"?>
+<p:tagLst xmlns:a="http://schemas.openxmlformats.org/drawingml/2006/main" xmlns:r="http://schemas.openxmlformats.org/officeDocument/2006/relationships" xmlns:p="http://schemas.openxmlformats.org/presentationml/2006/main">
+  <p:tag name="NUM" val="67"/>
+</p:tagLst>
+</file>
+
+<file path=ppt/tags/tag192.xml><?xml version="1.0" encoding="utf-8"?>
+<p:tagLst xmlns:a="http://schemas.openxmlformats.org/drawingml/2006/main" xmlns:r="http://schemas.openxmlformats.org/officeDocument/2006/relationships" xmlns:p="http://schemas.openxmlformats.org/presentationml/2006/main">
+  <p:tag name="NUM" val="68"/>
+</p:tagLst>
+</file>
+
+<file path=ppt/tags/tag193.xml><?xml version="1.0" encoding="utf-8"?>
+<p:tagLst xmlns:a="http://schemas.openxmlformats.org/drawingml/2006/main" xmlns:r="http://schemas.openxmlformats.org/officeDocument/2006/relationships" xmlns:p="http://schemas.openxmlformats.org/presentationml/2006/main">
+  <p:tag name="NUM" val="69"/>
+</p:tagLst>
+</file>
+
+<file path=ppt/tags/tag194.xml><?xml version="1.0" encoding="utf-8"?>
+<p:tagLst xmlns:a="http://schemas.openxmlformats.org/drawingml/2006/main" xmlns:r="http://schemas.openxmlformats.org/officeDocument/2006/relationships" xmlns:p="http://schemas.openxmlformats.org/presentationml/2006/main">
+  <p:tag name="NUM" val="1"/>
+</p:tagLst>
+</file>
+
+<file path=ppt/tags/tag195.xml><?xml version="1.0" encoding="utf-8"?>
+<p:tagLst xmlns:a="http://schemas.openxmlformats.org/drawingml/2006/main" xmlns:r="http://schemas.openxmlformats.org/officeDocument/2006/relationships" xmlns:p="http://schemas.openxmlformats.org/presentationml/2006/main">
+  <p:tag name="NUM" val="2"/>
+</p:tagLst>
+</file>
+
+<file path=ppt/tags/tag196.xml><?xml version="1.0" encoding="utf-8"?>
+<p:tagLst xmlns:a="http://schemas.openxmlformats.org/drawingml/2006/main" xmlns:r="http://schemas.openxmlformats.org/officeDocument/2006/relationships" xmlns:p="http://schemas.openxmlformats.org/presentationml/2006/main">
+  <p:tag name="NUM" val="1"/>
+</p:tagLst>
+</file>
+
+<file path=ppt/tags/tag197.xml><?xml version="1.0" encoding="utf-8"?>
+<p:tagLst xmlns:a="http://schemas.openxmlformats.org/drawingml/2006/main" xmlns:r="http://schemas.openxmlformats.org/officeDocument/2006/relationships" xmlns:p="http://schemas.openxmlformats.org/presentationml/2006/main">
+  <p:tag name="NUM" val="2"/>
+</p:tagLst>
+</file>
+
+<file path=ppt/tags/tag198.xml><?xml version="1.0" encoding="utf-8"?>
+<p:tagLst xmlns:a="http://schemas.openxmlformats.org/drawingml/2006/main" xmlns:r="http://schemas.openxmlformats.org/officeDocument/2006/relationships" xmlns:p="http://schemas.openxmlformats.org/presentationml/2006/main">
+  <p:tag name="NUM" val="1"/>
+</p:tagLst>
+</file>
+
+<file path=ppt/tags/tag199.xml><?xml version="1.0" encoding="utf-8"?>
+<p:tagLst xmlns:a="http://schemas.openxmlformats.org/drawingml/2006/main" xmlns:r="http://schemas.openxmlformats.org/officeDocument/2006/relationships" xmlns:p="http://schemas.openxmlformats.org/presentationml/2006/main">
+  <p:tag name="NUM" val="2"/>
+</p:tagLst>
+</file>
+
 <file path=ppt/tags/tag2.xml><?xml version="1.0" encoding="utf-8"?>
 <p:tagLst xmlns:a="http://schemas.openxmlformats.org/drawingml/2006/main" xmlns:r="http://schemas.openxmlformats.org/officeDocument/2006/relationships" xmlns:p="http://schemas.openxmlformats.org/presentationml/2006/main">
   <p:tag name="NUM" val="2"/>
@@ -15099,9 +24553,105 @@
 </p:tagLst>
 </file>
 
+<file path=ppt/tags/tag200.xml><?xml version="1.0" encoding="utf-8"?>
+<p:tagLst xmlns:a="http://schemas.openxmlformats.org/drawingml/2006/main" xmlns:r="http://schemas.openxmlformats.org/officeDocument/2006/relationships" xmlns:p="http://schemas.openxmlformats.org/presentationml/2006/main">
+  <p:tag name="NUM" val="1"/>
+</p:tagLst>
+</file>
+
+<file path=ppt/tags/tag201.xml><?xml version="1.0" encoding="utf-8"?>
+<p:tagLst xmlns:a="http://schemas.openxmlformats.org/drawingml/2006/main" xmlns:r="http://schemas.openxmlformats.org/officeDocument/2006/relationships" xmlns:p="http://schemas.openxmlformats.org/presentationml/2006/main">
+  <p:tag name="NUM" val="2"/>
+</p:tagLst>
+</file>
+
+<file path=ppt/tags/tag202.xml><?xml version="1.0" encoding="utf-8"?>
+<p:tagLst xmlns:a="http://schemas.openxmlformats.org/drawingml/2006/main" xmlns:r="http://schemas.openxmlformats.org/officeDocument/2006/relationships" xmlns:p="http://schemas.openxmlformats.org/presentationml/2006/main">
+  <p:tag name="NUM" val="1"/>
+</p:tagLst>
+</file>
+
+<file path=ppt/tags/tag203.xml><?xml version="1.0" encoding="utf-8"?>
+<p:tagLst xmlns:a="http://schemas.openxmlformats.org/drawingml/2006/main" xmlns:r="http://schemas.openxmlformats.org/officeDocument/2006/relationships" xmlns:p="http://schemas.openxmlformats.org/presentationml/2006/main">
+  <p:tag name="NUM" val="2"/>
+</p:tagLst>
+</file>
+
+<file path=ppt/tags/tag204.xml><?xml version="1.0" encoding="utf-8"?>
+<p:tagLst xmlns:a="http://schemas.openxmlformats.org/drawingml/2006/main" xmlns:r="http://schemas.openxmlformats.org/officeDocument/2006/relationships" xmlns:p="http://schemas.openxmlformats.org/presentationml/2006/main">
+  <p:tag name="NUM" val="1"/>
+</p:tagLst>
+</file>
+
+<file path=ppt/tags/tag205.xml><?xml version="1.0" encoding="utf-8"?>
+<p:tagLst xmlns:a="http://schemas.openxmlformats.org/drawingml/2006/main" xmlns:r="http://schemas.openxmlformats.org/officeDocument/2006/relationships" xmlns:p="http://schemas.openxmlformats.org/presentationml/2006/main">
+  <p:tag name="NUM" val="2"/>
+</p:tagLst>
+</file>
+
+<file path=ppt/tags/tag206.xml><?xml version="1.0" encoding="utf-8"?>
+<p:tagLst xmlns:a="http://schemas.openxmlformats.org/drawingml/2006/main" xmlns:r="http://schemas.openxmlformats.org/officeDocument/2006/relationships" xmlns:p="http://schemas.openxmlformats.org/presentationml/2006/main">
+  <p:tag name="NUM" val="1"/>
+</p:tagLst>
+</file>
+
+<file path=ppt/tags/tag207.xml><?xml version="1.0" encoding="utf-8"?>
+<p:tagLst xmlns:a="http://schemas.openxmlformats.org/drawingml/2006/main" xmlns:r="http://schemas.openxmlformats.org/officeDocument/2006/relationships" xmlns:p="http://schemas.openxmlformats.org/presentationml/2006/main">
+  <p:tag name="NUM" val="2"/>
+</p:tagLst>
+</file>
+
+<file path=ppt/tags/tag208.xml><?xml version="1.0" encoding="utf-8"?>
+<p:tagLst xmlns:a="http://schemas.openxmlformats.org/drawingml/2006/main" xmlns:r="http://schemas.openxmlformats.org/officeDocument/2006/relationships" xmlns:p="http://schemas.openxmlformats.org/presentationml/2006/main">
+  <p:tag name="NUM" val="1"/>
+</p:tagLst>
+</file>
+
+<file path=ppt/tags/tag209.xml><?xml version="1.0" encoding="utf-8"?>
+<p:tagLst xmlns:a="http://schemas.openxmlformats.org/drawingml/2006/main" xmlns:r="http://schemas.openxmlformats.org/officeDocument/2006/relationships" xmlns:p="http://schemas.openxmlformats.org/presentationml/2006/main">
+  <p:tag name="NUM" val="2"/>
+</p:tagLst>
+</file>
+
 <file path=ppt/tags/tag21.xml><?xml version="1.0" encoding="utf-8"?>
 <p:tagLst xmlns:a="http://schemas.openxmlformats.org/drawingml/2006/main" xmlns:r="http://schemas.openxmlformats.org/officeDocument/2006/relationships" xmlns:p="http://schemas.openxmlformats.org/presentationml/2006/main">
   <p:tag name="NUM" val="1"/>
+</p:tagLst>
+</file>
+
+<file path=ppt/tags/tag210.xml><?xml version="1.0" encoding="utf-8"?>
+<p:tagLst xmlns:a="http://schemas.openxmlformats.org/drawingml/2006/main" xmlns:r="http://schemas.openxmlformats.org/officeDocument/2006/relationships" xmlns:p="http://schemas.openxmlformats.org/presentationml/2006/main">
+  <p:tag name="NUM" val="1"/>
+</p:tagLst>
+</file>
+
+<file path=ppt/tags/tag211.xml><?xml version="1.0" encoding="utf-8"?>
+<p:tagLst xmlns:a="http://schemas.openxmlformats.org/drawingml/2006/main" xmlns:r="http://schemas.openxmlformats.org/officeDocument/2006/relationships" xmlns:p="http://schemas.openxmlformats.org/presentationml/2006/main">
+  <p:tag name="NUM" val="2"/>
+</p:tagLst>
+</file>
+
+<file path=ppt/tags/tag212.xml><?xml version="1.0" encoding="utf-8"?>
+<p:tagLst xmlns:a="http://schemas.openxmlformats.org/drawingml/2006/main" xmlns:r="http://schemas.openxmlformats.org/officeDocument/2006/relationships" xmlns:p="http://schemas.openxmlformats.org/presentationml/2006/main">
+  <p:tag name="NUM" val="1"/>
+</p:tagLst>
+</file>
+
+<file path=ppt/tags/tag213.xml><?xml version="1.0" encoding="utf-8"?>
+<p:tagLst xmlns:a="http://schemas.openxmlformats.org/drawingml/2006/main" xmlns:r="http://schemas.openxmlformats.org/officeDocument/2006/relationships" xmlns:p="http://schemas.openxmlformats.org/presentationml/2006/main">
+  <p:tag name="NUM" val="2"/>
+</p:tagLst>
+</file>
+
+<file path=ppt/tags/tag214.xml><?xml version="1.0" encoding="utf-8"?>
+<p:tagLst xmlns:a="http://schemas.openxmlformats.org/drawingml/2006/main" xmlns:r="http://schemas.openxmlformats.org/officeDocument/2006/relationships" xmlns:p="http://schemas.openxmlformats.org/presentationml/2006/main">
+  <p:tag name="NUM" val="1"/>
+</p:tagLst>
+</file>
+
+<file path=ppt/tags/tag215.xml><?xml version="1.0" encoding="utf-8"?>
+<p:tagLst xmlns:a="http://schemas.openxmlformats.org/drawingml/2006/main" xmlns:r="http://schemas.openxmlformats.org/officeDocument/2006/relationships" xmlns:p="http://schemas.openxmlformats.org/presentationml/2006/main">
+  <p:tag name="NUM" val="2"/>
 </p:tagLst>
 </file>
 

--- a/slides/fr/Jour 1_Introduction_Fondamentaux.pptx
+++ b/slides/fr/Jour 1_Introduction_Fondamentaux.pptx
@@ -240,7 +240,7 @@
           <a:p>
             <a:fld id="{382B4D05-7B27-4ACA-B390-629921E58724}" type="datetimeFigureOut">
               <a:rPr lang="fr-FR" smtClean="0"/>
-              <a:t>01/07/2025</a:t>
+              <a:t>03/07/2025</a:t>
             </a:fld>
             <a:endParaRPr lang="fr-FR"/>
           </a:p>
@@ -1002,7 +1002,7 @@
           <a:p>
             <a:fld id="{858D3960-AD67-4093-BD43-25B40AABDC13}" type="datetimeFigureOut">
               <a:rPr lang="fr-FR" smtClean="0"/>
-              <a:t>01/07/2025</a:t>
+              <a:t>03/07/2025</a:t>
             </a:fld>
             <a:endParaRPr lang="fr-FR"/>
           </a:p>
@@ -1200,7 +1200,7 @@
           <a:p>
             <a:fld id="{858D3960-AD67-4093-BD43-25B40AABDC13}" type="datetimeFigureOut">
               <a:rPr lang="fr-FR" smtClean="0"/>
-              <a:t>01/07/2025</a:t>
+              <a:t>03/07/2025</a:t>
             </a:fld>
             <a:endParaRPr lang="fr-FR"/>
           </a:p>
@@ -1408,7 +1408,7 @@
           <a:p>
             <a:fld id="{858D3960-AD67-4093-BD43-25B40AABDC13}" type="datetimeFigureOut">
               <a:rPr lang="fr-FR" smtClean="0"/>
-              <a:t>01/07/2025</a:t>
+              <a:t>03/07/2025</a:t>
             </a:fld>
             <a:endParaRPr lang="fr-FR"/>
           </a:p>
@@ -1606,7 +1606,7 @@
           <a:p>
             <a:fld id="{858D3960-AD67-4093-BD43-25B40AABDC13}" type="datetimeFigureOut">
               <a:rPr lang="fr-FR" smtClean="0"/>
-              <a:t>01/07/2025</a:t>
+              <a:t>03/07/2025</a:t>
             </a:fld>
             <a:endParaRPr lang="fr-FR"/>
           </a:p>
@@ -1885,7 +1885,7 @@
           <a:p>
             <a:fld id="{858D3960-AD67-4093-BD43-25B40AABDC13}" type="datetimeFigureOut">
               <a:rPr lang="fr-FR" smtClean="0"/>
-              <a:t>01/07/2025</a:t>
+              <a:t>03/07/2025</a:t>
             </a:fld>
             <a:endParaRPr lang="fr-FR"/>
           </a:p>
@@ -2150,7 +2150,7 @@
           <a:p>
             <a:fld id="{858D3960-AD67-4093-BD43-25B40AABDC13}" type="datetimeFigureOut">
               <a:rPr lang="fr-FR" smtClean="0"/>
-              <a:t>01/07/2025</a:t>
+              <a:t>03/07/2025</a:t>
             </a:fld>
             <a:endParaRPr lang="fr-FR"/>
           </a:p>
@@ -2562,7 +2562,7 @@
           <a:p>
             <a:fld id="{858D3960-AD67-4093-BD43-25B40AABDC13}" type="datetimeFigureOut">
               <a:rPr lang="fr-FR" smtClean="0"/>
-              <a:t>01/07/2025</a:t>
+              <a:t>03/07/2025</a:t>
             </a:fld>
             <a:endParaRPr lang="fr-FR"/>
           </a:p>
@@ -2703,7 +2703,7 @@
           <a:p>
             <a:fld id="{858D3960-AD67-4093-BD43-25B40AABDC13}" type="datetimeFigureOut">
               <a:rPr lang="fr-FR" smtClean="0"/>
-              <a:t>01/07/2025</a:t>
+              <a:t>03/07/2025</a:t>
             </a:fld>
             <a:endParaRPr lang="fr-FR"/>
           </a:p>
@@ -2816,7 +2816,7 @@
           <a:p>
             <a:fld id="{858D3960-AD67-4093-BD43-25B40AABDC13}" type="datetimeFigureOut">
               <a:rPr lang="fr-FR" smtClean="0"/>
-              <a:t>01/07/2025</a:t>
+              <a:t>03/07/2025</a:t>
             </a:fld>
             <a:endParaRPr lang="fr-FR"/>
           </a:p>
@@ -3127,7 +3127,7 @@
           <a:p>
             <a:fld id="{858D3960-AD67-4093-BD43-25B40AABDC13}" type="datetimeFigureOut">
               <a:rPr lang="fr-FR" smtClean="0"/>
-              <a:t>01/07/2025</a:t>
+              <a:t>03/07/2025</a:t>
             </a:fld>
             <a:endParaRPr lang="fr-FR"/>
           </a:p>
@@ -3415,7 +3415,7 @@
           <a:p>
             <a:fld id="{858D3960-AD67-4093-BD43-25B40AABDC13}" type="datetimeFigureOut">
               <a:rPr lang="fr-FR" smtClean="0"/>
-              <a:t>01/07/2025</a:t>
+              <a:t>03/07/2025</a:t>
             </a:fld>
             <a:endParaRPr lang="fr-FR"/>
           </a:p>
@@ -3656,7 +3656,7 @@
           <a:p>
             <a:fld id="{858D3960-AD67-4093-BD43-25B40AABDC13}" type="datetimeFigureOut">
               <a:rPr lang="fr-FR" smtClean="0"/>
-              <a:t>01/07/2025</a:t>
+              <a:t>03/07/2025</a:t>
             </a:fld>
             <a:endParaRPr lang="fr-FR"/>
           </a:p>
@@ -8226,7 +8226,7 @@
             </a:pPr>
             <a:fld id="{F9B19538-8328-489B-B6DE-FCE852F32308}" type="datetime1">
               <a:rPr lang="fr-FR" smtClean="0"/>
-              <a:t>01/07/2025</a:t>
+              <a:t>03/07/2025</a:t>
             </a:fld>
             <a:endParaRPr lang="fr-FR"/>
           </a:p>
@@ -12233,8 +12233,8 @@
           </a:prstGeom>
         </p:spPr>
       </p:pic>
-      <mc:AlternateContent xmlns:mc="http://schemas.openxmlformats.org/markup-compatibility/2006" xmlns:a14="http://schemas.microsoft.com/office/drawing/2010/main">
-        <mc:Choice Requires="a14">
+      <mc:AlternateContent xmlns:mc="http://schemas.openxmlformats.org/markup-compatibility/2006">
+        <mc:Choice xmlns:a14="http://schemas.microsoft.com/office/drawing/2010/main" Requires="a14">
           <p:sp>
             <p:nvSpPr>
               <p:cNvPr id="10" name="ZoneTexte 9">
@@ -12254,7 +12254,7 @@
             <p:spPr>
               <a:xfrm>
                 <a:off x="130834" y="5054488"/>
-                <a:ext cx="12082731" cy="892552"/>
+                <a:ext cx="10289292" cy="892552"/>
               </a:xfrm>
               <a:prstGeom prst="rect">
                 <a:avLst/>
@@ -12556,68 +12556,6 @@
                         </m:sSubPr>
                         <m:e>
                           <m:r>
-                            <a:rPr lang="el-GR" sz="2600">
-                              <a:latin typeface="Cambria Math" panose="02040503050406030204" pitchFamily="18" charset="0"/>
-                            </a:rPr>
-                            <m:t>𝛾</m:t>
-                          </m:r>
-                        </m:e>
-                        <m:sub>
-                          <m:r>
-                            <a:rPr lang="fr-FR" sz="2600" smtClean="0">
-                              <a:latin typeface="Cambria Math" panose="02040503050406030204" pitchFamily="18" charset="0"/>
-                            </a:rPr>
-                            <m:t>4</m:t>
-                          </m:r>
-                        </m:sub>
-                      </m:sSub>
-                      <m:r>
-                        <a:rPr lang="el-GR" sz="2600" smtClean="0">
-                          <a:latin typeface="Cambria Math" panose="02040503050406030204" pitchFamily="18" charset="0"/>
-                        </a:rPr>
-                        <m:t>​×</m:t>
-                      </m:r>
-                      <m:sSub>
-                        <m:sSubPr>
-                          <m:ctrlPr>
-                            <a:rPr lang="el-GR" sz="2600" i="1" smtClean="0">
-                              <a:latin typeface="Cambria Math" panose="02040503050406030204" pitchFamily="18" charset="0"/>
-                            </a:rPr>
-                          </m:ctrlPr>
-                        </m:sSubPr>
-                        <m:e>
-                          <m:r>
-                            <a:rPr lang="fr-FR" sz="2600" smtClean="0">
-                              <a:latin typeface="Cambria Math" panose="02040503050406030204" pitchFamily="18" charset="0"/>
-                            </a:rPr>
-                            <m:t>𝐽𝑜𝑏𝐶𝑥</m:t>
-                          </m:r>
-                        </m:e>
-                        <m:sub>
-                          <m:r>
-                            <a:rPr lang="fr-FR" sz="2600" smtClean="0">
-                              <a:latin typeface="Cambria Math" panose="02040503050406030204" pitchFamily="18" charset="0"/>
-                            </a:rPr>
-                            <m:t>𝑖</m:t>
-                          </m:r>
-                        </m:sub>
-                      </m:sSub>
-                      <m:r>
-                        <a:rPr lang="fr-FR" sz="2600" smtClean="0">
-                          <a:latin typeface="Cambria Math" panose="02040503050406030204" pitchFamily="18" charset="0"/>
-                        </a:rPr>
-                        <m:t>​+</m:t>
-                      </m:r>
-                      <m:sSub>
-                        <m:sSubPr>
-                          <m:ctrlPr>
-                            <a:rPr lang="fr-FR" sz="2600" i="1" smtClean="0">
-                              <a:latin typeface="Cambria Math" panose="02040503050406030204" pitchFamily="18" charset="0"/>
-                            </a:rPr>
-                          </m:ctrlPr>
-                        </m:sSubPr>
-                        <m:e>
-                          <m:r>
                             <a:rPr lang="fr-FR" sz="2600" smtClean="0">
                               <a:latin typeface="Cambria Math" panose="02040503050406030204" pitchFamily="18" charset="0"/>
                             </a:rPr>
@@ -12650,7 +12588,7 @@
             </p:txBody>
           </p:sp>
         </mc:Choice>
-        <mc:Fallback xmlns="">
+        <mc:Fallback>
           <p:sp>
             <p:nvSpPr>
               <p:cNvPr id="10" name="ZoneTexte 9">
@@ -12665,20 +12603,20 @@
               </p:cNvSpPr>
               <p:nvPr>
                 <p:custDataLst>
-                  <p:tags r:id="rId9"/>
+                  <p:tags r:id="rId5"/>
                 </p:custDataLst>
               </p:nvPr>
             </p:nvSpPr>
             <p:spPr>
               <a:xfrm>
                 <a:off x="130834" y="5054488"/>
-                <a:ext cx="12082731" cy="892552"/>
+                <a:ext cx="10289292" cy="892552"/>
               </a:xfrm>
               <a:prstGeom prst="rect">
                 <a:avLst/>
               </a:prstGeom>
               <a:blipFill>
-                <a:blip r:embed="rId10"/>
+                <a:blip r:embed="rId9"/>
                 <a:stretch>
                   <a:fillRect/>
                 </a:stretch>
@@ -14627,60 +14565,190 @@
           </a:p>
         </p:txBody>
       </p:sp>
-      <p:sp>
-        <p:nvSpPr>
-          <p:cNvPr id="5" name="Espace réservé du contenu 4">
-            <a:extLst>
-              <a:ext uri="{FF2B5EF4-FFF2-40B4-BE49-F238E27FC236}">
-                <a16:creationId xmlns:a16="http://schemas.microsoft.com/office/drawing/2014/main" id="{7A3FACC0-537F-782B-052E-09987723757E}"/>
-              </a:ext>
-            </a:extLst>
-          </p:cNvPr>
-          <p:cNvSpPr>
-            <a:spLocks noGrp="1"/>
-          </p:cNvSpPr>
-          <p:nvPr>
-            <p:ph idx="1"/>
-            <p:custDataLst>
-              <p:tags r:id="rId2"/>
-            </p:custDataLst>
-          </p:nvPr>
-        </p:nvSpPr>
-        <p:spPr/>
-        <p:txBody>
-          <a:bodyPr/>
-          <a:lstStyle/>
-          <a:p>
-            <a:r>
-              <a:rPr lang="fr-FR"/>
-              <a:t>Le problème fondamental de l'identification causale : seulement un des deux résultats potentiels (Y1i ou Y0i) peut être observé pour l'individu i</a:t>
-            </a:r>
-          </a:p>
-          <a:p>
-            <a:r>
-              <a:rPr lang="fr-FR"/>
-              <a:t>Idéalement, il faudrait pouvoir comparer le résultat de l'individu traité au résultat qu'il aurait obtenu en l'absence de traitement : </a:t>
-            </a:r>
-          </a:p>
-          <a:p>
-            <a:pPr lvl="1"/>
-            <a:r>
-              <a:rPr lang="fr-FR"/>
-              <a:t>C'est la définition du </a:t>
-            </a:r>
-            <a:r>
-              <a:rPr lang="fr-FR" b="1"/>
-              <a:t>contrefactuel</a:t>
-            </a:r>
-          </a:p>
-          <a:p>
-            <a:r>
-              <a:rPr lang="fr-FR"/>
-              <a:t>Comment constituer ce contrefactuel ? Une solution hypothétique : le clonage ? Des mondes parallèles ?</a:t>
-            </a:r>
-          </a:p>
-        </p:txBody>
-      </p:sp>
+      <mc:AlternateContent xmlns:mc="http://schemas.openxmlformats.org/markup-compatibility/2006">
+        <mc:Choice xmlns:a14="http://schemas.microsoft.com/office/drawing/2010/main" Requires="a14">
+          <p:sp>
+            <p:nvSpPr>
+              <p:cNvPr id="5" name="Espace réservé du contenu 4">
+                <a:extLst>
+                  <a:ext uri="{FF2B5EF4-FFF2-40B4-BE49-F238E27FC236}">
+                    <a16:creationId xmlns:a16="http://schemas.microsoft.com/office/drawing/2014/main" id="{7A3FACC0-537F-782B-052E-09987723757E}"/>
+                  </a:ext>
+                </a:extLst>
+              </p:cNvPr>
+              <p:cNvSpPr>
+                <a:spLocks noGrp="1"/>
+              </p:cNvSpPr>
+              <p:nvPr>
+                <p:ph idx="1"/>
+                <p:custDataLst>
+                  <p:tags r:id="rId2"/>
+                </p:custDataLst>
+              </p:nvPr>
+            </p:nvSpPr>
+            <p:spPr/>
+            <p:txBody>
+              <a:bodyPr/>
+              <a:lstStyle/>
+              <a:p>
+                <a:r>
+                  <a:rPr lang="fr-FR"/>
+                  <a:t>Le problème fondamental de l'identification causale : seulement un des deux résultats potentiels (</a:t>
+                </a:r>
+                <a14:m>
+                  <m:oMath xmlns:m="http://schemas.openxmlformats.org/officeDocument/2006/math">
+                    <m:sSub>
+                      <m:sSubPr>
+                        <m:ctrlPr>
+                          <a:rPr lang="fr-FR" i="1" smtClean="0">
+                            <a:latin typeface="Cambria Math" panose="02040503050406030204" pitchFamily="18" charset="0"/>
+                          </a:rPr>
+                        </m:ctrlPr>
+                      </m:sSubPr>
+                      <m:e>
+                        <m:r>
+                          <a:rPr lang="fr-FR" b="0" i="1" smtClean="0">
+                            <a:latin typeface="Cambria Math" panose="02040503050406030204" pitchFamily="18" charset="0"/>
+                          </a:rPr>
+                          <m:t>𝑌</m:t>
+                        </m:r>
+                        <m:r>
+                          <a:rPr lang="fr-FR" b="0" i="1" smtClean="0">
+                            <a:latin typeface="Cambria Math" panose="02040503050406030204" pitchFamily="18" charset="0"/>
+                          </a:rPr>
+                          <m:t>1</m:t>
+                        </m:r>
+                      </m:e>
+                      <m:sub>
+                        <m:r>
+                          <a:rPr lang="fr-FR" b="0" i="1" smtClean="0">
+                            <a:latin typeface="Cambria Math" panose="02040503050406030204" pitchFamily="18" charset="0"/>
+                          </a:rPr>
+                          <m:t>𝑖</m:t>
+                        </m:r>
+                      </m:sub>
+                    </m:sSub>
+                    <m:r>
+                      <a:rPr lang="fr-FR" b="0" i="1" smtClean="0">
+                        <a:latin typeface="Cambria Math" panose="02040503050406030204" pitchFamily="18" charset="0"/>
+                      </a:rPr>
+                      <m:t> </m:t>
+                    </m:r>
+                  </m:oMath>
+                </a14:m>
+                <a:r>
+                  <a:rPr lang="fr-FR"/>
+                  <a:t>ou </a:t>
+                </a:r>
+                <a14:m>
+                  <m:oMath xmlns:m="http://schemas.openxmlformats.org/officeDocument/2006/math">
+                    <m:sSub>
+                      <m:sSubPr>
+                        <m:ctrlPr>
+                          <a:rPr lang="fr-FR" i="1">
+                            <a:latin typeface="Cambria Math" panose="02040503050406030204" pitchFamily="18" charset="0"/>
+                          </a:rPr>
+                        </m:ctrlPr>
+                      </m:sSubPr>
+                      <m:e>
+                        <m:r>
+                          <a:rPr lang="fr-FR" i="1">
+                            <a:latin typeface="Cambria Math" panose="02040503050406030204" pitchFamily="18" charset="0"/>
+                          </a:rPr>
+                          <m:t>𝑌</m:t>
+                        </m:r>
+                        <m:r>
+                          <a:rPr lang="fr-FR" i="1">
+                            <a:latin typeface="Cambria Math" panose="02040503050406030204" pitchFamily="18" charset="0"/>
+                          </a:rPr>
+                          <m:t>0</m:t>
+                        </m:r>
+                      </m:e>
+                      <m:sub>
+                        <m:r>
+                          <a:rPr lang="fr-FR" i="1">
+                            <a:latin typeface="Cambria Math" panose="02040503050406030204" pitchFamily="18" charset="0"/>
+                          </a:rPr>
+                          <m:t>𝑖</m:t>
+                        </m:r>
+                      </m:sub>
+                    </m:sSub>
+                  </m:oMath>
+                </a14:m>
+                <a:r>
+                  <a:rPr lang="fr-FR"/>
+                  <a:t>) peut être observé pour l'individu i</a:t>
+                </a:r>
+              </a:p>
+              <a:p>
+                <a:r>
+                  <a:rPr lang="fr-FR"/>
+                  <a:t>Idéalement, il faudrait pouvoir comparer le résultat de l'individu traité au résultat qu'il aurait obtenu en l'absence de traitement : </a:t>
+                </a:r>
+              </a:p>
+              <a:p>
+                <a:pPr lvl="1"/>
+                <a:r>
+                  <a:rPr lang="fr-FR"/>
+                  <a:t>C'est la définition du </a:t>
+                </a:r>
+                <a:r>
+                  <a:rPr lang="fr-FR" b="1"/>
+                  <a:t>contrefactuel</a:t>
+                </a:r>
+              </a:p>
+              <a:p>
+                <a:r>
+                  <a:rPr lang="fr-FR"/>
+                  <a:t>Comment constituer ce contrefactuel ? Une solution hypothétique : le clonage ? Des mondes parallèles ?</a:t>
+                </a:r>
+              </a:p>
+            </p:txBody>
+          </p:sp>
+        </mc:Choice>
+        <mc:Fallback>
+          <p:sp>
+            <p:nvSpPr>
+              <p:cNvPr id="5" name="Espace réservé du contenu 4">
+                <a:extLst>
+                  <a:ext uri="{FF2B5EF4-FFF2-40B4-BE49-F238E27FC236}">
+                    <a16:creationId xmlns:a16="http://schemas.microsoft.com/office/drawing/2014/main" id="{7A3FACC0-537F-782B-052E-09987723757E}"/>
+                  </a:ext>
+                </a:extLst>
+              </p:cNvPr>
+              <p:cNvSpPr>
+                <a:spLocks noGrp="1" noRot="1" noChangeAspect="1" noMove="1" noResize="1" noEditPoints="1" noAdjustHandles="1" noChangeArrowheads="1" noChangeShapeType="1" noTextEdit="1"/>
+              </p:cNvSpPr>
+              <p:nvPr>
+                <p:ph idx="1"/>
+                <p:custDataLst>
+                  <p:tags r:id="rId2"/>
+                </p:custDataLst>
+              </p:nvPr>
+            </p:nvSpPr>
+            <p:spPr>
+              <a:blipFill>
+                <a:blip r:embed="rId4"/>
+                <a:stretch>
+                  <a:fillRect l="-1043" t="-2241" r="-1797"/>
+                </a:stretch>
+              </a:blipFill>
+            </p:spPr>
+            <p:txBody>
+              <a:bodyPr/>
+              <a:lstStyle/>
+              <a:p>
+                <a:r>
+                  <a:rPr lang="fr-FR">
+                    <a:noFill/>
+                  </a:rPr>
+                  <a:t> </a:t>
+                </a:r>
+              </a:p>
+            </p:txBody>
+          </p:sp>
+        </mc:Fallback>
+      </mc:AlternateContent>
     </p:spTree>
     <p:extLst>
       <p:ext uri="{BB962C8B-B14F-4D97-AF65-F5344CB8AC3E}">
@@ -15368,96 +15436,184 @@
           </a:p>
         </p:txBody>
       </p:sp>
-      <p:sp>
-        <p:nvSpPr>
-          <p:cNvPr id="3" name="Espace réservé du contenu 2">
-            <a:extLst>
-              <a:ext uri="{FF2B5EF4-FFF2-40B4-BE49-F238E27FC236}">
-                <a16:creationId xmlns:a16="http://schemas.microsoft.com/office/drawing/2014/main" id="{71856BAB-D6FF-156E-9A26-2F26854BA5EA}"/>
-              </a:ext>
-            </a:extLst>
-          </p:cNvPr>
-          <p:cNvSpPr>
-            <a:spLocks noGrp="1"/>
-          </p:cNvSpPr>
-          <p:nvPr>
-            <p:ph idx="1"/>
-            <p:custDataLst>
-              <p:tags r:id="rId2"/>
-            </p:custDataLst>
-          </p:nvPr>
-        </p:nvSpPr>
-        <p:spPr/>
-        <p:txBody>
-          <a:bodyPr>
-            <a:normAutofit lnSpcReduction="10000"/>
-          </a:bodyPr>
-          <a:lstStyle/>
-          <a:p>
-            <a:r>
-              <a:rPr lang="fr-FR"/>
-              <a:t>Le défi empirique devient alors de constituer un </a:t>
-            </a:r>
-            <a:r>
-              <a:rPr lang="fr-FR" b="1"/>
-              <a:t>contrefactuel pertinent et valide</a:t>
-            </a:r>
-            <a:r>
-              <a:rPr lang="fr-FR"/>
-              <a:t>, c.-à-d. qui se rapproche le plus possible de ce qu'aurait été la situation de l'unité traitée en l'absence de traitement</a:t>
-            </a:r>
-          </a:p>
-          <a:p>
-            <a:r>
-              <a:rPr lang="fr-FR"/>
-              <a:t>Nécessiter de changer d'échelle dans l'approche contrefactuelle :</a:t>
-            </a:r>
-          </a:p>
-          <a:p>
-            <a:pPr marL="0" indent="0" algn="ctr">
-              <a:buNone/>
-            </a:pPr>
-            <a:r>
-              <a:rPr lang="fr-FR" b="1"/>
-              <a:t>Niveau de l'unité </a:t>
-            </a:r>
-            <a:r>
-              <a:rPr lang="fr-FR" b="1">
-                <a:sym typeface="Wingdings" panose="05000000000000000000" pitchFamily="2" charset="2"/>
-              </a:rPr>
-              <a:t></a:t>
-            </a:r>
-            <a:r>
-              <a:rPr lang="fr-FR"/>
-              <a:t> </a:t>
-            </a:r>
-            <a:r>
-              <a:rPr lang="fr-FR" b="1"/>
-              <a:t>Niveau d'un groupe d'unités</a:t>
-            </a:r>
-          </a:p>
-          <a:p>
-            <a:r>
-              <a:rPr lang="fr-FR"/>
-              <a:t>Comme l'estimation de l'effet du traitement individuel (Dyi) n'est pas possible, on se concentre sur l'</a:t>
-            </a:r>
-            <a:r>
-              <a:rPr lang="fr-FR" b="1"/>
-              <a:t>effet moyen du traitement </a:t>
-            </a:r>
-            <a:r>
-              <a:rPr lang="fr-FR"/>
-              <a:t>(average treatement effect : ATE)</a:t>
-            </a:r>
-          </a:p>
-          <a:p>
-            <a:r>
-              <a:rPr lang="fr-FR"/>
-              <a:t>Impossible de trouver deux unités identique, mais possible de trouver deux groupes statistiquement proches, voire identiques en moyenne</a:t>
-            </a:r>
-          </a:p>
-        </p:txBody>
-      </p:sp>
+      <mc:AlternateContent xmlns:mc="http://schemas.openxmlformats.org/markup-compatibility/2006">
+        <mc:Choice xmlns:a14="http://schemas.microsoft.com/office/drawing/2010/main" Requires="a14">
+          <p:sp>
+            <p:nvSpPr>
+              <p:cNvPr id="3" name="Espace réservé du contenu 2">
+                <a:extLst>
+                  <a:ext uri="{FF2B5EF4-FFF2-40B4-BE49-F238E27FC236}">
+                    <a16:creationId xmlns:a16="http://schemas.microsoft.com/office/drawing/2014/main" id="{71856BAB-D6FF-156E-9A26-2F26854BA5EA}"/>
+                  </a:ext>
+                </a:extLst>
+              </p:cNvPr>
+              <p:cNvSpPr>
+                <a:spLocks noGrp="1"/>
+              </p:cNvSpPr>
+              <p:nvPr>
+                <p:ph idx="1"/>
+                <p:custDataLst>
+                  <p:tags r:id="rId2"/>
+                </p:custDataLst>
+              </p:nvPr>
+            </p:nvSpPr>
+            <p:spPr/>
+            <p:txBody>
+              <a:bodyPr>
+                <a:normAutofit lnSpcReduction="10000"/>
+              </a:bodyPr>
+              <a:lstStyle/>
+              <a:p>
+                <a:r>
+                  <a:rPr lang="fr-FR"/>
+                  <a:t>Le défi empirique devient alors de constituer un </a:t>
+                </a:r>
+                <a:r>
+                  <a:rPr lang="fr-FR" b="1"/>
+                  <a:t>contrefactuel pertinent et valide</a:t>
+                </a:r>
+                <a:r>
+                  <a:rPr lang="fr-FR"/>
+                  <a:t>, c.-à-d. qui se rapproche le plus possible de ce qu'aurait été la situation de l'unité traitée en l'absence de traitement</a:t>
+                </a:r>
+              </a:p>
+              <a:p>
+                <a:r>
+                  <a:rPr lang="fr-FR"/>
+                  <a:t>Nécessiter de changer d'échelle dans l'approche contrefactuelle :</a:t>
+                </a:r>
+              </a:p>
+              <a:p>
+                <a:pPr marL="0" indent="0" algn="ctr">
+                  <a:buNone/>
+                </a:pPr>
+                <a:r>
+                  <a:rPr lang="fr-FR" b="1"/>
+                  <a:t>Niveau de l'unité </a:t>
+                </a:r>
+                <a:r>
+                  <a:rPr lang="fr-FR" b="1">
+                    <a:sym typeface="Wingdings" panose="05000000000000000000" pitchFamily="2" charset="2"/>
+                  </a:rPr>
+                  <a:t></a:t>
+                </a:r>
+                <a:r>
+                  <a:rPr lang="fr-FR"/>
+                  <a:t> </a:t>
+                </a:r>
+                <a:r>
+                  <a:rPr lang="fr-FR" b="1"/>
+                  <a:t>Niveau d'un groupe d'unités</a:t>
+                </a:r>
+              </a:p>
+              <a:p>
+                <a:r>
+                  <a:rPr lang="fr-FR"/>
+                  <a:t>Comme l'estimation de l'effet du traitement individuel (</a:t>
+                </a:r>
+                <a14:m>
+                  <m:oMath xmlns:m="http://schemas.openxmlformats.org/officeDocument/2006/math">
+                    <m:r>
+                      <m:rPr>
+                        <m:sty m:val="p"/>
+                      </m:rPr>
+                      <a:rPr lang="fr-FR" i="0" smtClean="0">
+                        <a:latin typeface="Cambria Math" panose="02040503050406030204" pitchFamily="18" charset="0"/>
+                      </a:rPr>
+                      <m:t>Δ</m:t>
+                    </m:r>
+                    <m:sSub>
+                      <m:sSubPr>
+                        <m:ctrlPr>
+                          <a:rPr lang="fr-FR" i="1" smtClean="0">
+                            <a:latin typeface="Cambria Math" panose="02040503050406030204" pitchFamily="18" charset="0"/>
+                          </a:rPr>
+                        </m:ctrlPr>
+                      </m:sSubPr>
+                      <m:e>
+                        <m:r>
+                          <a:rPr lang="fr-FR" b="0" i="1" smtClean="0">
+                            <a:latin typeface="Cambria Math" panose="02040503050406030204" pitchFamily="18" charset="0"/>
+                          </a:rPr>
+                          <m:t>𝑌</m:t>
+                        </m:r>
+                      </m:e>
+                      <m:sub>
+                        <m:r>
+                          <a:rPr lang="fr-FR" b="0" i="1" smtClean="0">
+                            <a:latin typeface="Cambria Math" panose="02040503050406030204" pitchFamily="18" charset="0"/>
+                          </a:rPr>
+                          <m:t>𝑖</m:t>
+                        </m:r>
+                      </m:sub>
+                    </m:sSub>
+                  </m:oMath>
+                </a14:m>
+                <a:r>
+                  <a:rPr lang="fr-FR"/>
+                  <a:t> ) n'est pas possible, on se concentre sur l'</a:t>
+                </a:r>
+                <a:r>
+                  <a:rPr lang="fr-FR" b="1"/>
+                  <a:t>effet moyen du traitement </a:t>
+                </a:r>
+                <a:r>
+                  <a:rPr lang="fr-FR"/>
+                  <a:t>(average treatement effect : ATE)</a:t>
+                </a:r>
+              </a:p>
+              <a:p>
+                <a:r>
+                  <a:rPr lang="fr-FR"/>
+                  <a:t>Impossible de trouver deux unités identique, mais possible de trouver deux groupes statistiquement proches, voire identiques en moyenne</a:t>
+                </a:r>
+              </a:p>
+            </p:txBody>
+          </p:sp>
+        </mc:Choice>
+        <mc:Fallback>
+          <p:sp>
+            <p:nvSpPr>
+              <p:cNvPr id="3" name="Espace réservé du contenu 2">
+                <a:extLst>
+                  <a:ext uri="{FF2B5EF4-FFF2-40B4-BE49-F238E27FC236}">
+                    <a16:creationId xmlns:a16="http://schemas.microsoft.com/office/drawing/2014/main" id="{71856BAB-D6FF-156E-9A26-2F26854BA5EA}"/>
+                  </a:ext>
+                </a:extLst>
+              </p:cNvPr>
+              <p:cNvSpPr>
+                <a:spLocks noGrp="1" noRot="1" noChangeAspect="1" noMove="1" noResize="1" noEditPoints="1" noAdjustHandles="1" noChangeArrowheads="1" noChangeShapeType="1" noTextEdit="1"/>
+              </p:cNvSpPr>
+              <p:nvPr>
+                <p:ph idx="1"/>
+                <p:custDataLst>
+                  <p:tags r:id="rId2"/>
+                </p:custDataLst>
+              </p:nvPr>
+            </p:nvSpPr>
+            <p:spPr>
+              <a:blipFill>
+                <a:blip r:embed="rId4"/>
+                <a:stretch>
+                  <a:fillRect l="-1043" t="-3081" r="-1565"/>
+                </a:stretch>
+              </a:blipFill>
+            </p:spPr>
+            <p:txBody>
+              <a:bodyPr/>
+              <a:lstStyle/>
+              <a:p>
+                <a:r>
+                  <a:rPr lang="fr-FR">
+                    <a:noFill/>
+                  </a:rPr>
+                  <a:t> </a:t>
+                </a:r>
+              </a:p>
+            </p:txBody>
+          </p:sp>
+        </mc:Fallback>
+      </mc:AlternateContent>
     </p:spTree>
     <p:extLst>
       <p:ext uri="{BB962C8B-B14F-4D97-AF65-F5344CB8AC3E}">
@@ -17352,8 +17508,8 @@
           </a:prstGeom>
         </p:spPr>
       </p:pic>
-      <mc:AlternateContent xmlns:mc="http://schemas.openxmlformats.org/markup-compatibility/2006" xmlns:a14="http://schemas.microsoft.com/office/drawing/2010/main">
-        <mc:Choice Requires="a14">
+      <mc:AlternateContent xmlns:mc="http://schemas.openxmlformats.org/markup-compatibility/2006">
+        <mc:Choice xmlns:a14="http://schemas.microsoft.com/office/drawing/2010/main" Requires="a14">
           <p:sp>
             <p:nvSpPr>
               <p:cNvPr id="38" name="Espace réservé du contenu 3">
@@ -17375,7 +17531,7 @@
             <p:spPr>
               <a:xfrm>
                 <a:off x="6314450" y="5079998"/>
-                <a:ext cx="5181600" cy="1096963"/>
+                <a:ext cx="5278460" cy="1096963"/>
               </a:xfrm>
               <a:prstGeom prst="rect">
                 <a:avLst/>
@@ -17383,7 +17539,7 @@
             </p:spPr>
             <p:txBody>
               <a:bodyPr vert="horz" lIns="91440" tIns="45720" rIns="91440" bIns="45720" rtlCol="0">
-                <a:normAutofit/>
+                <a:normAutofit fontScale="92500"/>
               </a:bodyPr>
               <a:lstStyle>
                 <a:lvl1pPr marL="228600" indent="-228600" algn="l" defTabSz="914400" rtl="0" eaLnBrk="1" latinLnBrk="0" hangingPunct="1">
@@ -17556,7 +17712,7 @@
                 </a:pPr>
                 <a:r>
                   <a:rPr lang="fr-FR"/>
-                  <a:t>Résultat moyen des bénéficiaires</a:t>
+                  <a:t>Résultat moyen des non-bénéficiaires</a:t>
                 </a:r>
               </a:p>
               <a:p>
@@ -17822,7 +17978,7 @@
             </p:txBody>
           </p:sp>
         </mc:Choice>
-        <mc:Fallback xmlns="">
+        <mc:Fallback>
           <p:sp>
             <p:nvSpPr>
               <p:cNvPr id="38" name="Espace réservé du contenu 3">
@@ -17837,22 +17993,22 @@
               </p:cNvSpPr>
               <p:nvPr>
                 <p:custDataLst>
-                  <p:tags r:id="rId77"/>
+                  <p:tags r:id="rId36"/>
                 </p:custDataLst>
               </p:nvPr>
             </p:nvSpPr>
             <p:spPr>
               <a:xfrm>
                 <a:off x="6314450" y="5079998"/>
-                <a:ext cx="5181600" cy="1096963"/>
+                <a:ext cx="5278460" cy="1096963"/>
               </a:xfrm>
               <a:prstGeom prst="rect">
                 <a:avLst/>
               </a:prstGeom>
               <a:blipFill>
-                <a:blip r:embed="rId78"/>
+                <a:blip r:embed="rId77"/>
                 <a:stretch>
-                  <a:fillRect l="-588" t="-8889"/>
+                  <a:fillRect l="-1155" t="-8333" r="-1155"/>
                 </a:stretch>
               </a:blipFill>
             </p:spPr>
@@ -20650,7 +20806,7 @@
             <a:pPr lvl="1"/>
             <a:r>
               <a:rPr lang="fr-FR" sz="2800"/>
-              <a:t>Cette approche de contrefactuel vous semble-t-elle pertinente pour vos travaux ? Avez-vous déjà rencontré ou utilisé des méthodes s'appuyant sur cette approche contrefactuelle</a:t>
+              <a:t>Revenez sur les cas pratiques que vous avez identifiés et précisez cette idée en imaginant un contrefactuel qui permettrait de l'évaluer.</a:t>
             </a:r>
           </a:p>
         </p:txBody>
@@ -22216,7 +22372,7 @@
           <a:p>
             <a:r>
               <a:rPr lang="fr-FR"/>
-              <a:t>Que vous inspirent ces approches ?</a:t>
+              <a:t>Quelles méthodes vous sembleraient pouvoir s'appliquer à votre cas pratique ?</a:t>
             </a:r>
           </a:p>
         </p:txBody>
@@ -24226,12 +24382,6 @@
 <file path=ppt/tags/tag154.xml><?xml version="1.0" encoding="utf-8"?>
 <p:tagLst xmlns:a="http://schemas.openxmlformats.org/drawingml/2006/main" xmlns:r="http://schemas.openxmlformats.org/officeDocument/2006/relationships" xmlns:p="http://schemas.openxmlformats.org/presentationml/2006/main">
   <p:tag name="NUM" val="30"/>
-</p:tagLst>
-</file>
-
-<file path=ppt/tags/tag1540.xml><?xml version="1.0" encoding="utf-8"?>
-<p:tagLst xmlns:a="http://schemas.openxmlformats.org/drawingml/2006/main" xmlns:r="http://schemas.openxmlformats.org/officeDocument/2006/relationships" xmlns:p="http://schemas.openxmlformats.org/presentationml/2006/main">
-  <p:tag name="NUM" val="36"/>
 </p:tagLst>
 </file>
 
